--- a/Gaming-Bets.pptx
+++ b/Gaming-Bets.pptx
@@ -4,15 +4,21 @@
   <p:sldMasterIdLst>
     <p:sldMasterId id="2147483648" r:id="rId1"/>
   </p:sldMasterIdLst>
+  <p:notesMasterIdLst>
+    <p:notesMasterId r:id="rId13"/>
+  </p:notesMasterIdLst>
   <p:sldIdLst>
     <p:sldId id="256" r:id="rId2"/>
     <p:sldId id="257" r:id="rId3"/>
     <p:sldId id="262" r:id="rId4"/>
     <p:sldId id="261" r:id="rId5"/>
     <p:sldId id="258" r:id="rId6"/>
-    <p:sldId id="263" r:id="rId7"/>
-    <p:sldId id="259" r:id="rId8"/>
-    <p:sldId id="260" r:id="rId9"/>
+    <p:sldId id="266" r:id="rId7"/>
+    <p:sldId id="267" r:id="rId8"/>
+    <p:sldId id="263" r:id="rId9"/>
+    <p:sldId id="264" r:id="rId10"/>
+    <p:sldId id="260" r:id="rId11"/>
+    <p:sldId id="259" r:id="rId12"/>
   </p:sldIdLst>
   <p:sldSz cx="12192000" cy="6858000"/>
   <p:notesSz cx="6858000" cy="9144000"/>
@@ -117,6 +123,691 @@
     </p:ext>
   </p:extLst>
 </p:presentation>
+</file>
+
+<file path=ppt/notesMasters/notesMaster1.xml><?xml version="1.0" encoding="utf-8"?>
+<p:notesMaster xmlns:a="http://schemas.openxmlformats.org/drawingml/2006/main" xmlns:r="http://schemas.openxmlformats.org/officeDocument/2006/relationships" xmlns:p="http://schemas.openxmlformats.org/presentationml/2006/main">
+  <p:cSld>
+    <p:bg>
+      <p:bgRef idx="1001">
+        <a:schemeClr val="bg1"/>
+      </p:bgRef>
+    </p:bg>
+    <p:spTree>
+      <p:nvGrpSpPr>
+        <p:cNvPr id="1" name=""/>
+        <p:cNvGrpSpPr/>
+        <p:nvPr/>
+      </p:nvGrpSpPr>
+      <p:grpSpPr>
+        <a:xfrm>
+          <a:off x="0" y="0"/>
+          <a:ext cx="0" cy="0"/>
+          <a:chOff x="0" y="0"/>
+          <a:chExt cx="0" cy="0"/>
+        </a:xfrm>
+      </p:grpSpPr>
+      <p:sp>
+        <p:nvSpPr>
+          <p:cNvPr id="2" name="Kopfzeilenplatzhalter 1"/>
+          <p:cNvSpPr>
+            <a:spLocks noGrp="1"/>
+          </p:cNvSpPr>
+          <p:nvPr>
+            <p:ph type="hdr" sz="quarter"/>
+          </p:nvPr>
+        </p:nvSpPr>
+        <p:spPr>
+          <a:xfrm>
+            <a:off x="0" y="0"/>
+            <a:ext cx="2971800" cy="458788"/>
+          </a:xfrm>
+          <a:prstGeom prst="rect">
+            <a:avLst/>
+          </a:prstGeom>
+        </p:spPr>
+        <p:txBody>
+          <a:bodyPr vert="horz" lIns="91440" tIns="45720" rIns="91440" bIns="45720" rtlCol="0"/>
+          <a:lstStyle>
+            <a:lvl1pPr algn="l">
+              <a:defRPr sz="1200"/>
+            </a:lvl1pPr>
+          </a:lstStyle>
+          <a:p>
+            <a:endParaRPr lang="en-GB"/>
+          </a:p>
+        </p:txBody>
+      </p:sp>
+      <p:sp>
+        <p:nvSpPr>
+          <p:cNvPr id="3" name="Datumsplatzhalter 2"/>
+          <p:cNvSpPr>
+            <a:spLocks noGrp="1"/>
+          </p:cNvSpPr>
+          <p:nvPr>
+            <p:ph type="dt" idx="1"/>
+          </p:nvPr>
+        </p:nvSpPr>
+        <p:spPr>
+          <a:xfrm>
+            <a:off x="3884613" y="0"/>
+            <a:ext cx="2971800" cy="458788"/>
+          </a:xfrm>
+          <a:prstGeom prst="rect">
+            <a:avLst/>
+          </a:prstGeom>
+        </p:spPr>
+        <p:txBody>
+          <a:bodyPr vert="horz" lIns="91440" tIns="45720" rIns="91440" bIns="45720" rtlCol="0"/>
+          <a:lstStyle>
+            <a:lvl1pPr algn="r">
+              <a:defRPr sz="1200"/>
+            </a:lvl1pPr>
+          </a:lstStyle>
+          <a:p>
+            <a:fld id="{7882B33C-3DFA-4C2F-BD92-D37895759FA8}" type="datetimeFigureOut">
+              <a:rPr lang="en-GB" smtClean="0"/>
+              <a:t>10/12/2015</a:t>
+            </a:fld>
+            <a:endParaRPr lang="en-GB"/>
+          </a:p>
+        </p:txBody>
+      </p:sp>
+      <p:sp>
+        <p:nvSpPr>
+          <p:cNvPr id="4" name="Folienbildplatzhalter 3"/>
+          <p:cNvSpPr>
+            <a:spLocks noGrp="1" noRot="1" noChangeAspect="1"/>
+          </p:cNvSpPr>
+          <p:nvPr>
+            <p:ph type="sldImg" idx="2"/>
+          </p:nvPr>
+        </p:nvSpPr>
+        <p:spPr>
+          <a:xfrm>
+            <a:off x="685800" y="1143000"/>
+            <a:ext cx="5486400" cy="3086100"/>
+          </a:xfrm>
+          <a:prstGeom prst="rect">
+            <a:avLst/>
+          </a:prstGeom>
+          <a:noFill/>
+          <a:ln w="12700">
+            <a:solidFill>
+              <a:prstClr val="black"/>
+            </a:solidFill>
+          </a:ln>
+        </p:spPr>
+        <p:txBody>
+          <a:bodyPr vert="horz" lIns="91440" tIns="45720" rIns="91440" bIns="45720" rtlCol="0" anchor="ctr"/>
+          <a:lstStyle/>
+          <a:p>
+            <a:endParaRPr lang="en-GB"/>
+          </a:p>
+        </p:txBody>
+      </p:sp>
+      <p:sp>
+        <p:nvSpPr>
+          <p:cNvPr id="5" name="Notizenplatzhalter 4"/>
+          <p:cNvSpPr>
+            <a:spLocks noGrp="1"/>
+          </p:cNvSpPr>
+          <p:nvPr>
+            <p:ph type="body" sz="quarter" idx="3"/>
+          </p:nvPr>
+        </p:nvSpPr>
+        <p:spPr>
+          <a:xfrm>
+            <a:off x="685800" y="4400550"/>
+            <a:ext cx="5486400" cy="3600450"/>
+          </a:xfrm>
+          <a:prstGeom prst="rect">
+            <a:avLst/>
+          </a:prstGeom>
+        </p:spPr>
+        <p:txBody>
+          <a:bodyPr vert="horz" lIns="91440" tIns="45720" rIns="91440" bIns="45720" rtlCol="0"/>
+          <a:lstStyle/>
+          <a:p>
+            <a:pPr lvl="0"/>
+            <a:r>
+              <a:rPr lang="de-DE" smtClean="0"/>
+              <a:t>Textmasterformat bearbeiten</a:t>
+            </a:r>
+          </a:p>
+          <a:p>
+            <a:pPr lvl="1"/>
+            <a:r>
+              <a:rPr lang="de-DE" smtClean="0"/>
+              <a:t>Zweite Ebene</a:t>
+            </a:r>
+          </a:p>
+          <a:p>
+            <a:pPr lvl="2"/>
+            <a:r>
+              <a:rPr lang="de-DE" smtClean="0"/>
+              <a:t>Dritte Ebene</a:t>
+            </a:r>
+          </a:p>
+          <a:p>
+            <a:pPr lvl="3"/>
+            <a:r>
+              <a:rPr lang="de-DE" smtClean="0"/>
+              <a:t>Vierte Ebene</a:t>
+            </a:r>
+          </a:p>
+          <a:p>
+            <a:pPr lvl="4"/>
+            <a:r>
+              <a:rPr lang="de-DE" smtClean="0"/>
+              <a:t>Fünfte Ebene</a:t>
+            </a:r>
+            <a:endParaRPr lang="en-GB"/>
+          </a:p>
+        </p:txBody>
+      </p:sp>
+      <p:sp>
+        <p:nvSpPr>
+          <p:cNvPr id="6" name="Fußzeilenplatzhalter 5"/>
+          <p:cNvSpPr>
+            <a:spLocks noGrp="1"/>
+          </p:cNvSpPr>
+          <p:nvPr>
+            <p:ph type="ftr" sz="quarter" idx="4"/>
+          </p:nvPr>
+        </p:nvSpPr>
+        <p:spPr>
+          <a:xfrm>
+            <a:off x="0" y="8685213"/>
+            <a:ext cx="2971800" cy="458787"/>
+          </a:xfrm>
+          <a:prstGeom prst="rect">
+            <a:avLst/>
+          </a:prstGeom>
+        </p:spPr>
+        <p:txBody>
+          <a:bodyPr vert="horz" lIns="91440" tIns="45720" rIns="91440" bIns="45720" rtlCol="0" anchor="b"/>
+          <a:lstStyle>
+            <a:lvl1pPr algn="l">
+              <a:defRPr sz="1200"/>
+            </a:lvl1pPr>
+          </a:lstStyle>
+          <a:p>
+            <a:endParaRPr lang="en-GB"/>
+          </a:p>
+        </p:txBody>
+      </p:sp>
+      <p:sp>
+        <p:nvSpPr>
+          <p:cNvPr id="7" name="Foliennummernplatzhalter 6"/>
+          <p:cNvSpPr>
+            <a:spLocks noGrp="1"/>
+          </p:cNvSpPr>
+          <p:nvPr>
+            <p:ph type="sldNum" sz="quarter" idx="5"/>
+          </p:nvPr>
+        </p:nvSpPr>
+        <p:spPr>
+          <a:xfrm>
+            <a:off x="3884613" y="8685213"/>
+            <a:ext cx="2971800" cy="458787"/>
+          </a:xfrm>
+          <a:prstGeom prst="rect">
+            <a:avLst/>
+          </a:prstGeom>
+        </p:spPr>
+        <p:txBody>
+          <a:bodyPr vert="horz" lIns="91440" tIns="45720" rIns="91440" bIns="45720" rtlCol="0" anchor="b"/>
+          <a:lstStyle>
+            <a:lvl1pPr algn="r">
+              <a:defRPr sz="1200"/>
+            </a:lvl1pPr>
+          </a:lstStyle>
+          <a:p>
+            <a:fld id="{E3F25372-0542-480F-B0CF-44A11105944C}" type="slidenum">
+              <a:rPr lang="en-GB" smtClean="0"/>
+              <a:t>‹Nr.›</a:t>
+            </a:fld>
+            <a:endParaRPr lang="en-GB"/>
+          </a:p>
+        </p:txBody>
+      </p:sp>
+    </p:spTree>
+    <p:extLst>
+      <p:ext uri="{BB962C8B-B14F-4D97-AF65-F5344CB8AC3E}">
+        <p14:creationId xmlns:p14="http://schemas.microsoft.com/office/powerpoint/2010/main" val="896018979"/>
+      </p:ext>
+    </p:extLst>
+  </p:cSld>
+  <p:clrMap bg1="lt1" tx1="dk1" bg2="lt2" tx2="dk2" accent1="accent1" accent2="accent2" accent3="accent3" accent4="accent4" accent5="accent5" accent6="accent6" hlink="hlink" folHlink="folHlink"/>
+  <p:notesStyle>
+    <a:lvl1pPr marL="0" algn="l" defTabSz="914400" rtl="0" eaLnBrk="1" latinLnBrk="0" hangingPunct="1">
+      <a:defRPr sz="1200" kern="1200">
+        <a:solidFill>
+          <a:schemeClr val="tx1"/>
+        </a:solidFill>
+        <a:latin typeface="+mn-lt"/>
+        <a:ea typeface="+mn-ea"/>
+        <a:cs typeface="+mn-cs"/>
+      </a:defRPr>
+    </a:lvl1pPr>
+    <a:lvl2pPr marL="457200" algn="l" defTabSz="914400" rtl="0" eaLnBrk="1" latinLnBrk="0" hangingPunct="1">
+      <a:defRPr sz="1200" kern="1200">
+        <a:solidFill>
+          <a:schemeClr val="tx1"/>
+        </a:solidFill>
+        <a:latin typeface="+mn-lt"/>
+        <a:ea typeface="+mn-ea"/>
+        <a:cs typeface="+mn-cs"/>
+      </a:defRPr>
+    </a:lvl2pPr>
+    <a:lvl3pPr marL="914400" algn="l" defTabSz="914400" rtl="0" eaLnBrk="1" latinLnBrk="0" hangingPunct="1">
+      <a:defRPr sz="1200" kern="1200">
+        <a:solidFill>
+          <a:schemeClr val="tx1"/>
+        </a:solidFill>
+        <a:latin typeface="+mn-lt"/>
+        <a:ea typeface="+mn-ea"/>
+        <a:cs typeface="+mn-cs"/>
+      </a:defRPr>
+    </a:lvl3pPr>
+    <a:lvl4pPr marL="1371600" algn="l" defTabSz="914400" rtl="0" eaLnBrk="1" latinLnBrk="0" hangingPunct="1">
+      <a:defRPr sz="1200" kern="1200">
+        <a:solidFill>
+          <a:schemeClr val="tx1"/>
+        </a:solidFill>
+        <a:latin typeface="+mn-lt"/>
+        <a:ea typeface="+mn-ea"/>
+        <a:cs typeface="+mn-cs"/>
+      </a:defRPr>
+    </a:lvl4pPr>
+    <a:lvl5pPr marL="1828800" algn="l" defTabSz="914400" rtl="0" eaLnBrk="1" latinLnBrk="0" hangingPunct="1">
+      <a:defRPr sz="1200" kern="1200">
+        <a:solidFill>
+          <a:schemeClr val="tx1"/>
+        </a:solidFill>
+        <a:latin typeface="+mn-lt"/>
+        <a:ea typeface="+mn-ea"/>
+        <a:cs typeface="+mn-cs"/>
+      </a:defRPr>
+    </a:lvl5pPr>
+    <a:lvl6pPr marL="2286000" algn="l" defTabSz="914400" rtl="0" eaLnBrk="1" latinLnBrk="0" hangingPunct="1">
+      <a:defRPr sz="1200" kern="1200">
+        <a:solidFill>
+          <a:schemeClr val="tx1"/>
+        </a:solidFill>
+        <a:latin typeface="+mn-lt"/>
+        <a:ea typeface="+mn-ea"/>
+        <a:cs typeface="+mn-cs"/>
+      </a:defRPr>
+    </a:lvl6pPr>
+    <a:lvl7pPr marL="2743200" algn="l" defTabSz="914400" rtl="0" eaLnBrk="1" latinLnBrk="0" hangingPunct="1">
+      <a:defRPr sz="1200" kern="1200">
+        <a:solidFill>
+          <a:schemeClr val="tx1"/>
+        </a:solidFill>
+        <a:latin typeface="+mn-lt"/>
+        <a:ea typeface="+mn-ea"/>
+        <a:cs typeface="+mn-cs"/>
+      </a:defRPr>
+    </a:lvl7pPr>
+    <a:lvl8pPr marL="3200400" algn="l" defTabSz="914400" rtl="0" eaLnBrk="1" latinLnBrk="0" hangingPunct="1">
+      <a:defRPr sz="1200" kern="1200">
+        <a:solidFill>
+          <a:schemeClr val="tx1"/>
+        </a:solidFill>
+        <a:latin typeface="+mn-lt"/>
+        <a:ea typeface="+mn-ea"/>
+        <a:cs typeface="+mn-cs"/>
+      </a:defRPr>
+    </a:lvl8pPr>
+    <a:lvl9pPr marL="3657600" algn="l" defTabSz="914400" rtl="0" eaLnBrk="1" latinLnBrk="0" hangingPunct="1">
+      <a:defRPr sz="1200" kern="1200">
+        <a:solidFill>
+          <a:schemeClr val="tx1"/>
+        </a:solidFill>
+        <a:latin typeface="+mn-lt"/>
+        <a:ea typeface="+mn-ea"/>
+        <a:cs typeface="+mn-cs"/>
+      </a:defRPr>
+    </a:lvl9pPr>
+  </p:notesStyle>
+</p:notesMaster>
+</file>
+
+<file path=ppt/notesSlides/notesSlide1.xml><?xml version="1.0" encoding="utf-8"?>
+<p:notes xmlns:a="http://schemas.openxmlformats.org/drawingml/2006/main" xmlns:r="http://schemas.openxmlformats.org/officeDocument/2006/relationships" xmlns:p="http://schemas.openxmlformats.org/presentationml/2006/main">
+  <p:cSld>
+    <p:spTree>
+      <p:nvGrpSpPr>
+        <p:cNvPr id="1" name=""/>
+        <p:cNvGrpSpPr/>
+        <p:nvPr/>
+      </p:nvGrpSpPr>
+      <p:grpSpPr>
+        <a:xfrm>
+          <a:off x="0" y="0"/>
+          <a:ext cx="0" cy="0"/>
+          <a:chOff x="0" y="0"/>
+          <a:chExt cx="0" cy="0"/>
+        </a:xfrm>
+      </p:grpSpPr>
+      <p:sp>
+        <p:nvSpPr>
+          <p:cNvPr id="2" name="Folienbildplatzhalter 1"/>
+          <p:cNvSpPr>
+            <a:spLocks noGrp="1" noRot="1" noChangeAspect="1"/>
+          </p:cNvSpPr>
+          <p:nvPr>
+            <p:ph type="sldImg"/>
+          </p:nvPr>
+        </p:nvSpPr>
+        <p:spPr/>
+      </p:sp>
+      <p:sp>
+        <p:nvSpPr>
+          <p:cNvPr id="3" name="Notizenplatzhalter 2"/>
+          <p:cNvSpPr>
+            <a:spLocks noGrp="1"/>
+          </p:cNvSpPr>
+          <p:nvPr>
+            <p:ph type="body" idx="1"/>
+          </p:nvPr>
+        </p:nvSpPr>
+        <p:spPr/>
+        <p:txBody>
+          <a:bodyPr/>
+          <a:lstStyle/>
+          <a:p>
+            <a:r>
+              <a:rPr lang="de-DE" dirty="0" smtClean="0"/>
+              <a:t>Integrated </a:t>
+            </a:r>
+            <a:r>
+              <a:rPr lang="de-DE" dirty="0" err="1" smtClean="0"/>
+              <a:t>jira</a:t>
+            </a:r>
+            <a:r>
+              <a:rPr lang="de-DE" dirty="0" smtClean="0"/>
+              <a:t> </a:t>
+            </a:r>
+            <a:r>
+              <a:rPr lang="de-DE" dirty="0" err="1" smtClean="0"/>
+              <a:t>into</a:t>
+            </a:r>
+            <a:r>
+              <a:rPr lang="de-DE" baseline="0" dirty="0" smtClean="0"/>
+              <a:t> DIE</a:t>
+            </a:r>
+          </a:p>
+          <a:p>
+            <a:r>
+              <a:rPr lang="de-DE" baseline="0" dirty="0" err="1" smtClean="0"/>
+              <a:t>Automatically</a:t>
+            </a:r>
+            <a:r>
+              <a:rPr lang="de-DE" baseline="0" dirty="0" smtClean="0"/>
+              <a:t> </a:t>
+            </a:r>
+            <a:r>
+              <a:rPr lang="de-DE" baseline="0" dirty="0" err="1" smtClean="0"/>
+              <a:t>loging</a:t>
+            </a:r>
+            <a:r>
+              <a:rPr lang="de-DE" baseline="0" dirty="0" smtClean="0"/>
+              <a:t> </a:t>
+            </a:r>
+            <a:r>
+              <a:rPr lang="de-DE" baseline="0" dirty="0" err="1" smtClean="0"/>
+              <a:t>worktime</a:t>
+            </a:r>
+            <a:endParaRPr lang="en-GB" dirty="0"/>
+          </a:p>
+        </p:txBody>
+      </p:sp>
+      <p:sp>
+        <p:nvSpPr>
+          <p:cNvPr id="4" name="Foliennummernplatzhalter 3"/>
+          <p:cNvSpPr>
+            <a:spLocks noGrp="1"/>
+          </p:cNvSpPr>
+          <p:nvPr>
+            <p:ph type="sldNum" sz="quarter" idx="10"/>
+          </p:nvPr>
+        </p:nvSpPr>
+        <p:spPr/>
+        <p:txBody>
+          <a:bodyPr/>
+          <a:lstStyle/>
+          <a:p>
+            <a:fld id="{E3F25372-0542-480F-B0CF-44A11105944C}" type="slidenum">
+              <a:rPr lang="en-GB" smtClean="0"/>
+              <a:t>5</a:t>
+            </a:fld>
+            <a:endParaRPr lang="en-GB"/>
+          </a:p>
+        </p:txBody>
+      </p:sp>
+    </p:spTree>
+    <p:extLst>
+      <p:ext uri="{BB962C8B-B14F-4D97-AF65-F5344CB8AC3E}">
+        <p14:creationId xmlns:p14="http://schemas.microsoft.com/office/powerpoint/2010/main" val="2847961481"/>
+      </p:ext>
+    </p:extLst>
+  </p:cSld>
+  <p:clrMapOvr>
+    <a:masterClrMapping/>
+  </p:clrMapOvr>
+</p:notes>
+</file>
+
+<file path=ppt/notesSlides/notesSlide2.xml><?xml version="1.0" encoding="utf-8"?>
+<p:notes xmlns:a="http://schemas.openxmlformats.org/drawingml/2006/main" xmlns:r="http://schemas.openxmlformats.org/officeDocument/2006/relationships" xmlns:p="http://schemas.openxmlformats.org/presentationml/2006/main">
+  <p:cSld>
+    <p:spTree>
+      <p:nvGrpSpPr>
+        <p:cNvPr id="1" name=""/>
+        <p:cNvGrpSpPr/>
+        <p:nvPr/>
+      </p:nvGrpSpPr>
+      <p:grpSpPr>
+        <a:xfrm>
+          <a:off x="0" y="0"/>
+          <a:ext cx="0" cy="0"/>
+          <a:chOff x="0" y="0"/>
+          <a:chExt cx="0" cy="0"/>
+        </a:xfrm>
+      </p:grpSpPr>
+      <p:sp>
+        <p:nvSpPr>
+          <p:cNvPr id="2" name="Folienbildplatzhalter 1"/>
+          <p:cNvSpPr>
+            <a:spLocks noGrp="1" noRot="1" noChangeAspect="1"/>
+          </p:cNvSpPr>
+          <p:nvPr>
+            <p:ph type="sldImg"/>
+          </p:nvPr>
+        </p:nvSpPr>
+        <p:spPr/>
+      </p:sp>
+      <p:sp>
+        <p:nvSpPr>
+          <p:cNvPr id="3" name="Notizenplatzhalter 2"/>
+          <p:cNvSpPr>
+            <a:spLocks noGrp="1"/>
+          </p:cNvSpPr>
+          <p:nvPr>
+            <p:ph type="body" idx="1"/>
+          </p:nvPr>
+        </p:nvSpPr>
+        <p:spPr/>
+        <p:txBody>
+          <a:bodyPr/>
+          <a:lstStyle/>
+          <a:p>
+            <a:r>
+              <a:rPr lang="de-DE" dirty="0" smtClean="0"/>
+              <a:t>Easy</a:t>
+            </a:r>
+            <a:r>
+              <a:rPr lang="de-DE" baseline="0" dirty="0" smtClean="0"/>
+              <a:t> </a:t>
+            </a:r>
+            <a:r>
+              <a:rPr lang="de-DE" baseline="0" dirty="0" err="1" smtClean="0"/>
+              <a:t>to</a:t>
+            </a:r>
+            <a:r>
+              <a:rPr lang="de-DE" baseline="0" dirty="0" smtClean="0"/>
+              <a:t> </a:t>
+            </a:r>
+            <a:r>
+              <a:rPr lang="de-DE" baseline="0" dirty="0" err="1" smtClean="0"/>
+              <a:t>Replace</a:t>
+            </a:r>
+            <a:r>
+              <a:rPr lang="de-DE" baseline="0" dirty="0" smtClean="0"/>
+              <a:t> Communication Typ!</a:t>
+            </a:r>
+          </a:p>
+          <a:p>
+            <a:endParaRPr lang="de-DE" baseline="0" dirty="0" smtClean="0"/>
+          </a:p>
+          <a:p>
+            <a:endParaRPr lang="en-GB" dirty="0"/>
+          </a:p>
+        </p:txBody>
+      </p:sp>
+      <p:sp>
+        <p:nvSpPr>
+          <p:cNvPr id="4" name="Foliennummernplatzhalter 3"/>
+          <p:cNvSpPr>
+            <a:spLocks noGrp="1"/>
+          </p:cNvSpPr>
+          <p:nvPr>
+            <p:ph type="sldNum" sz="quarter" idx="10"/>
+          </p:nvPr>
+        </p:nvSpPr>
+        <p:spPr/>
+        <p:txBody>
+          <a:bodyPr/>
+          <a:lstStyle/>
+          <a:p>
+            <a:fld id="{E3F25372-0542-480F-B0CF-44A11105944C}" type="slidenum">
+              <a:rPr lang="en-GB" smtClean="0"/>
+              <a:t>8</a:t>
+            </a:fld>
+            <a:endParaRPr lang="en-GB"/>
+          </a:p>
+        </p:txBody>
+      </p:sp>
+    </p:spTree>
+    <p:extLst>
+      <p:ext uri="{BB962C8B-B14F-4D97-AF65-F5344CB8AC3E}">
+        <p14:creationId xmlns:p14="http://schemas.microsoft.com/office/powerpoint/2010/main" val="738267"/>
+      </p:ext>
+    </p:extLst>
+  </p:cSld>
+  <p:clrMapOvr>
+    <a:masterClrMapping/>
+  </p:clrMapOvr>
+</p:notes>
+</file>
+
+<file path=ppt/notesSlides/notesSlide3.xml><?xml version="1.0" encoding="utf-8"?>
+<p:notes xmlns:a="http://schemas.openxmlformats.org/drawingml/2006/main" xmlns:r="http://schemas.openxmlformats.org/officeDocument/2006/relationships" xmlns:p="http://schemas.openxmlformats.org/presentationml/2006/main">
+  <p:cSld>
+    <p:spTree>
+      <p:nvGrpSpPr>
+        <p:cNvPr id="1" name=""/>
+        <p:cNvGrpSpPr/>
+        <p:nvPr/>
+      </p:nvGrpSpPr>
+      <p:grpSpPr>
+        <a:xfrm>
+          <a:off x="0" y="0"/>
+          <a:ext cx="0" cy="0"/>
+          <a:chOff x="0" y="0"/>
+          <a:chExt cx="0" cy="0"/>
+        </a:xfrm>
+      </p:grpSpPr>
+      <p:sp>
+        <p:nvSpPr>
+          <p:cNvPr id="2" name="Folienbildplatzhalter 1"/>
+          <p:cNvSpPr>
+            <a:spLocks noGrp="1" noRot="1" noChangeAspect="1"/>
+          </p:cNvSpPr>
+          <p:nvPr>
+            <p:ph type="sldImg"/>
+          </p:nvPr>
+        </p:nvSpPr>
+        <p:spPr/>
+      </p:sp>
+      <p:sp>
+        <p:nvSpPr>
+          <p:cNvPr id="3" name="Notizenplatzhalter 2"/>
+          <p:cNvSpPr>
+            <a:spLocks noGrp="1"/>
+          </p:cNvSpPr>
+          <p:nvPr>
+            <p:ph type="body" idx="1"/>
+          </p:nvPr>
+        </p:nvSpPr>
+        <p:spPr/>
+        <p:txBody>
+          <a:bodyPr/>
+          <a:lstStyle/>
+          <a:p>
+            <a:r>
+              <a:rPr lang="de-DE" dirty="0" smtClean="0"/>
+              <a:t>Link </a:t>
+            </a:r>
+            <a:r>
+              <a:rPr lang="de-DE" dirty="0" err="1" smtClean="0"/>
+              <a:t>updated</a:t>
+            </a:r>
+            <a:r>
+              <a:rPr lang="de-DE" dirty="0" smtClean="0"/>
+              <a:t>?</a:t>
+            </a:r>
+            <a:endParaRPr lang="en-GB" dirty="0"/>
+          </a:p>
+        </p:txBody>
+      </p:sp>
+      <p:sp>
+        <p:nvSpPr>
+          <p:cNvPr id="4" name="Foliennummernplatzhalter 3"/>
+          <p:cNvSpPr>
+            <a:spLocks noGrp="1"/>
+          </p:cNvSpPr>
+          <p:nvPr>
+            <p:ph type="sldNum" sz="quarter" idx="10"/>
+          </p:nvPr>
+        </p:nvSpPr>
+        <p:spPr/>
+        <p:txBody>
+          <a:bodyPr/>
+          <a:lstStyle/>
+          <a:p>
+            <a:fld id="{E3F25372-0542-480F-B0CF-44A11105944C}" type="slidenum">
+              <a:rPr lang="en-GB" smtClean="0"/>
+              <a:t>11</a:t>
+            </a:fld>
+            <a:endParaRPr lang="en-GB"/>
+          </a:p>
+        </p:txBody>
+      </p:sp>
+    </p:spTree>
+    <p:extLst>
+      <p:ext uri="{BB962C8B-B14F-4D97-AF65-F5344CB8AC3E}">
+        <p14:creationId xmlns:p14="http://schemas.microsoft.com/office/powerpoint/2010/main" val="3527748076"/>
+      </p:ext>
+    </p:extLst>
+  </p:cSld>
+  <p:clrMapOvr>
+    <a:masterClrMapping/>
+  </p:clrMapOvr>
+</p:notes>
 </file>
 
 <file path=ppt/slideLayouts/slideLayout1.xml><?xml version="1.0" encoding="utf-8"?>
@@ -6156,12 +6847,12 @@
               <a:t> E-Sport </a:t>
             </a:r>
             <a:r>
-              <a:rPr lang="de-DE" dirty="0" err="1" smtClean="0"/>
-              <a:t>were</a:t>
-            </a:r>
-            <a:r>
               <a:rPr lang="de-DE" dirty="0" smtClean="0"/>
-              <a:t> easy, </a:t>
+              <a:t>was easy</a:t>
+            </a:r>
+            <a:r>
+              <a:rPr lang="de-DE" dirty="0" smtClean="0"/>
+              <a:t>, </a:t>
             </a:r>
             <a:r>
               <a:rPr lang="de-DE" dirty="0" err="1" smtClean="0"/>
@@ -6202,6 +6893,591 @@
     <p:extLst>
       <p:ext uri="{BB962C8B-B14F-4D97-AF65-F5344CB8AC3E}">
         <p14:creationId xmlns:p14="http://schemas.microsoft.com/office/powerpoint/2010/main" val="194292548"/>
+      </p:ext>
+    </p:extLst>
+  </p:cSld>
+  <p:clrMapOvr>
+    <a:masterClrMapping/>
+  </p:clrMapOvr>
+  <p:timing>
+    <p:tnLst>
+      <p:par>
+        <p:cTn id="1" dur="indefinite" restart="never" nodeType="tmRoot"/>
+      </p:par>
+    </p:tnLst>
+  </p:timing>
+</p:sld>
+</file>
+
+<file path=ppt/slides/slide10.xml><?xml version="1.0" encoding="utf-8"?>
+<p:sld xmlns:a="http://schemas.openxmlformats.org/drawingml/2006/main" xmlns:r="http://schemas.openxmlformats.org/officeDocument/2006/relationships" xmlns:p="http://schemas.openxmlformats.org/presentationml/2006/main">
+  <p:cSld>
+    <p:spTree>
+      <p:nvGrpSpPr>
+        <p:cNvPr id="1" name=""/>
+        <p:cNvGrpSpPr/>
+        <p:nvPr/>
+      </p:nvGrpSpPr>
+      <p:grpSpPr>
+        <a:xfrm>
+          <a:off x="0" y="0"/>
+          <a:ext cx="0" cy="0"/>
+          <a:chOff x="0" y="0"/>
+          <a:chExt cx="0" cy="0"/>
+        </a:xfrm>
+      </p:grpSpPr>
+      <p:sp>
+        <p:nvSpPr>
+          <p:cNvPr id="2" name="Titel 1"/>
+          <p:cNvSpPr>
+            <a:spLocks noGrp="1"/>
+          </p:cNvSpPr>
+          <p:nvPr>
+            <p:ph type="title"/>
+          </p:nvPr>
+        </p:nvSpPr>
+        <p:spPr/>
+        <p:txBody>
+          <a:bodyPr/>
+          <a:lstStyle/>
+          <a:p>
+            <a:r>
+              <a:rPr lang="de-DE" dirty="0" err="1" smtClean="0"/>
+              <a:t>Behavior</a:t>
+            </a:r>
+            <a:r>
+              <a:rPr lang="de-DE" dirty="0" smtClean="0"/>
+              <a:t> </a:t>
+            </a:r>
+            <a:r>
+              <a:rPr lang="de-DE" dirty="0" err="1" smtClean="0"/>
+              <a:t>Driven</a:t>
+            </a:r>
+            <a:r>
+              <a:rPr lang="de-DE" dirty="0" smtClean="0"/>
+              <a:t> </a:t>
+            </a:r>
+            <a:r>
+              <a:rPr lang="de-DE" dirty="0" err="1" smtClean="0"/>
+              <a:t>Developement</a:t>
+            </a:r>
+            <a:endParaRPr lang="de-DE" dirty="0"/>
+          </a:p>
+        </p:txBody>
+      </p:sp>
+      <p:sp>
+        <p:nvSpPr>
+          <p:cNvPr id="3" name="Inhaltsplatzhalter 2"/>
+          <p:cNvSpPr>
+            <a:spLocks noGrp="1"/>
+          </p:cNvSpPr>
+          <p:nvPr>
+            <p:ph idx="1"/>
+          </p:nvPr>
+        </p:nvSpPr>
+        <p:spPr/>
+        <p:txBody>
+          <a:bodyPr anchor="t"/>
+          <a:lstStyle/>
+          <a:p>
+            <a:r>
+              <a:rPr lang="de-DE" dirty="0" smtClean="0"/>
+              <a:t>Tests </a:t>
+            </a:r>
+            <a:r>
+              <a:rPr lang="de-DE" dirty="0" err="1" smtClean="0"/>
+              <a:t>written</a:t>
+            </a:r>
+            <a:r>
+              <a:rPr lang="de-DE" dirty="0" smtClean="0"/>
+              <a:t> in </a:t>
+            </a:r>
+            <a:r>
+              <a:rPr lang="de-DE" dirty="0" err="1" smtClean="0"/>
+              <a:t>Gherkin</a:t>
+            </a:r>
+            <a:r>
+              <a:rPr lang="de-DE" dirty="0" smtClean="0"/>
+              <a:t> </a:t>
+            </a:r>
+          </a:p>
+          <a:p>
+            <a:pPr lvl="1"/>
+            <a:r>
+              <a:rPr lang="de-DE" dirty="0" smtClean="0"/>
+              <a:t>Easy </a:t>
+            </a:r>
+            <a:r>
+              <a:rPr lang="de-DE" dirty="0" err="1" smtClean="0"/>
+              <a:t>to</a:t>
+            </a:r>
+            <a:r>
+              <a:rPr lang="de-DE" dirty="0" smtClean="0"/>
+              <a:t> </a:t>
+            </a:r>
+            <a:r>
+              <a:rPr lang="de-DE" dirty="0" err="1" smtClean="0"/>
+              <a:t>Use</a:t>
+            </a:r>
+            <a:r>
+              <a:rPr lang="de-DE" dirty="0" smtClean="0"/>
+              <a:t> </a:t>
+            </a:r>
+            <a:r>
+              <a:rPr lang="de-DE" dirty="0" err="1" smtClean="0"/>
+              <a:t>for</a:t>
+            </a:r>
+            <a:r>
+              <a:rPr lang="de-DE" dirty="0" smtClean="0"/>
+              <a:t> non </a:t>
+            </a:r>
+            <a:r>
+              <a:rPr lang="de-DE" dirty="0" err="1" smtClean="0"/>
+              <a:t>Programmers</a:t>
+            </a:r>
+            <a:endParaRPr lang="de-DE" dirty="0" smtClean="0"/>
+          </a:p>
+          <a:p>
+            <a:pPr lvl="1"/>
+            <a:r>
+              <a:rPr lang="de-DE" dirty="0" err="1" smtClean="0"/>
+              <a:t>Use</a:t>
+            </a:r>
+            <a:r>
+              <a:rPr lang="de-DE" dirty="0" smtClean="0"/>
+              <a:t> </a:t>
+            </a:r>
+            <a:r>
+              <a:rPr lang="de-DE" dirty="0" err="1" smtClean="0"/>
+              <a:t>predefined</a:t>
+            </a:r>
+            <a:r>
+              <a:rPr lang="de-DE" dirty="0" smtClean="0"/>
+              <a:t> </a:t>
+            </a:r>
+            <a:r>
+              <a:rPr lang="de-DE" dirty="0" err="1" smtClean="0"/>
+              <a:t>Steps</a:t>
+            </a:r>
+            <a:r>
+              <a:rPr lang="de-DE" dirty="0" smtClean="0"/>
+              <a:t>!</a:t>
+            </a:r>
+            <a:endParaRPr lang="de-DE" dirty="0" smtClean="0"/>
+          </a:p>
+          <a:p>
+            <a:r>
+              <a:rPr lang="de-DE" dirty="0" err="1" smtClean="0"/>
+              <a:t>Calabash</a:t>
+            </a:r>
+            <a:r>
+              <a:rPr lang="de-DE" dirty="0" smtClean="0"/>
+              <a:t> </a:t>
+            </a:r>
+            <a:r>
+              <a:rPr lang="de-DE" dirty="0" err="1" smtClean="0"/>
+              <a:t>for</a:t>
+            </a:r>
+            <a:r>
+              <a:rPr lang="de-DE" dirty="0" smtClean="0"/>
+              <a:t> Android </a:t>
+            </a:r>
+            <a:r>
+              <a:rPr lang="de-DE" dirty="0" err="1" smtClean="0"/>
+              <a:t>Testing</a:t>
+            </a:r>
+            <a:endParaRPr lang="de-DE" dirty="0" smtClean="0"/>
+          </a:p>
+          <a:p>
+            <a:pPr lvl="1"/>
+            <a:r>
+              <a:rPr lang="de-DE" dirty="0" smtClean="0"/>
+              <a:t>Reports</a:t>
+            </a:r>
+            <a:endParaRPr lang="de-DE" dirty="0"/>
+          </a:p>
+        </p:txBody>
+      </p:sp>
+    </p:spTree>
+    <p:extLst>
+      <p:ext uri="{BB962C8B-B14F-4D97-AF65-F5344CB8AC3E}">
+        <p14:creationId xmlns:p14="http://schemas.microsoft.com/office/powerpoint/2010/main" val="2959169903"/>
+      </p:ext>
+    </p:extLst>
+  </p:cSld>
+  <p:clrMapOvr>
+    <a:masterClrMapping/>
+  </p:clrMapOvr>
+  <p:timing>
+    <p:tnLst>
+      <p:par>
+        <p:cTn id="1" dur="indefinite" restart="never" nodeType="tmRoot">
+          <p:childTnLst>
+            <p:seq concurrent="1" nextAc="seek">
+              <p:cTn id="2" dur="indefinite" nodeType="mainSeq">
+                <p:childTnLst>
+                  <p:par>
+                    <p:cTn id="3" fill="hold">
+                      <p:stCondLst>
+                        <p:cond delay="indefinite"/>
+                      </p:stCondLst>
+                      <p:childTnLst>
+                        <p:par>
+                          <p:cTn id="4" fill="hold">
+                            <p:stCondLst>
+                              <p:cond delay="0"/>
+                            </p:stCondLst>
+                            <p:childTnLst>
+                              <p:par>
+                                <p:cTn id="5" presetID="1" presetClass="entr" presetSubtype="0" fill="hold" nodeType="clickEffect">
+                                  <p:stCondLst>
+                                    <p:cond delay="0"/>
+                                  </p:stCondLst>
+                                  <p:childTnLst>
+                                    <p:set>
+                                      <p:cBhvr>
+                                        <p:cTn id="6" dur="1" fill="hold">
+                                          <p:stCondLst>
+                                            <p:cond delay="0"/>
+                                          </p:stCondLst>
+                                        </p:cTn>
+                                        <p:tgtEl>
+                                          <p:spTgt spid="3">
+                                            <p:txEl>
+                                              <p:pRg st="0" end="0"/>
+                                            </p:txEl>
+                                          </p:spTgt>
+                                        </p:tgtEl>
+                                        <p:attrNameLst>
+                                          <p:attrName>style.visibility</p:attrName>
+                                        </p:attrNameLst>
+                                      </p:cBhvr>
+                                      <p:to>
+                                        <p:strVal val="visible"/>
+                                      </p:to>
+                                    </p:set>
+                                  </p:childTnLst>
+                                </p:cTn>
+                              </p:par>
+                            </p:childTnLst>
+                          </p:cTn>
+                        </p:par>
+                      </p:childTnLst>
+                    </p:cTn>
+                  </p:par>
+                  <p:par>
+                    <p:cTn id="7" fill="hold">
+                      <p:stCondLst>
+                        <p:cond delay="indefinite"/>
+                      </p:stCondLst>
+                      <p:childTnLst>
+                        <p:par>
+                          <p:cTn id="8" fill="hold">
+                            <p:stCondLst>
+                              <p:cond delay="0"/>
+                            </p:stCondLst>
+                            <p:childTnLst>
+                              <p:par>
+                                <p:cTn id="9" presetID="1" presetClass="entr" presetSubtype="0" fill="hold" nodeType="clickEffect">
+                                  <p:stCondLst>
+                                    <p:cond delay="0"/>
+                                  </p:stCondLst>
+                                  <p:childTnLst>
+                                    <p:set>
+                                      <p:cBhvr>
+                                        <p:cTn id="10" dur="1" fill="hold">
+                                          <p:stCondLst>
+                                            <p:cond delay="0"/>
+                                          </p:stCondLst>
+                                        </p:cTn>
+                                        <p:tgtEl>
+                                          <p:spTgt spid="3">
+                                            <p:txEl>
+                                              <p:pRg st="1" end="1"/>
+                                            </p:txEl>
+                                          </p:spTgt>
+                                        </p:tgtEl>
+                                        <p:attrNameLst>
+                                          <p:attrName>style.visibility</p:attrName>
+                                        </p:attrNameLst>
+                                      </p:cBhvr>
+                                      <p:to>
+                                        <p:strVal val="visible"/>
+                                      </p:to>
+                                    </p:set>
+                                  </p:childTnLst>
+                                </p:cTn>
+                              </p:par>
+                            </p:childTnLst>
+                          </p:cTn>
+                        </p:par>
+                      </p:childTnLst>
+                    </p:cTn>
+                  </p:par>
+                  <p:par>
+                    <p:cTn id="11" fill="hold">
+                      <p:stCondLst>
+                        <p:cond delay="indefinite"/>
+                      </p:stCondLst>
+                      <p:childTnLst>
+                        <p:par>
+                          <p:cTn id="12" fill="hold">
+                            <p:stCondLst>
+                              <p:cond delay="0"/>
+                            </p:stCondLst>
+                            <p:childTnLst>
+                              <p:par>
+                                <p:cTn id="13" presetID="1" presetClass="entr" presetSubtype="0" fill="hold" nodeType="clickEffect">
+                                  <p:stCondLst>
+                                    <p:cond delay="0"/>
+                                  </p:stCondLst>
+                                  <p:childTnLst>
+                                    <p:set>
+                                      <p:cBhvr>
+                                        <p:cTn id="14" dur="1" fill="hold">
+                                          <p:stCondLst>
+                                            <p:cond delay="0"/>
+                                          </p:stCondLst>
+                                        </p:cTn>
+                                        <p:tgtEl>
+                                          <p:spTgt spid="3">
+                                            <p:txEl>
+                                              <p:pRg st="2" end="2"/>
+                                            </p:txEl>
+                                          </p:spTgt>
+                                        </p:tgtEl>
+                                        <p:attrNameLst>
+                                          <p:attrName>style.visibility</p:attrName>
+                                        </p:attrNameLst>
+                                      </p:cBhvr>
+                                      <p:to>
+                                        <p:strVal val="visible"/>
+                                      </p:to>
+                                    </p:set>
+                                  </p:childTnLst>
+                                </p:cTn>
+                              </p:par>
+                            </p:childTnLst>
+                          </p:cTn>
+                        </p:par>
+                      </p:childTnLst>
+                    </p:cTn>
+                  </p:par>
+                  <p:par>
+                    <p:cTn id="15" fill="hold">
+                      <p:stCondLst>
+                        <p:cond delay="indefinite"/>
+                      </p:stCondLst>
+                      <p:childTnLst>
+                        <p:par>
+                          <p:cTn id="16" fill="hold">
+                            <p:stCondLst>
+                              <p:cond delay="0"/>
+                            </p:stCondLst>
+                            <p:childTnLst>
+                              <p:par>
+                                <p:cTn id="17" presetID="1" presetClass="entr" presetSubtype="0" fill="hold" nodeType="clickEffect">
+                                  <p:stCondLst>
+                                    <p:cond delay="0"/>
+                                  </p:stCondLst>
+                                  <p:childTnLst>
+                                    <p:set>
+                                      <p:cBhvr>
+                                        <p:cTn id="18" dur="1" fill="hold">
+                                          <p:stCondLst>
+                                            <p:cond delay="0"/>
+                                          </p:stCondLst>
+                                        </p:cTn>
+                                        <p:tgtEl>
+                                          <p:spTgt spid="3">
+                                            <p:txEl>
+                                              <p:pRg st="3" end="3"/>
+                                            </p:txEl>
+                                          </p:spTgt>
+                                        </p:tgtEl>
+                                        <p:attrNameLst>
+                                          <p:attrName>style.visibility</p:attrName>
+                                        </p:attrNameLst>
+                                      </p:cBhvr>
+                                      <p:to>
+                                        <p:strVal val="visible"/>
+                                      </p:to>
+                                    </p:set>
+                                  </p:childTnLst>
+                                </p:cTn>
+                              </p:par>
+                            </p:childTnLst>
+                          </p:cTn>
+                        </p:par>
+                      </p:childTnLst>
+                    </p:cTn>
+                  </p:par>
+                  <p:par>
+                    <p:cTn id="19" fill="hold">
+                      <p:stCondLst>
+                        <p:cond delay="indefinite"/>
+                      </p:stCondLst>
+                      <p:childTnLst>
+                        <p:par>
+                          <p:cTn id="20" fill="hold">
+                            <p:stCondLst>
+                              <p:cond delay="0"/>
+                            </p:stCondLst>
+                            <p:childTnLst>
+                              <p:par>
+                                <p:cTn id="21" presetID="1" presetClass="entr" presetSubtype="0" fill="hold" nodeType="clickEffect">
+                                  <p:stCondLst>
+                                    <p:cond delay="0"/>
+                                  </p:stCondLst>
+                                  <p:childTnLst>
+                                    <p:set>
+                                      <p:cBhvr>
+                                        <p:cTn id="22" dur="1" fill="hold">
+                                          <p:stCondLst>
+                                            <p:cond delay="0"/>
+                                          </p:stCondLst>
+                                        </p:cTn>
+                                        <p:tgtEl>
+                                          <p:spTgt spid="3">
+                                            <p:txEl>
+                                              <p:pRg st="4" end="4"/>
+                                            </p:txEl>
+                                          </p:spTgt>
+                                        </p:tgtEl>
+                                        <p:attrNameLst>
+                                          <p:attrName>style.visibility</p:attrName>
+                                        </p:attrNameLst>
+                                      </p:cBhvr>
+                                      <p:to>
+                                        <p:strVal val="visible"/>
+                                      </p:to>
+                                    </p:set>
+                                  </p:childTnLst>
+                                </p:cTn>
+                              </p:par>
+                            </p:childTnLst>
+                          </p:cTn>
+                        </p:par>
+                      </p:childTnLst>
+                    </p:cTn>
+                  </p:par>
+                </p:childTnLst>
+              </p:cTn>
+              <p:prevCondLst>
+                <p:cond evt="onPrev" delay="0">
+                  <p:tgtEl>
+                    <p:sldTgt/>
+                  </p:tgtEl>
+                </p:cond>
+              </p:prevCondLst>
+              <p:nextCondLst>
+                <p:cond evt="onNext" delay="0">
+                  <p:tgtEl>
+                    <p:sldTgt/>
+                  </p:tgtEl>
+                </p:cond>
+              </p:nextCondLst>
+            </p:seq>
+          </p:childTnLst>
+        </p:cTn>
+      </p:par>
+    </p:tnLst>
+  </p:timing>
+</p:sld>
+</file>
+
+<file path=ppt/slides/slide11.xml><?xml version="1.0" encoding="utf-8"?>
+<p:sld xmlns:a="http://schemas.openxmlformats.org/drawingml/2006/main" xmlns:r="http://schemas.openxmlformats.org/officeDocument/2006/relationships" xmlns:p="http://schemas.openxmlformats.org/presentationml/2006/main">
+  <p:cSld>
+    <p:spTree>
+      <p:nvGrpSpPr>
+        <p:cNvPr id="1" name=""/>
+        <p:cNvGrpSpPr/>
+        <p:nvPr/>
+      </p:nvGrpSpPr>
+      <p:grpSpPr>
+        <a:xfrm>
+          <a:off x="0" y="0"/>
+          <a:ext cx="0" cy="0"/>
+          <a:chOff x="0" y="0"/>
+          <a:chExt cx="0" cy="0"/>
+        </a:xfrm>
+      </p:grpSpPr>
+      <p:sp>
+        <p:nvSpPr>
+          <p:cNvPr id="2" name="Titel 1"/>
+          <p:cNvSpPr>
+            <a:spLocks noGrp="1"/>
+          </p:cNvSpPr>
+          <p:nvPr>
+            <p:ph type="title"/>
+          </p:nvPr>
+        </p:nvSpPr>
+        <p:spPr/>
+        <p:txBody>
+          <a:bodyPr/>
+          <a:lstStyle/>
+          <a:p>
+            <a:r>
+              <a:rPr lang="de-DE" dirty="0" smtClean="0"/>
+              <a:t>Demo</a:t>
+            </a:r>
+            <a:endParaRPr lang="de-DE" dirty="0"/>
+          </a:p>
+        </p:txBody>
+      </p:sp>
+      <p:sp>
+        <p:nvSpPr>
+          <p:cNvPr id="3" name="Inhaltsplatzhalter 2"/>
+          <p:cNvSpPr>
+            <a:spLocks noGrp="1"/>
+          </p:cNvSpPr>
+          <p:nvPr>
+            <p:ph idx="1"/>
+          </p:nvPr>
+        </p:nvSpPr>
+        <p:spPr/>
+        <p:txBody>
+          <a:bodyPr>
+            <a:normAutofit/>
+          </a:bodyPr>
+          <a:lstStyle/>
+          <a:p>
+            <a:pPr marL="0" indent="0" algn="ctr">
+              <a:buNone/>
+            </a:pPr>
+            <a:r>
+              <a:rPr lang="de-DE" sz="4000" dirty="0" err="1" smtClean="0">
+                <a:hlinkClick r:id="rId3"/>
+              </a:rPr>
+              <a:t>lets</a:t>
+            </a:r>
+            <a:r>
+              <a:rPr lang="de-DE" sz="4000" dirty="0" smtClean="0">
+                <a:hlinkClick r:id="rId3"/>
+              </a:rPr>
+              <a:t> </a:t>
+            </a:r>
+            <a:r>
+              <a:rPr lang="de-DE" sz="4000" dirty="0" err="1" smtClean="0">
+                <a:hlinkClick r:id="rId3"/>
+              </a:rPr>
+              <a:t>gooo</a:t>
+            </a:r>
+            <a:r>
+              <a:rPr lang="de-DE" sz="6000" dirty="0" smtClean="0">
+                <a:hlinkClick r:id="rId3"/>
+              </a:rPr>
+              <a:t>?</a:t>
+            </a:r>
+            <a:endParaRPr lang="de-DE" sz="6000" dirty="0"/>
+          </a:p>
+        </p:txBody>
+      </p:sp>
+    </p:spTree>
+    <p:extLst>
+      <p:ext uri="{BB962C8B-B14F-4D97-AF65-F5344CB8AC3E}">
+        <p14:creationId xmlns:p14="http://schemas.microsoft.com/office/powerpoint/2010/main" val="1494621090"/>
       </p:ext>
     </p:extLst>
   </p:cSld>
@@ -6628,9 +7904,80 @@
   <p:timing>
     <p:tnLst>
       <p:par>
-        <p:cTn id="1" dur="indefinite" restart="never" nodeType="tmRoot"/>
+        <p:cTn id="1" dur="indefinite" restart="never" nodeType="tmRoot">
+          <p:childTnLst>
+            <p:seq concurrent="1" nextAc="seek">
+              <p:cTn id="2" dur="indefinite" nodeType="mainSeq">
+                <p:childTnLst>
+                  <p:par>
+                    <p:cTn id="3" fill="hold">
+                      <p:stCondLst>
+                        <p:cond delay="indefinite"/>
+                      </p:stCondLst>
+                      <p:childTnLst>
+                        <p:par>
+                          <p:cTn id="4" fill="hold">
+                            <p:stCondLst>
+                              <p:cond delay="0"/>
+                            </p:stCondLst>
+                            <p:childTnLst>
+                              <p:par>
+                                <p:cTn id="5" presetID="1" presetClass="entr" presetSubtype="0" fill="hold" grpId="0" nodeType="clickEffect">
+                                  <p:stCondLst>
+                                    <p:cond delay="0"/>
+                                  </p:stCondLst>
+                                  <p:childTnLst>
+                                    <p:set>
+                                      <p:cBhvr>
+                                        <p:cTn id="6" dur="1" fill="hold">
+                                          <p:stCondLst>
+                                            <p:cond delay="0"/>
+                                          </p:stCondLst>
+                                        </p:cTn>
+                                        <p:tgtEl>
+                                          <p:spTgt spid="6"/>
+                                        </p:tgtEl>
+                                        <p:attrNameLst>
+                                          <p:attrName>style.visibility</p:attrName>
+                                        </p:attrNameLst>
+                                      </p:cBhvr>
+                                      <p:to>
+                                        <p:strVal val="visible"/>
+                                      </p:to>
+                                    </p:set>
+                                  </p:childTnLst>
+                                </p:cTn>
+                              </p:par>
+                            </p:childTnLst>
+                          </p:cTn>
+                        </p:par>
+                      </p:childTnLst>
+                    </p:cTn>
+                  </p:par>
+                </p:childTnLst>
+              </p:cTn>
+              <p:prevCondLst>
+                <p:cond evt="onPrev" delay="0">
+                  <p:tgtEl>
+                    <p:sldTgt/>
+                  </p:tgtEl>
+                </p:cond>
+              </p:prevCondLst>
+              <p:nextCondLst>
+                <p:cond evt="onNext" delay="0">
+                  <p:tgtEl>
+                    <p:sldTgt/>
+                  </p:tgtEl>
+                </p:cond>
+              </p:nextCondLst>
+            </p:seq>
+          </p:childTnLst>
+        </p:cTn>
       </p:par>
     </p:tnLst>
+    <p:bldLst>
+      <p:bldP spid="6" grpId="0" animBg="1"/>
+    </p:bldLst>
   </p:timing>
 </p:sld>
 </file>
@@ -6687,7 +8034,7 @@
         </p:nvSpPr>
         <p:spPr/>
         <p:txBody>
-          <a:bodyPr/>
+          <a:bodyPr anchor="t"/>
           <a:lstStyle/>
           <a:p>
             <a:r>
@@ -6757,6 +8104,18 @@
             <a:r>
               <a:rPr lang="de-DE" dirty="0" err="1" smtClean="0"/>
               <a:t>Use</a:t>
+            </a:r>
+            <a:endParaRPr lang="de-DE" dirty="0" smtClean="0"/>
+          </a:p>
+          <a:p>
+            <a:pPr lvl="1"/>
+            <a:r>
+              <a:rPr lang="de-DE" dirty="0" err="1" smtClean="0"/>
+              <a:t>Burndown</a:t>
+            </a:r>
+            <a:r>
+              <a:rPr lang="de-DE" dirty="0" smtClean="0"/>
+              <a:t> Chart</a:t>
             </a:r>
             <a:endParaRPr lang="de-DE" dirty="0"/>
           </a:p>
@@ -6775,7 +8134,177 @@
   <p:timing>
     <p:tnLst>
       <p:par>
-        <p:cTn id="1" dur="indefinite" restart="never" nodeType="tmRoot"/>
+        <p:cTn id="1" dur="indefinite" restart="never" nodeType="tmRoot">
+          <p:childTnLst>
+            <p:seq concurrent="1" nextAc="seek">
+              <p:cTn id="2" dur="indefinite" nodeType="mainSeq">
+                <p:childTnLst>
+                  <p:par>
+                    <p:cTn id="3" fill="hold">
+                      <p:stCondLst>
+                        <p:cond delay="indefinite"/>
+                      </p:stCondLst>
+                      <p:childTnLst>
+                        <p:par>
+                          <p:cTn id="4" fill="hold">
+                            <p:stCondLst>
+                              <p:cond delay="0"/>
+                            </p:stCondLst>
+                            <p:childTnLst>
+                              <p:par>
+                                <p:cTn id="5" presetID="1" presetClass="entr" presetSubtype="0" fill="hold" nodeType="clickEffect">
+                                  <p:stCondLst>
+                                    <p:cond delay="0"/>
+                                  </p:stCondLst>
+                                  <p:childTnLst>
+                                    <p:set>
+                                      <p:cBhvr>
+                                        <p:cTn id="6" dur="1" fill="hold">
+                                          <p:stCondLst>
+                                            <p:cond delay="0"/>
+                                          </p:stCondLst>
+                                        </p:cTn>
+                                        <p:tgtEl>
+                                          <p:spTgt spid="3">
+                                            <p:txEl>
+                                              <p:pRg st="1" end="1"/>
+                                            </p:txEl>
+                                          </p:spTgt>
+                                        </p:tgtEl>
+                                        <p:attrNameLst>
+                                          <p:attrName>style.visibility</p:attrName>
+                                        </p:attrNameLst>
+                                      </p:cBhvr>
+                                      <p:to>
+                                        <p:strVal val="visible"/>
+                                      </p:to>
+                                    </p:set>
+                                  </p:childTnLst>
+                                </p:cTn>
+                              </p:par>
+                            </p:childTnLst>
+                          </p:cTn>
+                        </p:par>
+                      </p:childTnLst>
+                    </p:cTn>
+                  </p:par>
+                  <p:par>
+                    <p:cTn id="7" fill="hold">
+                      <p:stCondLst>
+                        <p:cond delay="indefinite"/>
+                      </p:stCondLst>
+                      <p:childTnLst>
+                        <p:par>
+                          <p:cTn id="8" fill="hold">
+                            <p:stCondLst>
+                              <p:cond delay="0"/>
+                            </p:stCondLst>
+                            <p:childTnLst>
+                              <p:par>
+                                <p:cTn id="9" presetID="1" presetClass="entr" presetSubtype="0" fill="hold" nodeType="clickEffect">
+                                  <p:stCondLst>
+                                    <p:cond delay="0"/>
+                                  </p:stCondLst>
+                                  <p:childTnLst>
+                                    <p:set>
+                                      <p:cBhvr>
+                                        <p:cTn id="10" dur="1" fill="hold">
+                                          <p:stCondLst>
+                                            <p:cond delay="0"/>
+                                          </p:stCondLst>
+                                        </p:cTn>
+                                        <p:tgtEl>
+                                          <p:spTgt spid="3">
+                                            <p:txEl>
+                                              <p:pRg st="2" end="2"/>
+                                            </p:txEl>
+                                          </p:spTgt>
+                                        </p:tgtEl>
+                                        <p:attrNameLst>
+                                          <p:attrName>style.visibility</p:attrName>
+                                        </p:attrNameLst>
+                                      </p:cBhvr>
+                                      <p:to>
+                                        <p:strVal val="visible"/>
+                                      </p:to>
+                                    </p:set>
+                                  </p:childTnLst>
+                                </p:cTn>
+                              </p:par>
+                            </p:childTnLst>
+                          </p:cTn>
+                        </p:par>
+                      </p:childTnLst>
+                    </p:cTn>
+                  </p:par>
+                  <p:par>
+                    <p:cTn id="11" fill="hold">
+                      <p:stCondLst>
+                        <p:cond delay="indefinite"/>
+                      </p:stCondLst>
+                      <p:childTnLst>
+                        <p:par>
+                          <p:cTn id="12" fill="hold">
+                            <p:stCondLst>
+                              <p:cond delay="0"/>
+                            </p:stCondLst>
+                            <p:childTnLst>
+                              <p:par>
+                                <p:cTn id="13" presetID="1" presetClass="entr" presetSubtype="0" fill="hold" nodeType="clickEffect">
+                                  <p:stCondLst>
+                                    <p:cond delay="0"/>
+                                  </p:stCondLst>
+                                  <p:childTnLst>
+                                    <p:set>
+                                      <p:cBhvr>
+                                        <p:cTn id="14" dur="1" fill="hold">
+                                          <p:stCondLst>
+                                            <p:cond delay="0"/>
+                                          </p:stCondLst>
+                                        </p:cTn>
+                                        <p:tgtEl>
+                                          <p:spTgt spid="3">
+                                            <p:txEl>
+                                              <p:pRg st="3" end="3"/>
+                                            </p:txEl>
+                                          </p:spTgt>
+                                        </p:tgtEl>
+                                        <p:attrNameLst>
+                                          <p:attrName>style.visibility</p:attrName>
+                                        </p:attrNameLst>
+                                      </p:cBhvr>
+                                      <p:to>
+                                        <p:strVal val="visible"/>
+                                      </p:to>
+                                    </p:set>
+                                  </p:childTnLst>
+                                </p:cTn>
+                              </p:par>
+                            </p:childTnLst>
+                          </p:cTn>
+                        </p:par>
+                      </p:childTnLst>
+                    </p:cTn>
+                  </p:par>
+                </p:childTnLst>
+              </p:cTn>
+              <p:prevCondLst>
+                <p:cond evt="onPrev" delay="0">
+                  <p:tgtEl>
+                    <p:sldTgt/>
+                  </p:tgtEl>
+                </p:cond>
+              </p:prevCondLst>
+              <p:nextCondLst>
+                <p:cond evt="onNext" delay="0">
+                  <p:tgtEl>
+                    <p:sldTgt/>
+                  </p:tgtEl>
+                </p:cond>
+              </p:nextCondLst>
+            </p:seq>
+          </p:childTnLst>
+        </p:cTn>
       </p:par>
     </p:tnLst>
   </p:timing>
@@ -6815,6 +8344,501 @@
           <a:lstStyle/>
           <a:p>
             <a:r>
+              <a:rPr lang="de-DE" dirty="0" err="1" smtClean="0"/>
+              <a:t>Scrumming</a:t>
+            </a:r>
+            <a:r>
+              <a:rPr lang="de-DE" dirty="0" smtClean="0"/>
+              <a:t>?</a:t>
+            </a:r>
+            <a:endParaRPr lang="en-GB" dirty="0"/>
+          </a:p>
+        </p:txBody>
+      </p:sp>
+      <p:sp>
+        <p:nvSpPr>
+          <p:cNvPr id="3" name="Inhaltsplatzhalter 2"/>
+          <p:cNvSpPr>
+            <a:spLocks noGrp="1"/>
+          </p:cNvSpPr>
+          <p:nvPr>
+            <p:ph idx="1"/>
+          </p:nvPr>
+        </p:nvSpPr>
+        <p:spPr/>
+        <p:txBody>
+          <a:bodyPr anchor="t"/>
+          <a:lstStyle/>
+          <a:p>
+            <a:r>
+              <a:rPr lang="de-DE" dirty="0" smtClean="0"/>
+              <a:t>Iterative </a:t>
+            </a:r>
+            <a:r>
+              <a:rPr lang="de-DE" dirty="0" err="1" smtClean="0"/>
+              <a:t>Process</a:t>
+            </a:r>
+            <a:endParaRPr lang="de-DE" dirty="0"/>
+          </a:p>
+          <a:p>
+            <a:r>
+              <a:rPr lang="de-DE" dirty="0" err="1" smtClean="0"/>
+              <a:t>Ready</a:t>
+            </a:r>
+            <a:r>
+              <a:rPr lang="de-DE" dirty="0" smtClean="0"/>
+              <a:t> </a:t>
+            </a:r>
+            <a:r>
+              <a:rPr lang="de-DE" dirty="0" err="1" smtClean="0"/>
+              <a:t>for</a:t>
+            </a:r>
+            <a:r>
+              <a:rPr lang="de-DE" dirty="0" smtClean="0"/>
+              <a:t> </a:t>
+            </a:r>
+            <a:r>
+              <a:rPr lang="de-DE" dirty="0" smtClean="0">
+                <a:solidFill>
+                  <a:srgbClr val="FF0000"/>
+                </a:solidFill>
+              </a:rPr>
+              <a:t>YOUR</a:t>
+            </a:r>
+            <a:r>
+              <a:rPr lang="de-DE" dirty="0" smtClean="0"/>
+              <a:t> </a:t>
+            </a:r>
+            <a:r>
+              <a:rPr lang="de-DE" dirty="0" err="1" smtClean="0"/>
+              <a:t>Wishes</a:t>
+            </a:r>
+            <a:r>
+              <a:rPr lang="de-DE" dirty="0" smtClean="0"/>
+              <a:t>!</a:t>
+            </a:r>
+            <a:endParaRPr lang="en-GB" dirty="0"/>
+          </a:p>
+        </p:txBody>
+      </p:sp>
+    </p:spTree>
+    <p:extLst>
+      <p:ext uri="{BB962C8B-B14F-4D97-AF65-F5344CB8AC3E}">
+        <p14:creationId xmlns:p14="http://schemas.microsoft.com/office/powerpoint/2010/main" val="2687705203"/>
+      </p:ext>
+    </p:extLst>
+  </p:cSld>
+  <p:clrMapOvr>
+    <a:masterClrMapping/>
+  </p:clrMapOvr>
+  <p:timing>
+    <p:tnLst>
+      <p:par>
+        <p:cTn id="1" dur="indefinite" restart="never" nodeType="tmRoot">
+          <p:childTnLst>
+            <p:seq concurrent="1" nextAc="seek">
+              <p:cTn id="2" dur="indefinite" nodeType="mainSeq">
+                <p:childTnLst>
+                  <p:par>
+                    <p:cTn id="3" fill="hold">
+                      <p:stCondLst>
+                        <p:cond delay="indefinite"/>
+                      </p:stCondLst>
+                      <p:childTnLst>
+                        <p:par>
+                          <p:cTn id="4" fill="hold">
+                            <p:stCondLst>
+                              <p:cond delay="0"/>
+                            </p:stCondLst>
+                            <p:childTnLst>
+                              <p:par>
+                                <p:cTn id="5" presetID="1" presetClass="entr" presetSubtype="0" fill="hold" nodeType="clickEffect">
+                                  <p:stCondLst>
+                                    <p:cond delay="0"/>
+                                  </p:stCondLst>
+                                  <p:childTnLst>
+                                    <p:set>
+                                      <p:cBhvr>
+                                        <p:cTn id="6" dur="1" fill="hold">
+                                          <p:stCondLst>
+                                            <p:cond delay="0"/>
+                                          </p:stCondLst>
+                                        </p:cTn>
+                                        <p:tgtEl>
+                                          <p:spTgt spid="3">
+                                            <p:txEl>
+                                              <p:pRg st="0" end="0"/>
+                                            </p:txEl>
+                                          </p:spTgt>
+                                        </p:tgtEl>
+                                        <p:attrNameLst>
+                                          <p:attrName>style.visibility</p:attrName>
+                                        </p:attrNameLst>
+                                      </p:cBhvr>
+                                      <p:to>
+                                        <p:strVal val="visible"/>
+                                      </p:to>
+                                    </p:set>
+                                  </p:childTnLst>
+                                </p:cTn>
+                              </p:par>
+                            </p:childTnLst>
+                          </p:cTn>
+                        </p:par>
+                      </p:childTnLst>
+                    </p:cTn>
+                  </p:par>
+                  <p:par>
+                    <p:cTn id="7" fill="hold">
+                      <p:stCondLst>
+                        <p:cond delay="indefinite"/>
+                      </p:stCondLst>
+                      <p:childTnLst>
+                        <p:par>
+                          <p:cTn id="8" fill="hold">
+                            <p:stCondLst>
+                              <p:cond delay="0"/>
+                            </p:stCondLst>
+                            <p:childTnLst>
+                              <p:par>
+                                <p:cTn id="9" presetID="1" presetClass="entr" presetSubtype="0" fill="hold" nodeType="clickEffect">
+                                  <p:stCondLst>
+                                    <p:cond delay="0"/>
+                                  </p:stCondLst>
+                                  <p:childTnLst>
+                                    <p:set>
+                                      <p:cBhvr>
+                                        <p:cTn id="10" dur="1" fill="hold">
+                                          <p:stCondLst>
+                                            <p:cond delay="0"/>
+                                          </p:stCondLst>
+                                        </p:cTn>
+                                        <p:tgtEl>
+                                          <p:spTgt spid="3">
+                                            <p:txEl>
+                                              <p:pRg st="1" end="1"/>
+                                            </p:txEl>
+                                          </p:spTgt>
+                                        </p:tgtEl>
+                                        <p:attrNameLst>
+                                          <p:attrName>style.visibility</p:attrName>
+                                        </p:attrNameLst>
+                                      </p:cBhvr>
+                                      <p:to>
+                                        <p:strVal val="visible"/>
+                                      </p:to>
+                                    </p:set>
+                                  </p:childTnLst>
+                                </p:cTn>
+                              </p:par>
+                            </p:childTnLst>
+                          </p:cTn>
+                        </p:par>
+                      </p:childTnLst>
+                    </p:cTn>
+                  </p:par>
+                </p:childTnLst>
+              </p:cTn>
+              <p:prevCondLst>
+                <p:cond evt="onPrev" delay="0">
+                  <p:tgtEl>
+                    <p:sldTgt/>
+                  </p:tgtEl>
+                </p:cond>
+              </p:prevCondLst>
+              <p:nextCondLst>
+                <p:cond evt="onNext" delay="0">
+                  <p:tgtEl>
+                    <p:sldTgt/>
+                  </p:tgtEl>
+                </p:cond>
+              </p:nextCondLst>
+            </p:seq>
+          </p:childTnLst>
+        </p:cTn>
+      </p:par>
+    </p:tnLst>
+  </p:timing>
+</p:sld>
+</file>
+
+<file path=ppt/slides/slide7.xml><?xml version="1.0" encoding="utf-8"?>
+<p:sld xmlns:a="http://schemas.openxmlformats.org/drawingml/2006/main" xmlns:r="http://schemas.openxmlformats.org/officeDocument/2006/relationships" xmlns:p="http://schemas.openxmlformats.org/presentationml/2006/main">
+  <p:cSld>
+    <p:spTree>
+      <p:nvGrpSpPr>
+        <p:cNvPr id="1" name=""/>
+        <p:cNvGrpSpPr/>
+        <p:nvPr/>
+      </p:nvGrpSpPr>
+      <p:grpSpPr>
+        <a:xfrm>
+          <a:off x="0" y="0"/>
+          <a:ext cx="0" cy="0"/>
+          <a:chOff x="0" y="0"/>
+          <a:chExt cx="0" cy="0"/>
+        </a:xfrm>
+      </p:grpSpPr>
+      <p:sp>
+        <p:nvSpPr>
+          <p:cNvPr id="2" name="Titel 1"/>
+          <p:cNvSpPr>
+            <a:spLocks noGrp="1"/>
+          </p:cNvSpPr>
+          <p:nvPr>
+            <p:ph type="title"/>
+          </p:nvPr>
+        </p:nvSpPr>
+        <p:spPr/>
+        <p:txBody>
+          <a:bodyPr/>
+          <a:lstStyle/>
+          <a:p>
+            <a:r>
+              <a:rPr lang="de-DE" dirty="0" smtClean="0"/>
+              <a:t>Project Team</a:t>
+            </a:r>
+            <a:endParaRPr lang="en-GB" dirty="0"/>
+          </a:p>
+        </p:txBody>
+      </p:sp>
+      <p:sp>
+        <p:nvSpPr>
+          <p:cNvPr id="3" name="Inhaltsplatzhalter 2"/>
+          <p:cNvSpPr>
+            <a:spLocks noGrp="1"/>
+          </p:cNvSpPr>
+          <p:nvPr>
+            <p:ph idx="1"/>
+          </p:nvPr>
+        </p:nvSpPr>
+        <p:spPr/>
+        <p:txBody>
+          <a:bodyPr anchor="t">
+            <a:normAutofit/>
+          </a:bodyPr>
+          <a:lstStyle/>
+          <a:p>
+            <a:r>
+              <a:rPr lang="de-DE" b="1" dirty="0" smtClean="0"/>
+              <a:t>Felix Morsbach: </a:t>
+            </a:r>
+            <a:r>
+              <a:rPr lang="de-DE" i="1" dirty="0" smtClean="0"/>
+              <a:t>Project Manager, Test Manager, </a:t>
+            </a:r>
+            <a:r>
+              <a:rPr lang="de-DE" dirty="0" err="1" smtClean="0"/>
+              <a:t>Implementer</a:t>
+            </a:r>
+            <a:r>
+              <a:rPr lang="de-DE" dirty="0" smtClean="0"/>
+              <a:t>, </a:t>
+            </a:r>
+            <a:r>
+              <a:rPr lang="de-DE" dirty="0" err="1" smtClean="0"/>
+              <a:t>Desinger</a:t>
+            </a:r>
+            <a:endParaRPr lang="de-DE" dirty="0" smtClean="0"/>
+          </a:p>
+          <a:p>
+            <a:endParaRPr lang="de-DE" i="1" dirty="0" smtClean="0"/>
+          </a:p>
+          <a:p>
+            <a:r>
+              <a:rPr lang="de-DE" b="1" dirty="0" smtClean="0"/>
+              <a:t>André Helbig:</a:t>
+            </a:r>
+            <a:r>
+              <a:rPr lang="de-DE" dirty="0" smtClean="0"/>
+              <a:t> </a:t>
+            </a:r>
+            <a:r>
+              <a:rPr lang="de-DE" i="1" dirty="0" smtClean="0"/>
+              <a:t>Integrator</a:t>
+            </a:r>
+            <a:r>
+              <a:rPr lang="de-DE" dirty="0" smtClean="0"/>
+              <a:t>, Tester, Designer</a:t>
+            </a:r>
+          </a:p>
+          <a:p>
+            <a:endParaRPr lang="de-DE" dirty="0" smtClean="0"/>
+          </a:p>
+          <a:p>
+            <a:r>
+              <a:rPr lang="de-DE" b="1" dirty="0" err="1" smtClean="0"/>
+              <a:t>Nicals</a:t>
+            </a:r>
+            <a:r>
+              <a:rPr lang="de-DE" b="1" dirty="0" smtClean="0"/>
+              <a:t> Petersohn: </a:t>
+            </a:r>
+            <a:r>
+              <a:rPr lang="de-DE" i="1" dirty="0" smtClean="0"/>
+              <a:t>Software </a:t>
+            </a:r>
+            <a:r>
+              <a:rPr lang="de-DE" i="1" dirty="0" err="1" smtClean="0"/>
+              <a:t>Architect</a:t>
+            </a:r>
+            <a:r>
+              <a:rPr lang="de-DE" i="1" dirty="0" smtClean="0"/>
+              <a:t>, </a:t>
+            </a:r>
+            <a:r>
+              <a:rPr lang="de-DE" dirty="0" err="1" smtClean="0"/>
+              <a:t>Implementer</a:t>
+            </a:r>
+            <a:r>
+              <a:rPr lang="de-DE" dirty="0" smtClean="0"/>
+              <a:t>, Tester</a:t>
+            </a:r>
+            <a:r>
+              <a:rPr lang="de-DE" i="1" dirty="0" smtClean="0"/>
+              <a:t> </a:t>
+            </a:r>
+            <a:endParaRPr lang="en-GB" b="1" dirty="0"/>
+          </a:p>
+        </p:txBody>
+      </p:sp>
+    </p:spTree>
+    <p:extLst>
+      <p:ext uri="{BB962C8B-B14F-4D97-AF65-F5344CB8AC3E}">
+        <p14:creationId xmlns:p14="http://schemas.microsoft.com/office/powerpoint/2010/main" val="1255023610"/>
+      </p:ext>
+    </p:extLst>
+  </p:cSld>
+  <p:clrMapOvr>
+    <a:masterClrMapping/>
+  </p:clrMapOvr>
+  <p:timing>
+    <p:tnLst>
+      <p:par>
+        <p:cTn id="1" dur="indefinite" restart="never" nodeType="tmRoot">
+          <p:childTnLst>
+            <p:seq concurrent="1" nextAc="seek">
+              <p:cTn id="2" dur="indefinite" nodeType="mainSeq">
+                <p:childTnLst>
+                  <p:par>
+                    <p:cTn id="3" fill="hold">
+                      <p:stCondLst>
+                        <p:cond delay="indefinite"/>
+                      </p:stCondLst>
+                      <p:childTnLst>
+                        <p:par>
+                          <p:cTn id="4" fill="hold">
+                            <p:stCondLst>
+                              <p:cond delay="0"/>
+                            </p:stCondLst>
+                            <p:childTnLst>
+                              <p:par>
+                                <p:cTn id="5" presetID="10" presetClass="exit" presetSubtype="0" fill="hold" nodeType="clickEffect">
+                                  <p:stCondLst>
+                                    <p:cond delay="0"/>
+                                  </p:stCondLst>
+                                  <p:childTnLst>
+                                    <p:animEffect transition="out" filter="fade">
+                                      <p:cBhvr>
+                                        <p:cTn id="6" dur="500"/>
+                                        <p:tgtEl>
+                                          <p:spTgt spid="3">
+                                            <p:txEl>
+                                              <p:pRg st="4" end="4"/>
+                                            </p:txEl>
+                                          </p:spTgt>
+                                        </p:tgtEl>
+                                      </p:cBhvr>
+                                    </p:animEffect>
+                                    <p:set>
+                                      <p:cBhvr>
+                                        <p:cTn id="7" dur="1" fill="hold">
+                                          <p:stCondLst>
+                                            <p:cond delay="499"/>
+                                          </p:stCondLst>
+                                        </p:cTn>
+                                        <p:tgtEl>
+                                          <p:spTgt spid="3">
+                                            <p:txEl>
+                                              <p:pRg st="4" end="4"/>
+                                            </p:txEl>
+                                          </p:spTgt>
+                                        </p:tgtEl>
+                                        <p:attrNameLst>
+                                          <p:attrName>style.visibility</p:attrName>
+                                        </p:attrNameLst>
+                                      </p:cBhvr>
+                                      <p:to>
+                                        <p:strVal val="hidden"/>
+                                      </p:to>
+                                    </p:set>
+                                  </p:childTnLst>
+                                </p:cTn>
+                              </p:par>
+                            </p:childTnLst>
+                          </p:cTn>
+                        </p:par>
+                      </p:childTnLst>
+                    </p:cTn>
+                  </p:par>
+                </p:childTnLst>
+              </p:cTn>
+              <p:prevCondLst>
+                <p:cond evt="onPrev" delay="0">
+                  <p:tgtEl>
+                    <p:sldTgt/>
+                  </p:tgtEl>
+                </p:cond>
+              </p:prevCondLst>
+              <p:nextCondLst>
+                <p:cond evt="onNext" delay="0">
+                  <p:tgtEl>
+                    <p:sldTgt/>
+                  </p:tgtEl>
+                </p:cond>
+              </p:nextCondLst>
+            </p:seq>
+          </p:childTnLst>
+        </p:cTn>
+      </p:par>
+    </p:tnLst>
+  </p:timing>
+</p:sld>
+</file>
+
+<file path=ppt/slides/slide8.xml><?xml version="1.0" encoding="utf-8"?>
+<p:sld xmlns:a="http://schemas.openxmlformats.org/drawingml/2006/main" xmlns:r="http://schemas.openxmlformats.org/officeDocument/2006/relationships" xmlns:p="http://schemas.openxmlformats.org/presentationml/2006/main">
+  <p:cSld>
+    <p:spTree>
+      <p:nvGrpSpPr>
+        <p:cNvPr id="1" name=""/>
+        <p:cNvGrpSpPr/>
+        <p:nvPr/>
+      </p:nvGrpSpPr>
+      <p:grpSpPr>
+        <a:xfrm>
+          <a:off x="0" y="0"/>
+          <a:ext cx="0" cy="0"/>
+          <a:chOff x="0" y="0"/>
+          <a:chExt cx="0" cy="0"/>
+        </a:xfrm>
+      </p:grpSpPr>
+      <p:sp>
+        <p:nvSpPr>
+          <p:cNvPr id="2" name="Titel 1"/>
+          <p:cNvSpPr>
+            <a:spLocks noGrp="1"/>
+          </p:cNvSpPr>
+          <p:nvPr>
+            <p:ph type="title"/>
+          </p:nvPr>
+        </p:nvSpPr>
+        <p:spPr/>
+        <p:txBody>
+          <a:bodyPr/>
+          <a:lstStyle/>
+          <a:p>
+            <a:r>
               <a:rPr lang="de-DE" dirty="0" smtClean="0"/>
               <a:t>Technical </a:t>
             </a:r>
@@ -6837,7 +8861,7 @@
           </p:nvPr>
         </p:nvPicPr>
         <p:blipFill>
-          <a:blip r:embed="rId2">
+          <a:blip r:embed="rId3">
             <a:extLst>
               <a:ext uri="{28A0092B-C50C-407E-A947-70E740481C1C}">
                 <a14:useLocalDpi xmlns:a14="http://schemas.microsoft.com/office/drawing/2010/main" val="0"/>
@@ -7034,6 +9058,82 @@
           </a:p>
         </p:txBody>
       </p:sp>
+      <p:sp>
+        <p:nvSpPr>
+          <p:cNvPr id="10" name="Ellipse 9"/>
+          <p:cNvSpPr/>
+          <p:nvPr/>
+        </p:nvSpPr>
+        <p:spPr>
+          <a:xfrm>
+            <a:off x="4914899" y="2438399"/>
+            <a:ext cx="2524991" cy="1748761"/>
+          </a:xfrm>
+          <a:prstGeom prst="ellipse">
+            <a:avLst/>
+          </a:prstGeom>
+        </p:spPr>
+        <p:style>
+          <a:lnRef idx="2">
+            <a:schemeClr val="accent1">
+              <a:shade val="50000"/>
+            </a:schemeClr>
+          </a:lnRef>
+          <a:fillRef idx="1">
+            <a:schemeClr val="accent1"/>
+          </a:fillRef>
+          <a:effectRef idx="0">
+            <a:schemeClr val="accent1"/>
+          </a:effectRef>
+          <a:fontRef idx="minor">
+            <a:schemeClr val="lt1"/>
+          </a:fontRef>
+        </p:style>
+        <p:txBody>
+          <a:bodyPr rtlCol="0" anchor="ctr"/>
+          <a:lstStyle/>
+          <a:p>
+            <a:pPr algn="ctr"/>
+            <a:r>
+              <a:rPr lang="de-DE" dirty="0" smtClean="0"/>
+              <a:t>*Insert </a:t>
+            </a:r>
+            <a:r>
+              <a:rPr lang="de-DE" dirty="0" err="1" smtClean="0"/>
+              <a:t>wanted</a:t>
+            </a:r>
+            <a:r>
+              <a:rPr lang="de-DE" dirty="0" smtClean="0"/>
+              <a:t> </a:t>
+            </a:r>
+            <a:r>
+              <a:rPr lang="de-DE" dirty="0" err="1" smtClean="0"/>
+              <a:t>Communcation</a:t>
+            </a:r>
+            <a:r>
+              <a:rPr lang="de-DE" dirty="0" smtClean="0"/>
+              <a:t> </a:t>
+            </a:r>
+            <a:r>
+              <a:rPr lang="de-DE" dirty="0" err="1" smtClean="0"/>
+              <a:t>Method</a:t>
+            </a:r>
+            <a:r>
+              <a:rPr lang="de-DE" dirty="0" smtClean="0"/>
+              <a:t> </a:t>
+            </a:r>
+            <a:r>
+              <a:rPr lang="de-DE" dirty="0" err="1" smtClean="0"/>
+              <a:t>here</a:t>
+            </a:r>
+            <a:r>
+              <a:rPr lang="de-DE" dirty="0" smtClean="0"/>
+              <a:t>*</a:t>
+            </a:r>
+            <a:endParaRPr lang="en-GB" dirty="0"/>
+          </a:p>
+        </p:txBody>
+      </p:sp>
     </p:spTree>
     <p:extLst>
       <p:ext uri="{BB962C8B-B14F-4D97-AF65-F5344CB8AC3E}">
@@ -7044,10 +9144,272 @@
   <p:clrMapOvr>
     <a:masterClrMapping/>
   </p:clrMapOvr>
+  <p:timing>
+    <p:tnLst>
+      <p:par>
+        <p:cTn id="1" dur="indefinite" restart="never" nodeType="tmRoot">
+          <p:childTnLst>
+            <p:seq concurrent="1" nextAc="seek">
+              <p:cTn id="2" dur="indefinite" nodeType="mainSeq">
+                <p:childTnLst>
+                  <p:par>
+                    <p:cTn id="3" fill="hold">
+                      <p:stCondLst>
+                        <p:cond delay="indefinite"/>
+                      </p:stCondLst>
+                      <p:childTnLst>
+                        <p:par>
+                          <p:cTn id="4" fill="hold">
+                            <p:stCondLst>
+                              <p:cond delay="0"/>
+                            </p:stCondLst>
+                            <p:childTnLst>
+                              <p:par>
+                                <p:cTn id="5" presetID="1" presetClass="entr" presetSubtype="0" fill="hold" grpId="0" nodeType="clickEffect">
+                                  <p:stCondLst>
+                                    <p:cond delay="0"/>
+                                  </p:stCondLst>
+                                  <p:childTnLst>
+                                    <p:set>
+                                      <p:cBhvr>
+                                        <p:cTn id="6" dur="1" fill="hold">
+                                          <p:stCondLst>
+                                            <p:cond delay="0"/>
+                                          </p:stCondLst>
+                                        </p:cTn>
+                                        <p:tgtEl>
+                                          <p:spTgt spid="8"/>
+                                        </p:tgtEl>
+                                        <p:attrNameLst>
+                                          <p:attrName>style.visibility</p:attrName>
+                                        </p:attrNameLst>
+                                      </p:cBhvr>
+                                      <p:to>
+                                        <p:strVal val="visible"/>
+                                      </p:to>
+                                    </p:set>
+                                  </p:childTnLst>
+                                </p:cTn>
+                              </p:par>
+                            </p:childTnLst>
+                          </p:cTn>
+                        </p:par>
+                      </p:childTnLst>
+                    </p:cTn>
+                  </p:par>
+                  <p:par>
+                    <p:cTn id="7" fill="hold">
+                      <p:stCondLst>
+                        <p:cond delay="indefinite"/>
+                      </p:stCondLst>
+                      <p:childTnLst>
+                        <p:par>
+                          <p:cTn id="8" fill="hold">
+                            <p:stCondLst>
+                              <p:cond delay="0"/>
+                            </p:stCondLst>
+                            <p:childTnLst>
+                              <p:par>
+                                <p:cTn id="9" presetID="1" presetClass="entr" presetSubtype="0" fill="hold" grpId="0" nodeType="clickEffect">
+                                  <p:stCondLst>
+                                    <p:cond delay="0"/>
+                                  </p:stCondLst>
+                                  <p:childTnLst>
+                                    <p:set>
+                                      <p:cBhvr>
+                                        <p:cTn id="10" dur="1" fill="hold">
+                                          <p:stCondLst>
+                                            <p:cond delay="0"/>
+                                          </p:stCondLst>
+                                        </p:cTn>
+                                        <p:tgtEl>
+                                          <p:spTgt spid="7"/>
+                                        </p:tgtEl>
+                                        <p:attrNameLst>
+                                          <p:attrName>style.visibility</p:attrName>
+                                        </p:attrNameLst>
+                                      </p:cBhvr>
+                                      <p:to>
+                                        <p:strVal val="visible"/>
+                                      </p:to>
+                                    </p:set>
+                                  </p:childTnLst>
+                                </p:cTn>
+                              </p:par>
+                            </p:childTnLst>
+                          </p:cTn>
+                        </p:par>
+                      </p:childTnLst>
+                    </p:cTn>
+                  </p:par>
+                  <p:par>
+                    <p:cTn id="11" fill="hold">
+                      <p:stCondLst>
+                        <p:cond delay="indefinite"/>
+                      </p:stCondLst>
+                      <p:childTnLst>
+                        <p:par>
+                          <p:cTn id="12" fill="hold">
+                            <p:stCondLst>
+                              <p:cond delay="0"/>
+                            </p:stCondLst>
+                            <p:childTnLst>
+                              <p:par>
+                                <p:cTn id="13" presetID="1" presetClass="entr" presetSubtype="0" fill="hold" grpId="0" nodeType="clickEffect">
+                                  <p:stCondLst>
+                                    <p:cond delay="0"/>
+                                  </p:stCondLst>
+                                  <p:childTnLst>
+                                    <p:set>
+                                      <p:cBhvr>
+                                        <p:cTn id="14" dur="1" fill="hold">
+                                          <p:stCondLst>
+                                            <p:cond delay="0"/>
+                                          </p:stCondLst>
+                                        </p:cTn>
+                                        <p:tgtEl>
+                                          <p:spTgt spid="6"/>
+                                        </p:tgtEl>
+                                        <p:attrNameLst>
+                                          <p:attrName>style.visibility</p:attrName>
+                                        </p:attrNameLst>
+                                      </p:cBhvr>
+                                      <p:to>
+                                        <p:strVal val="visible"/>
+                                      </p:to>
+                                    </p:set>
+                                  </p:childTnLst>
+                                </p:cTn>
+                              </p:par>
+                            </p:childTnLst>
+                          </p:cTn>
+                        </p:par>
+                      </p:childTnLst>
+                    </p:cTn>
+                  </p:par>
+                  <p:par>
+                    <p:cTn id="15" fill="hold">
+                      <p:stCondLst>
+                        <p:cond delay="indefinite"/>
+                      </p:stCondLst>
+                      <p:childTnLst>
+                        <p:par>
+                          <p:cTn id="16" fill="hold">
+                            <p:stCondLst>
+                              <p:cond delay="0"/>
+                            </p:stCondLst>
+                            <p:childTnLst>
+                              <p:par>
+                                <p:cTn id="17" presetID="1" presetClass="entr" presetSubtype="0" fill="hold" grpId="0" nodeType="clickEffect">
+                                  <p:stCondLst>
+                                    <p:cond delay="0"/>
+                                  </p:stCondLst>
+                                  <p:childTnLst>
+                                    <p:set>
+                                      <p:cBhvr>
+                                        <p:cTn id="18" dur="1" fill="hold">
+                                          <p:stCondLst>
+                                            <p:cond delay="0"/>
+                                          </p:stCondLst>
+                                        </p:cTn>
+                                        <p:tgtEl>
+                                          <p:spTgt spid="5"/>
+                                        </p:tgtEl>
+                                        <p:attrNameLst>
+                                          <p:attrName>style.visibility</p:attrName>
+                                        </p:attrNameLst>
+                                      </p:cBhvr>
+                                      <p:to>
+                                        <p:strVal val="visible"/>
+                                      </p:to>
+                                    </p:set>
+                                  </p:childTnLst>
+                                </p:cTn>
+                              </p:par>
+                            </p:childTnLst>
+                          </p:cTn>
+                        </p:par>
+                      </p:childTnLst>
+                    </p:cTn>
+                  </p:par>
+                  <p:par>
+                    <p:cTn id="19" fill="hold">
+                      <p:stCondLst>
+                        <p:cond delay="indefinite"/>
+                      </p:stCondLst>
+                      <p:childTnLst>
+                        <p:par>
+                          <p:cTn id="20" fill="hold">
+                            <p:stCondLst>
+                              <p:cond delay="0"/>
+                            </p:stCondLst>
+                            <p:childTnLst>
+                              <p:par>
+                                <p:cTn id="21" presetID="1" presetClass="entr" presetSubtype="0" fill="hold" grpId="0" nodeType="clickEffect">
+                                  <p:stCondLst>
+                                    <p:cond delay="0"/>
+                                  </p:stCondLst>
+                                  <p:childTnLst>
+                                    <p:set>
+                                      <p:cBhvr>
+                                        <p:cTn id="22" dur="1" fill="hold">
+                                          <p:stCondLst>
+                                            <p:cond delay="0"/>
+                                          </p:stCondLst>
+                                        </p:cTn>
+                                        <p:tgtEl>
+                                          <p:spTgt spid="10"/>
+                                        </p:tgtEl>
+                                        <p:attrNameLst>
+                                          <p:attrName>style.visibility</p:attrName>
+                                        </p:attrNameLst>
+                                      </p:cBhvr>
+                                      <p:to>
+                                        <p:strVal val="visible"/>
+                                      </p:to>
+                                    </p:set>
+                                  </p:childTnLst>
+                                </p:cTn>
+                              </p:par>
+                            </p:childTnLst>
+                          </p:cTn>
+                        </p:par>
+                      </p:childTnLst>
+                    </p:cTn>
+                  </p:par>
+                </p:childTnLst>
+              </p:cTn>
+              <p:prevCondLst>
+                <p:cond evt="onPrev" delay="0">
+                  <p:tgtEl>
+                    <p:sldTgt/>
+                  </p:tgtEl>
+                </p:cond>
+              </p:prevCondLst>
+              <p:nextCondLst>
+                <p:cond evt="onNext" delay="0">
+                  <p:tgtEl>
+                    <p:sldTgt/>
+                  </p:tgtEl>
+                </p:cond>
+              </p:nextCondLst>
+            </p:seq>
+          </p:childTnLst>
+        </p:cTn>
+      </p:par>
+    </p:tnLst>
+    <p:bldLst>
+      <p:bldP spid="5" grpId="0" animBg="1"/>
+      <p:bldP spid="6" grpId="0" animBg="1"/>
+      <p:bldP spid="7" grpId="0" animBg="1"/>
+      <p:bldP spid="8" grpId="0" animBg="1"/>
+      <p:bldP spid="10" grpId="0" animBg="1"/>
+    </p:bldLst>
+  </p:timing>
 </p:sld>
 </file>
 
-<file path=ppt/slides/slide7.xml><?xml version="1.0" encoding="utf-8"?>
+<file path=ppt/slides/slide9.xml><?xml version="1.0" encoding="utf-8"?>
 <p:sld xmlns:a="http://schemas.openxmlformats.org/drawingml/2006/main" xmlns:r="http://schemas.openxmlformats.org/officeDocument/2006/relationships" xmlns:p="http://schemas.openxmlformats.org/presentationml/2006/main">
   <p:cSld>
     <p:spTree>
@@ -7081,217 +9443,45 @@
           <a:p>
             <a:r>
               <a:rPr lang="de-DE" dirty="0" smtClean="0"/>
-              <a:t>Demo</a:t>
-            </a:r>
-            <a:endParaRPr lang="de-DE" dirty="0"/>
-          </a:p>
-        </p:txBody>
-      </p:sp>
-      <p:sp>
-        <p:nvSpPr>
-          <p:cNvPr id="3" name="Inhaltsplatzhalter 2"/>
-          <p:cNvSpPr>
-            <a:spLocks noGrp="1"/>
-          </p:cNvSpPr>
+              <a:t>Class Diagramm</a:t>
+            </a:r>
+            <a:endParaRPr lang="en-GB" dirty="0"/>
+          </a:p>
+        </p:txBody>
+      </p:sp>
+      <p:pic>
+        <p:nvPicPr>
+          <p:cNvPr id="4" name="Inhaltsplatzhalter 3"/>
+          <p:cNvPicPr>
+            <a:picLocks noGrp="1" noChangeAspect="1"/>
+          </p:cNvPicPr>
           <p:nvPr>
             <p:ph idx="1"/>
           </p:nvPr>
-        </p:nvSpPr>
-        <p:spPr/>
-        <p:txBody>
-          <a:bodyPr>
-            <a:normAutofit/>
-          </a:bodyPr>
-          <a:lstStyle/>
-          <a:p>
-            <a:pPr marL="0" indent="0" algn="ctr">
-              <a:buNone/>
-            </a:pPr>
-            <a:r>
-              <a:rPr lang="de-DE" sz="4000" dirty="0" err="1" smtClean="0">
-                <a:hlinkClick r:id="rId2"/>
-              </a:rPr>
-              <a:t>ready</a:t>
-            </a:r>
-            <a:r>
-              <a:rPr lang="de-DE" sz="6000" dirty="0" smtClean="0">
-                <a:hlinkClick r:id="rId2"/>
-              </a:rPr>
-              <a:t>?</a:t>
-            </a:r>
-            <a:endParaRPr lang="de-DE" sz="6000" dirty="0"/>
-          </a:p>
-        </p:txBody>
-      </p:sp>
+        </p:nvPicPr>
+        <p:blipFill>
+          <a:blip r:embed="rId2">
+            <a:extLst>
+              <a:ext uri="{28A0092B-C50C-407E-A947-70E740481C1C}">
+                <a14:useLocalDpi xmlns:a14="http://schemas.microsoft.com/office/drawing/2010/main" val="0"/>
+              </a:ext>
+            </a:extLst>
+          </a:blip>
+          <a:stretch>
+            <a:fillRect/>
+          </a:stretch>
+        </p:blipFill>
+        <p:spPr>
+          <a:xfrm>
+            <a:off x="1915002" y="2667000"/>
+            <a:ext cx="9157333" cy="3124200"/>
+          </a:xfrm>
+        </p:spPr>
+      </p:pic>
     </p:spTree>
     <p:extLst>
       <p:ext uri="{BB962C8B-B14F-4D97-AF65-F5344CB8AC3E}">
-        <p14:creationId xmlns:p14="http://schemas.microsoft.com/office/powerpoint/2010/main" val="1494621090"/>
-      </p:ext>
-    </p:extLst>
-  </p:cSld>
-  <p:clrMapOvr>
-    <a:masterClrMapping/>
-  </p:clrMapOvr>
-  <p:timing>
-    <p:tnLst>
-      <p:par>
-        <p:cTn id="1" dur="indefinite" restart="never" nodeType="tmRoot"/>
-      </p:par>
-    </p:tnLst>
-  </p:timing>
-</p:sld>
-</file>
-
-<file path=ppt/slides/slide8.xml><?xml version="1.0" encoding="utf-8"?>
-<p:sld xmlns:a="http://schemas.openxmlformats.org/drawingml/2006/main" xmlns:r="http://schemas.openxmlformats.org/officeDocument/2006/relationships" xmlns:p="http://schemas.openxmlformats.org/presentationml/2006/main">
-  <p:cSld>
-    <p:spTree>
-      <p:nvGrpSpPr>
-        <p:cNvPr id="1" name=""/>
-        <p:cNvGrpSpPr/>
-        <p:nvPr/>
-      </p:nvGrpSpPr>
-      <p:grpSpPr>
-        <a:xfrm>
-          <a:off x="0" y="0"/>
-          <a:ext cx="0" cy="0"/>
-          <a:chOff x="0" y="0"/>
-          <a:chExt cx="0" cy="0"/>
-        </a:xfrm>
-      </p:grpSpPr>
-      <p:sp>
-        <p:nvSpPr>
-          <p:cNvPr id="2" name="Titel 1"/>
-          <p:cNvSpPr>
-            <a:spLocks noGrp="1"/>
-          </p:cNvSpPr>
-          <p:nvPr>
-            <p:ph type="title"/>
-          </p:nvPr>
-        </p:nvSpPr>
-        <p:spPr/>
-        <p:txBody>
-          <a:bodyPr/>
-          <a:lstStyle/>
-          <a:p>
-            <a:r>
-              <a:rPr lang="de-DE" dirty="0" err="1" smtClean="0"/>
-              <a:t>Behaviour</a:t>
-            </a:r>
-            <a:r>
-              <a:rPr lang="de-DE" dirty="0" smtClean="0"/>
-              <a:t> </a:t>
-            </a:r>
-            <a:r>
-              <a:rPr lang="de-DE" dirty="0" err="1" smtClean="0"/>
-              <a:t>Driven</a:t>
-            </a:r>
-            <a:r>
-              <a:rPr lang="de-DE" dirty="0" smtClean="0"/>
-              <a:t> </a:t>
-            </a:r>
-            <a:r>
-              <a:rPr lang="de-DE" dirty="0" err="1" smtClean="0"/>
-              <a:t>Developement</a:t>
-            </a:r>
-            <a:endParaRPr lang="de-DE" dirty="0"/>
-          </a:p>
-        </p:txBody>
-      </p:sp>
-      <p:sp>
-        <p:nvSpPr>
-          <p:cNvPr id="3" name="Inhaltsplatzhalter 2"/>
-          <p:cNvSpPr>
-            <a:spLocks noGrp="1"/>
-          </p:cNvSpPr>
-          <p:nvPr>
-            <p:ph idx="1"/>
-          </p:nvPr>
-        </p:nvSpPr>
-        <p:spPr/>
-        <p:txBody>
-          <a:bodyPr/>
-          <a:lstStyle/>
-          <a:p>
-            <a:r>
-              <a:rPr lang="de-DE" dirty="0" smtClean="0"/>
-              <a:t>Tests </a:t>
-            </a:r>
-            <a:r>
-              <a:rPr lang="de-DE" dirty="0" err="1" smtClean="0"/>
-              <a:t>written</a:t>
-            </a:r>
-            <a:r>
-              <a:rPr lang="de-DE" dirty="0" smtClean="0"/>
-              <a:t> in </a:t>
-            </a:r>
-            <a:r>
-              <a:rPr lang="de-DE" dirty="0" err="1" smtClean="0"/>
-              <a:t>Gherkin</a:t>
-            </a:r>
-            <a:r>
-              <a:rPr lang="de-DE" dirty="0" smtClean="0"/>
-              <a:t> </a:t>
-            </a:r>
-          </a:p>
-          <a:p>
-            <a:pPr lvl="1"/>
-            <a:r>
-              <a:rPr lang="de-DE" dirty="0" smtClean="0"/>
-              <a:t>Easy </a:t>
-            </a:r>
-            <a:r>
-              <a:rPr lang="de-DE" dirty="0" err="1" smtClean="0"/>
-              <a:t>to</a:t>
-            </a:r>
-            <a:r>
-              <a:rPr lang="de-DE" dirty="0" smtClean="0"/>
-              <a:t> </a:t>
-            </a:r>
-            <a:r>
-              <a:rPr lang="de-DE" dirty="0" err="1" smtClean="0"/>
-              <a:t>Use</a:t>
-            </a:r>
-            <a:r>
-              <a:rPr lang="de-DE" dirty="0" smtClean="0"/>
-              <a:t> </a:t>
-            </a:r>
-            <a:r>
-              <a:rPr lang="de-DE" dirty="0" err="1" smtClean="0"/>
-              <a:t>for</a:t>
-            </a:r>
-            <a:r>
-              <a:rPr lang="de-DE" dirty="0" smtClean="0"/>
-              <a:t> non </a:t>
-            </a:r>
-            <a:r>
-              <a:rPr lang="de-DE" dirty="0" err="1" smtClean="0"/>
-              <a:t>Programmers</a:t>
-            </a:r>
-            <a:endParaRPr lang="de-DE" dirty="0" smtClean="0"/>
-          </a:p>
-          <a:p>
-            <a:r>
-              <a:rPr lang="de-DE" dirty="0" err="1" smtClean="0"/>
-              <a:t>Calabash</a:t>
-            </a:r>
-            <a:endParaRPr lang="de-DE" dirty="0" smtClean="0"/>
-          </a:p>
-          <a:p>
-            <a:pPr lvl="1"/>
-            <a:r>
-              <a:rPr lang="de-DE" dirty="0" smtClean="0"/>
-              <a:t>Reports</a:t>
-            </a:r>
-            <a:endParaRPr lang="de-DE" dirty="0"/>
-          </a:p>
-        </p:txBody>
-      </p:sp>
-    </p:spTree>
-    <p:extLst>
-      <p:ext uri="{BB962C8B-B14F-4D97-AF65-F5344CB8AC3E}">
-        <p14:creationId xmlns:p14="http://schemas.microsoft.com/office/powerpoint/2010/main" val="2959169903"/>
+        <p14:creationId xmlns:p14="http://schemas.microsoft.com/office/powerpoint/2010/main" val="1071914578"/>
       </p:ext>
     </p:extLst>
   </p:cSld>
@@ -7562,4 +9752,265 @@
     </a:ext>
   </a:extLst>
 </a:theme>
+</file>
+
+<file path=ppt/theme/theme2.xml><?xml version="1.0" encoding="utf-8"?>
+<a:theme xmlns:a="http://schemas.openxmlformats.org/drawingml/2006/main" name="Office Theme">
+  <a:themeElements>
+    <a:clrScheme name="Office">
+      <a:dk1>
+        <a:sysClr val="windowText" lastClr="000000"/>
+      </a:dk1>
+      <a:lt1>
+        <a:sysClr val="window" lastClr="FFFFFF"/>
+      </a:lt1>
+      <a:dk2>
+        <a:srgbClr val="44546A"/>
+      </a:dk2>
+      <a:lt2>
+        <a:srgbClr val="E7E6E6"/>
+      </a:lt2>
+      <a:accent1>
+        <a:srgbClr val="5B9BD5"/>
+      </a:accent1>
+      <a:accent2>
+        <a:srgbClr val="ED7D31"/>
+      </a:accent2>
+      <a:accent3>
+        <a:srgbClr val="A5A5A5"/>
+      </a:accent3>
+      <a:accent4>
+        <a:srgbClr val="FFC000"/>
+      </a:accent4>
+      <a:accent5>
+        <a:srgbClr val="4472C4"/>
+      </a:accent5>
+      <a:accent6>
+        <a:srgbClr val="70AD47"/>
+      </a:accent6>
+      <a:hlink>
+        <a:srgbClr val="0563C1"/>
+      </a:hlink>
+      <a:folHlink>
+        <a:srgbClr val="954F72"/>
+      </a:folHlink>
+    </a:clrScheme>
+    <a:fontScheme name="Office">
+      <a:majorFont>
+        <a:latin typeface="Calibri Light" panose="020F0302020204030204"/>
+        <a:ea typeface=""/>
+        <a:cs typeface=""/>
+        <a:font script="Jpan" typeface="ＭＳ Ｐゴシック"/>
+        <a:font script="Hang" typeface="맑은 고딕"/>
+        <a:font script="Hans" typeface="宋体"/>
+        <a:font script="Hant" typeface="新細明體"/>
+        <a:font script="Arab" typeface="Times New Roman"/>
+        <a:font script="Hebr" typeface="Times New Roman"/>
+        <a:font script="Thai" typeface="Angsana New"/>
+        <a:font script="Ethi" typeface="Nyala"/>
+        <a:font script="Beng" typeface="Vrinda"/>
+        <a:font script="Gujr" typeface="Shruti"/>
+        <a:font script="Khmr" typeface="MoolBoran"/>
+        <a:font script="Knda" typeface="Tunga"/>
+        <a:font script="Guru" typeface="Raavi"/>
+        <a:font script="Cans" typeface="Euphemia"/>
+        <a:font script="Cher" typeface="Plantagenet Cherokee"/>
+        <a:font script="Yiii" typeface="Microsoft Yi Baiti"/>
+        <a:font script="Tibt" typeface="Microsoft Himalaya"/>
+        <a:font script="Thaa" typeface="MV Boli"/>
+        <a:font script="Deva" typeface="Mangal"/>
+        <a:font script="Telu" typeface="Gautami"/>
+        <a:font script="Taml" typeface="Latha"/>
+        <a:font script="Syrc" typeface="Estrangelo Edessa"/>
+        <a:font script="Orya" typeface="Kalinga"/>
+        <a:font script="Mlym" typeface="Kartika"/>
+        <a:font script="Laoo" typeface="DokChampa"/>
+        <a:font script="Sinh" typeface="Iskoola Pota"/>
+        <a:font script="Mong" typeface="Mongolian Baiti"/>
+        <a:font script="Viet" typeface="Times New Roman"/>
+        <a:font script="Uigh" typeface="Microsoft Uighur"/>
+        <a:font script="Geor" typeface="Sylfaen"/>
+      </a:majorFont>
+      <a:minorFont>
+        <a:latin typeface="Calibri" panose="020F0502020204030204"/>
+        <a:ea typeface=""/>
+        <a:cs typeface=""/>
+        <a:font script="Jpan" typeface="ＭＳ Ｐゴシック"/>
+        <a:font script="Hang" typeface="맑은 고딕"/>
+        <a:font script="Hans" typeface="宋体"/>
+        <a:font script="Hant" typeface="新細明體"/>
+        <a:font script="Arab" typeface="Arial"/>
+        <a:font script="Hebr" typeface="Arial"/>
+        <a:font script="Thai" typeface="Cordia New"/>
+        <a:font script="Ethi" typeface="Nyala"/>
+        <a:font script="Beng" typeface="Vrinda"/>
+        <a:font script="Gujr" typeface="Shruti"/>
+        <a:font script="Khmr" typeface="DaunPenh"/>
+        <a:font script="Knda" typeface="Tunga"/>
+        <a:font script="Guru" typeface="Raavi"/>
+        <a:font script="Cans" typeface="Euphemia"/>
+        <a:font script="Cher" typeface="Plantagenet Cherokee"/>
+        <a:font script="Yiii" typeface="Microsoft Yi Baiti"/>
+        <a:font script="Tibt" typeface="Microsoft Himalaya"/>
+        <a:font script="Thaa" typeface="MV Boli"/>
+        <a:font script="Deva" typeface="Mangal"/>
+        <a:font script="Telu" typeface="Gautami"/>
+        <a:font script="Taml" typeface="Latha"/>
+        <a:font script="Syrc" typeface="Estrangelo Edessa"/>
+        <a:font script="Orya" typeface="Kalinga"/>
+        <a:font script="Mlym" typeface="Kartika"/>
+        <a:font script="Laoo" typeface="DokChampa"/>
+        <a:font script="Sinh" typeface="Iskoola Pota"/>
+        <a:font script="Mong" typeface="Mongolian Baiti"/>
+        <a:font script="Viet" typeface="Arial"/>
+        <a:font script="Uigh" typeface="Microsoft Uighur"/>
+        <a:font script="Geor" typeface="Sylfaen"/>
+      </a:minorFont>
+    </a:fontScheme>
+    <a:fmtScheme name="Office">
+      <a:fillStyleLst>
+        <a:solidFill>
+          <a:schemeClr val="phClr"/>
+        </a:solidFill>
+        <a:gradFill rotWithShape="1">
+          <a:gsLst>
+            <a:gs pos="0">
+              <a:schemeClr val="phClr">
+                <a:lumMod val="110000"/>
+                <a:satMod val="105000"/>
+                <a:tint val="67000"/>
+              </a:schemeClr>
+            </a:gs>
+            <a:gs pos="50000">
+              <a:schemeClr val="phClr">
+                <a:lumMod val="105000"/>
+                <a:satMod val="103000"/>
+                <a:tint val="73000"/>
+              </a:schemeClr>
+            </a:gs>
+            <a:gs pos="100000">
+              <a:schemeClr val="phClr">
+                <a:lumMod val="105000"/>
+                <a:satMod val="109000"/>
+                <a:tint val="81000"/>
+              </a:schemeClr>
+            </a:gs>
+          </a:gsLst>
+          <a:lin ang="5400000" scaled="0"/>
+        </a:gradFill>
+        <a:gradFill rotWithShape="1">
+          <a:gsLst>
+            <a:gs pos="0">
+              <a:schemeClr val="phClr">
+                <a:satMod val="103000"/>
+                <a:lumMod val="102000"/>
+                <a:tint val="94000"/>
+              </a:schemeClr>
+            </a:gs>
+            <a:gs pos="50000">
+              <a:schemeClr val="phClr">
+                <a:satMod val="110000"/>
+                <a:lumMod val="100000"/>
+                <a:shade val="100000"/>
+              </a:schemeClr>
+            </a:gs>
+            <a:gs pos="100000">
+              <a:schemeClr val="phClr">
+                <a:lumMod val="99000"/>
+                <a:satMod val="120000"/>
+                <a:shade val="78000"/>
+              </a:schemeClr>
+            </a:gs>
+          </a:gsLst>
+          <a:lin ang="5400000" scaled="0"/>
+        </a:gradFill>
+      </a:fillStyleLst>
+      <a:lnStyleLst>
+        <a:ln w="6350" cap="flat" cmpd="sng" algn="ctr">
+          <a:solidFill>
+            <a:schemeClr val="phClr"/>
+          </a:solidFill>
+          <a:prstDash val="solid"/>
+          <a:miter lim="800000"/>
+        </a:ln>
+        <a:ln w="12700" cap="flat" cmpd="sng" algn="ctr">
+          <a:solidFill>
+            <a:schemeClr val="phClr"/>
+          </a:solidFill>
+          <a:prstDash val="solid"/>
+          <a:miter lim="800000"/>
+        </a:ln>
+        <a:ln w="19050" cap="flat" cmpd="sng" algn="ctr">
+          <a:solidFill>
+            <a:schemeClr val="phClr"/>
+          </a:solidFill>
+          <a:prstDash val="solid"/>
+          <a:miter lim="800000"/>
+        </a:ln>
+      </a:lnStyleLst>
+      <a:effectStyleLst>
+        <a:effectStyle>
+          <a:effectLst/>
+        </a:effectStyle>
+        <a:effectStyle>
+          <a:effectLst/>
+        </a:effectStyle>
+        <a:effectStyle>
+          <a:effectLst>
+            <a:outerShdw blurRad="57150" dist="19050" dir="5400000" algn="ctr" rotWithShape="0">
+              <a:srgbClr val="000000">
+                <a:alpha val="63000"/>
+              </a:srgbClr>
+            </a:outerShdw>
+          </a:effectLst>
+        </a:effectStyle>
+      </a:effectStyleLst>
+      <a:bgFillStyleLst>
+        <a:solidFill>
+          <a:schemeClr val="phClr"/>
+        </a:solidFill>
+        <a:solidFill>
+          <a:schemeClr val="phClr">
+            <a:tint val="95000"/>
+            <a:satMod val="170000"/>
+          </a:schemeClr>
+        </a:solidFill>
+        <a:gradFill rotWithShape="1">
+          <a:gsLst>
+            <a:gs pos="0">
+              <a:schemeClr val="phClr">
+                <a:tint val="93000"/>
+                <a:satMod val="150000"/>
+                <a:shade val="98000"/>
+                <a:lumMod val="102000"/>
+              </a:schemeClr>
+            </a:gs>
+            <a:gs pos="50000">
+              <a:schemeClr val="phClr">
+                <a:tint val="98000"/>
+                <a:satMod val="130000"/>
+                <a:shade val="90000"/>
+                <a:lumMod val="103000"/>
+              </a:schemeClr>
+            </a:gs>
+            <a:gs pos="100000">
+              <a:schemeClr val="phClr">
+                <a:shade val="63000"/>
+                <a:satMod val="120000"/>
+              </a:schemeClr>
+            </a:gs>
+          </a:gsLst>
+          <a:lin ang="5400000" scaled="0"/>
+        </a:gradFill>
+      </a:bgFillStyleLst>
+    </a:fmtScheme>
+  </a:themeElements>
+  <a:objectDefaults/>
+  <a:extraClrSchemeLst/>
+  <a:extLst>
+    <a:ext uri="{05A4C25C-085E-4340-85A3-A5531E510DB2}">
+      <thm15:themeFamily xmlns:thm15="http://schemas.microsoft.com/office/thememl/2012/main" name="Office Theme" id="{62F939B6-93AF-4DB8-9C6B-D6C7DFDC589F}" vid="{4A3C46E8-61CC-4603-A589-7422A47A8E4A}"/>
+    </a:ext>
+  </a:extLst>
+</a:theme>
 </file>
--- a/Gaming-Bets.pptx
+++ b/Gaming-Bets.pptx
@@ -6844,15 +6844,7 @@
             </a:r>
             <a:r>
               <a:rPr lang="de-DE" dirty="0" smtClean="0"/>
-              <a:t> E-Sport </a:t>
-            </a:r>
-            <a:r>
-              <a:rPr lang="de-DE" dirty="0" smtClean="0"/>
-              <a:t>was easy</a:t>
-            </a:r>
-            <a:r>
-              <a:rPr lang="de-DE" dirty="0" smtClean="0"/>
-              <a:t>, </a:t>
+              <a:t> E-Sport was easy, </a:t>
             </a:r>
             <a:r>
               <a:rPr lang="de-DE" dirty="0" err="1" smtClean="0"/>
@@ -7063,7 +7055,6 @@
               <a:rPr lang="de-DE" dirty="0" smtClean="0"/>
               <a:t>!</a:t>
             </a:r>
-            <a:endParaRPr lang="de-DE" dirty="0" smtClean="0"/>
           </a:p>
           <a:p>
             <a:r>
@@ -7553,7 +7544,7 @@
         </p:nvSpPr>
         <p:spPr>
           <a:xfrm>
-            <a:off x="1086643" y="619555"/>
+            <a:off x="1086642" y="207235"/>
             <a:ext cx="10018713" cy="1752599"/>
           </a:xfrm>
         </p:spPr>
@@ -7581,21 +7572,24 @@
         </p:nvSpPr>
         <p:spPr>
           <a:xfrm>
-            <a:off x="1683534" y="1598998"/>
-            <a:ext cx="6580533" cy="2374558"/>
+            <a:off x="1127617" y="1996692"/>
+            <a:ext cx="3117066" cy="817947"/>
           </a:xfrm>
         </p:spPr>
         <p:txBody>
           <a:bodyPr/>
           <a:lstStyle/>
           <a:p>
+            <a:pPr marL="0" indent="0" algn="ctr">
+              <a:buNone/>
+            </a:pPr>
             <a:r>
               <a:rPr lang="de-DE" dirty="0" err="1" smtClean="0"/>
               <a:t>We</a:t>
             </a:r>
             <a:r>
               <a:rPr lang="de-DE" dirty="0" smtClean="0"/>
-              <a:t> all </a:t>
+              <a:t> </a:t>
             </a:r>
             <a:r>
               <a:rPr lang="de-DE" dirty="0" err="1" smtClean="0"/>
@@ -7603,29 +7597,7 @@
             </a:r>
             <a:r>
               <a:rPr lang="de-DE" dirty="0" smtClean="0"/>
-              <a:t> E-Sports</a:t>
-            </a:r>
-          </a:p>
-          <a:p>
-            <a:r>
-              <a:rPr lang="de-DE" dirty="0" err="1" smtClean="0"/>
-              <a:t>We</a:t>
-            </a:r>
-            <a:r>
-              <a:rPr lang="de-DE" dirty="0" smtClean="0"/>
-              <a:t> all </a:t>
-            </a:r>
-            <a:r>
-              <a:rPr lang="de-DE" dirty="0" err="1" smtClean="0"/>
-              <a:t>love</a:t>
-            </a:r>
-            <a:r>
-              <a:rPr lang="de-DE" dirty="0" smtClean="0"/>
-              <a:t> </a:t>
-            </a:r>
-            <a:r>
-              <a:rPr lang="de-DE" dirty="0" err="1" smtClean="0"/>
-              <a:t>Bets</a:t>
+              <a:t> E-Sports!</a:t>
             </a:r>
             <a:endParaRPr lang="de-DE" dirty="0" smtClean="0"/>
           </a:p>
@@ -7639,14 +7611,14 @@
       </p:sp>
       <p:sp>
         <p:nvSpPr>
-          <p:cNvPr id="5" name="Textfeld 4"/>
+          <p:cNvPr id="4" name="Textfeld 3"/>
           <p:cNvSpPr txBox="1"/>
           <p:nvPr/>
         </p:nvSpPr>
         <p:spPr>
           <a:xfrm>
-            <a:off x="8487978" y="2261973"/>
-            <a:ext cx="3214269" cy="830997"/>
+            <a:off x="8787245" y="1996692"/>
+            <a:ext cx="2538846" cy="461665"/>
           </a:xfrm>
           <a:prstGeom prst="rect">
             <a:avLst/>
@@ -7659,25 +7631,114 @@
           </a:bodyPr>
           <a:lstStyle/>
           <a:p>
-            <a:r>
-              <a:rPr lang="de-DE" dirty="0" smtClean="0"/>
-              <a:t>More </a:t>
-            </a:r>
-            <a:r>
-              <a:rPr lang="de-DE" sz="4800" dirty="0" smtClean="0"/>
-              <a:t>GG</a:t>
-            </a:r>
-            <a:r>
-              <a:rPr lang="de-DE" dirty="0" smtClean="0"/>
+            <a:pPr algn="ctr"/>
+            <a:r>
+              <a:rPr lang="de-DE" sz="2400" dirty="0" err="1" smtClean="0"/>
+              <a:t>We</a:t>
+            </a:r>
+            <a:r>
+              <a:rPr lang="de-DE" sz="2400" dirty="0" smtClean="0"/>
               <a:t> </a:t>
             </a:r>
             <a:r>
-              <a:rPr lang="de-DE" dirty="0" smtClean="0">
-                <a:sym typeface="Wingdings" panose="05000000000000000000" pitchFamily="2" charset="2"/>
-              </a:rPr>
-              <a:t> More WOW!</a:t>
-            </a:r>
-            <a:endParaRPr lang="en-GB" dirty="0"/>
+              <a:rPr lang="de-DE" sz="2400" dirty="0" err="1" smtClean="0"/>
+              <a:t>want</a:t>
+            </a:r>
+            <a:r>
+              <a:rPr lang="de-DE" sz="2400" dirty="0" smtClean="0"/>
+              <a:t> </a:t>
+            </a:r>
+            <a:r>
+              <a:rPr lang="de-DE" sz="2400" dirty="0" err="1" smtClean="0"/>
+              <a:t>to</a:t>
+            </a:r>
+            <a:r>
+              <a:rPr lang="de-DE" sz="2400" dirty="0" smtClean="0"/>
+              <a:t> </a:t>
+            </a:r>
+            <a:r>
+              <a:rPr lang="de-DE" sz="2400" dirty="0" err="1" smtClean="0"/>
+              <a:t>win</a:t>
+            </a:r>
+            <a:r>
+              <a:rPr lang="de-DE" sz="2400" dirty="0" smtClean="0"/>
+              <a:t>!!</a:t>
+            </a:r>
+            <a:endParaRPr lang="de-DE" sz="2400" dirty="0"/>
+          </a:p>
+        </p:txBody>
+      </p:sp>
+      <p:sp>
+        <p:nvSpPr>
+          <p:cNvPr id="7" name="Textfeld 6"/>
+          <p:cNvSpPr txBox="1"/>
+          <p:nvPr/>
+        </p:nvSpPr>
+        <p:spPr>
+          <a:xfrm>
+            <a:off x="4492332" y="1627360"/>
+            <a:ext cx="3207331" cy="954107"/>
+          </a:xfrm>
+          <a:prstGeom prst="rect">
+            <a:avLst/>
+          </a:prstGeom>
+          <a:noFill/>
+        </p:spPr>
+        <p:txBody>
+          <a:bodyPr wrap="square" rtlCol="0">
+            <a:spAutoFit/>
+          </a:bodyPr>
+          <a:lstStyle/>
+          <a:p>
+            <a:pPr algn="ctr"/>
+            <a:r>
+              <a:rPr lang="de-DE" sz="2800" dirty="0" err="1"/>
+              <a:t>We</a:t>
+            </a:r>
+            <a:r>
+              <a:rPr lang="de-DE" sz="2800" dirty="0"/>
+              <a:t> </a:t>
+            </a:r>
+            <a:r>
+              <a:rPr lang="de-DE" sz="2800" dirty="0" err="1"/>
+              <a:t>strive</a:t>
+            </a:r>
+            <a:r>
+              <a:rPr lang="de-DE" sz="2800" dirty="0"/>
+              <a:t> </a:t>
+            </a:r>
+            <a:r>
+              <a:rPr lang="de-DE" sz="2800" dirty="0" err="1"/>
+              <a:t>to</a:t>
+            </a:r>
+            <a:r>
+              <a:rPr lang="de-DE" sz="2800" dirty="0"/>
+              <a:t> </a:t>
+            </a:r>
+            <a:r>
+              <a:rPr lang="de-DE" sz="2800" dirty="0" err="1"/>
+              <a:t>be</a:t>
+            </a:r>
+            <a:r>
+              <a:rPr lang="de-DE" sz="2800" dirty="0"/>
+              <a:t> </a:t>
+            </a:r>
+            <a:r>
+              <a:rPr lang="de-DE" sz="2800" dirty="0" err="1"/>
+              <a:t>the</a:t>
+            </a:r>
+            <a:r>
+              <a:rPr lang="de-DE" sz="2800" dirty="0"/>
+              <a:t> </a:t>
+            </a:r>
+            <a:r>
+              <a:rPr lang="de-DE" sz="2800" dirty="0" err="1"/>
+              <a:t>best</a:t>
+            </a:r>
+            <a:r>
+              <a:rPr lang="de-DE" sz="2800" dirty="0"/>
+              <a:t>!!!</a:t>
+            </a:r>
           </a:p>
         </p:txBody>
       </p:sp>
@@ -7691,12 +7752,395 @@
   <p:clrMapOvr>
     <a:masterClrMapping/>
   </p:clrMapOvr>
+  <p:transition spd="slow">
+    <p:push dir="u"/>
+  </p:transition>
   <p:timing>
     <p:tnLst>
       <p:par>
-        <p:cTn id="1" dur="indefinite" restart="never" nodeType="tmRoot"/>
+        <p:cTn id="1" dur="indefinite" restart="never" nodeType="tmRoot">
+          <p:childTnLst>
+            <p:seq concurrent="1" nextAc="seek">
+              <p:cTn id="2" dur="indefinite" nodeType="mainSeq">
+                <p:childTnLst>
+                  <p:par>
+                    <p:cTn id="3" fill="hold">
+                      <p:stCondLst>
+                        <p:cond delay="indefinite"/>
+                      </p:stCondLst>
+                      <p:childTnLst>
+                        <p:par>
+                          <p:cTn id="4" fill="hold">
+                            <p:stCondLst>
+                              <p:cond delay="0"/>
+                            </p:stCondLst>
+                            <p:childTnLst>
+                              <p:par>
+                                <p:cTn id="5" presetID="2" presetClass="entr" presetSubtype="4" fill="hold" grpId="0" nodeType="clickEffect">
+                                  <p:stCondLst>
+                                    <p:cond delay="0"/>
+                                  </p:stCondLst>
+                                  <p:childTnLst>
+                                    <p:set>
+                                      <p:cBhvr>
+                                        <p:cTn id="6" dur="1" fill="hold">
+                                          <p:stCondLst>
+                                            <p:cond delay="0"/>
+                                          </p:stCondLst>
+                                        </p:cTn>
+                                        <p:tgtEl>
+                                          <p:spTgt spid="3">
+                                            <p:txEl>
+                                              <p:pRg st="0" end="0"/>
+                                            </p:txEl>
+                                          </p:spTgt>
+                                        </p:tgtEl>
+                                        <p:attrNameLst>
+                                          <p:attrName>style.visibility</p:attrName>
+                                        </p:attrNameLst>
+                                      </p:cBhvr>
+                                      <p:to>
+                                        <p:strVal val="visible"/>
+                                      </p:to>
+                                    </p:set>
+                                    <p:anim calcmode="lin" valueType="num">
+                                      <p:cBhvr additive="base">
+                                        <p:cTn id="7" dur="500" fill="hold"/>
+                                        <p:tgtEl>
+                                          <p:spTgt spid="3">
+                                            <p:txEl>
+                                              <p:pRg st="0" end="0"/>
+                                            </p:txEl>
+                                          </p:spTgt>
+                                        </p:tgtEl>
+                                        <p:attrNameLst>
+                                          <p:attrName>ppt_x</p:attrName>
+                                        </p:attrNameLst>
+                                      </p:cBhvr>
+                                      <p:tavLst>
+                                        <p:tav tm="0">
+                                          <p:val>
+                                            <p:strVal val="#ppt_x"/>
+                                          </p:val>
+                                        </p:tav>
+                                        <p:tav tm="100000">
+                                          <p:val>
+                                            <p:strVal val="#ppt_x"/>
+                                          </p:val>
+                                        </p:tav>
+                                      </p:tavLst>
+                                    </p:anim>
+                                    <p:anim calcmode="lin" valueType="num">
+                                      <p:cBhvr additive="base">
+                                        <p:cTn id="8" dur="500" fill="hold"/>
+                                        <p:tgtEl>
+                                          <p:spTgt spid="3">
+                                            <p:txEl>
+                                              <p:pRg st="0" end="0"/>
+                                            </p:txEl>
+                                          </p:spTgt>
+                                        </p:tgtEl>
+                                        <p:attrNameLst>
+                                          <p:attrName>ppt_y</p:attrName>
+                                        </p:attrNameLst>
+                                      </p:cBhvr>
+                                      <p:tavLst>
+                                        <p:tav tm="0">
+                                          <p:val>
+                                            <p:strVal val="1+#ppt_h/2"/>
+                                          </p:val>
+                                        </p:tav>
+                                        <p:tav tm="100000">
+                                          <p:val>
+                                            <p:strVal val="#ppt_y"/>
+                                          </p:val>
+                                        </p:tav>
+                                      </p:tavLst>
+                                    </p:anim>
+                                  </p:childTnLst>
+                                </p:cTn>
+                              </p:par>
+                            </p:childTnLst>
+                          </p:cTn>
+                        </p:par>
+                        <p:par>
+                          <p:cTn id="9" fill="hold">
+                            <p:stCondLst>
+                              <p:cond delay="500"/>
+                            </p:stCondLst>
+                            <p:childTnLst>
+                              <p:par>
+                                <p:cTn id="10" presetID="16" presetClass="entr" presetSubtype="21" fill="hold" nodeType="afterEffect">
+                                  <p:stCondLst>
+                                    <p:cond delay="0"/>
+                                  </p:stCondLst>
+                                  <p:childTnLst>
+                                    <p:set>
+                                      <p:cBhvr>
+                                        <p:cTn id="11" dur="1" fill="hold">
+                                          <p:stCondLst>
+                                            <p:cond delay="0"/>
+                                          </p:stCondLst>
+                                        </p:cTn>
+                                        <p:tgtEl>
+                                          <p:spTgt spid="6"/>
+                                        </p:tgtEl>
+                                        <p:attrNameLst>
+                                          <p:attrName>style.visibility</p:attrName>
+                                        </p:attrNameLst>
+                                      </p:cBhvr>
+                                      <p:to>
+                                        <p:strVal val="visible"/>
+                                      </p:to>
+                                    </p:set>
+                                    <p:animEffect transition="in" filter="barn(inVertical)">
+                                      <p:cBhvr>
+                                        <p:cTn id="12" dur="2000"/>
+                                        <p:tgtEl>
+                                          <p:spTgt spid="6"/>
+                                        </p:tgtEl>
+                                      </p:cBhvr>
+                                    </p:animEffect>
+                                  </p:childTnLst>
+                                </p:cTn>
+                              </p:par>
+                            </p:childTnLst>
+                          </p:cTn>
+                        </p:par>
+                      </p:childTnLst>
+                    </p:cTn>
+                  </p:par>
+                  <p:par>
+                    <p:cTn id="13" fill="hold">
+                      <p:stCondLst>
+                        <p:cond delay="indefinite"/>
+                      </p:stCondLst>
+                      <p:childTnLst>
+                        <p:par>
+                          <p:cTn id="14" fill="hold">
+                            <p:stCondLst>
+                              <p:cond delay="0"/>
+                            </p:stCondLst>
+                            <p:childTnLst>
+                              <p:par>
+                                <p:cTn id="15" presetID="2" presetClass="entr" presetSubtype="4" fill="hold" grpId="0" nodeType="clickEffect">
+                                  <p:stCondLst>
+                                    <p:cond delay="0"/>
+                                  </p:stCondLst>
+                                  <p:childTnLst>
+                                    <p:set>
+                                      <p:cBhvr>
+                                        <p:cTn id="16" dur="1" fill="hold">
+                                          <p:stCondLst>
+                                            <p:cond delay="0"/>
+                                          </p:stCondLst>
+                                        </p:cTn>
+                                        <p:tgtEl>
+                                          <p:spTgt spid="4"/>
+                                        </p:tgtEl>
+                                        <p:attrNameLst>
+                                          <p:attrName>style.visibility</p:attrName>
+                                        </p:attrNameLst>
+                                      </p:cBhvr>
+                                      <p:to>
+                                        <p:strVal val="visible"/>
+                                      </p:to>
+                                    </p:set>
+                                    <p:anim calcmode="lin" valueType="num">
+                                      <p:cBhvr additive="base">
+                                        <p:cTn id="17" dur="500" fill="hold"/>
+                                        <p:tgtEl>
+                                          <p:spTgt spid="4"/>
+                                        </p:tgtEl>
+                                        <p:attrNameLst>
+                                          <p:attrName>ppt_x</p:attrName>
+                                        </p:attrNameLst>
+                                      </p:cBhvr>
+                                      <p:tavLst>
+                                        <p:tav tm="0">
+                                          <p:val>
+                                            <p:strVal val="#ppt_x"/>
+                                          </p:val>
+                                        </p:tav>
+                                        <p:tav tm="100000">
+                                          <p:val>
+                                            <p:strVal val="#ppt_x"/>
+                                          </p:val>
+                                        </p:tav>
+                                      </p:tavLst>
+                                    </p:anim>
+                                    <p:anim calcmode="lin" valueType="num">
+                                      <p:cBhvr additive="base">
+                                        <p:cTn id="18" dur="500" fill="hold"/>
+                                        <p:tgtEl>
+                                          <p:spTgt spid="4"/>
+                                        </p:tgtEl>
+                                        <p:attrNameLst>
+                                          <p:attrName>ppt_y</p:attrName>
+                                        </p:attrNameLst>
+                                      </p:cBhvr>
+                                      <p:tavLst>
+                                        <p:tav tm="0">
+                                          <p:val>
+                                            <p:strVal val="1+#ppt_h/2"/>
+                                          </p:val>
+                                        </p:tav>
+                                        <p:tav tm="100000">
+                                          <p:val>
+                                            <p:strVal val="#ppt_y"/>
+                                          </p:val>
+                                        </p:tav>
+                                      </p:tavLst>
+                                    </p:anim>
+                                  </p:childTnLst>
+                                </p:cTn>
+                              </p:par>
+                            </p:childTnLst>
+                          </p:cTn>
+                        </p:par>
+                      </p:childTnLst>
+                    </p:cTn>
+                  </p:par>
+                  <p:par>
+                    <p:cTn id="19" fill="hold">
+                      <p:stCondLst>
+                        <p:cond delay="indefinite"/>
+                      </p:stCondLst>
+                      <p:childTnLst>
+                        <p:par>
+                          <p:cTn id="20" fill="hold">
+                            <p:stCondLst>
+                              <p:cond delay="0"/>
+                            </p:stCondLst>
+                            <p:childTnLst>
+                              <p:par>
+                                <p:cTn id="21" presetID="53" presetClass="entr" presetSubtype="16" fill="hold" nodeType="clickEffect">
+                                  <p:stCondLst>
+                                    <p:cond delay="0"/>
+                                  </p:stCondLst>
+                                  <p:childTnLst>
+                                    <p:set>
+                                      <p:cBhvr>
+                                        <p:cTn id="22" dur="1" fill="hold">
+                                          <p:stCondLst>
+                                            <p:cond delay="0"/>
+                                          </p:stCondLst>
+                                        </p:cTn>
+                                        <p:tgtEl>
+                                          <p:spTgt spid="7">
+                                            <p:txEl>
+                                              <p:pRg st="0" end="0"/>
+                                            </p:txEl>
+                                          </p:spTgt>
+                                        </p:tgtEl>
+                                        <p:attrNameLst>
+                                          <p:attrName>style.visibility</p:attrName>
+                                        </p:attrNameLst>
+                                      </p:cBhvr>
+                                      <p:to>
+                                        <p:strVal val="visible"/>
+                                      </p:to>
+                                    </p:set>
+                                    <p:anim calcmode="lin" valueType="num">
+                                      <p:cBhvr>
+                                        <p:cTn id="23" dur="500" fill="hold"/>
+                                        <p:tgtEl>
+                                          <p:spTgt spid="7">
+                                            <p:txEl>
+                                              <p:pRg st="0" end="0"/>
+                                            </p:txEl>
+                                          </p:spTgt>
+                                        </p:tgtEl>
+                                        <p:attrNameLst>
+                                          <p:attrName>ppt_w</p:attrName>
+                                        </p:attrNameLst>
+                                      </p:cBhvr>
+                                      <p:tavLst>
+                                        <p:tav tm="0">
+                                          <p:val>
+                                            <p:fltVal val="0"/>
+                                          </p:val>
+                                        </p:tav>
+                                        <p:tav tm="100000">
+                                          <p:val>
+                                            <p:strVal val="#ppt_w"/>
+                                          </p:val>
+                                        </p:tav>
+                                      </p:tavLst>
+                                    </p:anim>
+                                    <p:anim calcmode="lin" valueType="num">
+                                      <p:cBhvr>
+                                        <p:cTn id="24" dur="500" fill="hold"/>
+                                        <p:tgtEl>
+                                          <p:spTgt spid="7">
+                                            <p:txEl>
+                                              <p:pRg st="0" end="0"/>
+                                            </p:txEl>
+                                          </p:spTgt>
+                                        </p:tgtEl>
+                                        <p:attrNameLst>
+                                          <p:attrName>ppt_h</p:attrName>
+                                        </p:attrNameLst>
+                                      </p:cBhvr>
+                                      <p:tavLst>
+                                        <p:tav tm="0">
+                                          <p:val>
+                                            <p:fltVal val="0"/>
+                                          </p:val>
+                                        </p:tav>
+                                        <p:tav tm="100000">
+                                          <p:val>
+                                            <p:strVal val="#ppt_h"/>
+                                          </p:val>
+                                        </p:tav>
+                                      </p:tavLst>
+                                    </p:anim>
+                                    <p:animEffect transition="in" filter="fade">
+                                      <p:cBhvr>
+                                        <p:cTn id="25" dur="500"/>
+                                        <p:tgtEl>
+                                          <p:spTgt spid="7">
+                                            <p:txEl>
+                                              <p:pRg st="0" end="0"/>
+                                            </p:txEl>
+                                          </p:spTgt>
+                                        </p:tgtEl>
+                                      </p:cBhvr>
+                                    </p:animEffect>
+                                  </p:childTnLst>
+                                </p:cTn>
+                              </p:par>
+                            </p:childTnLst>
+                          </p:cTn>
+                        </p:par>
+                      </p:childTnLst>
+                    </p:cTn>
+                  </p:par>
+                </p:childTnLst>
+              </p:cTn>
+              <p:prevCondLst>
+                <p:cond evt="onPrev" delay="0">
+                  <p:tgtEl>
+                    <p:sldTgt/>
+                  </p:tgtEl>
+                </p:cond>
+              </p:prevCondLst>
+              <p:nextCondLst>
+                <p:cond evt="onNext" delay="0">
+                  <p:tgtEl>
+                    <p:sldTgt/>
+                  </p:tgtEl>
+                </p:cond>
+              </p:nextCondLst>
+            </p:seq>
+          </p:childTnLst>
+        </p:cTn>
       </p:par>
     </p:tnLst>
+    <p:bldLst>
+      <p:bldP spid="3" grpId="0" uiExpand="1" build="p"/>
+      <p:bldP spid="4" grpId="0"/>
+    </p:bldLst>
   </p:timing>
 </p:sld>
 </file>
@@ -7783,6 +8227,9 @@
   <p:clrMapOvr>
     <a:masterClrMapping/>
   </p:clrMapOvr>
+  <p:transition spd="slow">
+    <p:push dir="u"/>
+  </p:transition>
   <p:timing>
     <p:tnLst>
       <p:par>
@@ -7901,6 +8348,9 @@
   <p:clrMapOvr>
     <a:masterClrMapping/>
   </p:clrMapOvr>
+  <p:transition spd="slow">
+    <p:push dir="u"/>
+  </p:transition>
   <p:timing>
     <p:tnLst>
       <p:par>
@@ -8131,6 +8581,9 @@
   <p:clrMapOvr>
     <a:masterClrMapping/>
   </p:clrMapOvr>
+  <p:transition spd="slow">
+    <p:push dir="u"/>
+  </p:transition>
   <p:timing>
     <p:tnLst>
       <p:par>

--- a/Gaming-Bets.pptx
+++ b/Gaming-Bets.pptx
@@ -5,20 +5,21 @@
     <p:sldMasterId id="2147483648" r:id="rId1"/>
   </p:sldMasterIdLst>
   <p:notesMasterIdLst>
-    <p:notesMasterId r:id="rId13"/>
+    <p:notesMasterId r:id="rId14"/>
   </p:notesMasterIdLst>
   <p:sldIdLst>
     <p:sldId id="256" r:id="rId2"/>
-    <p:sldId id="257" r:id="rId3"/>
-    <p:sldId id="262" r:id="rId4"/>
-    <p:sldId id="261" r:id="rId5"/>
-    <p:sldId id="258" r:id="rId6"/>
-    <p:sldId id="266" r:id="rId7"/>
-    <p:sldId id="267" r:id="rId8"/>
-    <p:sldId id="263" r:id="rId9"/>
-    <p:sldId id="264" r:id="rId10"/>
-    <p:sldId id="260" r:id="rId11"/>
-    <p:sldId id="259" r:id="rId12"/>
+    <p:sldId id="268" r:id="rId3"/>
+    <p:sldId id="257" r:id="rId4"/>
+    <p:sldId id="262" r:id="rId5"/>
+    <p:sldId id="261" r:id="rId6"/>
+    <p:sldId id="258" r:id="rId7"/>
+    <p:sldId id="266" r:id="rId8"/>
+    <p:sldId id="267" r:id="rId9"/>
+    <p:sldId id="263" r:id="rId10"/>
+    <p:sldId id="264" r:id="rId11"/>
+    <p:sldId id="260" r:id="rId12"/>
+    <p:sldId id="259" r:id="rId13"/>
   </p:sldIdLst>
   <p:sldSz cx="12192000" cy="6858000"/>
   <p:notesSz cx="6858000" cy="9144000"/>
@@ -582,7 +583,7 @@
           <a:p>
             <a:fld id="{E3F25372-0542-480F-B0CF-44A11105944C}" type="slidenum">
               <a:rPr lang="en-GB" smtClean="0"/>
-              <a:t>5</a:t>
+              <a:t>6</a:t>
             </a:fld>
             <a:endParaRPr lang="en-GB"/>
           </a:p>
@@ -695,7 +696,7 @@
           <a:p>
             <a:fld id="{E3F25372-0542-480F-B0CF-44A11105944C}" type="slidenum">
               <a:rPr lang="en-GB" smtClean="0"/>
-              <a:t>8</a:t>
+              <a:t>9</a:t>
             </a:fld>
             <a:endParaRPr lang="en-GB"/>
           </a:p>
@@ -791,7 +792,7 @@
           <a:p>
             <a:fld id="{E3F25372-0542-480F-B0CF-44A11105944C}" type="slidenum">
               <a:rPr lang="en-GB" smtClean="0"/>
-              <a:t>11</a:t>
+              <a:t>12</a:t>
             </a:fld>
             <a:endParaRPr lang="en-GB"/>
           </a:p>
@@ -6934,6 +6935,98 @@
           <a:lstStyle/>
           <a:p>
             <a:r>
+              <a:rPr lang="de-DE" dirty="0" smtClean="0"/>
+              <a:t>Class Diagramm</a:t>
+            </a:r>
+            <a:endParaRPr lang="en-GB" dirty="0"/>
+          </a:p>
+        </p:txBody>
+      </p:sp>
+      <p:pic>
+        <p:nvPicPr>
+          <p:cNvPr id="4" name="Inhaltsplatzhalter 3"/>
+          <p:cNvPicPr>
+            <a:picLocks noGrp="1" noChangeAspect="1"/>
+          </p:cNvPicPr>
+          <p:nvPr>
+            <p:ph idx="1"/>
+          </p:nvPr>
+        </p:nvPicPr>
+        <p:blipFill>
+          <a:blip r:embed="rId2">
+            <a:extLst>
+              <a:ext uri="{28A0092B-C50C-407E-A947-70E740481C1C}">
+                <a14:useLocalDpi xmlns:a14="http://schemas.microsoft.com/office/drawing/2010/main" val="0"/>
+              </a:ext>
+            </a:extLst>
+          </a:blip>
+          <a:stretch>
+            <a:fillRect/>
+          </a:stretch>
+        </p:blipFill>
+        <p:spPr>
+          <a:xfrm>
+            <a:off x="1246909" y="2438399"/>
+            <a:ext cx="10030431" cy="3422074"/>
+          </a:xfrm>
+        </p:spPr>
+      </p:pic>
+    </p:spTree>
+    <p:extLst>
+      <p:ext uri="{BB962C8B-B14F-4D97-AF65-F5344CB8AC3E}">
+        <p14:creationId xmlns:p14="http://schemas.microsoft.com/office/powerpoint/2010/main" val="1071914578"/>
+      </p:ext>
+    </p:extLst>
+  </p:cSld>
+  <p:clrMapOvr>
+    <a:masterClrMapping/>
+  </p:clrMapOvr>
+  <p:transition spd="slow">
+    <p:push dir="u"/>
+  </p:transition>
+  <p:timing>
+    <p:tnLst>
+      <p:par>
+        <p:cTn id="1" dur="indefinite" restart="never" nodeType="tmRoot"/>
+      </p:par>
+    </p:tnLst>
+  </p:timing>
+</p:sld>
+</file>
+
+<file path=ppt/slides/slide11.xml><?xml version="1.0" encoding="utf-8"?>
+<p:sld xmlns:a="http://schemas.openxmlformats.org/drawingml/2006/main" xmlns:r="http://schemas.openxmlformats.org/officeDocument/2006/relationships" xmlns:p="http://schemas.openxmlformats.org/presentationml/2006/main">
+  <p:cSld>
+    <p:spTree>
+      <p:nvGrpSpPr>
+        <p:cNvPr id="1" name=""/>
+        <p:cNvGrpSpPr/>
+        <p:nvPr/>
+      </p:nvGrpSpPr>
+      <p:grpSpPr>
+        <a:xfrm>
+          <a:off x="0" y="0"/>
+          <a:ext cx="0" cy="0"/>
+          <a:chOff x="0" y="0"/>
+          <a:chExt cx="0" cy="0"/>
+        </a:xfrm>
+      </p:grpSpPr>
+      <p:sp>
+        <p:nvSpPr>
+          <p:cNvPr id="2" name="Titel 1"/>
+          <p:cNvSpPr>
+            <a:spLocks noGrp="1"/>
+          </p:cNvSpPr>
+          <p:nvPr>
+            <p:ph type="title"/>
+          </p:nvPr>
+        </p:nvSpPr>
+        <p:spPr/>
+        <p:txBody>
+          <a:bodyPr/>
+          <a:lstStyle/>
+          <a:p>
+            <a:r>
               <a:rPr lang="de-DE" dirty="0" err="1" smtClean="0"/>
               <a:t>Behavior</a:t>
             </a:r>
@@ -7099,6 +7192,9 @@
   <p:clrMapOvr>
     <a:masterClrMapping/>
   </p:clrMapOvr>
+  <p:transition spd="slow">
+    <p:push dir="u"/>
+  </p:transition>
   <p:timing>
     <p:tnLst>
       <p:par>
@@ -7377,7 +7473,7 @@
 </p:sld>
 </file>
 
-<file path=ppt/slides/slide11.xml><?xml version="1.0" encoding="utf-8"?>
+<file path=ppt/slides/slide12.xml><?xml version="1.0" encoding="utf-8"?>
 <p:sld xmlns:a="http://schemas.openxmlformats.org/drawingml/2006/main" xmlns:r="http://schemas.openxmlformats.org/officeDocument/2006/relationships" xmlns:p="http://schemas.openxmlformats.org/presentationml/2006/main">
   <p:cSld>
     <p:spTree>
@@ -7475,6 +7571,9 @@
   <p:clrMapOvr>
     <a:masterClrMapping/>
   </p:clrMapOvr>
+  <p:transition spd="slow">
+    <p:push dir="u"/>
+  </p:transition>
   <p:timing>
     <p:tnLst>
       <p:par>
@@ -7486,6 +7585,139 @@
 </file>
 
 <file path=ppt/slides/slide2.xml><?xml version="1.0" encoding="utf-8"?>
+<p:sld xmlns:a="http://schemas.openxmlformats.org/drawingml/2006/main" xmlns:r="http://schemas.openxmlformats.org/officeDocument/2006/relationships" xmlns:p="http://schemas.openxmlformats.org/presentationml/2006/main">
+  <p:cSld>
+    <p:spTree>
+      <p:nvGrpSpPr>
+        <p:cNvPr id="1" name=""/>
+        <p:cNvGrpSpPr/>
+        <p:nvPr/>
+      </p:nvGrpSpPr>
+      <p:grpSpPr>
+        <a:xfrm>
+          <a:off x="0" y="0"/>
+          <a:ext cx="0" cy="0"/>
+          <a:chOff x="0" y="0"/>
+          <a:chExt cx="0" cy="0"/>
+        </a:xfrm>
+      </p:grpSpPr>
+      <p:sp>
+        <p:nvSpPr>
+          <p:cNvPr id="2" name="Titel 1"/>
+          <p:cNvSpPr>
+            <a:spLocks noGrp="1"/>
+          </p:cNvSpPr>
+          <p:nvPr>
+            <p:ph type="title"/>
+          </p:nvPr>
+        </p:nvSpPr>
+        <p:spPr/>
+        <p:txBody>
+          <a:bodyPr/>
+          <a:lstStyle/>
+          <a:p>
+            <a:r>
+              <a:rPr lang="de-DE" dirty="0" smtClean="0"/>
+              <a:t>Agenda</a:t>
+            </a:r>
+            <a:endParaRPr lang="en-US" dirty="0"/>
+          </a:p>
+        </p:txBody>
+      </p:sp>
+      <p:sp>
+        <p:nvSpPr>
+          <p:cNvPr id="3" name="Inhaltsplatzhalter 2"/>
+          <p:cNvSpPr>
+            <a:spLocks noGrp="1"/>
+          </p:cNvSpPr>
+          <p:nvPr>
+            <p:ph idx="1"/>
+          </p:nvPr>
+        </p:nvSpPr>
+        <p:spPr/>
+        <p:txBody>
+          <a:bodyPr>
+            <a:normAutofit fontScale="85000" lnSpcReduction="20000"/>
+          </a:bodyPr>
+          <a:lstStyle/>
+          <a:p>
+            <a:r>
+              <a:rPr lang="en-US" dirty="0" smtClean="0"/>
+              <a:t>Vision</a:t>
+            </a:r>
+          </a:p>
+          <a:p>
+            <a:r>
+              <a:rPr lang="en-US" dirty="0" smtClean="0"/>
+              <a:t>Use Cases</a:t>
+            </a:r>
+          </a:p>
+          <a:p>
+            <a:r>
+              <a:rPr lang="en-US" dirty="0" smtClean="0"/>
+              <a:t>Project Management</a:t>
+            </a:r>
+          </a:p>
+          <a:p>
+            <a:r>
+              <a:rPr lang="en-US" dirty="0" smtClean="0"/>
+              <a:t>Scrumming</a:t>
+            </a:r>
+          </a:p>
+          <a:p>
+            <a:r>
+              <a:rPr lang="en-US" dirty="0" smtClean="0"/>
+              <a:t>Project Team</a:t>
+            </a:r>
+          </a:p>
+          <a:p>
+            <a:r>
+              <a:rPr lang="en-US" dirty="0" smtClean="0"/>
+              <a:t>Technical Architecture</a:t>
+            </a:r>
+          </a:p>
+          <a:p>
+            <a:r>
+              <a:rPr lang="en-US" dirty="0" smtClean="0"/>
+              <a:t>Class Diagram</a:t>
+            </a:r>
+          </a:p>
+          <a:p>
+            <a:r>
+              <a:rPr lang="en-US" dirty="0" smtClean="0"/>
+              <a:t>Behavior Driven Development</a:t>
+            </a:r>
+            <a:endParaRPr lang="de-DE" dirty="0" smtClean="0"/>
+          </a:p>
+          <a:p>
+            <a:endParaRPr lang="en-US" dirty="0"/>
+          </a:p>
+        </p:txBody>
+      </p:sp>
+    </p:spTree>
+    <p:extLst>
+      <p:ext uri="{BB962C8B-B14F-4D97-AF65-F5344CB8AC3E}">
+        <p14:creationId xmlns:p14="http://schemas.microsoft.com/office/powerpoint/2010/main" val="720366168"/>
+      </p:ext>
+    </p:extLst>
+  </p:cSld>
+  <p:clrMapOvr>
+    <a:masterClrMapping/>
+  </p:clrMapOvr>
+  <p:transition spd="slow">
+    <p:push dir="u"/>
+  </p:transition>
+  <p:timing>
+    <p:tnLst>
+      <p:par>
+        <p:cTn id="1" dur="indefinite" restart="never" nodeType="tmRoot"/>
+      </p:par>
+    </p:tnLst>
+  </p:timing>
+</p:sld>
+</file>
+
+<file path=ppt/slides/slide3.xml><?xml version="1.0" encoding="utf-8"?>
 <p:sld xmlns:a="http://schemas.openxmlformats.org/drawingml/2006/main" xmlns:r="http://schemas.openxmlformats.org/officeDocument/2006/relationships" xmlns:p="http://schemas.openxmlformats.org/presentationml/2006/main">
   <p:cSld>
     <p:spTree>
@@ -7599,7 +7831,6 @@
               <a:rPr lang="de-DE" dirty="0" smtClean="0"/>
               <a:t> E-Sports!</a:t>
             </a:r>
-            <a:endParaRPr lang="de-DE" dirty="0" smtClean="0"/>
           </a:p>
           <a:p>
             <a:pPr marL="3657600" lvl="8" indent="0">
@@ -8145,7 +8376,7 @@
 </p:sld>
 </file>
 
-<file path=ppt/slides/slide3.xml><?xml version="1.0" encoding="utf-8"?>
+<file path=ppt/slides/slide4.xml><?xml version="1.0" encoding="utf-8"?>
 <p:sld xmlns:a="http://schemas.openxmlformats.org/drawingml/2006/main" xmlns:r="http://schemas.openxmlformats.org/officeDocument/2006/relationships" xmlns:p="http://schemas.openxmlformats.org/presentationml/2006/main">
   <p:cSld>
     <p:spTree>
@@ -8240,7 +8471,7 @@
 </p:sld>
 </file>
 
-<file path=ppt/slides/slide4.xml><?xml version="1.0" encoding="utf-8"?>
+<file path=ppt/slides/slide5.xml><?xml version="1.0" encoding="utf-8"?>
 <p:sld xmlns:a="http://schemas.openxmlformats.org/drawingml/2006/main" xmlns:r="http://schemas.openxmlformats.org/officeDocument/2006/relationships" xmlns:p="http://schemas.openxmlformats.org/presentationml/2006/main">
   <p:cSld>
     <p:spTree>
@@ -8293,9 +8524,9 @@
           <p:nvPr/>
         </p:nvSpPr>
         <p:spPr>
-          <a:xfrm rot="1304477">
-            <a:off x="6443860" y="4373897"/>
-            <a:ext cx="4031713" cy="1946660"/>
+          <a:xfrm rot="852164">
+            <a:off x="6944345" y="5052683"/>
+            <a:ext cx="3355391" cy="1415318"/>
           </a:xfrm>
           <a:prstGeom prst="leftArrow">
             <a:avLst/>
@@ -8372,7 +8603,7 @@
                             </p:stCondLst>
                             <p:childTnLst>
                               <p:par>
-                                <p:cTn id="5" presetID="1" presetClass="entr" presetSubtype="0" fill="hold" grpId="0" nodeType="clickEffect">
+                                <p:cTn id="5" presetID="2" presetClass="entr" presetSubtype="2" fill="hold" grpId="0" nodeType="clickEffect">
                                   <p:stCondLst>
                                     <p:cond delay="0"/>
                                   </p:stCondLst>
@@ -8395,6 +8626,52 @@
                                         <p:strVal val="visible"/>
                                       </p:to>
                                     </p:set>
+                                    <p:anim calcmode="lin" valueType="num">
+                                      <p:cBhvr additive="base">
+                                        <p:cTn id="7" dur="500" fill="hold"/>
+                                        <p:tgtEl>
+                                          <p:spTgt spid="6"/>
+                                        </p:tgtEl>
+                                        <p:attrNameLst>
+                                          <p:attrName>ppt_x</p:attrName>
+                                        </p:attrNameLst>
+                                      </p:cBhvr>
+                                      <p:tavLst>
+                                        <p:tav tm="0">
+                                          <p:val>
+                                            <p:strVal val="1+#ppt_w/2"/>
+                                          </p:val>
+                                        </p:tav>
+                                        <p:tav tm="100000">
+                                          <p:val>
+                                            <p:strVal val="#ppt_x"/>
+                                          </p:val>
+                                        </p:tav>
+                                      </p:tavLst>
+                                    </p:anim>
+                                    <p:anim calcmode="lin" valueType="num">
+                                      <p:cBhvr additive="base">
+                                        <p:cTn id="8" dur="500" fill="hold"/>
+                                        <p:tgtEl>
+                                          <p:spTgt spid="6"/>
+                                        </p:tgtEl>
+                                        <p:attrNameLst>
+                                          <p:attrName>ppt_y</p:attrName>
+                                        </p:attrNameLst>
+                                      </p:cBhvr>
+                                      <p:tavLst>
+                                        <p:tav tm="0">
+                                          <p:val>
+                                            <p:strVal val="#ppt_y"/>
+                                          </p:val>
+                                        </p:tav>
+                                        <p:tav tm="100000">
+                                          <p:val>
+                                            <p:strVal val="#ppt_y"/>
+                                          </p:val>
+                                        </p:tav>
+                                      </p:tavLst>
+                                    </p:anim>
                                   </p:childTnLst>
                                 </p:cTn>
                               </p:par>
@@ -8432,7 +8709,7 @@
 </p:sld>
 </file>
 
-<file path=ppt/slides/slide5.xml><?xml version="1.0" encoding="utf-8"?>
+<file path=ppt/slides/slide6.xml><?xml version="1.0" encoding="utf-8"?>
 <p:sld xmlns:a="http://schemas.openxmlformats.org/drawingml/2006/main" xmlns:r="http://schemas.openxmlformats.org/officeDocument/2006/relationships" xmlns:p="http://schemas.openxmlformats.org/presentationml/2006/main">
   <p:cSld>
     <p:spTree>
@@ -8764,7 +9041,7 @@
 </p:sld>
 </file>
 
-<file path=ppt/slides/slide6.xml><?xml version="1.0" encoding="utf-8"?>
+<file path=ppt/slides/slide7.xml><?xml version="1.0" encoding="utf-8"?>
 <p:sld xmlns:a="http://schemas.openxmlformats.org/drawingml/2006/main" xmlns:r="http://schemas.openxmlformats.org/officeDocument/2006/relationships" xmlns:p="http://schemas.openxmlformats.org/presentationml/2006/main">
   <p:cSld>
     <p:spTree>
@@ -8884,6 +9161,9 @@
   <p:clrMapOvr>
     <a:masterClrMapping/>
   </p:clrMapOvr>
+  <p:transition spd="slow">
+    <p:push dir="u"/>
+  </p:transition>
   <p:timing>
     <p:tnLst>
       <p:par>
@@ -9015,7 +9295,7 @@
 </p:sld>
 </file>
 
-<file path=ppt/slides/slide7.xml><?xml version="1.0" encoding="utf-8"?>
+<file path=ppt/slides/slide8.xml><?xml version="1.0" encoding="utf-8"?>
 <p:sld xmlns:a="http://schemas.openxmlformats.org/drawingml/2006/main" xmlns:r="http://schemas.openxmlformats.org/officeDocument/2006/relationships" xmlns:p="http://schemas.openxmlformats.org/presentationml/2006/main">
   <p:cSld>
     <p:spTree>
@@ -9165,6 +9445,9 @@
   <p:clrMapOvr>
     <a:masterClrMapping/>
   </p:clrMapOvr>
+  <p:transition spd="slow">
+    <p:push dir="u"/>
+  </p:transition>
   <p:timing>
     <p:tnLst>
       <p:par>
@@ -9259,7 +9542,7 @@
 </p:sld>
 </file>
 
-<file path=ppt/slides/slide8.xml><?xml version="1.0" encoding="utf-8"?>
+<file path=ppt/slides/slide9.xml><?xml version="1.0" encoding="utf-8"?>
 <p:sld xmlns:a="http://schemas.openxmlformats.org/drawingml/2006/main" xmlns:r="http://schemas.openxmlformats.org/officeDocument/2006/relationships" xmlns:p="http://schemas.openxmlformats.org/presentationml/2006/main">
   <p:cSld>
     <p:spTree>
@@ -9597,6 +9880,9 @@
   <p:clrMapOvr>
     <a:masterClrMapping/>
   </p:clrMapOvr>
+  <p:transition spd="slow">
+    <p:push dir="u"/>
+  </p:transition>
   <p:timing>
     <p:tnLst>
       <p:par>
@@ -9858,95 +10144,6 @@
       <p:bldP spid="8" grpId="0" animBg="1"/>
       <p:bldP spid="10" grpId="0" animBg="1"/>
     </p:bldLst>
-  </p:timing>
-</p:sld>
-</file>
-
-<file path=ppt/slides/slide9.xml><?xml version="1.0" encoding="utf-8"?>
-<p:sld xmlns:a="http://schemas.openxmlformats.org/drawingml/2006/main" xmlns:r="http://schemas.openxmlformats.org/officeDocument/2006/relationships" xmlns:p="http://schemas.openxmlformats.org/presentationml/2006/main">
-  <p:cSld>
-    <p:spTree>
-      <p:nvGrpSpPr>
-        <p:cNvPr id="1" name=""/>
-        <p:cNvGrpSpPr/>
-        <p:nvPr/>
-      </p:nvGrpSpPr>
-      <p:grpSpPr>
-        <a:xfrm>
-          <a:off x="0" y="0"/>
-          <a:ext cx="0" cy="0"/>
-          <a:chOff x="0" y="0"/>
-          <a:chExt cx="0" cy="0"/>
-        </a:xfrm>
-      </p:grpSpPr>
-      <p:sp>
-        <p:nvSpPr>
-          <p:cNvPr id="2" name="Titel 1"/>
-          <p:cNvSpPr>
-            <a:spLocks noGrp="1"/>
-          </p:cNvSpPr>
-          <p:nvPr>
-            <p:ph type="title"/>
-          </p:nvPr>
-        </p:nvSpPr>
-        <p:spPr/>
-        <p:txBody>
-          <a:bodyPr/>
-          <a:lstStyle/>
-          <a:p>
-            <a:r>
-              <a:rPr lang="de-DE" dirty="0" smtClean="0"/>
-              <a:t>Class Diagramm</a:t>
-            </a:r>
-            <a:endParaRPr lang="en-GB" dirty="0"/>
-          </a:p>
-        </p:txBody>
-      </p:sp>
-      <p:pic>
-        <p:nvPicPr>
-          <p:cNvPr id="4" name="Inhaltsplatzhalter 3"/>
-          <p:cNvPicPr>
-            <a:picLocks noGrp="1" noChangeAspect="1"/>
-          </p:cNvPicPr>
-          <p:nvPr>
-            <p:ph idx="1"/>
-          </p:nvPr>
-        </p:nvPicPr>
-        <p:blipFill>
-          <a:blip r:embed="rId2">
-            <a:extLst>
-              <a:ext uri="{28A0092B-C50C-407E-A947-70E740481C1C}">
-                <a14:useLocalDpi xmlns:a14="http://schemas.microsoft.com/office/drawing/2010/main" val="0"/>
-              </a:ext>
-            </a:extLst>
-          </a:blip>
-          <a:stretch>
-            <a:fillRect/>
-          </a:stretch>
-        </p:blipFill>
-        <p:spPr>
-          <a:xfrm>
-            <a:off x="1915002" y="2667000"/>
-            <a:ext cx="9157333" cy="3124200"/>
-          </a:xfrm>
-        </p:spPr>
-      </p:pic>
-    </p:spTree>
-    <p:extLst>
-      <p:ext uri="{BB962C8B-B14F-4D97-AF65-F5344CB8AC3E}">
-        <p14:creationId xmlns:p14="http://schemas.microsoft.com/office/powerpoint/2010/main" val="1071914578"/>
-      </p:ext>
-    </p:extLst>
-  </p:cSld>
-  <p:clrMapOvr>
-    <a:masterClrMapping/>
-  </p:clrMapOvr>
-  <p:timing>
-    <p:tnLst>
-      <p:par>
-        <p:cTn id="1" dur="indefinite" restart="never" nodeType="tmRoot"/>
-      </p:par>
-    </p:tnLst>
   </p:timing>
 </p:sld>
 </file>

--- a/Gaming-Bets.pptx
+++ b/Gaming-Bets.pptx
@@ -5,7 +5,7 @@
     <p:sldMasterId id="2147483648" r:id="rId1"/>
   </p:sldMasterIdLst>
   <p:notesMasterIdLst>
-    <p:notesMasterId r:id="rId14"/>
+    <p:notesMasterId r:id="rId16"/>
   </p:notesMasterIdLst>
   <p:sldIdLst>
     <p:sldId id="256" r:id="rId2"/>
@@ -13,13 +13,15 @@
     <p:sldId id="257" r:id="rId4"/>
     <p:sldId id="262" r:id="rId5"/>
     <p:sldId id="261" r:id="rId6"/>
-    <p:sldId id="258" r:id="rId7"/>
-    <p:sldId id="266" r:id="rId8"/>
-    <p:sldId id="267" r:id="rId9"/>
+    <p:sldId id="267" r:id="rId7"/>
+    <p:sldId id="258" r:id="rId8"/>
+    <p:sldId id="266" r:id="rId9"/>
     <p:sldId id="263" r:id="rId10"/>
-    <p:sldId id="264" r:id="rId11"/>
-    <p:sldId id="260" r:id="rId12"/>
-    <p:sldId id="259" r:id="rId13"/>
+    <p:sldId id="269" r:id="rId11"/>
+    <p:sldId id="264" r:id="rId12"/>
+    <p:sldId id="260" r:id="rId13"/>
+    <p:sldId id="270" r:id="rId14"/>
+    <p:sldId id="259" r:id="rId15"/>
   </p:sldIdLst>
   <p:sldSz cx="12192000" cy="6858000"/>
   <p:notesSz cx="6858000" cy="9144000"/>
@@ -583,7 +585,7 @@
           <a:p>
             <a:fld id="{E3F25372-0542-480F-B0CF-44A11105944C}" type="slidenum">
               <a:rPr lang="en-GB" smtClean="0"/>
-              <a:t>6</a:t>
+              <a:t>7</a:t>
             </a:fld>
             <a:endParaRPr lang="en-GB"/>
           </a:p>
@@ -675,6 +677,10 @@
             <a:endParaRPr lang="de-DE" baseline="0" dirty="0" smtClean="0"/>
           </a:p>
           <a:p>
+            <a:r>
+              <a:rPr lang="en-GB" dirty="0" smtClean="0"/>
+              <a:t>Frameworks?</a:t>
+            </a:r>
             <a:endParaRPr lang="en-GB" dirty="0"/>
           </a:p>
         </p:txBody>
@@ -760,18 +766,107 @@
           <a:lstStyle/>
           <a:p>
             <a:r>
+              <a:rPr lang="de-DE" dirty="0" err="1" smtClean="0"/>
+              <a:t>Prepared</a:t>
+            </a:r>
+            <a:r>
               <a:rPr lang="de-DE" dirty="0" smtClean="0"/>
-              <a:t>Link </a:t>
-            </a:r>
-            <a:r>
-              <a:rPr lang="de-DE" dirty="0" err="1" smtClean="0"/>
-              <a:t>updated</a:t>
-            </a:r>
+              <a:t> Statements</a:t>
+            </a:r>
+          </a:p>
+          <a:p>
+            <a:endParaRPr lang="de-DE" dirty="0" smtClean="0"/>
+          </a:p>
+          <a:p>
             <a:r>
               <a:rPr lang="de-DE" dirty="0" smtClean="0"/>
-              <a:t>?</a:t>
-            </a:r>
-            <a:endParaRPr lang="en-GB" dirty="0"/>
+              <a:t>Frameworks?</a:t>
+            </a:r>
+            <a:endParaRPr lang="de-DE" dirty="0"/>
+          </a:p>
+        </p:txBody>
+      </p:sp>
+      <p:sp>
+        <p:nvSpPr>
+          <p:cNvPr id="4" name="Foliennummernplatzhalter 3"/>
+          <p:cNvSpPr>
+            <a:spLocks noGrp="1"/>
+          </p:cNvSpPr>
+          <p:nvPr>
+            <p:ph type="sldNum" sz="quarter" idx="10"/>
+          </p:nvPr>
+        </p:nvSpPr>
+        <p:spPr/>
+        <p:txBody>
+          <a:bodyPr/>
+          <a:lstStyle/>
+          <a:p>
+            <a:fld id="{E3F25372-0542-480F-B0CF-44A11105944C}" type="slidenum">
+              <a:rPr lang="en-GB" smtClean="0"/>
+              <a:t>10</a:t>
+            </a:fld>
+            <a:endParaRPr lang="en-GB"/>
+          </a:p>
+        </p:txBody>
+      </p:sp>
+    </p:spTree>
+    <p:extLst>
+      <p:ext uri="{BB962C8B-B14F-4D97-AF65-F5344CB8AC3E}">
+        <p14:creationId xmlns:p14="http://schemas.microsoft.com/office/powerpoint/2010/main" val="3964424543"/>
+      </p:ext>
+    </p:extLst>
+  </p:cSld>
+  <p:clrMapOvr>
+    <a:masterClrMapping/>
+  </p:clrMapOvr>
+</p:notes>
+</file>
+
+<file path=ppt/notesSlides/notesSlide4.xml><?xml version="1.0" encoding="utf-8"?>
+<p:notes xmlns:a="http://schemas.openxmlformats.org/drawingml/2006/main" xmlns:r="http://schemas.openxmlformats.org/officeDocument/2006/relationships" xmlns:p="http://schemas.openxmlformats.org/presentationml/2006/main">
+  <p:cSld>
+    <p:spTree>
+      <p:nvGrpSpPr>
+        <p:cNvPr id="1" name=""/>
+        <p:cNvGrpSpPr/>
+        <p:nvPr/>
+      </p:nvGrpSpPr>
+      <p:grpSpPr>
+        <a:xfrm>
+          <a:off x="0" y="0"/>
+          <a:ext cx="0" cy="0"/>
+          <a:chOff x="0" y="0"/>
+          <a:chExt cx="0" cy="0"/>
+        </a:xfrm>
+      </p:grpSpPr>
+      <p:sp>
+        <p:nvSpPr>
+          <p:cNvPr id="2" name="Folienbildplatzhalter 1"/>
+          <p:cNvSpPr>
+            <a:spLocks noGrp="1" noRot="1" noChangeAspect="1"/>
+          </p:cNvSpPr>
+          <p:nvPr>
+            <p:ph type="sldImg"/>
+          </p:nvPr>
+        </p:nvSpPr>
+        <p:spPr/>
+      </p:sp>
+      <p:sp>
+        <p:nvSpPr>
+          <p:cNvPr id="3" name="Notizenplatzhalter 2"/>
+          <p:cNvSpPr>
+            <a:spLocks noGrp="1"/>
+          </p:cNvSpPr>
+          <p:nvPr>
+            <p:ph type="body" idx="1"/>
+          </p:nvPr>
+        </p:nvSpPr>
+        <p:spPr/>
+        <p:txBody>
+          <a:bodyPr/>
+          <a:lstStyle/>
+          <a:p>
+            <a:endParaRPr lang="de-DE" dirty="0"/>
           </a:p>
         </p:txBody>
       </p:sp>
@@ -793,6 +888,102 @@
             <a:fld id="{E3F25372-0542-480F-B0CF-44A11105944C}" type="slidenum">
               <a:rPr lang="en-GB" smtClean="0"/>
               <a:t>12</a:t>
+            </a:fld>
+            <a:endParaRPr lang="en-GB"/>
+          </a:p>
+        </p:txBody>
+      </p:sp>
+    </p:spTree>
+    <p:extLst>
+      <p:ext uri="{BB962C8B-B14F-4D97-AF65-F5344CB8AC3E}">
+        <p14:creationId xmlns:p14="http://schemas.microsoft.com/office/powerpoint/2010/main" val="3548508005"/>
+      </p:ext>
+    </p:extLst>
+  </p:cSld>
+  <p:clrMapOvr>
+    <a:masterClrMapping/>
+  </p:clrMapOvr>
+</p:notes>
+</file>
+
+<file path=ppt/notesSlides/notesSlide5.xml><?xml version="1.0" encoding="utf-8"?>
+<p:notes xmlns:a="http://schemas.openxmlformats.org/drawingml/2006/main" xmlns:r="http://schemas.openxmlformats.org/officeDocument/2006/relationships" xmlns:p="http://schemas.openxmlformats.org/presentationml/2006/main">
+  <p:cSld>
+    <p:spTree>
+      <p:nvGrpSpPr>
+        <p:cNvPr id="1" name=""/>
+        <p:cNvGrpSpPr/>
+        <p:nvPr/>
+      </p:nvGrpSpPr>
+      <p:grpSpPr>
+        <a:xfrm>
+          <a:off x="0" y="0"/>
+          <a:ext cx="0" cy="0"/>
+          <a:chOff x="0" y="0"/>
+          <a:chExt cx="0" cy="0"/>
+        </a:xfrm>
+      </p:grpSpPr>
+      <p:sp>
+        <p:nvSpPr>
+          <p:cNvPr id="2" name="Folienbildplatzhalter 1"/>
+          <p:cNvSpPr>
+            <a:spLocks noGrp="1" noRot="1" noChangeAspect="1"/>
+          </p:cNvSpPr>
+          <p:nvPr>
+            <p:ph type="sldImg"/>
+          </p:nvPr>
+        </p:nvSpPr>
+        <p:spPr/>
+      </p:sp>
+      <p:sp>
+        <p:nvSpPr>
+          <p:cNvPr id="3" name="Notizenplatzhalter 2"/>
+          <p:cNvSpPr>
+            <a:spLocks noGrp="1"/>
+          </p:cNvSpPr>
+          <p:nvPr>
+            <p:ph type="body" idx="1"/>
+          </p:nvPr>
+        </p:nvSpPr>
+        <p:spPr/>
+        <p:txBody>
+          <a:bodyPr/>
+          <a:lstStyle/>
+          <a:p>
+            <a:r>
+              <a:rPr lang="de-DE" dirty="0" smtClean="0"/>
+              <a:t>Link </a:t>
+            </a:r>
+            <a:r>
+              <a:rPr lang="de-DE" dirty="0" err="1" smtClean="0"/>
+              <a:t>updated</a:t>
+            </a:r>
+            <a:r>
+              <a:rPr lang="de-DE" dirty="0" smtClean="0"/>
+              <a:t>?</a:t>
+            </a:r>
+            <a:endParaRPr lang="en-GB" dirty="0"/>
+          </a:p>
+        </p:txBody>
+      </p:sp>
+      <p:sp>
+        <p:nvSpPr>
+          <p:cNvPr id="4" name="Foliennummernplatzhalter 3"/>
+          <p:cNvSpPr>
+            <a:spLocks noGrp="1"/>
+          </p:cNvSpPr>
+          <p:nvPr>
+            <p:ph type="sldNum" sz="quarter" idx="10"/>
+          </p:nvPr>
+        </p:nvSpPr>
+        <p:spPr/>
+        <p:txBody>
+          <a:bodyPr/>
+          <a:lstStyle/>
+          <a:p>
+            <a:fld id="{E3F25372-0542-480F-B0CF-44A11105944C}" type="slidenum">
+              <a:rPr lang="en-GB" smtClean="0"/>
+              <a:t>14</a:t>
             </a:fld>
             <a:endParaRPr lang="en-GB"/>
           </a:p>
@@ -6833,7 +7024,15 @@
             </a:r>
           </a:p>
           <a:p>
-            <a:endParaRPr lang="de-DE" dirty="0"/>
+            <a:r>
+              <a:rPr lang="de-DE" i="1" dirty="0" err="1" smtClean="0"/>
+              <a:t>By</a:t>
+            </a:r>
+            <a:r>
+              <a:rPr lang="de-DE" i="1" dirty="0" smtClean="0"/>
+              <a:t> André Helbig, Felix Morsbach</a:t>
+            </a:r>
+            <a:endParaRPr lang="de-DE" i="1" dirty="0"/>
           </a:p>
           <a:p>
             <a:endParaRPr lang="de-DE" dirty="0" smtClean="0"/>
@@ -6903,6 +7102,122 @@
 </file>
 
 <file path=ppt/slides/slide10.xml><?xml version="1.0" encoding="utf-8"?>
+<p:sld xmlns:a="http://schemas.openxmlformats.org/drawingml/2006/main" xmlns:r="http://schemas.openxmlformats.org/officeDocument/2006/relationships" xmlns:p="http://schemas.openxmlformats.org/presentationml/2006/main">
+  <p:cSld>
+    <p:spTree>
+      <p:nvGrpSpPr>
+        <p:cNvPr id="1" name=""/>
+        <p:cNvGrpSpPr/>
+        <p:nvPr/>
+      </p:nvGrpSpPr>
+      <p:grpSpPr>
+        <a:xfrm>
+          <a:off x="0" y="0"/>
+          <a:ext cx="0" cy="0"/>
+          <a:chOff x="0" y="0"/>
+          <a:chExt cx="0" cy="0"/>
+        </a:xfrm>
+      </p:grpSpPr>
+      <p:sp>
+        <p:nvSpPr>
+          <p:cNvPr id="2" name="Titel 1"/>
+          <p:cNvSpPr>
+            <a:spLocks noGrp="1"/>
+          </p:cNvSpPr>
+          <p:nvPr>
+            <p:ph type="title"/>
+          </p:nvPr>
+        </p:nvSpPr>
+        <p:spPr/>
+        <p:txBody>
+          <a:bodyPr/>
+          <a:lstStyle/>
+          <a:p>
+            <a:r>
+              <a:rPr lang="de-DE" dirty="0" smtClean="0"/>
+              <a:t>Database</a:t>
+            </a:r>
+            <a:endParaRPr lang="de-DE" dirty="0"/>
+          </a:p>
+        </p:txBody>
+      </p:sp>
+      <p:sp>
+        <p:nvSpPr>
+          <p:cNvPr id="3" name="Inhaltsplatzhalter 2"/>
+          <p:cNvSpPr>
+            <a:spLocks noGrp="1"/>
+          </p:cNvSpPr>
+          <p:nvPr>
+            <p:ph idx="1"/>
+          </p:nvPr>
+        </p:nvSpPr>
+        <p:spPr/>
+        <p:txBody>
+          <a:bodyPr anchor="t"/>
+          <a:lstStyle/>
+          <a:p>
+            <a:r>
+              <a:rPr lang="de-DE" dirty="0" smtClean="0"/>
+              <a:t>ERM Modell</a:t>
+            </a:r>
+          </a:p>
+          <a:p>
+            <a:r>
+              <a:rPr lang="de-DE" dirty="0" err="1" smtClean="0"/>
+              <a:t>Prepared</a:t>
+            </a:r>
+            <a:r>
+              <a:rPr lang="de-DE" dirty="0" smtClean="0"/>
+              <a:t> Statements</a:t>
+            </a:r>
+          </a:p>
+          <a:p>
+            <a:pPr lvl="1"/>
+            <a:r>
+              <a:rPr lang="de-DE" dirty="0" err="1" smtClean="0"/>
+              <a:t>Protection</a:t>
+            </a:r>
+            <a:r>
+              <a:rPr lang="de-DE" dirty="0" smtClean="0"/>
+              <a:t> </a:t>
+            </a:r>
+            <a:r>
+              <a:rPr lang="de-DE" dirty="0" err="1" smtClean="0"/>
+              <a:t>against</a:t>
+            </a:r>
+            <a:r>
+              <a:rPr lang="de-DE" dirty="0" smtClean="0"/>
+              <a:t> SQL-</a:t>
+            </a:r>
+            <a:r>
+              <a:rPr lang="de-DE" dirty="0" err="1" smtClean="0"/>
+              <a:t>Injections</a:t>
+            </a:r>
+            <a:endParaRPr lang="de-DE" dirty="0"/>
+          </a:p>
+        </p:txBody>
+      </p:sp>
+    </p:spTree>
+    <p:extLst>
+      <p:ext uri="{BB962C8B-B14F-4D97-AF65-F5344CB8AC3E}">
+        <p14:creationId xmlns:p14="http://schemas.microsoft.com/office/powerpoint/2010/main" val="54498271"/>
+      </p:ext>
+    </p:extLst>
+  </p:cSld>
+  <p:clrMapOvr>
+    <a:masterClrMapping/>
+  </p:clrMapOvr>
+  <p:timing>
+    <p:tnLst>
+      <p:par>
+        <p:cTn id="1" dur="indefinite" restart="never" nodeType="tmRoot"/>
+      </p:par>
+    </p:tnLst>
+  </p:timing>
+</p:sld>
+</file>
+
+<file path=ppt/slides/slide11.xml><?xml version="1.0" encoding="utf-8"?>
 <p:sld xmlns:a="http://schemas.openxmlformats.org/drawingml/2006/main" xmlns:r="http://schemas.openxmlformats.org/officeDocument/2006/relationships" xmlns:p="http://schemas.openxmlformats.org/presentationml/2006/main">
   <p:cSld>
     <p:spTree>
@@ -6994,7 +7309,7 @@
 </p:sld>
 </file>
 
-<file path=ppt/slides/slide11.xml><?xml version="1.0" encoding="utf-8"?>
+<file path=ppt/slides/slide12.xml><?xml version="1.0" encoding="utf-8"?>
 <p:sld xmlns:a="http://schemas.openxmlformats.org/drawingml/2006/main" xmlns:r="http://schemas.openxmlformats.org/officeDocument/2006/relationships" xmlns:p="http://schemas.openxmlformats.org/presentationml/2006/main">
   <p:cSld>
     <p:spTree>
@@ -7473,7 +7788,460 @@
 </p:sld>
 </file>
 
-<file path=ppt/slides/slide12.xml><?xml version="1.0" encoding="utf-8"?>
+<file path=ppt/slides/slide13.xml><?xml version="1.0" encoding="utf-8"?>
+<p:sld xmlns:a="http://schemas.openxmlformats.org/drawingml/2006/main" xmlns:r="http://schemas.openxmlformats.org/officeDocument/2006/relationships" xmlns:p="http://schemas.openxmlformats.org/presentationml/2006/main">
+  <p:cSld>
+    <p:spTree>
+      <p:nvGrpSpPr>
+        <p:cNvPr id="1" name=""/>
+        <p:cNvGrpSpPr/>
+        <p:nvPr/>
+      </p:nvGrpSpPr>
+      <p:grpSpPr>
+        <a:xfrm>
+          <a:off x="0" y="0"/>
+          <a:ext cx="0" cy="0"/>
+          <a:chOff x="0" y="0"/>
+          <a:chExt cx="0" cy="0"/>
+        </a:xfrm>
+      </p:grpSpPr>
+      <p:sp>
+        <p:nvSpPr>
+          <p:cNvPr id="2" name="Titel 1"/>
+          <p:cNvSpPr>
+            <a:spLocks noGrp="1"/>
+          </p:cNvSpPr>
+          <p:nvPr>
+            <p:ph type="title"/>
+          </p:nvPr>
+        </p:nvSpPr>
+        <p:spPr>
+          <a:xfrm>
+            <a:off x="1484311" y="685801"/>
+            <a:ext cx="3087689" cy="1714500"/>
+          </a:xfrm>
+        </p:spPr>
+        <p:txBody>
+          <a:bodyPr/>
+          <a:lstStyle/>
+          <a:p>
+            <a:r>
+              <a:rPr lang="de-DE" dirty="0" smtClean="0"/>
+              <a:t>.</a:t>
+            </a:r>
+            <a:r>
+              <a:rPr lang="de-DE" dirty="0" err="1" smtClean="0"/>
+              <a:t>feature</a:t>
+            </a:r>
+            <a:r>
+              <a:rPr lang="de-DE" dirty="0" smtClean="0"/>
+              <a:t> File</a:t>
+            </a:r>
+            <a:endParaRPr lang="de-DE" dirty="0"/>
+          </a:p>
+        </p:txBody>
+      </p:sp>
+      <p:pic>
+        <p:nvPicPr>
+          <p:cNvPr id="6" name="Inhaltsplatzhalter 5"/>
+          <p:cNvPicPr>
+            <a:picLocks noGrp="1" noChangeAspect="1"/>
+          </p:cNvPicPr>
+          <p:nvPr>
+            <p:ph idx="1"/>
+          </p:nvPr>
+        </p:nvPicPr>
+        <p:blipFill>
+          <a:blip r:embed="rId2"/>
+          <a:stretch>
+            <a:fillRect/>
+          </a:stretch>
+        </p:blipFill>
+        <p:spPr>
+          <a:xfrm>
+            <a:off x="1301441" y="2988128"/>
+            <a:ext cx="4313093" cy="2800123"/>
+          </a:xfrm>
+          <a:prstGeom prst="rect">
+            <a:avLst/>
+          </a:prstGeom>
+        </p:spPr>
+      </p:pic>
+      <p:sp>
+        <p:nvSpPr>
+          <p:cNvPr id="4" name="Textfeld 3"/>
+          <p:cNvSpPr txBox="1"/>
+          <p:nvPr/>
+        </p:nvSpPr>
+        <p:spPr>
+          <a:xfrm>
+            <a:off x="8441871" y="1189108"/>
+            <a:ext cx="2890158" cy="707886"/>
+          </a:xfrm>
+          <a:prstGeom prst="rect">
+            <a:avLst/>
+          </a:prstGeom>
+          <a:noFill/>
+        </p:spPr>
+        <p:txBody>
+          <a:bodyPr wrap="square" rtlCol="0">
+            <a:spAutoFit/>
+          </a:bodyPr>
+          <a:lstStyle/>
+          <a:p>
+            <a:r>
+              <a:rPr lang="de-DE" sz="4000" dirty="0" smtClean="0"/>
+              <a:t>Report</a:t>
+            </a:r>
+            <a:endParaRPr lang="de-DE" sz="4000" dirty="0"/>
+          </a:p>
+        </p:txBody>
+      </p:sp>
+      <p:sp>
+        <p:nvSpPr>
+          <p:cNvPr id="5" name="Pfeil nach rechts 4"/>
+          <p:cNvSpPr/>
+          <p:nvPr/>
+        </p:nvSpPr>
+        <p:spPr>
+          <a:xfrm>
+            <a:off x="4844480" y="721179"/>
+            <a:ext cx="3298371" cy="1812471"/>
+          </a:xfrm>
+          <a:prstGeom prst="rightArrow">
+            <a:avLst/>
+          </a:prstGeom>
+        </p:spPr>
+        <p:style>
+          <a:lnRef idx="2">
+            <a:schemeClr val="accent1">
+              <a:shade val="50000"/>
+            </a:schemeClr>
+          </a:lnRef>
+          <a:fillRef idx="1">
+            <a:schemeClr val="accent1"/>
+          </a:fillRef>
+          <a:effectRef idx="0">
+            <a:schemeClr val="accent1"/>
+          </a:effectRef>
+          <a:fontRef idx="minor">
+            <a:schemeClr val="lt1"/>
+          </a:fontRef>
+        </p:style>
+        <p:txBody>
+          <a:bodyPr rtlCol="0" anchor="ctr"/>
+          <a:lstStyle/>
+          <a:p>
+            <a:pPr algn="ctr"/>
+            <a:r>
+              <a:rPr lang="de-DE" sz="3200" dirty="0" err="1" smtClean="0"/>
+              <a:t>Calabash</a:t>
+            </a:r>
+            <a:endParaRPr lang="de-DE" dirty="0"/>
+          </a:p>
+        </p:txBody>
+      </p:sp>
+      <p:pic>
+        <p:nvPicPr>
+          <p:cNvPr id="7" name="Grafik 6"/>
+          <p:cNvPicPr>
+            <a:picLocks noChangeAspect="1"/>
+          </p:cNvPicPr>
+          <p:nvPr/>
+        </p:nvPicPr>
+        <p:blipFill>
+          <a:blip r:embed="rId3"/>
+          <a:stretch>
+            <a:fillRect/>
+          </a:stretch>
+        </p:blipFill>
+        <p:spPr>
+          <a:xfrm>
+            <a:off x="7113815" y="2849901"/>
+            <a:ext cx="4038600" cy="3076575"/>
+          </a:xfrm>
+          <a:prstGeom prst="rect">
+            <a:avLst/>
+          </a:prstGeom>
+        </p:spPr>
+      </p:pic>
+    </p:spTree>
+    <p:extLst>
+      <p:ext uri="{BB962C8B-B14F-4D97-AF65-F5344CB8AC3E}">
+        <p14:creationId xmlns:p14="http://schemas.microsoft.com/office/powerpoint/2010/main" val="3379384857"/>
+      </p:ext>
+    </p:extLst>
+  </p:cSld>
+  <p:clrMapOvr>
+    <a:masterClrMapping/>
+  </p:clrMapOvr>
+  <p:timing>
+    <p:tnLst>
+      <p:par>
+        <p:cTn id="1" dur="indefinite" restart="never" nodeType="tmRoot">
+          <p:childTnLst>
+            <p:seq concurrent="1" nextAc="seek">
+              <p:cTn id="2" dur="indefinite" nodeType="mainSeq">
+                <p:childTnLst>
+                  <p:par>
+                    <p:cTn id="3" fill="hold">
+                      <p:stCondLst>
+                        <p:cond delay="indefinite"/>
+                      </p:stCondLst>
+                      <p:childTnLst>
+                        <p:par>
+                          <p:cTn id="4" fill="hold">
+                            <p:stCondLst>
+                              <p:cond delay="0"/>
+                            </p:stCondLst>
+                            <p:childTnLst>
+                              <p:par>
+                                <p:cTn id="5" presetID="1" presetClass="entr" presetSubtype="0" fill="hold" grpId="0" nodeType="clickEffect">
+                                  <p:stCondLst>
+                                    <p:cond delay="0"/>
+                                  </p:stCondLst>
+                                  <p:childTnLst>
+                                    <p:set>
+                                      <p:cBhvr>
+                                        <p:cTn id="6" dur="1" fill="hold">
+                                          <p:stCondLst>
+                                            <p:cond delay="0"/>
+                                          </p:stCondLst>
+                                        </p:cTn>
+                                        <p:tgtEl>
+                                          <p:spTgt spid="2"/>
+                                        </p:tgtEl>
+                                        <p:attrNameLst>
+                                          <p:attrName>style.visibility</p:attrName>
+                                        </p:attrNameLst>
+                                      </p:cBhvr>
+                                      <p:to>
+                                        <p:strVal val="visible"/>
+                                      </p:to>
+                                    </p:set>
+                                  </p:childTnLst>
+                                </p:cTn>
+                              </p:par>
+                            </p:childTnLst>
+                          </p:cTn>
+                        </p:par>
+                      </p:childTnLst>
+                    </p:cTn>
+                  </p:par>
+                  <p:par>
+                    <p:cTn id="7" fill="hold">
+                      <p:stCondLst>
+                        <p:cond delay="indefinite"/>
+                      </p:stCondLst>
+                      <p:childTnLst>
+                        <p:par>
+                          <p:cTn id="8" fill="hold">
+                            <p:stCondLst>
+                              <p:cond delay="0"/>
+                            </p:stCondLst>
+                            <p:childTnLst>
+                              <p:par>
+                                <p:cTn id="9" presetID="1" presetClass="entr" presetSubtype="0" fill="hold" grpId="0" nodeType="clickEffect">
+                                  <p:stCondLst>
+                                    <p:cond delay="0"/>
+                                  </p:stCondLst>
+                                  <p:childTnLst>
+                                    <p:set>
+                                      <p:cBhvr>
+                                        <p:cTn id="10" dur="1" fill="hold">
+                                          <p:stCondLst>
+                                            <p:cond delay="0"/>
+                                          </p:stCondLst>
+                                        </p:cTn>
+                                        <p:tgtEl>
+                                          <p:spTgt spid="5"/>
+                                        </p:tgtEl>
+                                        <p:attrNameLst>
+                                          <p:attrName>style.visibility</p:attrName>
+                                        </p:attrNameLst>
+                                      </p:cBhvr>
+                                      <p:to>
+                                        <p:strVal val="visible"/>
+                                      </p:to>
+                                    </p:set>
+                                  </p:childTnLst>
+                                </p:cTn>
+                              </p:par>
+                            </p:childTnLst>
+                          </p:cTn>
+                        </p:par>
+                      </p:childTnLst>
+                    </p:cTn>
+                  </p:par>
+                  <p:par>
+                    <p:cTn id="11" fill="hold">
+                      <p:stCondLst>
+                        <p:cond delay="indefinite"/>
+                      </p:stCondLst>
+                      <p:childTnLst>
+                        <p:par>
+                          <p:cTn id="12" fill="hold">
+                            <p:stCondLst>
+                              <p:cond delay="0"/>
+                            </p:stCondLst>
+                            <p:childTnLst>
+                              <p:par>
+                                <p:cTn id="13" presetID="1" presetClass="entr" presetSubtype="0" fill="hold" nodeType="clickEffect">
+                                  <p:stCondLst>
+                                    <p:cond delay="0"/>
+                                  </p:stCondLst>
+                                  <p:childTnLst>
+                                    <p:set>
+                                      <p:cBhvr>
+                                        <p:cTn id="14" dur="1" fill="hold">
+                                          <p:stCondLst>
+                                            <p:cond delay="0"/>
+                                          </p:stCondLst>
+                                        </p:cTn>
+                                        <p:tgtEl>
+                                          <p:spTgt spid="4">
+                                            <p:txEl>
+                                              <p:pRg st="0" end="0"/>
+                                            </p:txEl>
+                                          </p:spTgt>
+                                        </p:tgtEl>
+                                        <p:attrNameLst>
+                                          <p:attrName>style.visibility</p:attrName>
+                                        </p:attrNameLst>
+                                      </p:cBhvr>
+                                      <p:to>
+                                        <p:strVal val="visible"/>
+                                      </p:to>
+                                    </p:set>
+                                  </p:childTnLst>
+                                </p:cTn>
+                              </p:par>
+                            </p:childTnLst>
+                          </p:cTn>
+                        </p:par>
+                      </p:childTnLst>
+                    </p:cTn>
+                  </p:par>
+                  <p:par>
+                    <p:cTn id="15" fill="hold">
+                      <p:stCondLst>
+                        <p:cond delay="indefinite"/>
+                      </p:stCondLst>
+                      <p:childTnLst>
+                        <p:par>
+                          <p:cTn id="16" fill="hold">
+                            <p:stCondLst>
+                              <p:cond delay="0"/>
+                            </p:stCondLst>
+                            <p:childTnLst>
+                              <p:par>
+                                <p:cTn id="17" presetID="1" presetClass="entr" presetSubtype="0" fill="hold" nodeType="clickEffect">
+                                  <p:stCondLst>
+                                    <p:cond delay="0"/>
+                                  </p:stCondLst>
+                                  <p:childTnLst>
+                                    <p:set>
+                                      <p:cBhvr>
+                                        <p:cTn id="18" dur="1" fill="hold">
+                                          <p:stCondLst>
+                                            <p:cond delay="0"/>
+                                          </p:stCondLst>
+                                        </p:cTn>
+                                        <p:tgtEl>
+                                          <p:spTgt spid="6"/>
+                                        </p:tgtEl>
+                                        <p:attrNameLst>
+                                          <p:attrName>style.visibility</p:attrName>
+                                        </p:attrNameLst>
+                                      </p:cBhvr>
+                                      <p:to>
+                                        <p:strVal val="visible"/>
+                                      </p:to>
+                                    </p:set>
+                                  </p:childTnLst>
+                                </p:cTn>
+                              </p:par>
+                            </p:childTnLst>
+                          </p:cTn>
+                        </p:par>
+                      </p:childTnLst>
+                    </p:cTn>
+                  </p:par>
+                  <p:par>
+                    <p:cTn id="19" fill="hold">
+                      <p:stCondLst>
+                        <p:cond delay="indefinite"/>
+                      </p:stCondLst>
+                      <p:childTnLst>
+                        <p:par>
+                          <p:cTn id="20" fill="hold">
+                            <p:stCondLst>
+                              <p:cond delay="0"/>
+                            </p:stCondLst>
+                            <p:childTnLst>
+                              <p:par>
+                                <p:cTn id="21" presetID="1" presetClass="entr" presetSubtype="0" fill="hold" nodeType="clickEffect">
+                                  <p:stCondLst>
+                                    <p:cond delay="0"/>
+                                  </p:stCondLst>
+                                  <p:childTnLst>
+                                    <p:set>
+                                      <p:cBhvr>
+                                        <p:cTn id="22" dur="1" fill="hold">
+                                          <p:stCondLst>
+                                            <p:cond delay="0"/>
+                                          </p:stCondLst>
+                                        </p:cTn>
+                                        <p:tgtEl>
+                                          <p:spTgt spid="7"/>
+                                        </p:tgtEl>
+                                        <p:attrNameLst>
+                                          <p:attrName>style.visibility</p:attrName>
+                                        </p:attrNameLst>
+                                      </p:cBhvr>
+                                      <p:to>
+                                        <p:strVal val="visible"/>
+                                      </p:to>
+                                    </p:set>
+                                  </p:childTnLst>
+                                </p:cTn>
+                              </p:par>
+                            </p:childTnLst>
+                          </p:cTn>
+                        </p:par>
+                      </p:childTnLst>
+                    </p:cTn>
+                  </p:par>
+                </p:childTnLst>
+              </p:cTn>
+              <p:prevCondLst>
+                <p:cond evt="onPrev" delay="0">
+                  <p:tgtEl>
+                    <p:sldTgt/>
+                  </p:tgtEl>
+                </p:cond>
+              </p:prevCondLst>
+              <p:nextCondLst>
+                <p:cond evt="onNext" delay="0">
+                  <p:tgtEl>
+                    <p:sldTgt/>
+                  </p:tgtEl>
+                </p:cond>
+              </p:nextCondLst>
+            </p:seq>
+          </p:childTnLst>
+        </p:cTn>
+      </p:par>
+    </p:tnLst>
+    <p:bldLst>
+      <p:bldP spid="2" grpId="0"/>
+      <p:bldP spid="5" grpId="0" animBg="1"/>
+    </p:bldLst>
+  </p:timing>
+</p:sld>
+</file>
+
+<file path=ppt/slides/slide14.xml><?xml version="1.0" encoding="utf-8"?>
 <p:sld xmlns:a="http://schemas.openxmlformats.org/drawingml/2006/main" xmlns:r="http://schemas.openxmlformats.org/officeDocument/2006/relationships" xmlns:p="http://schemas.openxmlformats.org/presentationml/2006/main">
   <p:cSld>
     <p:spTree>
@@ -8742,6 +9510,253 @@
           <a:lstStyle/>
           <a:p>
             <a:r>
+              <a:rPr lang="de-DE" dirty="0" smtClean="0"/>
+              <a:t>Project Team</a:t>
+            </a:r>
+            <a:endParaRPr lang="en-GB" dirty="0"/>
+          </a:p>
+        </p:txBody>
+      </p:sp>
+      <p:sp>
+        <p:nvSpPr>
+          <p:cNvPr id="3" name="Inhaltsplatzhalter 2"/>
+          <p:cNvSpPr>
+            <a:spLocks noGrp="1"/>
+          </p:cNvSpPr>
+          <p:nvPr>
+            <p:ph idx="1"/>
+          </p:nvPr>
+        </p:nvSpPr>
+        <p:spPr/>
+        <p:txBody>
+          <a:bodyPr anchor="t">
+            <a:normAutofit/>
+          </a:bodyPr>
+          <a:lstStyle/>
+          <a:p>
+            <a:r>
+              <a:rPr lang="de-DE" b="1" dirty="0" smtClean="0"/>
+              <a:t>Felix Morsbach: </a:t>
+            </a:r>
+            <a:r>
+              <a:rPr lang="de-DE" i="1" dirty="0" smtClean="0"/>
+              <a:t>Project Manager, Test Manager, </a:t>
+            </a:r>
+            <a:r>
+              <a:rPr lang="de-DE" dirty="0" err="1" smtClean="0"/>
+              <a:t>Implementer</a:t>
+            </a:r>
+            <a:r>
+              <a:rPr lang="de-DE" dirty="0" smtClean="0"/>
+              <a:t>, </a:t>
+            </a:r>
+            <a:r>
+              <a:rPr lang="de-DE" dirty="0" err="1" smtClean="0"/>
+              <a:t>Desinger</a:t>
+            </a:r>
+            <a:endParaRPr lang="de-DE" dirty="0" smtClean="0"/>
+          </a:p>
+          <a:p>
+            <a:endParaRPr lang="de-DE" i="1" dirty="0" smtClean="0"/>
+          </a:p>
+          <a:p>
+            <a:r>
+              <a:rPr lang="de-DE" b="1" dirty="0" smtClean="0"/>
+              <a:t>André Helbig:</a:t>
+            </a:r>
+            <a:r>
+              <a:rPr lang="de-DE" dirty="0" smtClean="0"/>
+              <a:t> </a:t>
+            </a:r>
+            <a:r>
+              <a:rPr lang="de-DE" i="1" dirty="0" smtClean="0"/>
+              <a:t>Integrator</a:t>
+            </a:r>
+            <a:r>
+              <a:rPr lang="de-DE" dirty="0" smtClean="0"/>
+              <a:t>, Tester, Designer</a:t>
+            </a:r>
+          </a:p>
+          <a:p>
+            <a:endParaRPr lang="de-DE" dirty="0" smtClean="0"/>
+          </a:p>
+          <a:p>
+            <a:r>
+              <a:rPr lang="de-DE" b="1" dirty="0" smtClean="0"/>
+              <a:t>Niclas </a:t>
+            </a:r>
+            <a:r>
+              <a:rPr lang="de-DE" b="1" dirty="0" smtClean="0"/>
+              <a:t>Petersohn: </a:t>
+            </a:r>
+            <a:r>
+              <a:rPr lang="de-DE" i="1" dirty="0" smtClean="0"/>
+              <a:t>Software </a:t>
+            </a:r>
+            <a:r>
+              <a:rPr lang="de-DE" i="1" dirty="0" err="1" smtClean="0"/>
+              <a:t>Architect</a:t>
+            </a:r>
+            <a:r>
+              <a:rPr lang="de-DE" i="1" dirty="0" smtClean="0"/>
+              <a:t>, </a:t>
+            </a:r>
+            <a:r>
+              <a:rPr lang="de-DE" dirty="0" err="1" smtClean="0"/>
+              <a:t>Implementer</a:t>
+            </a:r>
+            <a:r>
+              <a:rPr lang="de-DE" dirty="0" smtClean="0"/>
+              <a:t>, Tester</a:t>
+            </a:r>
+            <a:r>
+              <a:rPr lang="de-DE" i="1" dirty="0" smtClean="0"/>
+              <a:t> </a:t>
+            </a:r>
+            <a:endParaRPr lang="en-GB" b="1" dirty="0"/>
+          </a:p>
+        </p:txBody>
+      </p:sp>
+    </p:spTree>
+    <p:extLst>
+      <p:ext uri="{BB962C8B-B14F-4D97-AF65-F5344CB8AC3E}">
+        <p14:creationId xmlns:p14="http://schemas.microsoft.com/office/powerpoint/2010/main" val="1255023610"/>
+      </p:ext>
+    </p:extLst>
+  </p:cSld>
+  <p:clrMapOvr>
+    <a:masterClrMapping/>
+  </p:clrMapOvr>
+  <p:transition spd="slow">
+    <p:push dir="u"/>
+  </p:transition>
+  <p:timing>
+    <p:tnLst>
+      <p:par>
+        <p:cTn id="1" dur="indefinite" restart="never" nodeType="tmRoot">
+          <p:childTnLst>
+            <p:seq concurrent="1" nextAc="seek">
+              <p:cTn id="2" dur="indefinite" nodeType="mainSeq">
+                <p:childTnLst>
+                  <p:par>
+                    <p:cTn id="3" fill="hold">
+                      <p:stCondLst>
+                        <p:cond delay="indefinite"/>
+                      </p:stCondLst>
+                      <p:childTnLst>
+                        <p:par>
+                          <p:cTn id="4" fill="hold">
+                            <p:stCondLst>
+                              <p:cond delay="0"/>
+                            </p:stCondLst>
+                            <p:childTnLst>
+                              <p:par>
+                                <p:cTn id="5" presetID="10" presetClass="exit" presetSubtype="0" fill="hold" nodeType="clickEffect">
+                                  <p:stCondLst>
+                                    <p:cond delay="0"/>
+                                  </p:stCondLst>
+                                  <p:childTnLst>
+                                    <p:animEffect transition="out" filter="fade">
+                                      <p:cBhvr>
+                                        <p:cTn id="6" dur="500"/>
+                                        <p:tgtEl>
+                                          <p:spTgt spid="3">
+                                            <p:txEl>
+                                              <p:pRg st="4" end="4"/>
+                                            </p:txEl>
+                                          </p:spTgt>
+                                        </p:tgtEl>
+                                      </p:cBhvr>
+                                    </p:animEffect>
+                                    <p:set>
+                                      <p:cBhvr>
+                                        <p:cTn id="7" dur="1" fill="hold">
+                                          <p:stCondLst>
+                                            <p:cond delay="499"/>
+                                          </p:stCondLst>
+                                        </p:cTn>
+                                        <p:tgtEl>
+                                          <p:spTgt spid="3">
+                                            <p:txEl>
+                                              <p:pRg st="4" end="4"/>
+                                            </p:txEl>
+                                          </p:spTgt>
+                                        </p:tgtEl>
+                                        <p:attrNameLst>
+                                          <p:attrName>style.visibility</p:attrName>
+                                        </p:attrNameLst>
+                                      </p:cBhvr>
+                                      <p:to>
+                                        <p:strVal val="hidden"/>
+                                      </p:to>
+                                    </p:set>
+                                  </p:childTnLst>
+                                </p:cTn>
+                              </p:par>
+                            </p:childTnLst>
+                          </p:cTn>
+                        </p:par>
+                      </p:childTnLst>
+                    </p:cTn>
+                  </p:par>
+                </p:childTnLst>
+              </p:cTn>
+              <p:prevCondLst>
+                <p:cond evt="onPrev" delay="0">
+                  <p:tgtEl>
+                    <p:sldTgt/>
+                  </p:tgtEl>
+                </p:cond>
+              </p:prevCondLst>
+              <p:nextCondLst>
+                <p:cond evt="onNext" delay="0">
+                  <p:tgtEl>
+                    <p:sldTgt/>
+                  </p:tgtEl>
+                </p:cond>
+              </p:nextCondLst>
+            </p:seq>
+          </p:childTnLst>
+        </p:cTn>
+      </p:par>
+    </p:tnLst>
+  </p:timing>
+</p:sld>
+</file>
+
+<file path=ppt/slides/slide7.xml><?xml version="1.0" encoding="utf-8"?>
+<p:sld xmlns:a="http://schemas.openxmlformats.org/drawingml/2006/main" xmlns:r="http://schemas.openxmlformats.org/officeDocument/2006/relationships" xmlns:p="http://schemas.openxmlformats.org/presentationml/2006/main">
+  <p:cSld>
+    <p:spTree>
+      <p:nvGrpSpPr>
+        <p:cNvPr id="1" name=""/>
+        <p:cNvGrpSpPr/>
+        <p:nvPr/>
+      </p:nvGrpSpPr>
+      <p:grpSpPr>
+        <a:xfrm>
+          <a:off x="0" y="0"/>
+          <a:ext cx="0" cy="0"/>
+          <a:chOff x="0" y="0"/>
+          <a:chExt cx="0" cy="0"/>
+        </a:xfrm>
+      </p:grpSpPr>
+      <p:sp>
+        <p:nvSpPr>
+          <p:cNvPr id="2" name="Titel 1"/>
+          <p:cNvSpPr>
+            <a:spLocks noGrp="1"/>
+          </p:cNvSpPr>
+          <p:nvPr>
+            <p:ph type="title"/>
+          </p:nvPr>
+        </p:nvSpPr>
+        <p:spPr/>
+        <p:txBody>
+          <a:bodyPr/>
+          <a:lstStyle/>
+          <a:p>
+            <a:r>
               <a:rPr lang="en-GB" dirty="0" smtClean="0"/>
               <a:t>Project Management</a:t>
             </a:r>
@@ -8848,6 +9863,30 @@
           </a:p>
         </p:txBody>
       </p:sp>
+      <p:pic>
+        <p:nvPicPr>
+          <p:cNvPr id="4" name="Grafik 3"/>
+          <p:cNvPicPr>
+            <a:picLocks noChangeAspect="1"/>
+          </p:cNvPicPr>
+          <p:nvPr/>
+        </p:nvPicPr>
+        <p:blipFill>
+          <a:blip r:embed="rId3"/>
+          <a:stretch>
+            <a:fillRect/>
+          </a:stretch>
+        </p:blipFill>
+        <p:spPr>
+          <a:xfrm>
+            <a:off x="7892142" y="2666999"/>
+            <a:ext cx="1792061" cy="1792061"/>
+          </a:xfrm>
+          <a:prstGeom prst="rect">
+            <a:avLst/>
+          </a:prstGeom>
+        </p:spPr>
+      </p:pic>
     </p:spTree>
     <p:extLst>
       <p:ext uri="{BB962C8B-B14F-4D97-AF65-F5344CB8AC3E}">
@@ -9041,7 +10080,7 @@
 </p:sld>
 </file>
 
-<file path=ppt/slides/slide7.xml><?xml version="1.0" encoding="utf-8"?>
+<file path=ppt/slides/slide8.xml><?xml version="1.0" encoding="utf-8"?>
 <p:sld xmlns:a="http://schemas.openxmlformats.org/drawingml/2006/main" xmlns:r="http://schemas.openxmlformats.org/officeDocument/2006/relationships" xmlns:p="http://schemas.openxmlformats.org/presentationml/2006/main">
   <p:cSld>
     <p:spTree>
@@ -9259,253 +10298,6 @@
                                       </p:cBhvr>
                                       <p:to>
                                         <p:strVal val="visible"/>
-                                      </p:to>
-                                    </p:set>
-                                  </p:childTnLst>
-                                </p:cTn>
-                              </p:par>
-                            </p:childTnLst>
-                          </p:cTn>
-                        </p:par>
-                      </p:childTnLst>
-                    </p:cTn>
-                  </p:par>
-                </p:childTnLst>
-              </p:cTn>
-              <p:prevCondLst>
-                <p:cond evt="onPrev" delay="0">
-                  <p:tgtEl>
-                    <p:sldTgt/>
-                  </p:tgtEl>
-                </p:cond>
-              </p:prevCondLst>
-              <p:nextCondLst>
-                <p:cond evt="onNext" delay="0">
-                  <p:tgtEl>
-                    <p:sldTgt/>
-                  </p:tgtEl>
-                </p:cond>
-              </p:nextCondLst>
-            </p:seq>
-          </p:childTnLst>
-        </p:cTn>
-      </p:par>
-    </p:tnLst>
-  </p:timing>
-</p:sld>
-</file>
-
-<file path=ppt/slides/slide8.xml><?xml version="1.0" encoding="utf-8"?>
-<p:sld xmlns:a="http://schemas.openxmlformats.org/drawingml/2006/main" xmlns:r="http://schemas.openxmlformats.org/officeDocument/2006/relationships" xmlns:p="http://schemas.openxmlformats.org/presentationml/2006/main">
-  <p:cSld>
-    <p:spTree>
-      <p:nvGrpSpPr>
-        <p:cNvPr id="1" name=""/>
-        <p:cNvGrpSpPr/>
-        <p:nvPr/>
-      </p:nvGrpSpPr>
-      <p:grpSpPr>
-        <a:xfrm>
-          <a:off x="0" y="0"/>
-          <a:ext cx="0" cy="0"/>
-          <a:chOff x="0" y="0"/>
-          <a:chExt cx="0" cy="0"/>
-        </a:xfrm>
-      </p:grpSpPr>
-      <p:sp>
-        <p:nvSpPr>
-          <p:cNvPr id="2" name="Titel 1"/>
-          <p:cNvSpPr>
-            <a:spLocks noGrp="1"/>
-          </p:cNvSpPr>
-          <p:nvPr>
-            <p:ph type="title"/>
-          </p:nvPr>
-        </p:nvSpPr>
-        <p:spPr/>
-        <p:txBody>
-          <a:bodyPr/>
-          <a:lstStyle/>
-          <a:p>
-            <a:r>
-              <a:rPr lang="de-DE" dirty="0" smtClean="0"/>
-              <a:t>Project Team</a:t>
-            </a:r>
-            <a:endParaRPr lang="en-GB" dirty="0"/>
-          </a:p>
-        </p:txBody>
-      </p:sp>
-      <p:sp>
-        <p:nvSpPr>
-          <p:cNvPr id="3" name="Inhaltsplatzhalter 2"/>
-          <p:cNvSpPr>
-            <a:spLocks noGrp="1"/>
-          </p:cNvSpPr>
-          <p:nvPr>
-            <p:ph idx="1"/>
-          </p:nvPr>
-        </p:nvSpPr>
-        <p:spPr/>
-        <p:txBody>
-          <a:bodyPr anchor="t">
-            <a:normAutofit/>
-          </a:bodyPr>
-          <a:lstStyle/>
-          <a:p>
-            <a:r>
-              <a:rPr lang="de-DE" b="1" dirty="0" smtClean="0"/>
-              <a:t>Felix Morsbach: </a:t>
-            </a:r>
-            <a:r>
-              <a:rPr lang="de-DE" i="1" dirty="0" smtClean="0"/>
-              <a:t>Project Manager, Test Manager, </a:t>
-            </a:r>
-            <a:r>
-              <a:rPr lang="de-DE" dirty="0" err="1" smtClean="0"/>
-              <a:t>Implementer</a:t>
-            </a:r>
-            <a:r>
-              <a:rPr lang="de-DE" dirty="0" smtClean="0"/>
-              <a:t>, </a:t>
-            </a:r>
-            <a:r>
-              <a:rPr lang="de-DE" dirty="0" err="1" smtClean="0"/>
-              <a:t>Desinger</a:t>
-            </a:r>
-            <a:endParaRPr lang="de-DE" dirty="0" smtClean="0"/>
-          </a:p>
-          <a:p>
-            <a:endParaRPr lang="de-DE" i="1" dirty="0" smtClean="0"/>
-          </a:p>
-          <a:p>
-            <a:r>
-              <a:rPr lang="de-DE" b="1" dirty="0" smtClean="0"/>
-              <a:t>André Helbig:</a:t>
-            </a:r>
-            <a:r>
-              <a:rPr lang="de-DE" dirty="0" smtClean="0"/>
-              <a:t> </a:t>
-            </a:r>
-            <a:r>
-              <a:rPr lang="de-DE" i="1" dirty="0" smtClean="0"/>
-              <a:t>Integrator</a:t>
-            </a:r>
-            <a:r>
-              <a:rPr lang="de-DE" dirty="0" smtClean="0"/>
-              <a:t>, Tester, Designer</a:t>
-            </a:r>
-          </a:p>
-          <a:p>
-            <a:endParaRPr lang="de-DE" dirty="0" smtClean="0"/>
-          </a:p>
-          <a:p>
-            <a:r>
-              <a:rPr lang="de-DE" b="1" dirty="0" err="1" smtClean="0"/>
-              <a:t>Nicals</a:t>
-            </a:r>
-            <a:r>
-              <a:rPr lang="de-DE" b="1" dirty="0" smtClean="0"/>
-              <a:t> Petersohn: </a:t>
-            </a:r>
-            <a:r>
-              <a:rPr lang="de-DE" i="1" dirty="0" smtClean="0"/>
-              <a:t>Software </a:t>
-            </a:r>
-            <a:r>
-              <a:rPr lang="de-DE" i="1" dirty="0" err="1" smtClean="0"/>
-              <a:t>Architect</a:t>
-            </a:r>
-            <a:r>
-              <a:rPr lang="de-DE" i="1" dirty="0" smtClean="0"/>
-              <a:t>, </a:t>
-            </a:r>
-            <a:r>
-              <a:rPr lang="de-DE" dirty="0" err="1" smtClean="0"/>
-              <a:t>Implementer</a:t>
-            </a:r>
-            <a:r>
-              <a:rPr lang="de-DE" dirty="0" smtClean="0"/>
-              <a:t>, Tester</a:t>
-            </a:r>
-            <a:r>
-              <a:rPr lang="de-DE" i="1" dirty="0" smtClean="0"/>
-              <a:t> </a:t>
-            </a:r>
-            <a:endParaRPr lang="en-GB" b="1" dirty="0"/>
-          </a:p>
-        </p:txBody>
-      </p:sp>
-    </p:spTree>
-    <p:extLst>
-      <p:ext uri="{BB962C8B-B14F-4D97-AF65-F5344CB8AC3E}">
-        <p14:creationId xmlns:p14="http://schemas.microsoft.com/office/powerpoint/2010/main" val="1255023610"/>
-      </p:ext>
-    </p:extLst>
-  </p:cSld>
-  <p:clrMapOvr>
-    <a:masterClrMapping/>
-  </p:clrMapOvr>
-  <p:transition spd="slow">
-    <p:push dir="u"/>
-  </p:transition>
-  <p:timing>
-    <p:tnLst>
-      <p:par>
-        <p:cTn id="1" dur="indefinite" restart="never" nodeType="tmRoot">
-          <p:childTnLst>
-            <p:seq concurrent="1" nextAc="seek">
-              <p:cTn id="2" dur="indefinite" nodeType="mainSeq">
-                <p:childTnLst>
-                  <p:par>
-                    <p:cTn id="3" fill="hold">
-                      <p:stCondLst>
-                        <p:cond delay="indefinite"/>
-                      </p:stCondLst>
-                      <p:childTnLst>
-                        <p:par>
-                          <p:cTn id="4" fill="hold">
-                            <p:stCondLst>
-                              <p:cond delay="0"/>
-                            </p:stCondLst>
-                            <p:childTnLst>
-                              <p:par>
-                                <p:cTn id="5" presetID="10" presetClass="exit" presetSubtype="0" fill="hold" nodeType="clickEffect">
-                                  <p:stCondLst>
-                                    <p:cond delay="0"/>
-                                  </p:stCondLst>
-                                  <p:childTnLst>
-                                    <p:animEffect transition="out" filter="fade">
-                                      <p:cBhvr>
-                                        <p:cTn id="6" dur="500"/>
-                                        <p:tgtEl>
-                                          <p:spTgt spid="3">
-                                            <p:txEl>
-                                              <p:pRg st="4" end="4"/>
-                                            </p:txEl>
-                                          </p:spTgt>
-                                        </p:tgtEl>
-                                      </p:cBhvr>
-                                    </p:animEffect>
-                                    <p:set>
-                                      <p:cBhvr>
-                                        <p:cTn id="7" dur="1" fill="hold">
-                                          <p:stCondLst>
-                                            <p:cond delay="499"/>
-                                          </p:stCondLst>
-                                        </p:cTn>
-                                        <p:tgtEl>
-                                          <p:spTgt spid="3">
-                                            <p:txEl>
-                                              <p:pRg st="4" end="4"/>
-                                            </p:txEl>
-                                          </p:spTgt>
-                                        </p:tgtEl>
-                                        <p:attrNameLst>
-                                          <p:attrName>style.visibility</p:attrName>
-                                        </p:attrNameLst>
-                                      </p:cBhvr>
-                                      <p:to>
-                                        <p:strVal val="hidden"/>
                                       </p:to>
                                     </p:set>
                                   </p:childTnLst>

--- a/Gaming-Bets.pptx
+++ b/Gaming-Bets.pptx
@@ -7251,7 +7251,15 @@
           <a:p>
             <a:r>
               <a:rPr lang="de-DE" dirty="0" smtClean="0"/>
-              <a:t>Class Diagramm</a:t>
+              <a:t>Entity </a:t>
+            </a:r>
+            <a:r>
+              <a:rPr lang="de-DE" dirty="0" err="1" smtClean="0"/>
+              <a:t>Relationship</a:t>
+            </a:r>
+            <a:r>
+              <a:rPr lang="de-DE" dirty="0" smtClean="0"/>
+              <a:t> Model</a:t>
             </a:r>
             <a:endParaRPr lang="en-GB" dirty="0"/>
           </a:p>
@@ -7259,7 +7267,7 @@
       </p:sp>
       <p:pic>
         <p:nvPicPr>
-          <p:cNvPr id="4" name="Inhaltsplatzhalter 3"/>
+          <p:cNvPr id="5" name="Inhaltsplatzhalter 4"/>
           <p:cNvPicPr>
             <a:picLocks noGrp="1" noChangeAspect="1"/>
           </p:cNvPicPr>
@@ -7281,8 +7289,8 @@
         </p:blipFill>
         <p:spPr>
           <a:xfrm>
-            <a:off x="1246909" y="2438399"/>
-            <a:ext cx="10030431" cy="3422074"/>
+            <a:off x="1" y="0"/>
+            <a:ext cx="12192000" cy="6877395"/>
           </a:xfrm>
         </p:spPr>
       </p:pic>
@@ -8447,8 +8455,9 @@
           <a:p>
             <a:r>
               <a:rPr lang="en-US" dirty="0" smtClean="0"/>
-              <a:t>Class Diagram</a:t>
-            </a:r>
+              <a:t>Database</a:t>
+            </a:r>
+            <a:endParaRPr lang="en-US" dirty="0" smtClean="0"/>
           </a:p>
           <a:p>
             <a:r>
@@ -9583,11 +9592,7 @@
           <a:p>
             <a:r>
               <a:rPr lang="de-DE" b="1" dirty="0" smtClean="0"/>
-              <a:t>Niclas </a:t>
-            </a:r>
-            <a:r>
-              <a:rPr lang="de-DE" b="1" dirty="0" smtClean="0"/>
-              <a:t>Petersohn: </a:t>
+              <a:t>Niclas Petersohn: </a:t>
             </a:r>
             <a:r>
               <a:rPr lang="de-DE" i="1" dirty="0" smtClean="0"/>

--- a/Gaming-Bets.pptx
+++ b/Gaming-Bets.pptx
@@ -5,7 +5,7 @@
     <p:sldMasterId id="2147483648" r:id="rId1"/>
   </p:sldMasterIdLst>
   <p:notesMasterIdLst>
-    <p:notesMasterId r:id="rId16"/>
+    <p:notesMasterId r:id="rId15"/>
   </p:notesMasterIdLst>
   <p:sldIdLst>
     <p:sldId id="256" r:id="rId2"/>
@@ -15,13 +15,12 @@
     <p:sldId id="261" r:id="rId6"/>
     <p:sldId id="267" r:id="rId7"/>
     <p:sldId id="258" r:id="rId8"/>
-    <p:sldId id="266" r:id="rId9"/>
-    <p:sldId id="263" r:id="rId10"/>
-    <p:sldId id="269" r:id="rId11"/>
-    <p:sldId id="264" r:id="rId12"/>
-    <p:sldId id="260" r:id="rId13"/>
-    <p:sldId id="270" r:id="rId14"/>
-    <p:sldId id="259" r:id="rId15"/>
+    <p:sldId id="263" r:id="rId9"/>
+    <p:sldId id="269" r:id="rId10"/>
+    <p:sldId id="264" r:id="rId11"/>
+    <p:sldId id="260" r:id="rId12"/>
+    <p:sldId id="270" r:id="rId13"/>
+    <p:sldId id="259" r:id="rId14"/>
   </p:sldIdLst>
   <p:sldSz cx="12192000" cy="6858000"/>
   <p:notesSz cx="6858000" cy="9144000"/>
@@ -702,7 +701,7 @@
           <a:p>
             <a:fld id="{E3F25372-0542-480F-B0CF-44A11105944C}" type="slidenum">
               <a:rPr lang="en-GB" smtClean="0"/>
-              <a:t>9</a:t>
+              <a:t>8</a:t>
             </a:fld>
             <a:endParaRPr lang="en-GB"/>
           </a:p>
@@ -803,7 +802,7 @@
           <a:p>
             <a:fld id="{E3F25372-0542-480F-B0CF-44A11105944C}" type="slidenum">
               <a:rPr lang="en-GB" smtClean="0"/>
-              <a:t>10</a:t>
+              <a:t>9</a:t>
             </a:fld>
             <a:endParaRPr lang="en-GB"/>
           </a:p>
@@ -887,7 +886,7 @@
           <a:p>
             <a:fld id="{E3F25372-0542-480F-B0CF-44A11105944C}" type="slidenum">
               <a:rPr lang="en-GB" smtClean="0"/>
-              <a:t>12</a:t>
+              <a:t>11</a:t>
             </a:fld>
             <a:endParaRPr lang="en-GB"/>
           </a:p>
@@ -983,7 +982,7 @@
           <a:p>
             <a:fld id="{E3F25372-0542-480F-B0CF-44A11105944C}" type="slidenum">
               <a:rPr lang="en-GB" smtClean="0"/>
-              <a:t>14</a:t>
+              <a:t>13</a:t>
             </a:fld>
             <a:endParaRPr lang="en-GB"/>
           </a:p>
@@ -7135,122 +7134,6 @@
           <a:p>
             <a:r>
               <a:rPr lang="de-DE" dirty="0" smtClean="0"/>
-              <a:t>Database</a:t>
-            </a:r>
-            <a:endParaRPr lang="de-DE" dirty="0"/>
-          </a:p>
-        </p:txBody>
-      </p:sp>
-      <p:sp>
-        <p:nvSpPr>
-          <p:cNvPr id="3" name="Inhaltsplatzhalter 2"/>
-          <p:cNvSpPr>
-            <a:spLocks noGrp="1"/>
-          </p:cNvSpPr>
-          <p:nvPr>
-            <p:ph idx="1"/>
-          </p:nvPr>
-        </p:nvSpPr>
-        <p:spPr/>
-        <p:txBody>
-          <a:bodyPr anchor="t"/>
-          <a:lstStyle/>
-          <a:p>
-            <a:r>
-              <a:rPr lang="de-DE" dirty="0" smtClean="0"/>
-              <a:t>ERM Modell</a:t>
-            </a:r>
-          </a:p>
-          <a:p>
-            <a:r>
-              <a:rPr lang="de-DE" dirty="0" err="1" smtClean="0"/>
-              <a:t>Prepared</a:t>
-            </a:r>
-            <a:r>
-              <a:rPr lang="de-DE" dirty="0" smtClean="0"/>
-              <a:t> Statements</a:t>
-            </a:r>
-          </a:p>
-          <a:p>
-            <a:pPr lvl="1"/>
-            <a:r>
-              <a:rPr lang="de-DE" dirty="0" err="1" smtClean="0"/>
-              <a:t>Protection</a:t>
-            </a:r>
-            <a:r>
-              <a:rPr lang="de-DE" dirty="0" smtClean="0"/>
-              <a:t> </a:t>
-            </a:r>
-            <a:r>
-              <a:rPr lang="de-DE" dirty="0" err="1" smtClean="0"/>
-              <a:t>against</a:t>
-            </a:r>
-            <a:r>
-              <a:rPr lang="de-DE" dirty="0" smtClean="0"/>
-              <a:t> SQL-</a:t>
-            </a:r>
-            <a:r>
-              <a:rPr lang="de-DE" dirty="0" err="1" smtClean="0"/>
-              <a:t>Injections</a:t>
-            </a:r>
-            <a:endParaRPr lang="de-DE" dirty="0"/>
-          </a:p>
-        </p:txBody>
-      </p:sp>
-    </p:spTree>
-    <p:extLst>
-      <p:ext uri="{BB962C8B-B14F-4D97-AF65-F5344CB8AC3E}">
-        <p14:creationId xmlns:p14="http://schemas.microsoft.com/office/powerpoint/2010/main" val="54498271"/>
-      </p:ext>
-    </p:extLst>
-  </p:cSld>
-  <p:clrMapOvr>
-    <a:masterClrMapping/>
-  </p:clrMapOvr>
-  <p:timing>
-    <p:tnLst>
-      <p:par>
-        <p:cTn id="1" dur="indefinite" restart="never" nodeType="tmRoot"/>
-      </p:par>
-    </p:tnLst>
-  </p:timing>
-</p:sld>
-</file>
-
-<file path=ppt/slides/slide11.xml><?xml version="1.0" encoding="utf-8"?>
-<p:sld xmlns:a="http://schemas.openxmlformats.org/drawingml/2006/main" xmlns:r="http://schemas.openxmlformats.org/officeDocument/2006/relationships" xmlns:p="http://schemas.openxmlformats.org/presentationml/2006/main">
-  <p:cSld>
-    <p:spTree>
-      <p:nvGrpSpPr>
-        <p:cNvPr id="1" name=""/>
-        <p:cNvGrpSpPr/>
-        <p:nvPr/>
-      </p:nvGrpSpPr>
-      <p:grpSpPr>
-        <a:xfrm>
-          <a:off x="0" y="0"/>
-          <a:ext cx="0" cy="0"/>
-          <a:chOff x="0" y="0"/>
-          <a:chExt cx="0" cy="0"/>
-        </a:xfrm>
-      </p:grpSpPr>
-      <p:sp>
-        <p:nvSpPr>
-          <p:cNvPr id="2" name="Titel 1"/>
-          <p:cNvSpPr>
-            <a:spLocks noGrp="1"/>
-          </p:cNvSpPr>
-          <p:nvPr>
-            <p:ph type="title"/>
-          </p:nvPr>
-        </p:nvSpPr>
-        <p:spPr/>
-        <p:txBody>
-          <a:bodyPr/>
-          <a:lstStyle/>
-          <a:p>
-            <a:r>
-              <a:rPr lang="de-DE" dirty="0" smtClean="0"/>
               <a:t>Entity </a:t>
             </a:r>
             <a:r>
@@ -7317,7 +7200,7 @@
 </p:sld>
 </file>
 
-<file path=ppt/slides/slide12.xml><?xml version="1.0" encoding="utf-8"?>
+<file path=ppt/slides/slide11.xml><?xml version="1.0" encoding="utf-8"?>
 <p:sld xmlns:a="http://schemas.openxmlformats.org/drawingml/2006/main" xmlns:r="http://schemas.openxmlformats.org/officeDocument/2006/relationships" xmlns:p="http://schemas.openxmlformats.org/presentationml/2006/main">
   <p:cSld>
     <p:spTree>
@@ -7796,7 +7679,7 @@
 </p:sld>
 </file>
 
-<file path=ppt/slides/slide13.xml><?xml version="1.0" encoding="utf-8"?>
+<file path=ppt/slides/slide12.xml><?xml version="1.0" encoding="utf-8"?>
 <p:sld xmlns:a="http://schemas.openxmlformats.org/drawingml/2006/main" xmlns:r="http://schemas.openxmlformats.org/officeDocument/2006/relationships" xmlns:p="http://schemas.openxmlformats.org/presentationml/2006/main">
   <p:cSld>
     <p:spTree>
@@ -8249,7 +8132,7 @@
 </p:sld>
 </file>
 
-<file path=ppt/slides/slide14.xml><?xml version="1.0" encoding="utf-8"?>
+<file path=ppt/slides/slide13.xml><?xml version="1.0" encoding="utf-8"?>
 <p:sld xmlns:a="http://schemas.openxmlformats.org/drawingml/2006/main" xmlns:r="http://schemas.openxmlformats.org/officeDocument/2006/relationships" xmlns:p="http://schemas.openxmlformats.org/presentationml/2006/main">
   <p:cSld>
     <p:spTree>
@@ -8413,7 +8296,7 @@
         <p:spPr/>
         <p:txBody>
           <a:bodyPr>
-            <a:normAutofit fontScale="85000" lnSpcReduction="20000"/>
+            <a:normAutofit fontScale="92500" lnSpcReduction="20000"/>
           </a:bodyPr>
           <a:lstStyle/>
           <a:p>
@@ -8425,31 +8308,37 @@
           <a:p>
             <a:r>
               <a:rPr lang="en-US" dirty="0" smtClean="0"/>
-              <a:t>Use Cases</a:t>
-            </a:r>
-          </a:p>
-          <a:p>
+              <a:t>Use </a:t>
+            </a:r>
             <a:r>
               <a:rPr lang="en-US" dirty="0" smtClean="0"/>
-              <a:t>Project Management</a:t>
+              <a:t>Cases</a:t>
+            </a:r>
+          </a:p>
+          <a:p>
+            <a:r>
+              <a:rPr lang="en-US" dirty="0"/>
+              <a:t>Project Team</a:t>
             </a:r>
           </a:p>
           <a:p>
             <a:r>
               <a:rPr lang="en-US" dirty="0" smtClean="0"/>
-              <a:t>Scrumming</a:t>
-            </a:r>
-          </a:p>
-          <a:p>
+              <a:t>Project </a:t>
+            </a:r>
             <a:r>
               <a:rPr lang="en-US" dirty="0" smtClean="0"/>
-              <a:t>Project Team</a:t>
+              <a:t>Management</a:t>
             </a:r>
           </a:p>
           <a:p>
             <a:r>
               <a:rPr lang="en-US" dirty="0" smtClean="0"/>
-              <a:t>Technical Architecture</a:t>
+              <a:t>Technical </a:t>
+            </a:r>
+            <a:r>
+              <a:rPr lang="en-US" dirty="0" smtClean="0"/>
+              <a:t>Architecture</a:t>
             </a:r>
           </a:p>
           <a:p>
@@ -8457,7 +8346,6 @@
               <a:rPr lang="en-US" dirty="0" smtClean="0"/>
               <a:t>Database</a:t>
             </a:r>
-            <a:endParaRPr lang="en-US" dirty="0" smtClean="0"/>
           </a:p>
           <a:p>
             <a:r>
@@ -9862,8 +9750,65 @@
             </a:r>
             <a:r>
               <a:rPr lang="de-DE" dirty="0" smtClean="0"/>
-              <a:t> Chart</a:t>
-            </a:r>
+              <a:t> </a:t>
+            </a:r>
+            <a:r>
+              <a:rPr lang="de-DE" dirty="0" smtClean="0"/>
+              <a:t>Chart</a:t>
+            </a:r>
+          </a:p>
+          <a:p>
+            <a:r>
+              <a:rPr lang="de-DE" dirty="0"/>
+              <a:t>Iterative </a:t>
+            </a:r>
+            <a:r>
+              <a:rPr lang="de-DE" dirty="0" err="1"/>
+              <a:t>Process</a:t>
+            </a:r>
+            <a:endParaRPr lang="de-DE" dirty="0"/>
+          </a:p>
+          <a:p>
+            <a:r>
+              <a:rPr lang="de-DE" dirty="0" err="1"/>
+              <a:t>Ready</a:t>
+            </a:r>
+            <a:r>
+              <a:rPr lang="de-DE" dirty="0"/>
+              <a:t> </a:t>
+            </a:r>
+            <a:r>
+              <a:rPr lang="de-DE" dirty="0" err="1"/>
+              <a:t>for</a:t>
+            </a:r>
+            <a:r>
+              <a:rPr lang="de-DE" dirty="0"/>
+              <a:t> </a:t>
+            </a:r>
+            <a:r>
+              <a:rPr lang="de-DE" dirty="0">
+                <a:solidFill>
+                  <a:srgbClr val="FF0000"/>
+                </a:solidFill>
+              </a:rPr>
+              <a:t>YOUR</a:t>
+            </a:r>
+            <a:r>
+              <a:rPr lang="de-DE" dirty="0"/>
+              <a:t> </a:t>
+            </a:r>
+            <a:r>
+              <a:rPr lang="de-DE" dirty="0" err="1"/>
+              <a:t>Wishes</a:t>
+            </a:r>
+            <a:r>
+              <a:rPr lang="de-DE" dirty="0"/>
+              <a:t>!</a:t>
+            </a:r>
+            <a:endParaRPr lang="en-GB" dirty="0"/>
+          </a:p>
+          <a:p>
+            <a:pPr lvl="1"/>
             <a:endParaRPr lang="de-DE" dirty="0"/>
           </a:p>
         </p:txBody>
@@ -10060,183 +10005,27 @@
                       </p:childTnLst>
                     </p:cTn>
                   </p:par>
-                </p:childTnLst>
-              </p:cTn>
-              <p:prevCondLst>
-                <p:cond evt="onPrev" delay="0">
-                  <p:tgtEl>
-                    <p:sldTgt/>
-                  </p:tgtEl>
-                </p:cond>
-              </p:prevCondLst>
-              <p:nextCondLst>
-                <p:cond evt="onNext" delay="0">
-                  <p:tgtEl>
-                    <p:sldTgt/>
-                  </p:tgtEl>
-                </p:cond>
-              </p:nextCondLst>
-            </p:seq>
-          </p:childTnLst>
-        </p:cTn>
-      </p:par>
-    </p:tnLst>
-  </p:timing>
-</p:sld>
-</file>
-
-<file path=ppt/slides/slide8.xml><?xml version="1.0" encoding="utf-8"?>
-<p:sld xmlns:a="http://schemas.openxmlformats.org/drawingml/2006/main" xmlns:r="http://schemas.openxmlformats.org/officeDocument/2006/relationships" xmlns:p="http://schemas.openxmlformats.org/presentationml/2006/main">
-  <p:cSld>
-    <p:spTree>
-      <p:nvGrpSpPr>
-        <p:cNvPr id="1" name=""/>
-        <p:cNvGrpSpPr/>
-        <p:nvPr/>
-      </p:nvGrpSpPr>
-      <p:grpSpPr>
-        <a:xfrm>
-          <a:off x="0" y="0"/>
-          <a:ext cx="0" cy="0"/>
-          <a:chOff x="0" y="0"/>
-          <a:chExt cx="0" cy="0"/>
-        </a:xfrm>
-      </p:grpSpPr>
-      <p:sp>
-        <p:nvSpPr>
-          <p:cNvPr id="2" name="Titel 1"/>
-          <p:cNvSpPr>
-            <a:spLocks noGrp="1"/>
-          </p:cNvSpPr>
-          <p:nvPr>
-            <p:ph type="title"/>
-          </p:nvPr>
-        </p:nvSpPr>
-        <p:spPr/>
-        <p:txBody>
-          <a:bodyPr/>
-          <a:lstStyle/>
-          <a:p>
-            <a:r>
-              <a:rPr lang="de-DE" dirty="0" err="1" smtClean="0"/>
-              <a:t>Scrumming</a:t>
-            </a:r>
-            <a:r>
-              <a:rPr lang="de-DE" dirty="0" smtClean="0"/>
-              <a:t>?</a:t>
-            </a:r>
-            <a:endParaRPr lang="en-GB" dirty="0"/>
-          </a:p>
-        </p:txBody>
-      </p:sp>
-      <p:sp>
-        <p:nvSpPr>
-          <p:cNvPr id="3" name="Inhaltsplatzhalter 2"/>
-          <p:cNvSpPr>
-            <a:spLocks noGrp="1"/>
-          </p:cNvSpPr>
-          <p:nvPr>
-            <p:ph idx="1"/>
-          </p:nvPr>
-        </p:nvSpPr>
-        <p:spPr/>
-        <p:txBody>
-          <a:bodyPr anchor="t"/>
-          <a:lstStyle/>
-          <a:p>
-            <a:r>
-              <a:rPr lang="de-DE" dirty="0" smtClean="0"/>
-              <a:t>Iterative </a:t>
-            </a:r>
-            <a:r>
-              <a:rPr lang="de-DE" dirty="0" err="1" smtClean="0"/>
-              <a:t>Process</a:t>
-            </a:r>
-            <a:endParaRPr lang="de-DE" dirty="0"/>
-          </a:p>
-          <a:p>
-            <a:r>
-              <a:rPr lang="de-DE" dirty="0" err="1" smtClean="0"/>
-              <a:t>Ready</a:t>
-            </a:r>
-            <a:r>
-              <a:rPr lang="de-DE" dirty="0" smtClean="0"/>
-              <a:t> </a:t>
-            </a:r>
-            <a:r>
-              <a:rPr lang="de-DE" dirty="0" err="1" smtClean="0"/>
-              <a:t>for</a:t>
-            </a:r>
-            <a:r>
-              <a:rPr lang="de-DE" dirty="0" smtClean="0"/>
-              <a:t> </a:t>
-            </a:r>
-            <a:r>
-              <a:rPr lang="de-DE" dirty="0" smtClean="0">
-                <a:solidFill>
-                  <a:srgbClr val="FF0000"/>
-                </a:solidFill>
-              </a:rPr>
-              <a:t>YOUR</a:t>
-            </a:r>
-            <a:r>
-              <a:rPr lang="de-DE" dirty="0" smtClean="0"/>
-              <a:t> </a:t>
-            </a:r>
-            <a:r>
-              <a:rPr lang="de-DE" dirty="0" err="1" smtClean="0"/>
-              <a:t>Wishes</a:t>
-            </a:r>
-            <a:r>
-              <a:rPr lang="de-DE" dirty="0" smtClean="0"/>
-              <a:t>!</a:t>
-            </a:r>
-            <a:endParaRPr lang="en-GB" dirty="0"/>
-          </a:p>
-        </p:txBody>
-      </p:sp>
-    </p:spTree>
-    <p:extLst>
-      <p:ext uri="{BB962C8B-B14F-4D97-AF65-F5344CB8AC3E}">
-        <p14:creationId xmlns:p14="http://schemas.microsoft.com/office/powerpoint/2010/main" val="2687705203"/>
-      </p:ext>
-    </p:extLst>
-  </p:cSld>
-  <p:clrMapOvr>
-    <a:masterClrMapping/>
-  </p:clrMapOvr>
-  <p:transition spd="slow">
-    <p:push dir="u"/>
-  </p:transition>
-  <p:timing>
-    <p:tnLst>
-      <p:par>
-        <p:cTn id="1" dur="indefinite" restart="never" nodeType="tmRoot">
-          <p:childTnLst>
-            <p:seq concurrent="1" nextAc="seek">
-              <p:cTn id="2" dur="indefinite" nodeType="mainSeq">
-                <p:childTnLst>
                   <p:par>
-                    <p:cTn id="3" fill="hold">
+                    <p:cTn id="15" fill="hold">
                       <p:stCondLst>
                         <p:cond delay="indefinite"/>
                       </p:stCondLst>
                       <p:childTnLst>
                         <p:par>
-                          <p:cTn id="4" fill="hold">
+                          <p:cTn id="16" fill="hold">
                             <p:stCondLst>
                               <p:cond delay="0"/>
                             </p:stCondLst>
                             <p:childTnLst>
                               <p:par>
-                                <p:cTn id="5" presetID="1" presetClass="entr" presetSubtype="0" fill="hold" nodeType="clickEffect">
+                                <p:cTn id="17" presetID="1" presetClass="entr" presetSubtype="0" fill="hold" nodeType="clickEffect">
                                   <p:stCondLst>
                                     <p:cond delay="0"/>
                                   </p:stCondLst>
                                   <p:childTnLst>
                                     <p:set>
                                       <p:cBhvr>
-                                        <p:cTn id="6" dur="1" fill="hold">
+                                        <p:cTn id="18" dur="1" fill="hold">
                                           <p:stCondLst>
                                             <p:cond delay="0"/>
                                           </p:stCondLst>
@@ -10244,7 +10033,7 @@
                                         <p:tgtEl>
                                           <p:spTgt spid="3">
                                             <p:txEl>
-                                              <p:pRg st="0" end="0"/>
+                                              <p:pRg st="4" end="4"/>
                                             </p:txEl>
                                           </p:spTgt>
                                         </p:tgtEl>
@@ -10266,26 +10055,26 @@
                     </p:cTn>
                   </p:par>
                   <p:par>
-                    <p:cTn id="7" fill="hold">
+                    <p:cTn id="19" fill="hold">
                       <p:stCondLst>
                         <p:cond delay="indefinite"/>
                       </p:stCondLst>
                       <p:childTnLst>
                         <p:par>
-                          <p:cTn id="8" fill="hold">
+                          <p:cTn id="20" fill="hold">
                             <p:stCondLst>
                               <p:cond delay="0"/>
                             </p:stCondLst>
                             <p:childTnLst>
                               <p:par>
-                                <p:cTn id="9" presetID="1" presetClass="entr" presetSubtype="0" fill="hold" nodeType="clickEffect">
+                                <p:cTn id="21" presetID="1" presetClass="entr" presetSubtype="0" fill="hold" nodeType="clickEffect">
                                   <p:stCondLst>
                                     <p:cond delay="0"/>
                                   </p:stCondLst>
                                   <p:childTnLst>
                                     <p:set>
                                       <p:cBhvr>
-                                        <p:cTn id="10" dur="1" fill="hold">
+                                        <p:cTn id="22" dur="1" fill="hold">
                                           <p:stCondLst>
                                             <p:cond delay="0"/>
                                           </p:stCondLst>
@@ -10293,7 +10082,7 @@
                                         <p:tgtEl>
                                           <p:spTgt spid="3">
                                             <p:txEl>
-                                              <p:pRg st="1" end="1"/>
+                                              <p:pRg st="5" end="5"/>
                                             </p:txEl>
                                           </p:spTgt>
                                         </p:tgtEl>
@@ -10339,7 +10128,7 @@
 </p:sld>
 </file>
 
-<file path=ppt/slides/slide9.xml><?xml version="1.0" encoding="utf-8"?>
+<file path=ppt/slides/slide8.xml><?xml version="1.0" encoding="utf-8"?>
 <p:sld xmlns:a="http://schemas.openxmlformats.org/drawingml/2006/main" xmlns:r="http://schemas.openxmlformats.org/officeDocument/2006/relationships" xmlns:p="http://schemas.openxmlformats.org/presentationml/2006/main">
   <p:cSld>
     <p:spTree>
@@ -10941,6 +10730,122 @@
       <p:bldP spid="8" grpId="0" animBg="1"/>
       <p:bldP spid="10" grpId="0" animBg="1"/>
     </p:bldLst>
+  </p:timing>
+</p:sld>
+</file>
+
+<file path=ppt/slides/slide9.xml><?xml version="1.0" encoding="utf-8"?>
+<p:sld xmlns:a="http://schemas.openxmlformats.org/drawingml/2006/main" xmlns:r="http://schemas.openxmlformats.org/officeDocument/2006/relationships" xmlns:p="http://schemas.openxmlformats.org/presentationml/2006/main">
+  <p:cSld>
+    <p:spTree>
+      <p:nvGrpSpPr>
+        <p:cNvPr id="1" name=""/>
+        <p:cNvGrpSpPr/>
+        <p:nvPr/>
+      </p:nvGrpSpPr>
+      <p:grpSpPr>
+        <a:xfrm>
+          <a:off x="0" y="0"/>
+          <a:ext cx="0" cy="0"/>
+          <a:chOff x="0" y="0"/>
+          <a:chExt cx="0" cy="0"/>
+        </a:xfrm>
+      </p:grpSpPr>
+      <p:sp>
+        <p:nvSpPr>
+          <p:cNvPr id="2" name="Titel 1"/>
+          <p:cNvSpPr>
+            <a:spLocks noGrp="1"/>
+          </p:cNvSpPr>
+          <p:nvPr>
+            <p:ph type="title"/>
+          </p:nvPr>
+        </p:nvSpPr>
+        <p:spPr/>
+        <p:txBody>
+          <a:bodyPr/>
+          <a:lstStyle/>
+          <a:p>
+            <a:r>
+              <a:rPr lang="de-DE" dirty="0" smtClean="0"/>
+              <a:t>Database</a:t>
+            </a:r>
+            <a:endParaRPr lang="de-DE" dirty="0"/>
+          </a:p>
+        </p:txBody>
+      </p:sp>
+      <p:sp>
+        <p:nvSpPr>
+          <p:cNvPr id="3" name="Inhaltsplatzhalter 2"/>
+          <p:cNvSpPr>
+            <a:spLocks noGrp="1"/>
+          </p:cNvSpPr>
+          <p:nvPr>
+            <p:ph idx="1"/>
+          </p:nvPr>
+        </p:nvSpPr>
+        <p:spPr/>
+        <p:txBody>
+          <a:bodyPr anchor="t"/>
+          <a:lstStyle/>
+          <a:p>
+            <a:r>
+              <a:rPr lang="de-DE" dirty="0" smtClean="0"/>
+              <a:t>ERM Modell</a:t>
+            </a:r>
+          </a:p>
+          <a:p>
+            <a:r>
+              <a:rPr lang="de-DE" dirty="0" err="1" smtClean="0"/>
+              <a:t>Prepared</a:t>
+            </a:r>
+            <a:r>
+              <a:rPr lang="de-DE" dirty="0" smtClean="0"/>
+              <a:t> Statements</a:t>
+            </a:r>
+          </a:p>
+          <a:p>
+            <a:pPr lvl="1"/>
+            <a:r>
+              <a:rPr lang="de-DE" dirty="0" err="1" smtClean="0"/>
+              <a:t>Protection</a:t>
+            </a:r>
+            <a:r>
+              <a:rPr lang="de-DE" dirty="0" smtClean="0"/>
+              <a:t> </a:t>
+            </a:r>
+            <a:r>
+              <a:rPr lang="de-DE" dirty="0" err="1" smtClean="0"/>
+              <a:t>against</a:t>
+            </a:r>
+            <a:r>
+              <a:rPr lang="de-DE" dirty="0" smtClean="0"/>
+              <a:t> SQL-</a:t>
+            </a:r>
+            <a:r>
+              <a:rPr lang="de-DE" dirty="0" err="1" smtClean="0"/>
+              <a:t>Injections</a:t>
+            </a:r>
+            <a:endParaRPr lang="de-DE" dirty="0"/>
+          </a:p>
+        </p:txBody>
+      </p:sp>
+    </p:spTree>
+    <p:extLst>
+      <p:ext uri="{BB962C8B-B14F-4D97-AF65-F5344CB8AC3E}">
+        <p14:creationId xmlns:p14="http://schemas.microsoft.com/office/powerpoint/2010/main" val="54498271"/>
+      </p:ext>
+    </p:extLst>
+  </p:cSld>
+  <p:clrMapOvr>
+    <a:masterClrMapping/>
+  </p:clrMapOvr>
+  <p:timing>
+    <p:tnLst>
+      <p:par>
+        <p:cTn id="1" dur="indefinite" restart="never" nodeType="tmRoot"/>
+      </p:par>
+    </p:tnLst>
   </p:timing>
 </p:sld>
 </file>

--- a/Gaming-Bets.pptx
+++ b/Gaming-Bets.pptx
@@ -5,22 +5,28 @@
     <p:sldMasterId id="2147483648" r:id="rId1"/>
   </p:sldMasterIdLst>
   <p:notesMasterIdLst>
-    <p:notesMasterId r:id="rId15"/>
+    <p:notesMasterId r:id="rId21"/>
   </p:notesMasterIdLst>
   <p:sldIdLst>
     <p:sldId id="256" r:id="rId2"/>
     <p:sldId id="268" r:id="rId3"/>
     <p:sldId id="257" r:id="rId4"/>
-    <p:sldId id="262" r:id="rId5"/>
-    <p:sldId id="261" r:id="rId6"/>
-    <p:sldId id="267" r:id="rId7"/>
-    <p:sldId id="258" r:id="rId8"/>
-    <p:sldId id="263" r:id="rId9"/>
-    <p:sldId id="269" r:id="rId10"/>
-    <p:sldId id="264" r:id="rId11"/>
-    <p:sldId id="260" r:id="rId12"/>
-    <p:sldId id="270" r:id="rId13"/>
-    <p:sldId id="259" r:id="rId14"/>
+    <p:sldId id="261" r:id="rId5"/>
+    <p:sldId id="263" r:id="rId6"/>
+    <p:sldId id="269" r:id="rId7"/>
+    <p:sldId id="264" r:id="rId8"/>
+    <p:sldId id="259" r:id="rId9"/>
+    <p:sldId id="267" r:id="rId10"/>
+    <p:sldId id="258" r:id="rId11"/>
+    <p:sldId id="271" r:id="rId12"/>
+    <p:sldId id="272" r:id="rId13"/>
+    <p:sldId id="273" r:id="rId14"/>
+    <p:sldId id="274" r:id="rId15"/>
+    <p:sldId id="275" r:id="rId16"/>
+    <p:sldId id="276" r:id="rId17"/>
+    <p:sldId id="277" r:id="rId18"/>
+    <p:sldId id="260" r:id="rId19"/>
+    <p:sldId id="270" r:id="rId20"/>
   </p:sldIdLst>
   <p:sldSz cx="12192000" cy="6858000"/>
   <p:notesSz cx="6858000" cy="9144000"/>
@@ -209,7 +215,7 @@
           <a:p>
             <a:fld id="{7882B33C-3DFA-4C2F-BD92-D37895759FA8}" type="datetimeFigureOut">
               <a:rPr lang="en-GB" smtClean="0"/>
-              <a:t>10/12/2015</a:t>
+              <a:t>06/06/2016</a:t>
             </a:fld>
             <a:endParaRPr lang="en-GB"/>
           </a:p>
@@ -523,29 +529,7 @@
           <a:p>
             <a:r>
               <a:rPr lang="de-DE" dirty="0" smtClean="0"/>
-              <a:t>Integrated </a:t>
-            </a:r>
-            <a:r>
-              <a:rPr lang="de-DE" dirty="0" err="1" smtClean="0"/>
-              <a:t>jira</a:t>
-            </a:r>
-            <a:r>
-              <a:rPr lang="de-DE" dirty="0" smtClean="0"/>
-              <a:t> </a:t>
-            </a:r>
-            <a:r>
-              <a:rPr lang="de-DE" dirty="0" err="1" smtClean="0"/>
-              <a:t>into</a:t>
-            </a:r>
-            <a:r>
-              <a:rPr lang="de-DE" baseline="0" dirty="0" smtClean="0"/>
-              <a:t> DIE</a:t>
-            </a:r>
-          </a:p>
-          <a:p>
-            <a:r>
-              <a:rPr lang="de-DE" baseline="0" dirty="0" err="1" smtClean="0"/>
-              <a:t>Automatically</a:t>
+              <a:t>Easy</a:t>
             </a:r>
             <a:r>
               <a:rPr lang="de-DE" baseline="0" dirty="0" smtClean="0"/>
@@ -553,7 +537,7 @@
             </a:r>
             <a:r>
               <a:rPr lang="de-DE" baseline="0" dirty="0" err="1" smtClean="0"/>
-              <a:t>loging</a:t>
+              <a:t>to</a:t>
             </a:r>
             <a:r>
               <a:rPr lang="de-DE" baseline="0" dirty="0" smtClean="0"/>
@@ -561,7 +545,20 @@
             </a:r>
             <a:r>
               <a:rPr lang="de-DE" baseline="0" dirty="0" err="1" smtClean="0"/>
-              <a:t>worktime</a:t>
+              <a:t>Replace</a:t>
+            </a:r>
+            <a:r>
+              <a:rPr lang="de-DE" baseline="0" dirty="0" smtClean="0"/>
+              <a:t> Communication Typ!</a:t>
+            </a:r>
+          </a:p>
+          <a:p>
+            <a:endParaRPr lang="de-DE" baseline="0" dirty="0" smtClean="0"/>
+          </a:p>
+          <a:p>
+            <a:r>
+              <a:rPr lang="en-GB" dirty="0" smtClean="0"/>
+              <a:t>Frameworks?</a:t>
             </a:r>
             <a:endParaRPr lang="en-GB" dirty="0"/>
           </a:p>
@@ -584,7 +581,7 @@
           <a:p>
             <a:fld id="{E3F25372-0542-480F-B0CF-44A11105944C}" type="slidenum">
               <a:rPr lang="en-GB" smtClean="0"/>
-              <a:t>7</a:t>
+              <a:t>5</a:t>
             </a:fld>
             <a:endParaRPr lang="en-GB"/>
           </a:p>
@@ -593,7 +590,91 @@
     </p:spTree>
     <p:extLst>
       <p:ext uri="{BB962C8B-B14F-4D97-AF65-F5344CB8AC3E}">
-        <p14:creationId xmlns:p14="http://schemas.microsoft.com/office/powerpoint/2010/main" val="2847961481"/>
+        <p14:creationId xmlns:p14="http://schemas.microsoft.com/office/powerpoint/2010/main" val="738267"/>
+      </p:ext>
+    </p:extLst>
+  </p:cSld>
+  <p:clrMapOvr>
+    <a:masterClrMapping/>
+  </p:clrMapOvr>
+</p:notes>
+</file>
+
+<file path=ppt/notesSlides/notesSlide10.xml><?xml version="1.0" encoding="utf-8"?>
+<p:notes xmlns:a="http://schemas.openxmlformats.org/drawingml/2006/main" xmlns:r="http://schemas.openxmlformats.org/officeDocument/2006/relationships" xmlns:p="http://schemas.openxmlformats.org/presentationml/2006/main">
+  <p:cSld>
+    <p:spTree>
+      <p:nvGrpSpPr>
+        <p:cNvPr id="1" name=""/>
+        <p:cNvGrpSpPr/>
+        <p:nvPr/>
+      </p:nvGrpSpPr>
+      <p:grpSpPr>
+        <a:xfrm>
+          <a:off x="0" y="0"/>
+          <a:ext cx="0" cy="0"/>
+          <a:chOff x="0" y="0"/>
+          <a:chExt cx="0" cy="0"/>
+        </a:xfrm>
+      </p:grpSpPr>
+      <p:sp>
+        <p:nvSpPr>
+          <p:cNvPr id="2" name="Folienbildplatzhalter 1"/>
+          <p:cNvSpPr>
+            <a:spLocks noGrp="1" noRot="1" noChangeAspect="1"/>
+          </p:cNvSpPr>
+          <p:nvPr>
+            <p:ph type="sldImg"/>
+          </p:nvPr>
+        </p:nvSpPr>
+        <p:spPr/>
+      </p:sp>
+      <p:sp>
+        <p:nvSpPr>
+          <p:cNvPr id="3" name="Notizenplatzhalter 2"/>
+          <p:cNvSpPr>
+            <a:spLocks noGrp="1"/>
+          </p:cNvSpPr>
+          <p:nvPr>
+            <p:ph type="body" idx="1"/>
+          </p:nvPr>
+        </p:nvSpPr>
+        <p:spPr/>
+        <p:txBody>
+          <a:bodyPr/>
+          <a:lstStyle/>
+          <a:p>
+            <a:endParaRPr lang="en-GB" dirty="0"/>
+          </a:p>
+        </p:txBody>
+      </p:sp>
+      <p:sp>
+        <p:nvSpPr>
+          <p:cNvPr id="4" name="Foliennummernplatzhalter 3"/>
+          <p:cNvSpPr>
+            <a:spLocks noGrp="1"/>
+          </p:cNvSpPr>
+          <p:nvPr>
+            <p:ph type="sldNum" sz="quarter" idx="10"/>
+          </p:nvPr>
+        </p:nvSpPr>
+        <p:spPr/>
+        <p:txBody>
+          <a:bodyPr/>
+          <a:lstStyle/>
+          <a:p>
+            <a:fld id="{E3F25372-0542-480F-B0CF-44A11105944C}" type="slidenum">
+              <a:rPr lang="en-GB" smtClean="0"/>
+              <a:t>19</a:t>
+            </a:fld>
+            <a:endParaRPr lang="en-GB"/>
+          </a:p>
+        </p:txBody>
+      </p:sp>
+    </p:spTree>
+    <p:extLst>
+      <p:ext uri="{BB962C8B-B14F-4D97-AF65-F5344CB8AC3E}">
+        <p14:creationId xmlns:p14="http://schemas.microsoft.com/office/powerpoint/2010/main" val="2657578636"/>
       </p:ext>
     </p:extLst>
   </p:cSld>
@@ -648,39 +729,23 @@
           <a:lstStyle/>
           <a:p>
             <a:r>
+              <a:rPr lang="de-DE" dirty="0" err="1" smtClean="0"/>
+              <a:t>Prepared</a:t>
+            </a:r>
+            <a:r>
               <a:rPr lang="de-DE" dirty="0" smtClean="0"/>
-              <a:t>Easy</a:t>
-            </a:r>
-            <a:r>
-              <a:rPr lang="de-DE" baseline="0" dirty="0" smtClean="0"/>
-              <a:t> </a:t>
-            </a:r>
-            <a:r>
-              <a:rPr lang="de-DE" baseline="0" dirty="0" err="1" smtClean="0"/>
-              <a:t>to</a:t>
-            </a:r>
-            <a:r>
-              <a:rPr lang="de-DE" baseline="0" dirty="0" smtClean="0"/>
-              <a:t> </a:t>
-            </a:r>
-            <a:r>
-              <a:rPr lang="de-DE" baseline="0" dirty="0" err="1" smtClean="0"/>
-              <a:t>Replace</a:t>
-            </a:r>
-            <a:r>
-              <a:rPr lang="de-DE" baseline="0" dirty="0" smtClean="0"/>
-              <a:t> Communication Typ!</a:t>
-            </a:r>
-          </a:p>
-          <a:p>
-            <a:endParaRPr lang="de-DE" baseline="0" dirty="0" smtClean="0"/>
-          </a:p>
-          <a:p>
-            <a:r>
-              <a:rPr lang="en-GB" dirty="0" smtClean="0"/>
+              <a:t> Statements</a:t>
+            </a:r>
+          </a:p>
+          <a:p>
+            <a:endParaRPr lang="de-DE" dirty="0" smtClean="0"/>
+          </a:p>
+          <a:p>
+            <a:r>
+              <a:rPr lang="de-DE" dirty="0" smtClean="0"/>
               <a:t>Frameworks?</a:t>
             </a:r>
-            <a:endParaRPr lang="en-GB" dirty="0"/>
+            <a:endParaRPr lang="de-DE" dirty="0"/>
           </a:p>
         </p:txBody>
       </p:sp>
@@ -701,7 +766,7 @@
           <a:p>
             <a:fld id="{E3F25372-0542-480F-B0CF-44A11105944C}" type="slidenum">
               <a:rPr lang="en-GB" smtClean="0"/>
-              <a:t>8</a:t>
+              <a:t>6</a:t>
             </a:fld>
             <a:endParaRPr lang="en-GB"/>
           </a:p>
@@ -710,7 +775,7 @@
     </p:spTree>
     <p:extLst>
       <p:ext uri="{BB962C8B-B14F-4D97-AF65-F5344CB8AC3E}">
-        <p14:creationId xmlns:p14="http://schemas.microsoft.com/office/powerpoint/2010/main" val="738267"/>
+        <p14:creationId xmlns:p14="http://schemas.microsoft.com/office/powerpoint/2010/main" val="3964424543"/>
       </p:ext>
     </p:extLst>
   </p:cSld>
@@ -765,23 +830,18 @@
           <a:lstStyle/>
           <a:p>
             <a:r>
+              <a:rPr lang="de-DE" dirty="0" smtClean="0"/>
+              <a:t>Link </a:t>
+            </a:r>
+            <a:r>
               <a:rPr lang="de-DE" dirty="0" err="1" smtClean="0"/>
-              <a:t>Prepared</a:t>
+              <a:t>updated</a:t>
             </a:r>
             <a:r>
               <a:rPr lang="de-DE" dirty="0" smtClean="0"/>
-              <a:t> Statements</a:t>
-            </a:r>
-          </a:p>
-          <a:p>
-            <a:endParaRPr lang="de-DE" dirty="0" smtClean="0"/>
-          </a:p>
-          <a:p>
-            <a:r>
-              <a:rPr lang="de-DE" dirty="0" smtClean="0"/>
-              <a:t>Frameworks?</a:t>
-            </a:r>
-            <a:endParaRPr lang="de-DE" dirty="0"/>
+              <a:t>?</a:t>
+            </a:r>
+            <a:endParaRPr lang="en-GB" dirty="0"/>
           </a:p>
         </p:txBody>
       </p:sp>
@@ -802,7 +862,7 @@
           <a:p>
             <a:fld id="{E3F25372-0542-480F-B0CF-44A11105944C}" type="slidenum">
               <a:rPr lang="en-GB" smtClean="0"/>
-              <a:t>9</a:t>
+              <a:t>8</a:t>
             </a:fld>
             <a:endParaRPr lang="en-GB"/>
           </a:p>
@@ -811,7 +871,7 @@
     </p:spTree>
     <p:extLst>
       <p:ext uri="{BB962C8B-B14F-4D97-AF65-F5344CB8AC3E}">
-        <p14:creationId xmlns:p14="http://schemas.microsoft.com/office/powerpoint/2010/main" val="3964424543"/>
+        <p14:creationId xmlns:p14="http://schemas.microsoft.com/office/powerpoint/2010/main" val="3527748076"/>
       </p:ext>
     </p:extLst>
   </p:cSld>
@@ -865,7 +925,232 @@
           <a:bodyPr/>
           <a:lstStyle/>
           <a:p>
-            <a:endParaRPr lang="de-DE" dirty="0"/>
+            <a:r>
+              <a:rPr lang="de-DE" dirty="0" err="1" smtClean="0"/>
+              <a:t>For</a:t>
+            </a:r>
+            <a:r>
+              <a:rPr lang="de-DE" dirty="0" smtClean="0"/>
+              <a:t> </a:t>
+            </a:r>
+            <a:r>
+              <a:rPr lang="de-DE" dirty="0" err="1" smtClean="0"/>
+              <a:t>short</a:t>
+            </a:r>
+            <a:r>
+              <a:rPr lang="de-DE" dirty="0" smtClean="0"/>
+              <a:t> </a:t>
+            </a:r>
+            <a:r>
+              <a:rPr lang="de-DE" dirty="0" err="1" smtClean="0"/>
+              <a:t>term</a:t>
+            </a:r>
+            <a:r>
+              <a:rPr lang="de-DE" dirty="0" smtClean="0"/>
+              <a:t> </a:t>
+            </a:r>
+            <a:r>
+              <a:rPr lang="de-DE" dirty="0" err="1" smtClean="0"/>
+              <a:t>Planning</a:t>
+            </a:r>
+            <a:endParaRPr lang="de-DE" dirty="0" smtClean="0"/>
+          </a:p>
+          <a:p>
+            <a:endParaRPr lang="de-DE" dirty="0" smtClean="0"/>
+          </a:p>
+          <a:p>
+            <a:r>
+              <a:rPr lang="de-DE" dirty="0" smtClean="0"/>
+              <a:t>Integrated </a:t>
+            </a:r>
+            <a:r>
+              <a:rPr lang="de-DE" dirty="0" err="1" smtClean="0"/>
+              <a:t>jira</a:t>
+            </a:r>
+            <a:r>
+              <a:rPr lang="de-DE" dirty="0" smtClean="0"/>
+              <a:t> </a:t>
+            </a:r>
+            <a:r>
+              <a:rPr lang="de-DE" dirty="0" err="1" smtClean="0"/>
+              <a:t>into</a:t>
+            </a:r>
+            <a:r>
+              <a:rPr lang="de-DE" baseline="0" dirty="0" smtClean="0"/>
+              <a:t> </a:t>
+            </a:r>
+            <a:r>
+              <a:rPr lang="de-DE" baseline="0" dirty="0" smtClean="0"/>
+              <a:t>IDE (at least at </a:t>
+            </a:r>
+            <a:r>
+              <a:rPr lang="de-DE" baseline="0" dirty="0" err="1" smtClean="0"/>
+              <a:t>some</a:t>
+            </a:r>
+            <a:r>
+              <a:rPr lang="de-DE" baseline="0" dirty="0" smtClean="0"/>
+              <a:t> </a:t>
+            </a:r>
+            <a:r>
+              <a:rPr lang="de-DE" baseline="0" dirty="0" err="1" smtClean="0"/>
+              <a:t>point</a:t>
+            </a:r>
+            <a:r>
+              <a:rPr lang="de-DE" baseline="0" dirty="0" smtClean="0"/>
+              <a:t> in </a:t>
+            </a:r>
+            <a:r>
+              <a:rPr lang="de-DE" baseline="0" dirty="0" err="1" smtClean="0"/>
+              <a:t>the</a:t>
+            </a:r>
+            <a:r>
+              <a:rPr lang="de-DE" baseline="0" dirty="0" smtClean="0"/>
+              <a:t> </a:t>
+            </a:r>
+            <a:r>
+              <a:rPr lang="de-DE" baseline="0" dirty="0" err="1" smtClean="0"/>
+              <a:t>past</a:t>
+            </a:r>
+            <a:r>
+              <a:rPr lang="de-DE" baseline="0" dirty="0" smtClean="0"/>
+              <a:t>)</a:t>
+            </a:r>
+          </a:p>
+          <a:p>
+            <a:endParaRPr lang="de-DE" baseline="0" dirty="0" smtClean="0"/>
+          </a:p>
+          <a:p>
+            <a:r>
+              <a:rPr lang="de-DE" baseline="0" dirty="0" err="1" smtClean="0"/>
+              <a:t>Automatically</a:t>
+            </a:r>
+            <a:r>
+              <a:rPr lang="de-DE" baseline="0" dirty="0" smtClean="0"/>
+              <a:t> </a:t>
+            </a:r>
+            <a:r>
+              <a:rPr lang="de-DE" baseline="0" dirty="0" err="1" smtClean="0"/>
+              <a:t>loging</a:t>
+            </a:r>
+            <a:r>
+              <a:rPr lang="de-DE" baseline="0" dirty="0" smtClean="0"/>
+              <a:t> </a:t>
+            </a:r>
+            <a:r>
+              <a:rPr lang="de-DE" baseline="0" dirty="0" err="1" smtClean="0"/>
+              <a:t>worktime</a:t>
+            </a:r>
+            <a:endParaRPr lang="de-DE" baseline="0" dirty="0" smtClean="0"/>
+          </a:p>
+          <a:p>
+            <a:endParaRPr lang="de-DE" baseline="0" dirty="0" smtClean="0"/>
+          </a:p>
+          <a:p>
+            <a:endParaRPr lang="de-DE" baseline="0" dirty="0" smtClean="0"/>
+          </a:p>
+          <a:p>
+            <a:r>
+              <a:rPr lang="de-DE" baseline="0" dirty="0" smtClean="0"/>
+              <a:t>WHY RUP? WHY SCRUM?</a:t>
+            </a:r>
+          </a:p>
+          <a:p>
+            <a:pPr marL="171450" indent="-171450">
+              <a:buFontTx/>
+              <a:buChar char="-"/>
+            </a:pPr>
+            <a:r>
+              <a:rPr lang="de-DE" baseline="0" dirty="0" err="1" smtClean="0"/>
+              <a:t>Integrate</a:t>
+            </a:r>
+            <a:r>
+              <a:rPr lang="de-DE" baseline="0" dirty="0" smtClean="0"/>
+              <a:t> Change </a:t>
+            </a:r>
+            <a:r>
+              <a:rPr lang="de-DE" baseline="0" dirty="0" err="1" smtClean="0"/>
+              <a:t>requests</a:t>
+            </a:r>
+            <a:r>
+              <a:rPr lang="de-DE" baseline="0" dirty="0" smtClean="0"/>
+              <a:t> in </a:t>
+            </a:r>
+            <a:r>
+              <a:rPr lang="de-DE" baseline="0" dirty="0" err="1" smtClean="0"/>
+              <a:t>workflow</a:t>
+            </a:r>
+            <a:endParaRPr lang="de-DE" baseline="0" dirty="0" smtClean="0"/>
+          </a:p>
+          <a:p>
+            <a:pPr marL="171450" indent="-171450">
+              <a:buFontTx/>
+              <a:buChar char="-"/>
+            </a:pPr>
+            <a:r>
+              <a:rPr lang="de-DE" baseline="0" dirty="0" smtClean="0"/>
+              <a:t>Client </a:t>
+            </a:r>
+            <a:r>
+              <a:rPr lang="de-DE" baseline="0" dirty="0" err="1" smtClean="0"/>
+              <a:t>sees</a:t>
+            </a:r>
+            <a:r>
+              <a:rPr lang="de-DE" baseline="0" dirty="0" smtClean="0"/>
+              <a:t> </a:t>
+            </a:r>
+            <a:r>
+              <a:rPr lang="de-DE" baseline="0" dirty="0" err="1" smtClean="0"/>
+              <a:t>the</a:t>
+            </a:r>
+            <a:r>
+              <a:rPr lang="de-DE" baseline="0" dirty="0" smtClean="0"/>
+              <a:t> </a:t>
+            </a:r>
+            <a:r>
+              <a:rPr lang="de-DE" baseline="0" dirty="0" err="1" smtClean="0"/>
+              <a:t>product</a:t>
+            </a:r>
+            <a:r>
+              <a:rPr lang="de-DE" baseline="0" dirty="0" smtClean="0"/>
+              <a:t> on a </a:t>
+            </a:r>
+            <a:r>
+              <a:rPr lang="de-DE" baseline="0" dirty="0" err="1" smtClean="0"/>
+              <a:t>regular</a:t>
+            </a:r>
+            <a:r>
+              <a:rPr lang="de-DE" baseline="0" dirty="0" smtClean="0"/>
+              <a:t> </a:t>
+            </a:r>
+            <a:r>
+              <a:rPr lang="de-DE" baseline="0" dirty="0" err="1" smtClean="0"/>
+              <a:t>basis</a:t>
+            </a:r>
+            <a:r>
+              <a:rPr lang="de-DE" baseline="0" dirty="0" smtClean="0"/>
+              <a:t>, not just 2 </a:t>
+            </a:r>
+            <a:r>
+              <a:rPr lang="de-DE" baseline="0" dirty="0" err="1" smtClean="0"/>
+              <a:t>weeks</a:t>
+            </a:r>
+            <a:r>
+              <a:rPr lang="de-DE" baseline="0" dirty="0" smtClean="0"/>
+              <a:t> </a:t>
+            </a:r>
+            <a:r>
+              <a:rPr lang="de-DE" baseline="0" dirty="0" err="1" smtClean="0"/>
+              <a:t>before</a:t>
+            </a:r>
+            <a:r>
+              <a:rPr lang="de-DE" baseline="0" dirty="0" smtClean="0"/>
+              <a:t> </a:t>
+            </a:r>
+            <a:r>
+              <a:rPr lang="de-DE" baseline="0" dirty="0" err="1" smtClean="0"/>
+              <a:t>release</a:t>
+            </a:r>
+            <a:endParaRPr lang="en-GB" dirty="0"/>
           </a:p>
         </p:txBody>
       </p:sp>
@@ -886,7 +1171,7 @@
           <a:p>
             <a:fld id="{E3F25372-0542-480F-B0CF-44A11105944C}" type="slidenum">
               <a:rPr lang="en-GB" smtClean="0"/>
-              <a:t>11</a:t>
+              <a:t>10</a:t>
             </a:fld>
             <a:endParaRPr lang="en-GB"/>
           </a:p>
@@ -895,7 +1180,7 @@
     </p:spTree>
     <p:extLst>
       <p:ext uri="{BB962C8B-B14F-4D97-AF65-F5344CB8AC3E}">
-        <p14:creationId xmlns:p14="http://schemas.microsoft.com/office/powerpoint/2010/main" val="3548508005"/>
+        <p14:creationId xmlns:p14="http://schemas.microsoft.com/office/powerpoint/2010/main" val="2847961481"/>
       </p:ext>
     </p:extLst>
   </p:cSld>
@@ -951,15 +1236,378 @@
           <a:p>
             <a:r>
               <a:rPr lang="de-DE" dirty="0" smtClean="0"/>
-              <a:t>Link </a:t>
+              <a:t>Integrated </a:t>
             </a:r>
             <a:r>
               <a:rPr lang="de-DE" dirty="0" err="1" smtClean="0"/>
-              <a:t>updated</a:t>
+              <a:t>jira</a:t>
             </a:r>
             <a:r>
               <a:rPr lang="de-DE" dirty="0" smtClean="0"/>
-              <a:t>?</a:t>
+              <a:t> </a:t>
+            </a:r>
+            <a:r>
+              <a:rPr lang="de-DE" dirty="0" err="1" smtClean="0"/>
+              <a:t>into</a:t>
+            </a:r>
+            <a:r>
+              <a:rPr lang="de-DE" baseline="0" dirty="0" smtClean="0"/>
+              <a:t> DIE</a:t>
+            </a:r>
+          </a:p>
+          <a:p>
+            <a:r>
+              <a:rPr lang="de-DE" baseline="0" dirty="0" err="1" smtClean="0"/>
+              <a:t>Automatically</a:t>
+            </a:r>
+            <a:r>
+              <a:rPr lang="de-DE" baseline="0" dirty="0" smtClean="0"/>
+              <a:t> </a:t>
+            </a:r>
+            <a:r>
+              <a:rPr lang="de-DE" baseline="0" dirty="0" err="1" smtClean="0"/>
+              <a:t>loging</a:t>
+            </a:r>
+            <a:r>
+              <a:rPr lang="de-DE" baseline="0" dirty="0" smtClean="0"/>
+              <a:t> </a:t>
+            </a:r>
+            <a:r>
+              <a:rPr lang="de-DE" baseline="0" dirty="0" err="1" smtClean="0"/>
+              <a:t>worktime</a:t>
+            </a:r>
+            <a:endParaRPr lang="en-GB" dirty="0"/>
+          </a:p>
+        </p:txBody>
+      </p:sp>
+      <p:sp>
+        <p:nvSpPr>
+          <p:cNvPr id="4" name="Foliennummernplatzhalter 3"/>
+          <p:cNvSpPr>
+            <a:spLocks noGrp="1"/>
+          </p:cNvSpPr>
+          <p:nvPr>
+            <p:ph type="sldNum" sz="quarter" idx="10"/>
+          </p:nvPr>
+        </p:nvSpPr>
+        <p:spPr/>
+        <p:txBody>
+          <a:bodyPr/>
+          <a:lstStyle/>
+          <a:p>
+            <a:fld id="{E3F25372-0542-480F-B0CF-44A11105944C}" type="slidenum">
+              <a:rPr lang="en-GB" smtClean="0"/>
+              <a:t>11</a:t>
+            </a:fld>
+            <a:endParaRPr lang="en-GB"/>
+          </a:p>
+        </p:txBody>
+      </p:sp>
+    </p:spTree>
+    <p:extLst>
+      <p:ext uri="{BB962C8B-B14F-4D97-AF65-F5344CB8AC3E}">
+        <p14:creationId xmlns:p14="http://schemas.microsoft.com/office/powerpoint/2010/main" val="3184991744"/>
+      </p:ext>
+    </p:extLst>
+  </p:cSld>
+  <p:clrMapOvr>
+    <a:masterClrMapping/>
+  </p:clrMapOvr>
+</p:notes>
+</file>
+
+<file path=ppt/notesSlides/notesSlide6.xml><?xml version="1.0" encoding="utf-8"?>
+<p:notes xmlns:a="http://schemas.openxmlformats.org/drawingml/2006/main" xmlns:r="http://schemas.openxmlformats.org/officeDocument/2006/relationships" xmlns:p="http://schemas.openxmlformats.org/presentationml/2006/main">
+  <p:cSld>
+    <p:spTree>
+      <p:nvGrpSpPr>
+        <p:cNvPr id="1" name=""/>
+        <p:cNvGrpSpPr/>
+        <p:nvPr/>
+      </p:nvGrpSpPr>
+      <p:grpSpPr>
+        <a:xfrm>
+          <a:off x="0" y="0"/>
+          <a:ext cx="0" cy="0"/>
+          <a:chOff x="0" y="0"/>
+          <a:chExt cx="0" cy="0"/>
+        </a:xfrm>
+      </p:grpSpPr>
+      <p:sp>
+        <p:nvSpPr>
+          <p:cNvPr id="2" name="Folienbildplatzhalter 1"/>
+          <p:cNvSpPr>
+            <a:spLocks noGrp="1" noRot="1" noChangeAspect="1"/>
+          </p:cNvSpPr>
+          <p:nvPr>
+            <p:ph type="sldImg"/>
+          </p:nvPr>
+        </p:nvSpPr>
+        <p:spPr/>
+      </p:sp>
+      <p:sp>
+        <p:nvSpPr>
+          <p:cNvPr id="3" name="Notizenplatzhalter 2"/>
+          <p:cNvSpPr>
+            <a:spLocks noGrp="1"/>
+          </p:cNvSpPr>
+          <p:nvPr>
+            <p:ph type="body" idx="1"/>
+          </p:nvPr>
+        </p:nvSpPr>
+        <p:spPr/>
+        <p:txBody>
+          <a:bodyPr/>
+          <a:lstStyle/>
+          <a:p>
+            <a:endParaRPr lang="en-GB" dirty="0"/>
+          </a:p>
+        </p:txBody>
+      </p:sp>
+      <p:sp>
+        <p:nvSpPr>
+          <p:cNvPr id="4" name="Foliennummernplatzhalter 3"/>
+          <p:cNvSpPr>
+            <a:spLocks noGrp="1"/>
+          </p:cNvSpPr>
+          <p:nvPr>
+            <p:ph type="sldNum" sz="quarter" idx="10"/>
+          </p:nvPr>
+        </p:nvSpPr>
+        <p:spPr/>
+        <p:txBody>
+          <a:bodyPr/>
+          <a:lstStyle/>
+          <a:p>
+            <a:fld id="{E3F25372-0542-480F-B0CF-44A11105944C}" type="slidenum">
+              <a:rPr lang="en-GB" smtClean="0"/>
+              <a:t>12</a:t>
+            </a:fld>
+            <a:endParaRPr lang="en-GB"/>
+          </a:p>
+        </p:txBody>
+      </p:sp>
+    </p:spTree>
+    <p:extLst>
+      <p:ext uri="{BB962C8B-B14F-4D97-AF65-F5344CB8AC3E}">
+        <p14:creationId xmlns:p14="http://schemas.microsoft.com/office/powerpoint/2010/main" val="4195909915"/>
+      </p:ext>
+    </p:extLst>
+  </p:cSld>
+  <p:clrMapOvr>
+    <a:masterClrMapping/>
+  </p:clrMapOvr>
+</p:notes>
+</file>
+
+<file path=ppt/notesSlides/notesSlide7.xml><?xml version="1.0" encoding="utf-8"?>
+<p:notes xmlns:a="http://schemas.openxmlformats.org/drawingml/2006/main" xmlns:r="http://schemas.openxmlformats.org/officeDocument/2006/relationships" xmlns:p="http://schemas.openxmlformats.org/presentationml/2006/main">
+  <p:cSld>
+    <p:spTree>
+      <p:nvGrpSpPr>
+        <p:cNvPr id="1" name=""/>
+        <p:cNvGrpSpPr/>
+        <p:nvPr/>
+      </p:nvGrpSpPr>
+      <p:grpSpPr>
+        <a:xfrm>
+          <a:off x="0" y="0"/>
+          <a:ext cx="0" cy="0"/>
+          <a:chOff x="0" y="0"/>
+          <a:chExt cx="0" cy="0"/>
+        </a:xfrm>
+      </p:grpSpPr>
+      <p:sp>
+        <p:nvSpPr>
+          <p:cNvPr id="2" name="Folienbildplatzhalter 1"/>
+          <p:cNvSpPr>
+            <a:spLocks noGrp="1" noRot="1" noChangeAspect="1"/>
+          </p:cNvSpPr>
+          <p:nvPr>
+            <p:ph type="sldImg"/>
+          </p:nvPr>
+        </p:nvSpPr>
+        <p:spPr/>
+      </p:sp>
+      <p:sp>
+        <p:nvSpPr>
+          <p:cNvPr id="3" name="Notizenplatzhalter 2"/>
+          <p:cNvSpPr>
+            <a:spLocks noGrp="1"/>
+          </p:cNvSpPr>
+          <p:nvPr>
+            <p:ph type="body" idx="1"/>
+          </p:nvPr>
+        </p:nvSpPr>
+        <p:spPr/>
+        <p:txBody>
+          <a:bodyPr/>
+          <a:lstStyle/>
+          <a:p>
+            <a:r>
+              <a:rPr lang="de-DE" dirty="0" err="1" smtClean="0"/>
+              <a:t>Outlier</a:t>
+            </a:r>
+            <a:r>
+              <a:rPr lang="de-DE" dirty="0" smtClean="0"/>
+              <a:t> / </a:t>
+            </a:r>
+            <a:r>
+              <a:rPr lang="de-DE" dirty="0" err="1" smtClean="0"/>
+              <a:t>spike</a:t>
+            </a:r>
+            <a:r>
+              <a:rPr lang="de-DE" dirty="0" smtClean="0"/>
+              <a:t> </a:t>
+            </a:r>
+            <a:r>
+              <a:rPr lang="de-DE" dirty="0" err="1" smtClean="0"/>
+              <a:t>because</a:t>
+            </a:r>
+            <a:r>
+              <a:rPr lang="de-DE" dirty="0" smtClean="0"/>
+              <a:t> </a:t>
+            </a:r>
+            <a:r>
+              <a:rPr lang="de-DE" dirty="0" err="1" smtClean="0"/>
+              <a:t>of</a:t>
+            </a:r>
+            <a:r>
+              <a:rPr lang="de-DE" dirty="0" smtClean="0"/>
+              <a:t> </a:t>
+            </a:r>
+            <a:r>
+              <a:rPr lang="de-DE" dirty="0" err="1" smtClean="0"/>
+              <a:t>code</a:t>
+            </a:r>
+            <a:r>
+              <a:rPr lang="de-DE" dirty="0" smtClean="0"/>
+              <a:t> </a:t>
+            </a:r>
+            <a:r>
+              <a:rPr lang="de-DE" dirty="0" err="1" smtClean="0"/>
+              <a:t>reusage</a:t>
+            </a:r>
+            <a:r>
+              <a:rPr lang="de-DE" baseline="0" dirty="0" smtClean="0"/>
+              <a:t> </a:t>
+            </a:r>
+          </a:p>
+          <a:p>
+            <a:endParaRPr lang="de-DE" baseline="0" dirty="0" smtClean="0"/>
+          </a:p>
+          <a:p>
+            <a:r>
+              <a:rPr lang="de-DE" baseline="0" dirty="0" smtClean="0"/>
+              <a:t>At </a:t>
+            </a:r>
+            <a:r>
+              <a:rPr lang="de-DE" baseline="0" dirty="0" err="1" smtClean="0"/>
+              <a:t>lot</a:t>
+            </a:r>
+            <a:r>
+              <a:rPr lang="de-DE" baseline="0" dirty="0" smtClean="0"/>
+              <a:t>/Most </a:t>
+            </a:r>
+            <a:r>
+              <a:rPr lang="de-DE" baseline="0" dirty="0" err="1" smtClean="0"/>
+              <a:t>work</a:t>
+            </a:r>
+            <a:r>
+              <a:rPr lang="de-DE" baseline="0" dirty="0" smtClean="0"/>
+              <a:t> </a:t>
+            </a:r>
+            <a:r>
+              <a:rPr lang="de-DE" baseline="0" dirty="0" err="1" smtClean="0"/>
+              <a:t>went</a:t>
+            </a:r>
+            <a:r>
+              <a:rPr lang="de-DE" baseline="0" dirty="0" smtClean="0"/>
+              <a:t> </a:t>
+            </a:r>
+            <a:r>
+              <a:rPr lang="de-DE" baseline="0" dirty="0" err="1" smtClean="0"/>
+              <a:t>to</a:t>
+            </a:r>
+            <a:r>
+              <a:rPr lang="de-DE" baseline="0" dirty="0" smtClean="0"/>
+              <a:t> </a:t>
+            </a:r>
+            <a:r>
+              <a:rPr lang="de-DE" baseline="0" dirty="0" err="1" smtClean="0"/>
+              <a:t>server</a:t>
+            </a:r>
+            <a:r>
+              <a:rPr lang="de-DE" baseline="0" dirty="0" smtClean="0"/>
+              <a:t> </a:t>
+            </a:r>
+            <a:r>
+              <a:rPr lang="de-DE" baseline="0" dirty="0" err="1" smtClean="0"/>
+              <a:t>sided</a:t>
+            </a:r>
+            <a:r>
+              <a:rPr lang="de-DE" baseline="0" dirty="0" smtClean="0"/>
+              <a:t> </a:t>
+            </a:r>
+            <a:r>
+              <a:rPr lang="de-DE" baseline="0" dirty="0" err="1" smtClean="0"/>
+              <a:t>logic</a:t>
+            </a:r>
+            <a:r>
+              <a:rPr lang="de-DE" baseline="0" dirty="0" smtClean="0"/>
+              <a:t> </a:t>
+            </a:r>
+            <a:r>
+              <a:rPr lang="de-DE" baseline="0" dirty="0" err="1" smtClean="0"/>
+              <a:t>and</a:t>
+            </a:r>
+            <a:r>
+              <a:rPr lang="de-DE" baseline="0" dirty="0" smtClean="0"/>
+              <a:t> </a:t>
+            </a:r>
+            <a:r>
+              <a:rPr lang="de-DE" baseline="0" dirty="0" err="1" smtClean="0"/>
+              <a:t>configuration</a:t>
+            </a:r>
+            <a:r>
+              <a:rPr lang="de-DE" baseline="0" dirty="0" smtClean="0"/>
+              <a:t>, </a:t>
+            </a:r>
+            <a:r>
+              <a:rPr lang="de-DE" baseline="0" dirty="0" err="1" smtClean="0"/>
+              <a:t>aswell</a:t>
+            </a:r>
+            <a:r>
+              <a:rPr lang="de-DE" baseline="0" dirty="0" smtClean="0"/>
+              <a:t> </a:t>
+            </a:r>
+            <a:r>
+              <a:rPr lang="de-DE" baseline="0" dirty="0" err="1" smtClean="0"/>
+              <a:t>as</a:t>
+            </a:r>
+            <a:r>
+              <a:rPr lang="de-DE" baseline="0" dirty="0" smtClean="0"/>
+              <a:t> </a:t>
+            </a:r>
+            <a:r>
+              <a:rPr lang="de-DE" baseline="0" dirty="0" err="1" smtClean="0"/>
+              <a:t>data</a:t>
+            </a:r>
+            <a:r>
+              <a:rPr lang="de-DE" baseline="0" dirty="0" smtClean="0"/>
+              <a:t> </a:t>
+            </a:r>
+            <a:r>
+              <a:rPr lang="de-DE" baseline="0" dirty="0" err="1" smtClean="0"/>
+              <a:t>base</a:t>
+            </a:r>
+            <a:r>
+              <a:rPr lang="de-DE" baseline="0" dirty="0" smtClean="0"/>
+              <a:t> </a:t>
+            </a:r>
+            <a:r>
+              <a:rPr lang="de-DE" baseline="0" dirty="0" err="1" smtClean="0"/>
+              <a:t>modelling</a:t>
             </a:r>
             <a:endParaRPr lang="en-GB" dirty="0"/>
           </a:p>
@@ -991,7 +1639,283 @@
     </p:spTree>
     <p:extLst>
       <p:ext uri="{BB962C8B-B14F-4D97-AF65-F5344CB8AC3E}">
-        <p14:creationId xmlns:p14="http://schemas.microsoft.com/office/powerpoint/2010/main" val="3527748076"/>
+        <p14:creationId xmlns:p14="http://schemas.microsoft.com/office/powerpoint/2010/main" val="3255056201"/>
+      </p:ext>
+    </p:extLst>
+  </p:cSld>
+  <p:clrMapOvr>
+    <a:masterClrMapping/>
+  </p:clrMapOvr>
+</p:notes>
+</file>
+
+<file path=ppt/notesSlides/notesSlide8.xml><?xml version="1.0" encoding="utf-8"?>
+<p:notes xmlns:a="http://schemas.openxmlformats.org/drawingml/2006/main" xmlns:r="http://schemas.openxmlformats.org/officeDocument/2006/relationships" xmlns:p="http://schemas.openxmlformats.org/presentationml/2006/main">
+  <p:cSld>
+    <p:spTree>
+      <p:nvGrpSpPr>
+        <p:cNvPr id="1" name=""/>
+        <p:cNvGrpSpPr/>
+        <p:nvPr/>
+      </p:nvGrpSpPr>
+      <p:grpSpPr>
+        <a:xfrm>
+          <a:off x="0" y="0"/>
+          <a:ext cx="0" cy="0"/>
+          <a:chOff x="0" y="0"/>
+          <a:chExt cx="0" cy="0"/>
+        </a:xfrm>
+      </p:grpSpPr>
+      <p:sp>
+        <p:nvSpPr>
+          <p:cNvPr id="2" name="Folienbildplatzhalter 1"/>
+          <p:cNvSpPr>
+            <a:spLocks noGrp="1" noRot="1" noChangeAspect="1"/>
+          </p:cNvSpPr>
+          <p:nvPr>
+            <p:ph type="sldImg"/>
+          </p:nvPr>
+        </p:nvSpPr>
+        <p:spPr/>
+      </p:sp>
+      <p:sp>
+        <p:nvSpPr>
+          <p:cNvPr id="3" name="Notizenplatzhalter 2"/>
+          <p:cNvSpPr>
+            <a:spLocks noGrp="1"/>
+          </p:cNvSpPr>
+          <p:nvPr>
+            <p:ph type="body" idx="1"/>
+          </p:nvPr>
+        </p:nvSpPr>
+        <p:spPr/>
+        <p:txBody>
+          <a:bodyPr/>
+          <a:lstStyle/>
+          <a:p>
+            <a:r>
+              <a:rPr lang="de-DE" dirty="0" err="1" smtClean="0"/>
+              <a:t>Badges</a:t>
+            </a:r>
+            <a:r>
+              <a:rPr lang="de-DE" dirty="0" smtClean="0"/>
+              <a:t> on </a:t>
+            </a:r>
+            <a:r>
+              <a:rPr lang="de-DE" dirty="0" err="1" smtClean="0"/>
+              <a:t>github</a:t>
+            </a:r>
+            <a:r>
+              <a:rPr lang="de-DE" dirty="0" smtClean="0"/>
+              <a:t> </a:t>
+            </a:r>
+            <a:r>
+              <a:rPr lang="de-DE" dirty="0" err="1" smtClean="0"/>
+              <a:t>as</a:t>
+            </a:r>
+            <a:r>
+              <a:rPr lang="de-DE" dirty="0" smtClean="0"/>
+              <a:t> </a:t>
+            </a:r>
+            <a:r>
+              <a:rPr lang="de-DE" dirty="0" err="1" smtClean="0"/>
+              <a:t>representation</a:t>
+            </a:r>
+            <a:r>
+              <a:rPr lang="de-DE" dirty="0" smtClean="0"/>
+              <a:t> </a:t>
+            </a:r>
+            <a:r>
+              <a:rPr lang="de-DE" dirty="0" err="1" smtClean="0"/>
+              <a:t>of</a:t>
+            </a:r>
+            <a:r>
+              <a:rPr lang="de-DE" dirty="0" smtClean="0"/>
+              <a:t> </a:t>
+            </a:r>
+            <a:r>
+              <a:rPr lang="de-DE" dirty="0" err="1" smtClean="0"/>
+              <a:t>actual</a:t>
+            </a:r>
+            <a:r>
+              <a:rPr lang="de-DE" baseline="0" dirty="0" smtClean="0"/>
+              <a:t> </a:t>
+            </a:r>
+            <a:r>
+              <a:rPr lang="de-DE" baseline="0" dirty="0" err="1" smtClean="0"/>
+              <a:t>status</a:t>
+            </a:r>
+            <a:r>
+              <a:rPr lang="de-DE" baseline="0" dirty="0" smtClean="0"/>
+              <a:t>, </a:t>
+            </a:r>
+            <a:r>
+              <a:rPr lang="de-DE" baseline="0" dirty="0" err="1" smtClean="0"/>
+              <a:t>can</a:t>
+            </a:r>
+            <a:r>
+              <a:rPr lang="de-DE" baseline="0" dirty="0" smtClean="0"/>
+              <a:t> </a:t>
+            </a:r>
+            <a:r>
+              <a:rPr lang="de-DE" baseline="0" dirty="0" err="1" smtClean="0"/>
+              <a:t>be</a:t>
+            </a:r>
+            <a:r>
+              <a:rPr lang="de-DE" baseline="0" dirty="0" smtClean="0"/>
+              <a:t> </a:t>
+            </a:r>
+            <a:r>
+              <a:rPr lang="de-DE" baseline="0" dirty="0" err="1" smtClean="0"/>
+              <a:t>embedded</a:t>
+            </a:r>
+            <a:r>
+              <a:rPr lang="de-DE" baseline="0" dirty="0" smtClean="0"/>
+              <a:t> </a:t>
+            </a:r>
+            <a:r>
+              <a:rPr lang="de-DE" baseline="0" dirty="0" err="1" smtClean="0"/>
+              <a:t>to</a:t>
+            </a:r>
+            <a:r>
+              <a:rPr lang="de-DE" baseline="0" dirty="0" smtClean="0"/>
+              <a:t> </a:t>
+            </a:r>
+            <a:r>
+              <a:rPr lang="de-DE" baseline="0" dirty="0" err="1" smtClean="0"/>
+              <a:t>other</a:t>
+            </a:r>
+            <a:r>
+              <a:rPr lang="de-DE" baseline="0" dirty="0" smtClean="0"/>
+              <a:t> </a:t>
+            </a:r>
+            <a:r>
+              <a:rPr lang="de-DE" baseline="0" dirty="0" err="1" smtClean="0"/>
+              <a:t>platforms</a:t>
+            </a:r>
+            <a:r>
+              <a:rPr lang="de-DE" baseline="0" dirty="0" smtClean="0"/>
+              <a:t> </a:t>
+            </a:r>
+            <a:r>
+              <a:rPr lang="de-DE" baseline="0" dirty="0" err="1" smtClean="0"/>
+              <a:t>aswell</a:t>
+            </a:r>
+            <a:endParaRPr lang="en-GB" dirty="0"/>
+          </a:p>
+        </p:txBody>
+      </p:sp>
+      <p:sp>
+        <p:nvSpPr>
+          <p:cNvPr id="4" name="Foliennummernplatzhalter 3"/>
+          <p:cNvSpPr>
+            <a:spLocks noGrp="1"/>
+          </p:cNvSpPr>
+          <p:nvPr>
+            <p:ph type="sldNum" sz="quarter" idx="10"/>
+          </p:nvPr>
+        </p:nvSpPr>
+        <p:spPr/>
+        <p:txBody>
+          <a:bodyPr/>
+          <a:lstStyle/>
+          <a:p>
+            <a:fld id="{E3F25372-0542-480F-B0CF-44A11105944C}" type="slidenum">
+              <a:rPr lang="en-GB" smtClean="0"/>
+              <a:t>16</a:t>
+            </a:fld>
+            <a:endParaRPr lang="en-GB"/>
+          </a:p>
+        </p:txBody>
+      </p:sp>
+    </p:spTree>
+    <p:extLst>
+      <p:ext uri="{BB962C8B-B14F-4D97-AF65-F5344CB8AC3E}">
+        <p14:creationId xmlns:p14="http://schemas.microsoft.com/office/powerpoint/2010/main" val="1909149081"/>
+      </p:ext>
+    </p:extLst>
+  </p:cSld>
+  <p:clrMapOvr>
+    <a:masterClrMapping/>
+  </p:clrMapOvr>
+</p:notes>
+</file>
+
+<file path=ppt/notesSlides/notesSlide9.xml><?xml version="1.0" encoding="utf-8"?>
+<p:notes xmlns:a="http://schemas.openxmlformats.org/drawingml/2006/main" xmlns:r="http://schemas.openxmlformats.org/officeDocument/2006/relationships" xmlns:p="http://schemas.openxmlformats.org/presentationml/2006/main">
+  <p:cSld>
+    <p:spTree>
+      <p:nvGrpSpPr>
+        <p:cNvPr id="1" name=""/>
+        <p:cNvGrpSpPr/>
+        <p:nvPr/>
+      </p:nvGrpSpPr>
+      <p:grpSpPr>
+        <a:xfrm>
+          <a:off x="0" y="0"/>
+          <a:ext cx="0" cy="0"/>
+          <a:chOff x="0" y="0"/>
+          <a:chExt cx="0" cy="0"/>
+        </a:xfrm>
+      </p:grpSpPr>
+      <p:sp>
+        <p:nvSpPr>
+          <p:cNvPr id="2" name="Folienbildplatzhalter 1"/>
+          <p:cNvSpPr>
+            <a:spLocks noGrp="1" noRot="1" noChangeAspect="1"/>
+          </p:cNvSpPr>
+          <p:nvPr>
+            <p:ph type="sldImg"/>
+          </p:nvPr>
+        </p:nvSpPr>
+        <p:spPr/>
+      </p:sp>
+      <p:sp>
+        <p:nvSpPr>
+          <p:cNvPr id="3" name="Notizenplatzhalter 2"/>
+          <p:cNvSpPr>
+            <a:spLocks noGrp="1"/>
+          </p:cNvSpPr>
+          <p:nvPr>
+            <p:ph type="body" idx="1"/>
+          </p:nvPr>
+        </p:nvSpPr>
+        <p:spPr/>
+        <p:txBody>
+          <a:bodyPr/>
+          <a:lstStyle/>
+          <a:p>
+            <a:endParaRPr lang="de-DE" dirty="0"/>
+          </a:p>
+        </p:txBody>
+      </p:sp>
+      <p:sp>
+        <p:nvSpPr>
+          <p:cNvPr id="4" name="Foliennummernplatzhalter 3"/>
+          <p:cNvSpPr>
+            <a:spLocks noGrp="1"/>
+          </p:cNvSpPr>
+          <p:nvPr>
+            <p:ph type="sldNum" sz="quarter" idx="10"/>
+          </p:nvPr>
+        </p:nvSpPr>
+        <p:spPr/>
+        <p:txBody>
+          <a:bodyPr/>
+          <a:lstStyle/>
+          <a:p>
+            <a:fld id="{E3F25372-0542-480F-B0CF-44A11105944C}" type="slidenum">
+              <a:rPr lang="en-GB" smtClean="0"/>
+              <a:t>18</a:t>
+            </a:fld>
+            <a:endParaRPr lang="en-GB"/>
+          </a:p>
+        </p:txBody>
+      </p:sp>
+    </p:spTree>
+    <p:extLst>
+      <p:ext uri="{BB962C8B-B14F-4D97-AF65-F5344CB8AC3E}">
+        <p14:creationId xmlns:p14="http://schemas.microsoft.com/office/powerpoint/2010/main" val="3548508005"/>
       </p:ext>
     </p:extLst>
   </p:cSld>
@@ -1504,7 +2428,7 @@
             <a:fld id="{B61BEF0D-F0BB-DE4B-95CE-6DB70DBA9567}" type="datetimeFigureOut">
               <a:rPr lang="en-US" dirty="0"/>
               <a:pPr/>
-              <a:t>12/10/2015</a:t>
+              <a:t>6/6/2016</a:t>
             </a:fld>
             <a:endParaRPr lang="en-US" dirty="0"/>
           </a:p>
@@ -1797,7 +2721,7 @@
             <a:fld id="{B61BEF0D-F0BB-DE4B-95CE-6DB70DBA9567}" type="datetimeFigureOut">
               <a:rPr lang="en-US" dirty="0"/>
               <a:pPr/>
-              <a:t>12/10/2015</a:t>
+              <a:t>6/6/2016</a:t>
             </a:fld>
             <a:endParaRPr lang="en-US" dirty="0"/>
           </a:p>
@@ -2042,7 +2966,7 @@
             <a:fld id="{B61BEF0D-F0BB-DE4B-95CE-6DB70DBA9567}" type="datetimeFigureOut">
               <a:rPr lang="en-US" dirty="0"/>
               <a:pPr/>
-              <a:t>12/10/2015</a:t>
+              <a:t>6/6/2016</a:t>
             </a:fld>
             <a:endParaRPr lang="en-US" dirty="0"/>
           </a:p>
@@ -2579,7 +3503,7 @@
             <a:fld id="{B61BEF0D-F0BB-DE4B-95CE-6DB70DBA9567}" type="datetimeFigureOut">
               <a:rPr lang="en-US" dirty="0"/>
               <a:pPr/>
-              <a:t>12/10/2015</a:t>
+              <a:t>6/6/2016</a:t>
             </a:fld>
             <a:endParaRPr lang="en-US" dirty="0"/>
           </a:p>
@@ -2824,7 +3748,7 @@
             <a:fld id="{B61BEF0D-F0BB-DE4B-95CE-6DB70DBA9567}" type="datetimeFigureOut">
               <a:rPr lang="en-US" dirty="0"/>
               <a:pPr/>
-              <a:t>12/10/2015</a:t>
+              <a:t>6/6/2016</a:t>
             </a:fld>
             <a:endParaRPr lang="en-US" dirty="0"/>
           </a:p>
@@ -3353,7 +4277,7 @@
             <a:fld id="{B61BEF0D-F0BB-DE4B-95CE-6DB70DBA9567}" type="datetimeFigureOut">
               <a:rPr lang="en-US" dirty="0"/>
               <a:pPr/>
-              <a:t>12/10/2015</a:t>
+              <a:t>6/6/2016</a:t>
             </a:fld>
             <a:endParaRPr lang="en-US" dirty="0"/>
           </a:p>
@@ -3647,7 +4571,7 @@
             <a:fld id="{B61BEF0D-F0BB-DE4B-95CE-6DB70DBA9567}" type="datetimeFigureOut">
               <a:rPr lang="en-US" dirty="0"/>
               <a:pPr/>
-              <a:t>12/10/2015</a:t>
+              <a:t>6/6/2016</a:t>
             </a:fld>
             <a:endParaRPr lang="en-US" dirty="0"/>
           </a:p>
@@ -3818,7 +4742,7 @@
             <a:fld id="{B61BEF0D-F0BB-DE4B-95CE-6DB70DBA9567}" type="datetimeFigureOut">
               <a:rPr lang="en-US" dirty="0"/>
               <a:pPr/>
-              <a:t>12/10/2015</a:t>
+              <a:t>6/6/2016</a:t>
             </a:fld>
             <a:endParaRPr lang="en-US" dirty="0"/>
           </a:p>
@@ -3995,7 +4919,7 @@
             <a:fld id="{B61BEF0D-F0BB-DE4B-95CE-6DB70DBA9567}" type="datetimeFigureOut">
               <a:rPr lang="en-US" dirty="0"/>
               <a:pPr/>
-              <a:t>12/10/2015</a:t>
+              <a:t>6/6/2016</a:t>
             </a:fld>
             <a:endParaRPr lang="en-US" dirty="0"/>
           </a:p>
@@ -4162,7 +5086,7 @@
             <a:fld id="{B61BEF0D-F0BB-DE4B-95CE-6DB70DBA9567}" type="datetimeFigureOut">
               <a:rPr lang="en-US" dirty="0"/>
               <a:pPr/>
-              <a:t>12/10/2015</a:t>
+              <a:t>6/6/2016</a:t>
             </a:fld>
             <a:endParaRPr lang="en-US" dirty="0"/>
           </a:p>
@@ -4410,7 +5334,7 @@
             <a:fld id="{B61BEF0D-F0BB-DE4B-95CE-6DB70DBA9567}" type="datetimeFigureOut">
               <a:rPr lang="en-US" dirty="0"/>
               <a:pPr/>
-              <a:t>12/10/2015</a:t>
+              <a:t>6/6/2016</a:t>
             </a:fld>
             <a:endParaRPr lang="en-US" dirty="0"/>
           </a:p>
@@ -4704,7 +5628,7 @@
             <a:fld id="{B61BEF0D-F0BB-DE4B-95CE-6DB70DBA9567}" type="datetimeFigureOut">
               <a:rPr lang="en-US" dirty="0"/>
               <a:pPr/>
-              <a:t>12/10/2015</a:t>
+              <a:t>6/6/2016</a:t>
             </a:fld>
             <a:endParaRPr lang="en-US" dirty="0"/>
           </a:p>
@@ -5143,7 +6067,7 @@
             <a:fld id="{B61BEF0D-F0BB-DE4B-95CE-6DB70DBA9567}" type="datetimeFigureOut">
               <a:rPr lang="en-US" dirty="0"/>
               <a:pPr/>
-              <a:t>12/10/2015</a:t>
+              <a:t>6/6/2016</a:t>
             </a:fld>
             <a:endParaRPr lang="en-US" dirty="0"/>
           </a:p>
@@ -5258,7 +6182,7 @@
             <a:fld id="{B61BEF0D-F0BB-DE4B-95CE-6DB70DBA9567}" type="datetimeFigureOut">
               <a:rPr lang="en-US" dirty="0"/>
               <a:pPr/>
-              <a:t>12/10/2015</a:t>
+              <a:t>6/6/2016</a:t>
             </a:fld>
             <a:endParaRPr lang="en-US" dirty="0"/>
           </a:p>
@@ -5350,7 +6274,7 @@
             <a:fld id="{B61BEF0D-F0BB-DE4B-95CE-6DB70DBA9567}" type="datetimeFigureOut">
               <a:rPr lang="en-US" dirty="0"/>
               <a:pPr/>
-              <a:t>12/10/2015</a:t>
+              <a:t>6/6/2016</a:t>
             </a:fld>
             <a:endParaRPr lang="en-US" dirty="0"/>
           </a:p>
@@ -5630,7 +6554,7 @@
             <a:fld id="{B61BEF0D-F0BB-DE4B-95CE-6DB70DBA9567}" type="datetimeFigureOut">
               <a:rPr lang="en-US" dirty="0"/>
               <a:pPr/>
-              <a:t>12/10/2015</a:t>
+              <a:t>6/6/2016</a:t>
             </a:fld>
             <a:endParaRPr lang="en-US" dirty="0"/>
           </a:p>
@@ -5918,7 +6842,7 @@
             <a:fld id="{B61BEF0D-F0BB-DE4B-95CE-6DB70DBA9567}" type="datetimeFigureOut">
               <a:rPr lang="en-US" dirty="0"/>
               <a:pPr/>
-              <a:t>12/10/2015</a:t>
+              <a:t>6/6/2016</a:t>
             </a:fld>
             <a:endParaRPr lang="en-US" dirty="0"/>
           </a:p>
@@ -6445,7 +7369,7 @@
             <a:fld id="{B61BEF0D-F0BB-DE4B-95CE-6DB70DBA9567}" type="datetimeFigureOut">
               <a:rPr lang="en-US" dirty="0"/>
               <a:pPr/>
-              <a:t>12/10/2015</a:t>
+              <a:t>6/6/2016</a:t>
             </a:fld>
             <a:endParaRPr lang="en-US" dirty="0"/>
           </a:p>
@@ -7133,18 +8057,1040 @@
           <a:lstStyle/>
           <a:p>
             <a:r>
+              <a:rPr lang="en-GB" dirty="0" smtClean="0"/>
+              <a:t>Project Management</a:t>
+            </a:r>
+            <a:endParaRPr lang="en-GB" dirty="0"/>
+          </a:p>
+        </p:txBody>
+      </p:sp>
+      <p:sp>
+        <p:nvSpPr>
+          <p:cNvPr id="3" name="Inhaltsplatzhalter 2"/>
+          <p:cNvSpPr>
+            <a:spLocks noGrp="1"/>
+          </p:cNvSpPr>
+          <p:nvPr>
+            <p:ph idx="1"/>
+          </p:nvPr>
+        </p:nvSpPr>
+        <p:spPr/>
+        <p:txBody>
+          <a:bodyPr anchor="t"/>
+          <a:lstStyle/>
+          <a:p>
+            <a:r>
+              <a:rPr lang="de-DE" dirty="0" err="1" smtClean="0"/>
+              <a:t>Jira</a:t>
+            </a:r>
+            <a:r>
               <a:rPr lang="de-DE" dirty="0" smtClean="0"/>
-              <a:t>Entity </a:t>
+              <a:t> </a:t>
             </a:r>
             <a:r>
               <a:rPr lang="de-DE" dirty="0" err="1" smtClean="0"/>
-              <a:t>Relationship</a:t>
+              <a:t>as</a:t>
             </a:r>
             <a:r>
               <a:rPr lang="de-DE" dirty="0" smtClean="0"/>
-              <a:t> Model</a:t>
+              <a:t> </a:t>
+            </a:r>
+            <a:r>
+              <a:rPr lang="en-GB" dirty="0" smtClean="0"/>
+              <a:t>preferred</a:t>
+            </a:r>
+            <a:r>
+              <a:rPr lang="de-DE" dirty="0" smtClean="0"/>
+              <a:t> </a:t>
+            </a:r>
+            <a:r>
+              <a:rPr lang="de-DE" dirty="0" err="1" smtClean="0"/>
+              <a:t>platform</a:t>
+            </a:r>
+            <a:endParaRPr lang="de-DE" dirty="0" smtClean="0"/>
+          </a:p>
+          <a:p>
+            <a:pPr lvl="1"/>
+            <a:r>
+              <a:rPr lang="de-DE" dirty="0" smtClean="0"/>
+              <a:t>Optimal </a:t>
+            </a:r>
+            <a:r>
+              <a:rPr lang="de-DE" dirty="0" err="1" smtClean="0"/>
+              <a:t>for</a:t>
+            </a:r>
+            <a:r>
+              <a:rPr lang="de-DE" dirty="0" smtClean="0"/>
+              <a:t> Agile </a:t>
+            </a:r>
+            <a:r>
+              <a:rPr lang="de-DE" dirty="0" err="1" smtClean="0"/>
+              <a:t>Developement</a:t>
+            </a:r>
+            <a:endParaRPr lang="de-DE" dirty="0" smtClean="0"/>
+          </a:p>
+          <a:p>
+            <a:pPr lvl="1"/>
+            <a:r>
+              <a:rPr lang="de-DE" dirty="0" err="1" smtClean="0"/>
+              <a:t>Statistics</a:t>
+            </a:r>
+            <a:r>
+              <a:rPr lang="de-DE" dirty="0" smtClean="0"/>
+              <a:t> </a:t>
+            </a:r>
+            <a:r>
+              <a:rPr lang="de-DE" dirty="0" err="1" smtClean="0"/>
+              <a:t>and</a:t>
+            </a:r>
+            <a:r>
+              <a:rPr lang="de-DE" dirty="0" smtClean="0"/>
+              <a:t> </a:t>
+            </a:r>
+            <a:r>
+              <a:rPr lang="de-DE" dirty="0" err="1" smtClean="0"/>
+              <a:t>Diagrams</a:t>
+            </a:r>
+            <a:r>
+              <a:rPr lang="de-DE" dirty="0" smtClean="0"/>
+              <a:t> like a </a:t>
+            </a:r>
+            <a:r>
+              <a:rPr lang="de-DE" dirty="0" err="1" smtClean="0"/>
+              <a:t>Burndown</a:t>
+            </a:r>
+            <a:r>
+              <a:rPr lang="de-DE" dirty="0" smtClean="0"/>
+              <a:t> </a:t>
+            </a:r>
+            <a:r>
+              <a:rPr lang="de-DE" dirty="0" smtClean="0"/>
+              <a:t>Chart</a:t>
+            </a:r>
+          </a:p>
+          <a:p>
+            <a:r>
+              <a:rPr lang="de-DE" dirty="0"/>
+              <a:t>Iterative </a:t>
+            </a:r>
+            <a:r>
+              <a:rPr lang="de-DE" dirty="0" err="1"/>
+              <a:t>Process</a:t>
+            </a:r>
+            <a:endParaRPr lang="de-DE" dirty="0"/>
+          </a:p>
+          <a:p>
+            <a:r>
+              <a:rPr lang="de-DE" dirty="0" err="1"/>
+              <a:t>Ready</a:t>
+            </a:r>
+            <a:r>
+              <a:rPr lang="de-DE" dirty="0"/>
+              <a:t> </a:t>
+            </a:r>
+            <a:r>
+              <a:rPr lang="de-DE" dirty="0" err="1"/>
+              <a:t>for</a:t>
+            </a:r>
+            <a:r>
+              <a:rPr lang="de-DE" dirty="0"/>
+              <a:t> </a:t>
+            </a:r>
+            <a:r>
+              <a:rPr lang="de-DE" dirty="0">
+                <a:solidFill>
+                  <a:srgbClr val="FF0000"/>
+                </a:solidFill>
+              </a:rPr>
+              <a:t>YOUR</a:t>
+            </a:r>
+            <a:r>
+              <a:rPr lang="de-DE" dirty="0"/>
+              <a:t> </a:t>
+            </a:r>
+            <a:r>
+              <a:rPr lang="de-DE" dirty="0" err="1"/>
+              <a:t>Wishes</a:t>
+            </a:r>
+            <a:r>
+              <a:rPr lang="de-DE" dirty="0"/>
+              <a:t>!</a:t>
             </a:r>
             <a:endParaRPr lang="en-GB" dirty="0"/>
+          </a:p>
+          <a:p>
+            <a:pPr lvl="1"/>
+            <a:endParaRPr lang="de-DE" dirty="0"/>
+          </a:p>
+        </p:txBody>
+      </p:sp>
+      <p:pic>
+        <p:nvPicPr>
+          <p:cNvPr id="4" name="Grafik 3"/>
+          <p:cNvPicPr>
+            <a:picLocks noChangeAspect="1"/>
+          </p:cNvPicPr>
+          <p:nvPr/>
+        </p:nvPicPr>
+        <p:blipFill>
+          <a:blip r:embed="rId3"/>
+          <a:stretch>
+            <a:fillRect/>
+          </a:stretch>
+        </p:blipFill>
+        <p:spPr>
+          <a:xfrm>
+            <a:off x="7892142" y="2666999"/>
+            <a:ext cx="1792061" cy="1792061"/>
+          </a:xfrm>
+          <a:prstGeom prst="rect">
+            <a:avLst/>
+          </a:prstGeom>
+        </p:spPr>
+      </p:pic>
+    </p:spTree>
+    <p:extLst>
+      <p:ext uri="{BB962C8B-B14F-4D97-AF65-F5344CB8AC3E}">
+        <p14:creationId xmlns:p14="http://schemas.microsoft.com/office/powerpoint/2010/main" val="136244323"/>
+      </p:ext>
+    </p:extLst>
+  </p:cSld>
+  <p:clrMapOvr>
+    <a:masterClrMapping/>
+  </p:clrMapOvr>
+  <p:transition spd="slow">
+    <p:push dir="u"/>
+  </p:transition>
+  <p:timing>
+    <p:tnLst>
+      <p:par>
+        <p:cTn id="1" dur="indefinite" restart="never" nodeType="tmRoot">
+          <p:childTnLst>
+            <p:seq concurrent="1" nextAc="seek">
+              <p:cTn id="2" dur="indefinite" nodeType="mainSeq">
+                <p:childTnLst>
+                  <p:par>
+                    <p:cTn id="3" fill="hold">
+                      <p:stCondLst>
+                        <p:cond delay="indefinite"/>
+                      </p:stCondLst>
+                      <p:childTnLst>
+                        <p:par>
+                          <p:cTn id="4" fill="hold">
+                            <p:stCondLst>
+                              <p:cond delay="0"/>
+                            </p:stCondLst>
+                            <p:childTnLst>
+                              <p:par>
+                                <p:cTn id="5" presetID="1" presetClass="entr" presetSubtype="0" fill="hold" nodeType="clickEffect">
+                                  <p:stCondLst>
+                                    <p:cond delay="0"/>
+                                  </p:stCondLst>
+                                  <p:childTnLst>
+                                    <p:set>
+                                      <p:cBhvr>
+                                        <p:cTn id="6" dur="1" fill="hold">
+                                          <p:stCondLst>
+                                            <p:cond delay="0"/>
+                                          </p:stCondLst>
+                                        </p:cTn>
+                                        <p:tgtEl>
+                                          <p:spTgt spid="3">
+                                            <p:txEl>
+                                              <p:pRg st="1" end="1"/>
+                                            </p:txEl>
+                                          </p:spTgt>
+                                        </p:tgtEl>
+                                        <p:attrNameLst>
+                                          <p:attrName>style.visibility</p:attrName>
+                                        </p:attrNameLst>
+                                      </p:cBhvr>
+                                      <p:to>
+                                        <p:strVal val="visible"/>
+                                      </p:to>
+                                    </p:set>
+                                  </p:childTnLst>
+                                </p:cTn>
+                              </p:par>
+                            </p:childTnLst>
+                          </p:cTn>
+                        </p:par>
+                      </p:childTnLst>
+                    </p:cTn>
+                  </p:par>
+                  <p:par>
+                    <p:cTn id="7" fill="hold">
+                      <p:stCondLst>
+                        <p:cond delay="indefinite"/>
+                      </p:stCondLst>
+                      <p:childTnLst>
+                        <p:par>
+                          <p:cTn id="8" fill="hold">
+                            <p:stCondLst>
+                              <p:cond delay="0"/>
+                            </p:stCondLst>
+                            <p:childTnLst>
+                              <p:par>
+                                <p:cTn id="9" presetID="1" presetClass="entr" presetSubtype="0" fill="hold" nodeType="clickEffect">
+                                  <p:stCondLst>
+                                    <p:cond delay="0"/>
+                                  </p:stCondLst>
+                                  <p:childTnLst>
+                                    <p:set>
+                                      <p:cBhvr>
+                                        <p:cTn id="10" dur="1" fill="hold">
+                                          <p:stCondLst>
+                                            <p:cond delay="0"/>
+                                          </p:stCondLst>
+                                        </p:cTn>
+                                        <p:tgtEl>
+                                          <p:spTgt spid="3">
+                                            <p:txEl>
+                                              <p:pRg st="2" end="2"/>
+                                            </p:txEl>
+                                          </p:spTgt>
+                                        </p:tgtEl>
+                                        <p:attrNameLst>
+                                          <p:attrName>style.visibility</p:attrName>
+                                        </p:attrNameLst>
+                                      </p:cBhvr>
+                                      <p:to>
+                                        <p:strVal val="visible"/>
+                                      </p:to>
+                                    </p:set>
+                                  </p:childTnLst>
+                                </p:cTn>
+                              </p:par>
+                            </p:childTnLst>
+                          </p:cTn>
+                        </p:par>
+                      </p:childTnLst>
+                    </p:cTn>
+                  </p:par>
+                  <p:par>
+                    <p:cTn id="11" fill="hold">
+                      <p:stCondLst>
+                        <p:cond delay="indefinite"/>
+                      </p:stCondLst>
+                      <p:childTnLst>
+                        <p:par>
+                          <p:cTn id="12" fill="hold">
+                            <p:stCondLst>
+                              <p:cond delay="0"/>
+                            </p:stCondLst>
+                            <p:childTnLst>
+                              <p:par>
+                                <p:cTn id="13" presetID="1" presetClass="entr" presetSubtype="0" fill="hold" nodeType="clickEffect">
+                                  <p:stCondLst>
+                                    <p:cond delay="0"/>
+                                  </p:stCondLst>
+                                  <p:childTnLst>
+                                    <p:set>
+                                      <p:cBhvr>
+                                        <p:cTn id="14" dur="1" fill="hold">
+                                          <p:stCondLst>
+                                            <p:cond delay="0"/>
+                                          </p:stCondLst>
+                                        </p:cTn>
+                                        <p:tgtEl>
+                                          <p:spTgt spid="3">
+                                            <p:txEl>
+                                              <p:pRg st="3" end="3"/>
+                                            </p:txEl>
+                                          </p:spTgt>
+                                        </p:tgtEl>
+                                        <p:attrNameLst>
+                                          <p:attrName>style.visibility</p:attrName>
+                                        </p:attrNameLst>
+                                      </p:cBhvr>
+                                      <p:to>
+                                        <p:strVal val="visible"/>
+                                      </p:to>
+                                    </p:set>
+                                  </p:childTnLst>
+                                </p:cTn>
+                              </p:par>
+                            </p:childTnLst>
+                          </p:cTn>
+                        </p:par>
+                      </p:childTnLst>
+                    </p:cTn>
+                  </p:par>
+                  <p:par>
+                    <p:cTn id="15" fill="hold">
+                      <p:stCondLst>
+                        <p:cond delay="indefinite"/>
+                      </p:stCondLst>
+                      <p:childTnLst>
+                        <p:par>
+                          <p:cTn id="16" fill="hold">
+                            <p:stCondLst>
+                              <p:cond delay="0"/>
+                            </p:stCondLst>
+                            <p:childTnLst>
+                              <p:par>
+                                <p:cTn id="17" presetID="1" presetClass="entr" presetSubtype="0" fill="hold" nodeType="clickEffect">
+                                  <p:stCondLst>
+                                    <p:cond delay="0"/>
+                                  </p:stCondLst>
+                                  <p:childTnLst>
+                                    <p:set>
+                                      <p:cBhvr>
+                                        <p:cTn id="18" dur="1" fill="hold">
+                                          <p:stCondLst>
+                                            <p:cond delay="0"/>
+                                          </p:stCondLst>
+                                        </p:cTn>
+                                        <p:tgtEl>
+                                          <p:spTgt spid="3">
+                                            <p:txEl>
+                                              <p:pRg st="4" end="4"/>
+                                            </p:txEl>
+                                          </p:spTgt>
+                                        </p:tgtEl>
+                                        <p:attrNameLst>
+                                          <p:attrName>style.visibility</p:attrName>
+                                        </p:attrNameLst>
+                                      </p:cBhvr>
+                                      <p:to>
+                                        <p:strVal val="visible"/>
+                                      </p:to>
+                                    </p:set>
+                                  </p:childTnLst>
+                                </p:cTn>
+                              </p:par>
+                            </p:childTnLst>
+                          </p:cTn>
+                        </p:par>
+                      </p:childTnLst>
+                    </p:cTn>
+                  </p:par>
+                </p:childTnLst>
+              </p:cTn>
+              <p:prevCondLst>
+                <p:cond evt="onPrev" delay="0">
+                  <p:tgtEl>
+                    <p:sldTgt/>
+                  </p:tgtEl>
+                </p:cond>
+              </p:prevCondLst>
+              <p:nextCondLst>
+                <p:cond evt="onNext" delay="0">
+                  <p:tgtEl>
+                    <p:sldTgt/>
+                  </p:tgtEl>
+                </p:cond>
+              </p:nextCondLst>
+            </p:seq>
+          </p:childTnLst>
+        </p:cTn>
+      </p:par>
+    </p:tnLst>
+  </p:timing>
+</p:sld>
+</file>
+
+<file path=ppt/slides/slide11.xml><?xml version="1.0" encoding="utf-8"?>
+<p:sld xmlns:a="http://schemas.openxmlformats.org/drawingml/2006/main" xmlns:r="http://schemas.openxmlformats.org/officeDocument/2006/relationships" xmlns:p="http://schemas.openxmlformats.org/presentationml/2006/main">
+  <p:cSld>
+    <p:spTree>
+      <p:nvGrpSpPr>
+        <p:cNvPr id="1" name=""/>
+        <p:cNvGrpSpPr/>
+        <p:nvPr/>
+      </p:nvGrpSpPr>
+      <p:grpSpPr>
+        <a:xfrm>
+          <a:off x="0" y="0"/>
+          <a:ext cx="0" cy="0"/>
+          <a:chOff x="0" y="0"/>
+          <a:chExt cx="0" cy="0"/>
+        </a:xfrm>
+      </p:grpSpPr>
+      <p:sp>
+        <p:nvSpPr>
+          <p:cNvPr id="2" name="Titel 1"/>
+          <p:cNvSpPr>
+            <a:spLocks noGrp="1"/>
+          </p:cNvSpPr>
+          <p:nvPr>
+            <p:ph type="title"/>
+          </p:nvPr>
+        </p:nvSpPr>
+        <p:spPr/>
+        <p:txBody>
+          <a:bodyPr/>
+          <a:lstStyle/>
+          <a:p>
+            <a:r>
+              <a:rPr lang="en-GB" dirty="0" smtClean="0"/>
+              <a:t>Project Management</a:t>
+            </a:r>
+            <a:endParaRPr lang="en-GB" dirty="0"/>
+          </a:p>
+        </p:txBody>
+      </p:sp>
+      <p:sp>
+        <p:nvSpPr>
+          <p:cNvPr id="3" name="Inhaltsplatzhalter 2"/>
+          <p:cNvSpPr>
+            <a:spLocks noGrp="1"/>
+          </p:cNvSpPr>
+          <p:nvPr>
+            <p:ph idx="1"/>
+          </p:nvPr>
+        </p:nvSpPr>
+        <p:spPr/>
+        <p:txBody>
+          <a:bodyPr anchor="t"/>
+          <a:lstStyle/>
+          <a:p>
+            <a:r>
+              <a:rPr lang="de-DE" dirty="0" err="1" smtClean="0"/>
+              <a:t>Jira</a:t>
+            </a:r>
+            <a:r>
+              <a:rPr lang="de-DE" dirty="0" smtClean="0"/>
+              <a:t> </a:t>
+            </a:r>
+            <a:r>
+              <a:rPr lang="de-DE" dirty="0" err="1" smtClean="0"/>
+              <a:t>as</a:t>
+            </a:r>
+            <a:r>
+              <a:rPr lang="de-DE" dirty="0" smtClean="0"/>
+              <a:t> </a:t>
+            </a:r>
+            <a:r>
+              <a:rPr lang="en-GB" dirty="0" smtClean="0"/>
+              <a:t>preferred</a:t>
+            </a:r>
+            <a:r>
+              <a:rPr lang="de-DE" dirty="0" smtClean="0"/>
+              <a:t> </a:t>
+            </a:r>
+            <a:r>
+              <a:rPr lang="de-DE" dirty="0" err="1" smtClean="0"/>
+              <a:t>platform</a:t>
+            </a:r>
+            <a:endParaRPr lang="de-DE" dirty="0" smtClean="0"/>
+          </a:p>
+          <a:p>
+            <a:pPr lvl="1"/>
+            <a:r>
+              <a:rPr lang="de-DE" dirty="0" smtClean="0"/>
+              <a:t>Optimal </a:t>
+            </a:r>
+            <a:r>
+              <a:rPr lang="de-DE" dirty="0" err="1" smtClean="0"/>
+              <a:t>for</a:t>
+            </a:r>
+            <a:r>
+              <a:rPr lang="de-DE" dirty="0" smtClean="0"/>
+              <a:t> Agile </a:t>
+            </a:r>
+            <a:r>
+              <a:rPr lang="de-DE" dirty="0" err="1" smtClean="0"/>
+              <a:t>Developement</a:t>
+            </a:r>
+            <a:endParaRPr lang="de-DE" dirty="0" smtClean="0"/>
+          </a:p>
+          <a:p>
+            <a:pPr lvl="1"/>
+            <a:r>
+              <a:rPr lang="de-DE" dirty="0" err="1" smtClean="0"/>
+              <a:t>Statistics</a:t>
+            </a:r>
+            <a:r>
+              <a:rPr lang="de-DE" dirty="0" smtClean="0"/>
+              <a:t> </a:t>
+            </a:r>
+            <a:r>
+              <a:rPr lang="de-DE" dirty="0" err="1" smtClean="0"/>
+              <a:t>and</a:t>
+            </a:r>
+            <a:r>
+              <a:rPr lang="de-DE" dirty="0" smtClean="0"/>
+              <a:t> </a:t>
+            </a:r>
+            <a:r>
+              <a:rPr lang="de-DE" dirty="0" err="1" smtClean="0"/>
+              <a:t>Diagrams</a:t>
+            </a:r>
+            <a:r>
+              <a:rPr lang="de-DE" dirty="0" smtClean="0"/>
+              <a:t> like a </a:t>
+            </a:r>
+            <a:r>
+              <a:rPr lang="de-DE" dirty="0" err="1" smtClean="0"/>
+              <a:t>Burndown</a:t>
+            </a:r>
+            <a:r>
+              <a:rPr lang="de-DE" dirty="0" smtClean="0"/>
+              <a:t> </a:t>
+            </a:r>
+            <a:r>
+              <a:rPr lang="de-DE" dirty="0" smtClean="0"/>
+              <a:t>Chart</a:t>
+            </a:r>
+          </a:p>
+          <a:p>
+            <a:r>
+              <a:rPr lang="de-DE" dirty="0"/>
+              <a:t>Iterative </a:t>
+            </a:r>
+            <a:r>
+              <a:rPr lang="de-DE" dirty="0" err="1"/>
+              <a:t>Process</a:t>
+            </a:r>
+            <a:endParaRPr lang="de-DE" dirty="0"/>
+          </a:p>
+          <a:p>
+            <a:r>
+              <a:rPr lang="de-DE" dirty="0" err="1"/>
+              <a:t>Ready</a:t>
+            </a:r>
+            <a:r>
+              <a:rPr lang="de-DE" dirty="0"/>
+              <a:t> </a:t>
+            </a:r>
+            <a:r>
+              <a:rPr lang="de-DE" dirty="0" err="1"/>
+              <a:t>for</a:t>
+            </a:r>
+            <a:r>
+              <a:rPr lang="de-DE" dirty="0"/>
+              <a:t> </a:t>
+            </a:r>
+            <a:r>
+              <a:rPr lang="de-DE" dirty="0">
+                <a:solidFill>
+                  <a:srgbClr val="FF0000"/>
+                </a:solidFill>
+              </a:rPr>
+              <a:t>YOUR</a:t>
+            </a:r>
+            <a:r>
+              <a:rPr lang="de-DE" dirty="0"/>
+              <a:t> </a:t>
+            </a:r>
+            <a:r>
+              <a:rPr lang="de-DE" dirty="0" err="1"/>
+              <a:t>Wishes</a:t>
+            </a:r>
+            <a:r>
+              <a:rPr lang="de-DE" dirty="0"/>
+              <a:t>!</a:t>
+            </a:r>
+            <a:endParaRPr lang="en-GB" dirty="0"/>
+          </a:p>
+          <a:p>
+            <a:pPr lvl="1"/>
+            <a:endParaRPr lang="de-DE" dirty="0"/>
+          </a:p>
+        </p:txBody>
+      </p:sp>
+      <p:pic>
+        <p:nvPicPr>
+          <p:cNvPr id="4" name="Grafik 3"/>
+          <p:cNvPicPr>
+            <a:picLocks noChangeAspect="1"/>
+          </p:cNvPicPr>
+          <p:nvPr/>
+        </p:nvPicPr>
+        <p:blipFill>
+          <a:blip r:embed="rId3"/>
+          <a:stretch>
+            <a:fillRect/>
+          </a:stretch>
+        </p:blipFill>
+        <p:spPr>
+          <a:xfrm>
+            <a:off x="7892142" y="2666999"/>
+            <a:ext cx="1792061" cy="1792061"/>
+          </a:xfrm>
+          <a:prstGeom prst="rect">
+            <a:avLst/>
+          </a:prstGeom>
+        </p:spPr>
+      </p:pic>
+      <p:pic>
+        <p:nvPicPr>
+          <p:cNvPr id="5" name="Grafik 4"/>
+          <p:cNvPicPr>
+            <a:picLocks noChangeAspect="1"/>
+          </p:cNvPicPr>
+          <p:nvPr/>
+        </p:nvPicPr>
+        <p:blipFill>
+          <a:blip r:embed="rId4">
+            <a:extLst>
+              <a:ext uri="{28A0092B-C50C-407E-A947-70E740481C1C}">
+                <a14:useLocalDpi xmlns:a14="http://schemas.microsoft.com/office/drawing/2010/main" val="0"/>
+              </a:ext>
+            </a:extLst>
+          </a:blip>
+          <a:stretch>
+            <a:fillRect/>
+          </a:stretch>
+        </p:blipFill>
+        <p:spPr>
+          <a:xfrm rot="20630604">
+            <a:off x="435381" y="991490"/>
+            <a:ext cx="9616093" cy="3122416"/>
+          </a:xfrm>
+          <a:prstGeom prst="rect">
+            <a:avLst/>
+          </a:prstGeom>
+        </p:spPr>
+      </p:pic>
+      <p:pic>
+        <p:nvPicPr>
+          <p:cNvPr id="6" name="Grafik 5"/>
+          <p:cNvPicPr>
+            <a:picLocks noChangeAspect="1"/>
+          </p:cNvPicPr>
+          <p:nvPr/>
+        </p:nvPicPr>
+        <p:blipFill>
+          <a:blip r:embed="rId5">
+            <a:extLst>
+              <a:ext uri="{28A0092B-C50C-407E-A947-70E740481C1C}">
+                <a14:useLocalDpi xmlns:a14="http://schemas.microsoft.com/office/drawing/2010/main" val="0"/>
+              </a:ext>
+            </a:extLst>
+          </a:blip>
+          <a:stretch>
+            <a:fillRect/>
+          </a:stretch>
+        </p:blipFill>
+        <p:spPr>
+          <a:xfrm rot="820693">
+            <a:off x="3414597" y="2513822"/>
+            <a:ext cx="7796645" cy="2098415"/>
+          </a:xfrm>
+          <a:prstGeom prst="rect">
+            <a:avLst/>
+          </a:prstGeom>
+        </p:spPr>
+      </p:pic>
+    </p:spTree>
+    <p:extLst>
+      <p:ext uri="{BB962C8B-B14F-4D97-AF65-F5344CB8AC3E}">
+        <p14:creationId xmlns:p14="http://schemas.microsoft.com/office/powerpoint/2010/main" val="83304077"/>
+      </p:ext>
+    </p:extLst>
+  </p:cSld>
+  <p:clrMapOvr>
+    <a:masterClrMapping/>
+  </p:clrMapOvr>
+  <mc:AlternateContent xmlns:mc="http://schemas.openxmlformats.org/markup-compatibility/2006">
+    <mc:Choice xmlns:p14="http://schemas.microsoft.com/office/powerpoint/2010/main" Requires="p14">
+      <p:transition p14:dur="0"/>
+    </mc:Choice>
+    <mc:Fallback>
+      <p:transition/>
+    </mc:Fallback>
+  </mc:AlternateContent>
+  <p:timing>
+    <p:tnLst>
+      <p:par>
+        <p:cTn id="1" dur="indefinite" restart="never" nodeType="tmRoot">
+          <p:childTnLst>
+            <p:seq concurrent="1" nextAc="seek">
+              <p:cTn id="2" dur="indefinite" nodeType="mainSeq">
+                <p:childTnLst>
+                  <p:par>
+                    <p:cTn id="3" fill="hold">
+                      <p:stCondLst>
+                        <p:cond delay="indefinite"/>
+                      </p:stCondLst>
+                      <p:childTnLst>
+                        <p:par>
+                          <p:cTn id="4" fill="hold">
+                            <p:stCondLst>
+                              <p:cond delay="0"/>
+                            </p:stCondLst>
+                            <p:childTnLst>
+                              <p:par>
+                                <p:cTn id="5" presetID="1" presetClass="entr" presetSubtype="0" fill="hold" nodeType="clickEffect">
+                                  <p:stCondLst>
+                                    <p:cond delay="0"/>
+                                  </p:stCondLst>
+                                  <p:childTnLst>
+                                    <p:set>
+                                      <p:cBhvr>
+                                        <p:cTn id="6" dur="1" fill="hold">
+                                          <p:stCondLst>
+                                            <p:cond delay="0"/>
+                                          </p:stCondLst>
+                                        </p:cTn>
+                                        <p:tgtEl>
+                                          <p:spTgt spid="6"/>
+                                        </p:tgtEl>
+                                        <p:attrNameLst>
+                                          <p:attrName>style.visibility</p:attrName>
+                                        </p:attrNameLst>
+                                      </p:cBhvr>
+                                      <p:to>
+                                        <p:strVal val="visible"/>
+                                      </p:to>
+                                    </p:set>
+                                  </p:childTnLst>
+                                </p:cTn>
+                              </p:par>
+                            </p:childTnLst>
+                          </p:cTn>
+                        </p:par>
+                      </p:childTnLst>
+                    </p:cTn>
+                  </p:par>
+                </p:childTnLst>
+              </p:cTn>
+              <p:prevCondLst>
+                <p:cond evt="onPrev" delay="0">
+                  <p:tgtEl>
+                    <p:sldTgt/>
+                  </p:tgtEl>
+                </p:cond>
+              </p:prevCondLst>
+              <p:nextCondLst>
+                <p:cond evt="onNext" delay="0">
+                  <p:tgtEl>
+                    <p:sldTgt/>
+                  </p:tgtEl>
+                </p:cond>
+              </p:nextCondLst>
+            </p:seq>
+          </p:childTnLst>
+        </p:cTn>
+      </p:par>
+    </p:tnLst>
+  </p:timing>
+</p:sld>
+</file>
+
+<file path=ppt/slides/slide12.xml><?xml version="1.0" encoding="utf-8"?>
+<p:sld xmlns:a="http://schemas.openxmlformats.org/drawingml/2006/main" xmlns:r="http://schemas.openxmlformats.org/officeDocument/2006/relationships" xmlns:p="http://schemas.openxmlformats.org/presentationml/2006/main">
+  <p:cSld>
+    <p:spTree>
+      <p:nvGrpSpPr>
+        <p:cNvPr id="1" name=""/>
+        <p:cNvGrpSpPr/>
+        <p:nvPr/>
+      </p:nvGrpSpPr>
+      <p:grpSpPr>
+        <a:xfrm>
+          <a:off x="0" y="0"/>
+          <a:ext cx="0" cy="0"/>
+          <a:chOff x="0" y="0"/>
+          <a:chExt cx="0" cy="0"/>
+        </a:xfrm>
+      </p:grpSpPr>
+      <p:sp>
+        <p:nvSpPr>
+          <p:cNvPr id="2" name="Titel 1"/>
+          <p:cNvSpPr>
+            <a:spLocks noGrp="1"/>
+          </p:cNvSpPr>
+          <p:nvPr>
+            <p:ph type="title"/>
+          </p:nvPr>
+        </p:nvSpPr>
+        <p:spPr/>
+        <p:txBody>
+          <a:bodyPr/>
+          <a:lstStyle/>
+          <a:p>
+            <a:r>
+              <a:rPr lang="de-DE" dirty="0" smtClean="0"/>
+              <a:t>Gantt Chart</a:t>
+            </a:r>
+            <a:endParaRPr lang="en-GB" dirty="0"/>
+          </a:p>
+        </p:txBody>
+      </p:sp>
+      <p:pic>
+        <p:nvPicPr>
+          <p:cNvPr id="4" name="Inhaltsplatzhalter 3"/>
+          <p:cNvPicPr>
+            <a:picLocks noGrp="1" noChangeAspect="1"/>
+          </p:cNvPicPr>
+          <p:nvPr>
+            <p:ph idx="1"/>
+          </p:nvPr>
+        </p:nvPicPr>
+        <p:blipFill>
+          <a:blip r:embed="rId3"/>
+          <a:stretch>
+            <a:fillRect/>
+          </a:stretch>
+        </p:blipFill>
+        <p:spPr>
+          <a:xfrm>
+            <a:off x="5262563" y="866453"/>
+            <a:ext cx="6240462" cy="4744093"/>
+          </a:xfrm>
+          <a:prstGeom prst="rect">
+            <a:avLst/>
+          </a:prstGeom>
+        </p:spPr>
+      </p:pic>
+      <p:sp>
+        <p:nvSpPr>
+          <p:cNvPr id="8" name="Textplatzhalter 7"/>
+          <p:cNvSpPr>
+            <a:spLocks noGrp="1"/>
+          </p:cNvSpPr>
+          <p:nvPr>
+            <p:ph type="body" sz="half" idx="2"/>
+          </p:nvPr>
+        </p:nvSpPr>
+        <p:spPr/>
+        <p:txBody>
+          <a:bodyPr/>
+          <a:lstStyle/>
+          <a:p>
+            <a:pPr marL="285750" indent="-285750" algn="l">
+              <a:buFont typeface="Arial" panose="020B0604020202020204" pitchFamily="34" charset="0"/>
+              <a:buChar char="•"/>
+            </a:pPr>
+            <a:r>
+              <a:rPr lang="de-DE" dirty="0" err="1" smtClean="0"/>
+              <a:t>Logged</a:t>
+            </a:r>
+            <a:r>
+              <a:rPr lang="de-DE" dirty="0" smtClean="0"/>
+              <a:t> </a:t>
+            </a:r>
+            <a:r>
+              <a:rPr lang="de-DE" dirty="0" err="1" smtClean="0"/>
+              <a:t>worklog</a:t>
+            </a:r>
+            <a:r>
+              <a:rPr lang="de-DE" dirty="0" smtClean="0"/>
+              <a:t> </a:t>
+            </a:r>
+            <a:r>
+              <a:rPr lang="de-DE" dirty="0" err="1" smtClean="0"/>
+              <a:t>according</a:t>
+            </a:r>
+            <a:r>
+              <a:rPr lang="de-DE" dirty="0" smtClean="0"/>
+              <a:t> </a:t>
+            </a:r>
+            <a:r>
+              <a:rPr lang="de-DE" dirty="0" err="1" smtClean="0"/>
+              <a:t>to</a:t>
+            </a:r>
+            <a:r>
+              <a:rPr lang="de-DE" dirty="0" smtClean="0"/>
+              <a:t> </a:t>
+            </a:r>
+            <a:r>
+              <a:rPr lang="de-DE" dirty="0" err="1" smtClean="0"/>
+              <a:t>Issue</a:t>
+            </a:r>
+            <a:r>
+              <a:rPr lang="de-DE" dirty="0" smtClean="0"/>
+              <a:t>/</a:t>
+            </a:r>
+            <a:r>
+              <a:rPr lang="de-DE" dirty="0" err="1" smtClean="0"/>
+              <a:t>Subject</a:t>
+            </a:r>
+            <a:endParaRPr lang="de-DE" dirty="0" smtClean="0"/>
+          </a:p>
+          <a:p>
+            <a:pPr marL="285750" indent="-285750" algn="l">
+              <a:buFont typeface="Arial" panose="020B0604020202020204" pitchFamily="34" charset="0"/>
+              <a:buChar char="•"/>
+            </a:pPr>
+            <a:r>
+              <a:rPr lang="de-DE" dirty="0" err="1" smtClean="0"/>
+              <a:t>Results</a:t>
+            </a:r>
+            <a:r>
+              <a:rPr lang="de-DE" dirty="0" smtClean="0"/>
+              <a:t> in a Gantt Chart </a:t>
+            </a:r>
+            <a:r>
+              <a:rPr lang="de-DE" dirty="0" err="1" smtClean="0"/>
+              <a:t>of</a:t>
+            </a:r>
+            <a:r>
+              <a:rPr lang="de-DE" dirty="0" smtClean="0"/>
+              <a:t> </a:t>
+            </a:r>
+            <a:r>
+              <a:rPr lang="de-DE" dirty="0" err="1" smtClean="0"/>
+              <a:t>past</a:t>
+            </a:r>
+            <a:r>
+              <a:rPr lang="de-DE" dirty="0" smtClean="0"/>
+              <a:t> </a:t>
+            </a:r>
+            <a:r>
+              <a:rPr lang="de-DE" dirty="0" err="1" smtClean="0"/>
+              <a:t>activities</a:t>
+            </a:r>
+            <a:endParaRPr lang="en-GB" dirty="0"/>
+          </a:p>
+        </p:txBody>
+      </p:sp>
+    </p:spTree>
+    <p:extLst>
+      <p:ext uri="{BB962C8B-B14F-4D97-AF65-F5344CB8AC3E}">
+        <p14:creationId xmlns:p14="http://schemas.microsoft.com/office/powerpoint/2010/main" val="492660224"/>
+      </p:ext>
+    </p:extLst>
+  </p:cSld>
+  <p:clrMapOvr>
+    <a:masterClrMapping/>
+  </p:clrMapOvr>
+  <p:timing>
+    <p:tnLst>
+      <p:par>
+        <p:cTn id="1" dur="indefinite" restart="never" nodeType="tmRoot"/>
+      </p:par>
+    </p:tnLst>
+  </p:timing>
+</p:sld>
+</file>
+
+<file path=ppt/slides/slide13.xml><?xml version="1.0" encoding="utf-8"?>
+<p:sld xmlns:a="http://schemas.openxmlformats.org/drawingml/2006/main" xmlns:r="http://schemas.openxmlformats.org/officeDocument/2006/relationships" xmlns:p="http://schemas.openxmlformats.org/presentationml/2006/main">
+  <p:cSld>
+    <p:spTree>
+      <p:nvGrpSpPr>
+        <p:cNvPr id="1" name=""/>
+        <p:cNvGrpSpPr/>
+        <p:nvPr/>
+      </p:nvGrpSpPr>
+      <p:grpSpPr>
+        <a:xfrm>
+          <a:off x="0" y="0"/>
+          <a:ext cx="0" cy="0"/>
+          <a:chOff x="0" y="0"/>
+          <a:chExt cx="0" cy="0"/>
+        </a:xfrm>
+      </p:grpSpPr>
+      <p:sp>
+        <p:nvSpPr>
+          <p:cNvPr id="6" name="Titel 5"/>
+          <p:cNvSpPr>
+            <a:spLocks noGrp="1"/>
+          </p:cNvSpPr>
+          <p:nvPr>
+            <p:ph type="title"/>
+          </p:nvPr>
+        </p:nvSpPr>
+        <p:spPr/>
+        <p:txBody>
+          <a:bodyPr/>
+          <a:lstStyle/>
+          <a:p>
+            <a:endParaRPr lang="en-GB"/>
           </a:p>
         </p:txBody>
       </p:sp>
@@ -7157,6 +9103,976 @@
           <p:nvPr>
             <p:ph idx="1"/>
           </p:nvPr>
+        </p:nvPicPr>
+        <p:blipFill>
+          <a:blip r:embed="rId3">
+            <a:extLst>
+              <a:ext uri="{28A0092B-C50C-407E-A947-70E740481C1C}">
+                <a14:useLocalDpi xmlns:a14="http://schemas.microsoft.com/office/drawing/2010/main" val="0"/>
+              </a:ext>
+            </a:extLst>
+          </a:blip>
+          <a:stretch>
+            <a:fillRect/>
+          </a:stretch>
+        </p:blipFill>
+        <p:spPr>
+          <a:xfrm>
+            <a:off x="1386754" y="892044"/>
+            <a:ext cx="9448028" cy="5280156"/>
+          </a:xfrm>
+        </p:spPr>
+      </p:pic>
+      <p:sp>
+        <p:nvSpPr>
+          <p:cNvPr id="7" name="Textplatzhalter 6"/>
+          <p:cNvSpPr>
+            <a:spLocks noGrp="1"/>
+          </p:cNvSpPr>
+          <p:nvPr>
+            <p:ph type="body" sz="half" idx="2"/>
+          </p:nvPr>
+        </p:nvSpPr>
+        <p:spPr>
+          <a:xfrm>
+            <a:off x="1484312" y="1600200"/>
+            <a:ext cx="4947661" cy="4572000"/>
+          </a:xfrm>
+        </p:spPr>
+        <p:txBody>
+          <a:bodyPr anchor="t" anchorCtr="0"/>
+          <a:lstStyle/>
+          <a:p>
+            <a:pPr marL="285750" indent="-285750" algn="l">
+              <a:buFont typeface="Arial" panose="020B0604020202020204" pitchFamily="34" charset="0"/>
+              <a:buChar char="•"/>
+            </a:pPr>
+            <a:r>
+              <a:rPr lang="de-DE" b="1" dirty="0" smtClean="0"/>
+              <a:t>Check Game </a:t>
+            </a:r>
+            <a:r>
+              <a:rPr lang="de-DE" b="1" dirty="0" err="1" smtClean="0"/>
+              <a:t>Results</a:t>
+            </a:r>
+            <a:r>
+              <a:rPr lang="de-DE" b="1" dirty="0" smtClean="0"/>
+              <a:t>: </a:t>
+            </a:r>
+            <a:r>
+              <a:rPr lang="de-DE" dirty="0" smtClean="0"/>
+              <a:t>	51,92	 FP</a:t>
+            </a:r>
+            <a:r>
+              <a:rPr lang="de-DE" dirty="0">
+                <a:sym typeface="Wingdings" panose="05000000000000000000" pitchFamily="2" charset="2"/>
+              </a:rPr>
+              <a:t>	</a:t>
+            </a:r>
+            <a:r>
+              <a:rPr lang="de-DE" dirty="0" smtClean="0">
+                <a:sym typeface="Wingdings" panose="05000000000000000000" pitchFamily="2" charset="2"/>
+              </a:rPr>
+              <a:t>	2,28h</a:t>
+            </a:r>
+          </a:p>
+          <a:p>
+            <a:pPr marL="285750" indent="-285750" algn="l">
+              <a:buFont typeface="Arial" panose="020B0604020202020204" pitchFamily="34" charset="0"/>
+              <a:buChar char="•"/>
+            </a:pPr>
+            <a:r>
+              <a:rPr lang="de-DE" b="1" dirty="0" err="1" smtClean="0">
+                <a:sym typeface="Wingdings" panose="05000000000000000000" pitchFamily="2" charset="2"/>
+              </a:rPr>
+              <a:t>Bet</a:t>
+            </a:r>
+            <a:r>
+              <a:rPr lang="de-DE" b="1" dirty="0" smtClean="0">
+                <a:sym typeface="Wingdings" panose="05000000000000000000" pitchFamily="2" charset="2"/>
+              </a:rPr>
+              <a:t> on </a:t>
+            </a:r>
+            <a:r>
+              <a:rPr lang="de-DE" b="1" dirty="0" err="1" smtClean="0">
+                <a:sym typeface="Wingdings" panose="05000000000000000000" pitchFamily="2" charset="2"/>
+              </a:rPr>
+              <a:t>Win</a:t>
+            </a:r>
+            <a:r>
+              <a:rPr lang="de-DE" b="1" dirty="0" smtClean="0">
+                <a:sym typeface="Wingdings" panose="05000000000000000000" pitchFamily="2" charset="2"/>
+              </a:rPr>
+              <a:t>:	</a:t>
+            </a:r>
+            <a:r>
+              <a:rPr lang="de-DE" dirty="0" smtClean="0">
+                <a:sym typeface="Wingdings" panose="05000000000000000000" pitchFamily="2" charset="2"/>
+              </a:rPr>
+              <a:t>		76,5	FP		6,47h</a:t>
+            </a:r>
+          </a:p>
+          <a:p>
+            <a:pPr marL="285750" indent="-285750" algn="l">
+              <a:buFont typeface="Arial" panose="020B0604020202020204" pitchFamily="34" charset="0"/>
+              <a:buChar char="•"/>
+            </a:pPr>
+            <a:r>
+              <a:rPr lang="de-DE" b="1" dirty="0" err="1" smtClean="0">
+                <a:sym typeface="Wingdings" panose="05000000000000000000" pitchFamily="2" charset="2"/>
+              </a:rPr>
+              <a:t>Wager</a:t>
+            </a:r>
+            <a:r>
+              <a:rPr lang="de-DE" b="1" dirty="0" smtClean="0">
+                <a:sym typeface="Wingdings" panose="05000000000000000000" pitchFamily="2" charset="2"/>
+              </a:rPr>
+              <a:t> </a:t>
+            </a:r>
+            <a:r>
+              <a:rPr lang="de-DE" b="1" dirty="0" err="1" smtClean="0">
+                <a:sym typeface="Wingdings" panose="05000000000000000000" pitchFamily="2" charset="2"/>
+              </a:rPr>
+              <a:t>Bet</a:t>
+            </a:r>
+            <a:r>
+              <a:rPr lang="de-DE" b="1" dirty="0" smtClean="0">
+                <a:sym typeface="Wingdings" panose="05000000000000000000" pitchFamily="2" charset="2"/>
+              </a:rPr>
+              <a:t>:	</a:t>
+            </a:r>
+            <a:r>
+              <a:rPr lang="de-DE" dirty="0" smtClean="0">
+                <a:sym typeface="Wingdings" panose="05000000000000000000" pitchFamily="2" charset="2"/>
+              </a:rPr>
+              <a:t>		87,1 	FP		8,39h</a:t>
+            </a:r>
+          </a:p>
+          <a:p>
+            <a:pPr marL="285750" indent="-285750" algn="l">
+              <a:buFont typeface="Arial" panose="020B0604020202020204" pitchFamily="34" charset="0"/>
+              <a:buChar char="•"/>
+            </a:pPr>
+            <a:r>
+              <a:rPr lang="de-DE" b="1" dirty="0" err="1" smtClean="0">
+                <a:sym typeface="Wingdings" panose="05000000000000000000" pitchFamily="2" charset="2"/>
+              </a:rPr>
+              <a:t>Buy</a:t>
+            </a:r>
+            <a:r>
+              <a:rPr lang="de-DE" b="1" dirty="0" smtClean="0">
+                <a:sym typeface="Wingdings" panose="05000000000000000000" pitchFamily="2" charset="2"/>
+              </a:rPr>
+              <a:t> </a:t>
+            </a:r>
+            <a:r>
+              <a:rPr lang="de-DE" b="1" dirty="0" err="1" smtClean="0">
+                <a:sym typeface="Wingdings" panose="05000000000000000000" pitchFamily="2" charset="2"/>
+              </a:rPr>
+              <a:t>Reward</a:t>
+            </a:r>
+            <a:r>
+              <a:rPr lang="de-DE" b="1" dirty="0" smtClean="0">
+                <a:sym typeface="Wingdings" panose="05000000000000000000" pitchFamily="2" charset="2"/>
+              </a:rPr>
+              <a:t>:	</a:t>
+            </a:r>
+            <a:r>
+              <a:rPr lang="de-DE" dirty="0" smtClean="0">
+                <a:sym typeface="Wingdings" panose="05000000000000000000" pitchFamily="2" charset="2"/>
+              </a:rPr>
+              <a:t>	63,7 	FP		4,32h</a:t>
+            </a:r>
+          </a:p>
+          <a:p>
+            <a:pPr marL="285750" indent="-285750" algn="l">
+              <a:buFont typeface="Arial" panose="020B0604020202020204" pitchFamily="34" charset="0"/>
+              <a:buChar char="•"/>
+            </a:pPr>
+            <a:endParaRPr lang="en-GB" dirty="0"/>
+          </a:p>
+        </p:txBody>
+      </p:sp>
+    </p:spTree>
+    <p:extLst>
+      <p:ext uri="{BB962C8B-B14F-4D97-AF65-F5344CB8AC3E}">
+        <p14:creationId xmlns:p14="http://schemas.microsoft.com/office/powerpoint/2010/main" val="2027639170"/>
+      </p:ext>
+    </p:extLst>
+  </p:cSld>
+  <p:clrMapOvr>
+    <a:masterClrMapping/>
+  </p:clrMapOvr>
+  <p:timing>
+    <p:tnLst>
+      <p:par>
+        <p:cTn id="1" dur="indefinite" restart="never" nodeType="tmRoot">
+          <p:childTnLst>
+            <p:seq concurrent="1" nextAc="seek">
+              <p:cTn id="2" dur="indefinite" nodeType="mainSeq">
+                <p:childTnLst>
+                  <p:par>
+                    <p:cTn id="3" fill="hold">
+                      <p:stCondLst>
+                        <p:cond delay="indefinite"/>
+                      </p:stCondLst>
+                      <p:childTnLst>
+                        <p:par>
+                          <p:cTn id="4" fill="hold">
+                            <p:stCondLst>
+                              <p:cond delay="0"/>
+                            </p:stCondLst>
+                            <p:childTnLst>
+                              <p:par>
+                                <p:cTn id="5" presetID="6" presetClass="emph" presetSubtype="0" fill="hold" nodeType="clickEffect">
+                                  <p:stCondLst>
+                                    <p:cond delay="0"/>
+                                  </p:stCondLst>
+                                  <p:childTnLst>
+                                    <p:animScale>
+                                      <p:cBhvr>
+                                        <p:cTn id="6" dur="2000" fill="hold"/>
+                                        <p:tgtEl>
+                                          <p:spTgt spid="5"/>
+                                        </p:tgtEl>
+                                      </p:cBhvr>
+                                      <p:by x="50000" y="50000"/>
+                                    </p:animScale>
+                                  </p:childTnLst>
+                                </p:cTn>
+                              </p:par>
+                              <p:par>
+                                <p:cTn id="7" presetID="42" presetClass="path" presetSubtype="0" accel="50000" decel="50000" fill="hold" nodeType="withEffect">
+                                  <p:stCondLst>
+                                    <p:cond delay="0"/>
+                                  </p:stCondLst>
+                                  <p:childTnLst>
+                                    <p:animMotion origin="layout" path="M -1.875E-6 3.7037E-6 L 0.2556 0.26527 " pathEditMode="relative" rAng="0" ptsTypes="AA">
+                                      <p:cBhvr>
+                                        <p:cTn id="8" dur="2000" fill="hold"/>
+                                        <p:tgtEl>
+                                          <p:spTgt spid="5"/>
+                                        </p:tgtEl>
+                                        <p:attrNameLst>
+                                          <p:attrName>ppt_x</p:attrName>
+                                          <p:attrName>ppt_y</p:attrName>
+                                        </p:attrNameLst>
+                                      </p:cBhvr>
+                                      <p:rCtr x="12773" y="13264"/>
+                                    </p:animMotion>
+                                  </p:childTnLst>
+                                </p:cTn>
+                              </p:par>
+                            </p:childTnLst>
+                          </p:cTn>
+                        </p:par>
+                        <p:par>
+                          <p:cTn id="9" fill="hold">
+                            <p:stCondLst>
+                              <p:cond delay="2000"/>
+                            </p:stCondLst>
+                            <p:childTnLst>
+                              <p:par>
+                                <p:cTn id="10" presetID="1" presetClass="entr" presetSubtype="0" fill="hold" nodeType="afterEffect">
+                                  <p:stCondLst>
+                                    <p:cond delay="0"/>
+                                  </p:stCondLst>
+                                  <p:childTnLst>
+                                    <p:set>
+                                      <p:cBhvr>
+                                        <p:cTn id="11" dur="1" fill="hold">
+                                          <p:stCondLst>
+                                            <p:cond delay="0"/>
+                                          </p:stCondLst>
+                                        </p:cTn>
+                                        <p:tgtEl>
+                                          <p:spTgt spid="7">
+                                            <p:txEl>
+                                              <p:pRg st="0" end="0"/>
+                                            </p:txEl>
+                                          </p:spTgt>
+                                        </p:tgtEl>
+                                        <p:attrNameLst>
+                                          <p:attrName>style.visibility</p:attrName>
+                                        </p:attrNameLst>
+                                      </p:cBhvr>
+                                      <p:to>
+                                        <p:strVal val="visible"/>
+                                      </p:to>
+                                    </p:set>
+                                  </p:childTnLst>
+                                </p:cTn>
+                              </p:par>
+                            </p:childTnLst>
+                          </p:cTn>
+                        </p:par>
+                        <p:par>
+                          <p:cTn id="12" fill="hold">
+                            <p:stCondLst>
+                              <p:cond delay="2000"/>
+                            </p:stCondLst>
+                            <p:childTnLst>
+                              <p:par>
+                                <p:cTn id="13" presetID="1" presetClass="entr" presetSubtype="0" fill="hold" nodeType="afterEffect">
+                                  <p:stCondLst>
+                                    <p:cond delay="0"/>
+                                  </p:stCondLst>
+                                  <p:childTnLst>
+                                    <p:set>
+                                      <p:cBhvr>
+                                        <p:cTn id="14" dur="1" fill="hold">
+                                          <p:stCondLst>
+                                            <p:cond delay="0"/>
+                                          </p:stCondLst>
+                                        </p:cTn>
+                                        <p:tgtEl>
+                                          <p:spTgt spid="7">
+                                            <p:txEl>
+                                              <p:pRg st="1" end="1"/>
+                                            </p:txEl>
+                                          </p:spTgt>
+                                        </p:tgtEl>
+                                        <p:attrNameLst>
+                                          <p:attrName>style.visibility</p:attrName>
+                                        </p:attrNameLst>
+                                      </p:cBhvr>
+                                      <p:to>
+                                        <p:strVal val="visible"/>
+                                      </p:to>
+                                    </p:set>
+                                  </p:childTnLst>
+                                </p:cTn>
+                              </p:par>
+                            </p:childTnLst>
+                          </p:cTn>
+                        </p:par>
+                        <p:par>
+                          <p:cTn id="15" fill="hold">
+                            <p:stCondLst>
+                              <p:cond delay="2000"/>
+                            </p:stCondLst>
+                            <p:childTnLst>
+                              <p:par>
+                                <p:cTn id="16" presetID="1" presetClass="entr" presetSubtype="0" fill="hold" nodeType="afterEffect">
+                                  <p:stCondLst>
+                                    <p:cond delay="0"/>
+                                  </p:stCondLst>
+                                  <p:childTnLst>
+                                    <p:set>
+                                      <p:cBhvr>
+                                        <p:cTn id="17" dur="1" fill="hold">
+                                          <p:stCondLst>
+                                            <p:cond delay="0"/>
+                                          </p:stCondLst>
+                                        </p:cTn>
+                                        <p:tgtEl>
+                                          <p:spTgt spid="7">
+                                            <p:txEl>
+                                              <p:pRg st="2" end="2"/>
+                                            </p:txEl>
+                                          </p:spTgt>
+                                        </p:tgtEl>
+                                        <p:attrNameLst>
+                                          <p:attrName>style.visibility</p:attrName>
+                                        </p:attrNameLst>
+                                      </p:cBhvr>
+                                      <p:to>
+                                        <p:strVal val="visible"/>
+                                      </p:to>
+                                    </p:set>
+                                  </p:childTnLst>
+                                </p:cTn>
+                              </p:par>
+                            </p:childTnLst>
+                          </p:cTn>
+                        </p:par>
+                        <p:par>
+                          <p:cTn id="18" fill="hold">
+                            <p:stCondLst>
+                              <p:cond delay="2000"/>
+                            </p:stCondLst>
+                            <p:childTnLst>
+                              <p:par>
+                                <p:cTn id="19" presetID="1" presetClass="entr" presetSubtype="0" fill="hold" nodeType="afterEffect">
+                                  <p:stCondLst>
+                                    <p:cond delay="0"/>
+                                  </p:stCondLst>
+                                  <p:childTnLst>
+                                    <p:set>
+                                      <p:cBhvr>
+                                        <p:cTn id="20" dur="1" fill="hold">
+                                          <p:stCondLst>
+                                            <p:cond delay="0"/>
+                                          </p:stCondLst>
+                                        </p:cTn>
+                                        <p:tgtEl>
+                                          <p:spTgt spid="7">
+                                            <p:txEl>
+                                              <p:pRg st="3" end="3"/>
+                                            </p:txEl>
+                                          </p:spTgt>
+                                        </p:tgtEl>
+                                        <p:attrNameLst>
+                                          <p:attrName>style.visibility</p:attrName>
+                                        </p:attrNameLst>
+                                      </p:cBhvr>
+                                      <p:to>
+                                        <p:strVal val="visible"/>
+                                      </p:to>
+                                    </p:set>
+                                  </p:childTnLst>
+                                </p:cTn>
+                              </p:par>
+                            </p:childTnLst>
+                          </p:cTn>
+                        </p:par>
+                      </p:childTnLst>
+                    </p:cTn>
+                  </p:par>
+                </p:childTnLst>
+              </p:cTn>
+              <p:prevCondLst>
+                <p:cond evt="onPrev" delay="0">
+                  <p:tgtEl>
+                    <p:sldTgt/>
+                  </p:tgtEl>
+                </p:cond>
+              </p:prevCondLst>
+              <p:nextCondLst>
+                <p:cond evt="onNext" delay="0">
+                  <p:tgtEl>
+                    <p:sldTgt/>
+                  </p:tgtEl>
+                </p:cond>
+              </p:nextCondLst>
+            </p:seq>
+          </p:childTnLst>
+        </p:cTn>
+      </p:par>
+    </p:tnLst>
+  </p:timing>
+</p:sld>
+</file>
+
+<file path=ppt/slides/slide14.xml><?xml version="1.0" encoding="utf-8"?>
+<p:sld xmlns:a="http://schemas.openxmlformats.org/drawingml/2006/main" xmlns:r="http://schemas.openxmlformats.org/officeDocument/2006/relationships" xmlns:p="http://schemas.openxmlformats.org/presentationml/2006/main">
+  <p:cSld>
+    <p:spTree>
+      <p:nvGrpSpPr>
+        <p:cNvPr id="1" name=""/>
+        <p:cNvGrpSpPr/>
+        <p:nvPr/>
+      </p:nvGrpSpPr>
+      <p:grpSpPr>
+        <a:xfrm>
+          <a:off x="0" y="0"/>
+          <a:ext cx="0" cy="0"/>
+          <a:chOff x="0" y="0"/>
+          <a:chExt cx="0" cy="0"/>
+        </a:xfrm>
+      </p:grpSpPr>
+      <p:sp>
+        <p:nvSpPr>
+          <p:cNvPr id="2" name="Titel 1"/>
+          <p:cNvSpPr>
+            <a:spLocks noGrp="1"/>
+          </p:cNvSpPr>
+          <p:nvPr>
+            <p:ph type="title"/>
+          </p:nvPr>
+        </p:nvSpPr>
+        <p:spPr/>
+        <p:txBody>
+          <a:bodyPr/>
+          <a:lstStyle/>
+          <a:p>
+            <a:r>
+              <a:rPr lang="de-DE" dirty="0" smtClean="0"/>
+              <a:t>Gantt Chart - </a:t>
+            </a:r>
+            <a:r>
+              <a:rPr lang="de-DE" dirty="0" err="1" smtClean="0"/>
+              <a:t>Estimation</a:t>
+            </a:r>
+            <a:endParaRPr lang="en-GB" dirty="0"/>
+          </a:p>
+        </p:txBody>
+      </p:sp>
+      <p:sp>
+        <p:nvSpPr>
+          <p:cNvPr id="3" name="Inhaltsplatzhalter 2"/>
+          <p:cNvSpPr>
+            <a:spLocks noGrp="1"/>
+          </p:cNvSpPr>
+          <p:nvPr>
+            <p:ph idx="1"/>
+          </p:nvPr>
+        </p:nvSpPr>
+        <p:spPr/>
+        <p:txBody>
+          <a:bodyPr anchor="t" anchorCtr="0"/>
+          <a:lstStyle/>
+          <a:p>
+            <a:endParaRPr lang="en-GB" dirty="0"/>
+          </a:p>
+        </p:txBody>
+      </p:sp>
+    </p:spTree>
+    <p:extLst>
+      <p:ext uri="{BB962C8B-B14F-4D97-AF65-F5344CB8AC3E}">
+        <p14:creationId xmlns:p14="http://schemas.microsoft.com/office/powerpoint/2010/main" val="2026326893"/>
+      </p:ext>
+    </p:extLst>
+  </p:cSld>
+  <p:clrMapOvr>
+    <a:masterClrMapping/>
+  </p:clrMapOvr>
+  <p:timing>
+    <p:tnLst>
+      <p:par>
+        <p:cTn id="1" dur="indefinite" restart="never" nodeType="tmRoot"/>
+      </p:par>
+    </p:tnLst>
+  </p:timing>
+</p:sld>
+</file>
+
+<file path=ppt/slides/slide15.xml><?xml version="1.0" encoding="utf-8"?>
+<p:sld xmlns:a="http://schemas.openxmlformats.org/drawingml/2006/main" xmlns:r="http://schemas.openxmlformats.org/officeDocument/2006/relationships" xmlns:p="http://schemas.openxmlformats.org/presentationml/2006/main">
+  <p:cSld>
+    <p:spTree>
+      <p:nvGrpSpPr>
+        <p:cNvPr id="1" name=""/>
+        <p:cNvGrpSpPr/>
+        <p:nvPr/>
+      </p:nvGrpSpPr>
+      <p:grpSpPr>
+        <a:xfrm>
+          <a:off x="0" y="0"/>
+          <a:ext cx="0" cy="0"/>
+          <a:chOff x="0" y="0"/>
+          <a:chExt cx="0" cy="0"/>
+        </a:xfrm>
+      </p:grpSpPr>
+      <p:sp>
+        <p:nvSpPr>
+          <p:cNvPr id="2" name="Titel 1"/>
+          <p:cNvSpPr>
+            <a:spLocks noGrp="1"/>
+          </p:cNvSpPr>
+          <p:nvPr>
+            <p:ph type="title"/>
+          </p:nvPr>
+        </p:nvSpPr>
+        <p:spPr/>
+        <p:txBody>
+          <a:bodyPr/>
+          <a:lstStyle/>
+          <a:p>
+            <a:r>
+              <a:rPr lang="de-DE" dirty="0" err="1" smtClean="0"/>
+              <a:t>Risk</a:t>
+            </a:r>
+            <a:r>
+              <a:rPr lang="de-DE" dirty="0" smtClean="0"/>
+              <a:t> Management</a:t>
+            </a:r>
+            <a:endParaRPr lang="en-GB" dirty="0"/>
+          </a:p>
+        </p:txBody>
+      </p:sp>
+      <p:sp>
+        <p:nvSpPr>
+          <p:cNvPr id="3" name="Inhaltsplatzhalter 2"/>
+          <p:cNvSpPr>
+            <a:spLocks noGrp="1"/>
+          </p:cNvSpPr>
+          <p:nvPr>
+            <p:ph idx="1"/>
+          </p:nvPr>
+        </p:nvSpPr>
+        <p:spPr/>
+        <p:txBody>
+          <a:bodyPr>
+            <a:normAutofit/>
+          </a:bodyPr>
+          <a:lstStyle/>
+          <a:p>
+            <a:endParaRPr lang="en-GB" dirty="0"/>
+          </a:p>
+        </p:txBody>
+      </p:sp>
+    </p:spTree>
+    <p:extLst>
+      <p:ext uri="{BB962C8B-B14F-4D97-AF65-F5344CB8AC3E}">
+        <p14:creationId xmlns:p14="http://schemas.microsoft.com/office/powerpoint/2010/main" val="2618634498"/>
+      </p:ext>
+    </p:extLst>
+  </p:cSld>
+  <p:clrMapOvr>
+    <a:masterClrMapping/>
+  </p:clrMapOvr>
+  <p:timing>
+    <p:tnLst>
+      <p:par>
+        <p:cTn id="1" dur="indefinite" restart="never" nodeType="tmRoot"/>
+      </p:par>
+    </p:tnLst>
+  </p:timing>
+</p:sld>
+</file>
+
+<file path=ppt/slides/slide16.xml><?xml version="1.0" encoding="utf-8"?>
+<p:sld xmlns:a="http://schemas.openxmlformats.org/drawingml/2006/main" xmlns:r="http://schemas.openxmlformats.org/officeDocument/2006/relationships" xmlns:p="http://schemas.openxmlformats.org/presentationml/2006/main">
+  <p:cSld>
+    <p:spTree>
+      <p:nvGrpSpPr>
+        <p:cNvPr id="1" name=""/>
+        <p:cNvGrpSpPr/>
+        <p:nvPr/>
+      </p:nvGrpSpPr>
+      <p:grpSpPr>
+        <a:xfrm>
+          <a:off x="0" y="0"/>
+          <a:ext cx="0" cy="0"/>
+          <a:chOff x="0" y="0"/>
+          <a:chExt cx="0" cy="0"/>
+        </a:xfrm>
+      </p:grpSpPr>
+      <p:sp>
+        <p:nvSpPr>
+          <p:cNvPr id="2" name="Titel 1"/>
+          <p:cNvSpPr>
+            <a:spLocks noGrp="1"/>
+          </p:cNvSpPr>
+          <p:nvPr>
+            <p:ph type="title"/>
+          </p:nvPr>
+        </p:nvSpPr>
+        <p:spPr/>
+        <p:txBody>
+          <a:bodyPr/>
+          <a:lstStyle/>
+          <a:p>
+            <a:r>
+              <a:rPr lang="de-DE" dirty="0" smtClean="0"/>
+              <a:t>Life </a:t>
+            </a:r>
+            <a:r>
+              <a:rPr lang="de-DE" dirty="0" err="1"/>
+              <a:t>C</a:t>
+            </a:r>
+            <a:r>
+              <a:rPr lang="de-DE" dirty="0" err="1" smtClean="0"/>
+              <a:t>ylce</a:t>
+            </a:r>
+            <a:r>
+              <a:rPr lang="de-DE" dirty="0" smtClean="0"/>
+              <a:t> Management</a:t>
+            </a:r>
+            <a:endParaRPr lang="en-GB" dirty="0"/>
+          </a:p>
+        </p:txBody>
+      </p:sp>
+      <p:sp>
+        <p:nvSpPr>
+          <p:cNvPr id="5" name="Inhaltsplatzhalter 4"/>
+          <p:cNvSpPr>
+            <a:spLocks noGrp="1"/>
+          </p:cNvSpPr>
+          <p:nvPr>
+            <p:ph idx="1"/>
+          </p:nvPr>
+        </p:nvSpPr>
+        <p:spPr>
+          <a:xfrm>
+            <a:off x="1484311" y="2729345"/>
+            <a:ext cx="10018713" cy="3124201"/>
+          </a:xfrm>
+        </p:spPr>
+        <p:txBody>
+          <a:bodyPr anchor="t" anchorCtr="0"/>
+          <a:lstStyle/>
+          <a:p>
+            <a:pPr lvl="1"/>
+            <a:r>
+              <a:rPr lang="de-DE" dirty="0" err="1" smtClean="0"/>
+              <a:t>Versioncontrol</a:t>
+            </a:r>
+            <a:r>
+              <a:rPr lang="de-DE" dirty="0" smtClean="0"/>
+              <a:t> </a:t>
+            </a:r>
+            <a:r>
+              <a:rPr lang="de-DE" dirty="0" err="1" smtClean="0"/>
+              <a:t>with</a:t>
+            </a:r>
+            <a:r>
+              <a:rPr lang="de-DE" dirty="0" smtClean="0"/>
+              <a:t> </a:t>
+            </a:r>
+            <a:r>
+              <a:rPr lang="de-DE" dirty="0" err="1" smtClean="0"/>
+              <a:t>GitHub</a:t>
+            </a:r>
+            <a:endParaRPr lang="de-DE" dirty="0" smtClean="0"/>
+          </a:p>
+          <a:p>
+            <a:pPr lvl="2"/>
+            <a:r>
+              <a:rPr lang="de-DE" dirty="0" smtClean="0"/>
+              <a:t>IDE </a:t>
+            </a:r>
+            <a:r>
+              <a:rPr lang="de-DE" dirty="0" err="1" smtClean="0"/>
+              <a:t>integration</a:t>
+            </a:r>
+            <a:r>
+              <a:rPr lang="de-DE" dirty="0" smtClean="0"/>
+              <a:t> </a:t>
+            </a:r>
+          </a:p>
+          <a:p>
+            <a:pPr lvl="1"/>
+            <a:r>
+              <a:rPr lang="de-DE" dirty="0" err="1" smtClean="0"/>
+              <a:t>Automated</a:t>
+            </a:r>
+            <a:r>
+              <a:rPr lang="de-DE" dirty="0" smtClean="0"/>
+              <a:t> </a:t>
+            </a:r>
+            <a:r>
+              <a:rPr lang="de-DE" dirty="0" err="1" smtClean="0"/>
+              <a:t>Build</a:t>
+            </a:r>
+            <a:r>
+              <a:rPr lang="de-DE" dirty="0" smtClean="0"/>
+              <a:t> </a:t>
+            </a:r>
+            <a:r>
+              <a:rPr lang="de-DE" dirty="0" err="1" smtClean="0"/>
+              <a:t>with</a:t>
+            </a:r>
+            <a:r>
+              <a:rPr lang="de-DE" dirty="0" smtClean="0"/>
+              <a:t> </a:t>
+            </a:r>
+            <a:r>
+              <a:rPr lang="de-DE" dirty="0" err="1" smtClean="0"/>
+              <a:t>each</a:t>
+            </a:r>
+            <a:r>
+              <a:rPr lang="de-DE" dirty="0" smtClean="0"/>
+              <a:t> </a:t>
+            </a:r>
+            <a:r>
+              <a:rPr lang="de-DE" dirty="0" err="1" smtClean="0"/>
+              <a:t>GitHub</a:t>
+            </a:r>
+            <a:r>
+              <a:rPr lang="de-DE" dirty="0" smtClean="0"/>
+              <a:t> Push</a:t>
+            </a:r>
+          </a:p>
+          <a:p>
+            <a:pPr lvl="1"/>
+            <a:r>
+              <a:rPr lang="de-DE" dirty="0" err="1" smtClean="0"/>
+              <a:t>Automated</a:t>
+            </a:r>
+            <a:r>
+              <a:rPr lang="de-DE" dirty="0" smtClean="0"/>
+              <a:t> Test </a:t>
+            </a:r>
+            <a:r>
+              <a:rPr lang="de-DE" dirty="0" err="1" smtClean="0"/>
+              <a:t>with</a:t>
+            </a:r>
+            <a:r>
+              <a:rPr lang="de-DE" dirty="0" smtClean="0"/>
+              <a:t> </a:t>
+            </a:r>
+            <a:r>
+              <a:rPr lang="de-DE" dirty="0" err="1" smtClean="0"/>
+              <a:t>every</a:t>
+            </a:r>
+            <a:r>
+              <a:rPr lang="de-DE" dirty="0" smtClean="0"/>
+              <a:t> </a:t>
+            </a:r>
+            <a:r>
+              <a:rPr lang="de-DE" dirty="0" err="1" smtClean="0"/>
+              <a:t>Build</a:t>
+            </a:r>
+            <a:endParaRPr lang="de-DE" dirty="0" smtClean="0"/>
+          </a:p>
+          <a:p>
+            <a:pPr lvl="1"/>
+            <a:r>
+              <a:rPr lang="de-DE" dirty="0" err="1" smtClean="0"/>
+              <a:t>Static</a:t>
+            </a:r>
+            <a:r>
+              <a:rPr lang="de-DE" dirty="0" smtClean="0"/>
+              <a:t> Code Analysis </a:t>
+            </a:r>
+            <a:r>
+              <a:rPr lang="de-DE" dirty="0" err="1" smtClean="0"/>
+              <a:t>and</a:t>
+            </a:r>
+            <a:r>
+              <a:rPr lang="de-DE" dirty="0" smtClean="0"/>
+              <a:t> </a:t>
+            </a:r>
+            <a:r>
+              <a:rPr lang="de-DE" dirty="0" err="1" smtClean="0"/>
+              <a:t>code</a:t>
+            </a:r>
+            <a:r>
+              <a:rPr lang="de-DE" dirty="0" smtClean="0"/>
+              <a:t> </a:t>
+            </a:r>
+            <a:r>
+              <a:rPr lang="de-DE" dirty="0" err="1" smtClean="0"/>
+              <a:t>coverage</a:t>
+            </a:r>
+            <a:r>
+              <a:rPr lang="de-DE" dirty="0" smtClean="0"/>
+              <a:t> </a:t>
+            </a:r>
+            <a:r>
+              <a:rPr lang="de-DE" dirty="0" err="1" smtClean="0"/>
+              <a:t>reports</a:t>
+            </a:r>
+            <a:r>
+              <a:rPr lang="de-DE" dirty="0" smtClean="0"/>
+              <a:t> </a:t>
+            </a:r>
+            <a:r>
+              <a:rPr lang="de-DE" dirty="0" err="1" smtClean="0"/>
+              <a:t>with</a:t>
+            </a:r>
+            <a:r>
+              <a:rPr lang="de-DE" dirty="0" smtClean="0"/>
+              <a:t> </a:t>
+            </a:r>
+            <a:r>
+              <a:rPr lang="de-DE" dirty="0" err="1" smtClean="0"/>
+              <a:t>every</a:t>
+            </a:r>
+            <a:r>
+              <a:rPr lang="de-DE" dirty="0" smtClean="0"/>
+              <a:t> </a:t>
+            </a:r>
+            <a:r>
+              <a:rPr lang="de-DE" dirty="0" err="1" smtClean="0"/>
+              <a:t>build</a:t>
+            </a:r>
+            <a:endParaRPr lang="de-DE" dirty="0" smtClean="0"/>
+          </a:p>
+          <a:p>
+            <a:pPr lvl="1"/>
+            <a:r>
+              <a:rPr lang="de-DE" dirty="0" err="1" smtClean="0"/>
+              <a:t>Automated</a:t>
+            </a:r>
+            <a:r>
+              <a:rPr lang="de-DE" dirty="0" smtClean="0"/>
+              <a:t> </a:t>
+            </a:r>
+            <a:r>
+              <a:rPr lang="de-DE" dirty="0" err="1" smtClean="0"/>
+              <a:t>deploy</a:t>
+            </a:r>
+            <a:r>
+              <a:rPr lang="de-DE" dirty="0" smtClean="0"/>
+              <a:t> after </a:t>
+            </a:r>
+            <a:r>
+              <a:rPr lang="de-DE" dirty="0" err="1" smtClean="0"/>
+              <a:t>succesful</a:t>
+            </a:r>
+            <a:r>
+              <a:rPr lang="de-DE" dirty="0" smtClean="0"/>
+              <a:t> </a:t>
+            </a:r>
+            <a:r>
+              <a:rPr lang="de-DE" dirty="0" err="1" smtClean="0"/>
+              <a:t>build</a:t>
+            </a:r>
+            <a:r>
+              <a:rPr lang="de-DE" dirty="0" smtClean="0"/>
+              <a:t> </a:t>
+            </a:r>
+            <a:r>
+              <a:rPr lang="de-DE" dirty="0" err="1" smtClean="0"/>
+              <a:t>to</a:t>
+            </a:r>
+            <a:r>
+              <a:rPr lang="de-DE" dirty="0" smtClean="0"/>
+              <a:t> </a:t>
+            </a:r>
+            <a:r>
+              <a:rPr lang="de-DE" dirty="0" err="1" smtClean="0"/>
+              <a:t>application</a:t>
+            </a:r>
+            <a:r>
+              <a:rPr lang="de-DE" dirty="0" smtClean="0"/>
+              <a:t> </a:t>
+            </a:r>
+            <a:r>
+              <a:rPr lang="de-DE" dirty="0" err="1" smtClean="0"/>
+              <a:t>server</a:t>
+            </a:r>
+            <a:endParaRPr lang="de-DE" dirty="0" smtClean="0"/>
+          </a:p>
+        </p:txBody>
+      </p:sp>
+    </p:spTree>
+    <p:extLst>
+      <p:ext uri="{BB962C8B-B14F-4D97-AF65-F5344CB8AC3E}">
+        <p14:creationId xmlns:p14="http://schemas.microsoft.com/office/powerpoint/2010/main" val="78529276"/>
+      </p:ext>
+    </p:extLst>
+  </p:cSld>
+  <p:clrMapOvr>
+    <a:masterClrMapping/>
+  </p:clrMapOvr>
+  <p:timing>
+    <p:tnLst>
+      <p:par>
+        <p:cTn id="1" dur="indefinite" restart="never" nodeType="tmRoot"/>
+      </p:par>
+    </p:tnLst>
+  </p:timing>
+</p:sld>
+</file>
+
+<file path=ppt/slides/slide17.xml><?xml version="1.0" encoding="utf-8"?>
+<p:sld xmlns:a="http://schemas.openxmlformats.org/drawingml/2006/main" xmlns:r="http://schemas.openxmlformats.org/officeDocument/2006/relationships" xmlns:p="http://schemas.openxmlformats.org/presentationml/2006/main">
+  <p:cSld>
+    <p:spTree>
+      <p:nvGrpSpPr>
+        <p:cNvPr id="1" name=""/>
+        <p:cNvGrpSpPr/>
+        <p:nvPr/>
+      </p:nvGrpSpPr>
+      <p:grpSpPr>
+        <a:xfrm>
+          <a:off x="0" y="0"/>
+          <a:ext cx="0" cy="0"/>
+          <a:chOff x="0" y="0"/>
+          <a:chExt cx="0" cy="0"/>
+        </a:xfrm>
+      </p:grpSpPr>
+      <p:pic>
+        <p:nvPicPr>
+          <p:cNvPr id="4" name="Inhaltsplatzhalter 3"/>
+          <p:cNvPicPr>
+            <a:picLocks noChangeAspect="1"/>
+          </p:cNvPicPr>
+          <p:nvPr/>
         </p:nvPicPr>
         <p:blipFill>
           <a:blip r:embed="rId2">
@@ -7172,24 +10088,24 @@
         </p:blipFill>
         <p:spPr>
           <a:xfrm>
-            <a:off x="1" y="0"/>
-            <a:ext cx="12192000" cy="6877395"/>
+            <a:off x="840516" y="1073726"/>
+            <a:ext cx="10537816" cy="4928755"/>
           </a:xfrm>
+          <a:prstGeom prst="rect">
+            <a:avLst/>
+          </a:prstGeom>
         </p:spPr>
       </p:pic>
     </p:spTree>
     <p:extLst>
       <p:ext uri="{BB962C8B-B14F-4D97-AF65-F5344CB8AC3E}">
-        <p14:creationId xmlns:p14="http://schemas.microsoft.com/office/powerpoint/2010/main" val="1071914578"/>
+        <p14:creationId xmlns:p14="http://schemas.microsoft.com/office/powerpoint/2010/main" val="2648121471"/>
       </p:ext>
     </p:extLst>
   </p:cSld>
   <p:clrMapOvr>
     <a:masterClrMapping/>
   </p:clrMapOvr>
-  <p:transition spd="slow">
-    <p:push dir="u"/>
-  </p:transition>
   <p:timing>
     <p:tnLst>
       <p:par>
@@ -7200,7 +10116,7 @@
 </p:sld>
 </file>
 
-<file path=ppt/slides/slide11.xml><?xml version="1.0" encoding="utf-8"?>
+<file path=ppt/slides/slide18.xml><?xml version="1.0" encoding="utf-8"?>
 <p:sld xmlns:a="http://schemas.openxmlformats.org/drawingml/2006/main" xmlns:r="http://schemas.openxmlformats.org/officeDocument/2006/relationships" xmlns:p="http://schemas.openxmlformats.org/presentationml/2006/main">
   <p:cSld>
     <p:spTree>
@@ -7679,7 +10595,7 @@
 </p:sld>
 </file>
 
-<file path=ppt/slides/slide12.xml><?xml version="1.0" encoding="utf-8"?>
+<file path=ppt/slides/slide19.xml><?xml version="1.0" encoding="utf-8"?>
 <p:sld xmlns:a="http://schemas.openxmlformats.org/drawingml/2006/main" xmlns:r="http://schemas.openxmlformats.org/officeDocument/2006/relationships" xmlns:p="http://schemas.openxmlformats.org/presentationml/2006/main">
   <p:cSld>
     <p:spTree>
@@ -7743,7 +10659,7 @@
           </p:nvPr>
         </p:nvPicPr>
         <p:blipFill>
-          <a:blip r:embed="rId2"/>
+          <a:blip r:embed="rId3"/>
           <a:stretch>
             <a:fillRect/>
           </a:stretch>
@@ -7841,7 +10757,7 @@
           <p:nvPr/>
         </p:nvPicPr>
         <p:blipFill>
-          <a:blip r:embed="rId3"/>
+          <a:blip r:embed="rId4"/>
           <a:stretch>
             <a:fillRect/>
           </a:stretch>
@@ -8132,117 +11048,6 @@
 </p:sld>
 </file>
 
-<file path=ppt/slides/slide13.xml><?xml version="1.0" encoding="utf-8"?>
-<p:sld xmlns:a="http://schemas.openxmlformats.org/drawingml/2006/main" xmlns:r="http://schemas.openxmlformats.org/officeDocument/2006/relationships" xmlns:p="http://schemas.openxmlformats.org/presentationml/2006/main">
-  <p:cSld>
-    <p:spTree>
-      <p:nvGrpSpPr>
-        <p:cNvPr id="1" name=""/>
-        <p:cNvGrpSpPr/>
-        <p:nvPr/>
-      </p:nvGrpSpPr>
-      <p:grpSpPr>
-        <a:xfrm>
-          <a:off x="0" y="0"/>
-          <a:ext cx="0" cy="0"/>
-          <a:chOff x="0" y="0"/>
-          <a:chExt cx="0" cy="0"/>
-        </a:xfrm>
-      </p:grpSpPr>
-      <p:sp>
-        <p:nvSpPr>
-          <p:cNvPr id="2" name="Titel 1"/>
-          <p:cNvSpPr>
-            <a:spLocks noGrp="1"/>
-          </p:cNvSpPr>
-          <p:nvPr>
-            <p:ph type="title"/>
-          </p:nvPr>
-        </p:nvSpPr>
-        <p:spPr/>
-        <p:txBody>
-          <a:bodyPr/>
-          <a:lstStyle/>
-          <a:p>
-            <a:r>
-              <a:rPr lang="de-DE" dirty="0" smtClean="0"/>
-              <a:t>Demo</a:t>
-            </a:r>
-            <a:endParaRPr lang="de-DE" dirty="0"/>
-          </a:p>
-        </p:txBody>
-      </p:sp>
-      <p:sp>
-        <p:nvSpPr>
-          <p:cNvPr id="3" name="Inhaltsplatzhalter 2"/>
-          <p:cNvSpPr>
-            <a:spLocks noGrp="1"/>
-          </p:cNvSpPr>
-          <p:nvPr>
-            <p:ph idx="1"/>
-          </p:nvPr>
-        </p:nvSpPr>
-        <p:spPr/>
-        <p:txBody>
-          <a:bodyPr>
-            <a:normAutofit/>
-          </a:bodyPr>
-          <a:lstStyle/>
-          <a:p>
-            <a:pPr marL="0" indent="0" algn="ctr">
-              <a:buNone/>
-            </a:pPr>
-            <a:r>
-              <a:rPr lang="de-DE" sz="4000" dirty="0" err="1" smtClean="0">
-                <a:hlinkClick r:id="rId3"/>
-              </a:rPr>
-              <a:t>lets</a:t>
-            </a:r>
-            <a:r>
-              <a:rPr lang="de-DE" sz="4000" dirty="0" smtClean="0">
-                <a:hlinkClick r:id="rId3"/>
-              </a:rPr>
-              <a:t> </a:t>
-            </a:r>
-            <a:r>
-              <a:rPr lang="de-DE" sz="4000" dirty="0" err="1" smtClean="0">
-                <a:hlinkClick r:id="rId3"/>
-              </a:rPr>
-              <a:t>gooo</a:t>
-            </a:r>
-            <a:r>
-              <a:rPr lang="de-DE" sz="6000" dirty="0" smtClean="0">
-                <a:hlinkClick r:id="rId3"/>
-              </a:rPr>
-              <a:t>?</a:t>
-            </a:r>
-            <a:endParaRPr lang="de-DE" sz="6000" dirty="0"/>
-          </a:p>
-        </p:txBody>
-      </p:sp>
-    </p:spTree>
-    <p:extLst>
-      <p:ext uri="{BB962C8B-B14F-4D97-AF65-F5344CB8AC3E}">
-        <p14:creationId xmlns:p14="http://schemas.microsoft.com/office/powerpoint/2010/main" val="1494621090"/>
-      </p:ext>
-    </p:extLst>
-  </p:cSld>
-  <p:clrMapOvr>
-    <a:masterClrMapping/>
-  </p:clrMapOvr>
-  <p:transition spd="slow">
-    <p:push dir="u"/>
-  </p:transition>
-  <p:timing>
-    <p:tnLst>
-      <p:par>
-        <p:cTn id="1" dur="indefinite" restart="never" nodeType="tmRoot"/>
-      </p:par>
-    </p:tnLst>
-  </p:timing>
-</p:sld>
-</file>
-
 <file path=ppt/slides/slide2.xml><?xml version="1.0" encoding="utf-8"?>
 <p:sld xmlns:a="http://schemas.openxmlformats.org/drawingml/2006/main" xmlns:r="http://schemas.openxmlformats.org/officeDocument/2006/relationships" xmlns:p="http://schemas.openxmlformats.org/presentationml/2006/main">
   <p:cSld>
@@ -8308,11 +11113,7 @@
           <a:p>
             <a:r>
               <a:rPr lang="en-US" dirty="0" smtClean="0"/>
-              <a:t>Use </a:t>
-            </a:r>
-            <a:r>
-              <a:rPr lang="en-US" dirty="0" smtClean="0"/>
-              <a:t>Cases</a:t>
+              <a:t>Use Cases</a:t>
             </a:r>
           </a:p>
           <a:p>
@@ -8324,21 +11125,13 @@
           <a:p>
             <a:r>
               <a:rPr lang="en-US" dirty="0" smtClean="0"/>
-              <a:t>Project </a:t>
-            </a:r>
+              <a:t>Project Management</a:t>
+            </a:r>
+          </a:p>
+          <a:p>
             <a:r>
               <a:rPr lang="en-US" dirty="0" smtClean="0"/>
-              <a:t>Management</a:t>
-            </a:r>
-          </a:p>
-          <a:p>
-            <a:r>
-              <a:rPr lang="en-US" dirty="0" smtClean="0"/>
-              <a:t>Technical </a:t>
-            </a:r>
-            <a:r>
-              <a:rPr lang="en-US" dirty="0" smtClean="0"/>
-              <a:t>Architecture</a:t>
+              <a:t>Technical Architecture</a:t>
             </a:r>
           </a:p>
           <a:p>
@@ -8451,8 +11244,19 @@
           <a:p>
             <a:r>
               <a:rPr lang="de-DE" dirty="0" smtClean="0"/>
-              <a:t>Vision</a:t>
-            </a:r>
+              <a:t>Vision &amp; </a:t>
+            </a:r>
+            <a:r>
+              <a:rPr lang="de-DE" dirty="0" err="1" smtClean="0"/>
+              <a:t>Scope</a:t>
+            </a:r>
+            <a:r>
+              <a:rPr lang="de-DE" dirty="0" smtClean="0"/>
+              <a:t>!</a:t>
+            </a:r>
+            <a:br>
+              <a:rPr lang="de-DE" dirty="0" smtClean="0"/>
+            </a:br>
             <a:endParaRPr lang="de-DE" dirty="0"/>
           </a:p>
         </p:txBody>
@@ -9058,104 +11862,9 @@
           <a:chExt cx="0" cy="0"/>
         </a:xfrm>
       </p:grpSpPr>
-      <p:sp>
-        <p:nvSpPr>
-          <p:cNvPr id="6" name="Titel 5"/>
-          <p:cNvSpPr>
-            <a:spLocks noGrp="1"/>
-          </p:cNvSpPr>
-          <p:nvPr>
-            <p:ph type="title"/>
-          </p:nvPr>
-        </p:nvSpPr>
-        <p:spPr/>
-        <p:txBody>
-          <a:bodyPr/>
-          <a:lstStyle/>
-          <a:p>
-            <a:r>
-              <a:rPr lang="de-DE" dirty="0" smtClean="0"/>
-              <a:t>…</a:t>
-            </a:r>
-            <a:r>
-              <a:rPr lang="de-DE" dirty="0" err="1" smtClean="0"/>
-              <a:t>now</a:t>
-            </a:r>
-            <a:r>
-              <a:rPr lang="de-DE" dirty="0" smtClean="0"/>
-              <a:t> </a:t>
-            </a:r>
-            <a:r>
-              <a:rPr lang="de-DE" dirty="0" err="1" smtClean="0"/>
-              <a:t>let´s</a:t>
-            </a:r>
-            <a:r>
-              <a:rPr lang="de-DE" dirty="0" smtClean="0"/>
-              <a:t> </a:t>
-            </a:r>
-            <a:r>
-              <a:rPr lang="de-DE" dirty="0" err="1" smtClean="0"/>
-              <a:t>get</a:t>
-            </a:r>
-            <a:r>
-              <a:rPr lang="de-DE" dirty="0" smtClean="0"/>
-              <a:t> </a:t>
-            </a:r>
-            <a:r>
-              <a:rPr lang="de-DE" dirty="0" err="1" smtClean="0"/>
-              <a:t>serious</a:t>
-            </a:r>
-            <a:r>
-              <a:rPr lang="de-DE" dirty="0" smtClean="0"/>
-              <a:t>!</a:t>
-            </a:r>
-            <a:endParaRPr lang="en-GB" dirty="0"/>
-          </a:p>
-        </p:txBody>
-      </p:sp>
-    </p:spTree>
-    <p:extLst>
-      <p:ext uri="{BB962C8B-B14F-4D97-AF65-F5344CB8AC3E}">
-        <p14:creationId xmlns:p14="http://schemas.microsoft.com/office/powerpoint/2010/main" val="3095242080"/>
-      </p:ext>
-    </p:extLst>
-  </p:cSld>
-  <p:clrMapOvr>
-    <a:masterClrMapping/>
-  </p:clrMapOvr>
-  <p:transition spd="slow">
-    <p:push dir="u"/>
-  </p:transition>
-  <p:timing>
-    <p:tnLst>
-      <p:par>
-        <p:cTn id="1" dur="indefinite" restart="never" nodeType="tmRoot"/>
-      </p:par>
-    </p:tnLst>
-  </p:timing>
-</p:sld>
-</file>
-
-<file path=ppt/slides/slide5.xml><?xml version="1.0" encoding="utf-8"?>
-<p:sld xmlns:a="http://schemas.openxmlformats.org/drawingml/2006/main" xmlns:r="http://schemas.openxmlformats.org/officeDocument/2006/relationships" xmlns:p="http://schemas.openxmlformats.org/presentationml/2006/main">
-  <p:cSld>
-    <p:spTree>
-      <p:nvGrpSpPr>
-        <p:cNvPr id="1" name=""/>
-        <p:cNvGrpSpPr/>
-        <p:nvPr/>
-      </p:nvGrpSpPr>
-      <p:grpSpPr>
-        <a:xfrm>
-          <a:off x="0" y="0"/>
-          <a:ext cx="0" cy="0"/>
-          <a:chOff x="0" y="0"/>
-          <a:chExt cx="0" cy="0"/>
-        </a:xfrm>
-      </p:grpSpPr>
       <p:pic>
         <p:nvPicPr>
-          <p:cNvPr id="4" name="Inhaltsplatzhalter 3"/>
+          <p:cNvPr id="5" name="Inhaltsplatzhalter 4"/>
           <p:cNvPicPr>
             <a:picLocks noGrp="1" noChangeAspect="1"/>
           </p:cNvPicPr>
@@ -9177,8 +11886,8 @@
         </p:blipFill>
         <p:spPr>
           <a:xfrm>
-            <a:off x="2802880" y="740122"/>
-            <a:ext cx="6586240" cy="5377756"/>
+            <a:off x="2650782" y="416959"/>
+            <a:ext cx="6072674" cy="5994115"/>
           </a:xfrm>
         </p:spPr>
       </p:pic>
@@ -9190,7 +11899,7 @@
         </p:nvSpPr>
         <p:spPr>
           <a:xfrm rot="852164">
-            <a:off x="6944345" y="5052683"/>
+            <a:off x="7190925" y="4456780"/>
             <a:ext cx="3355391" cy="1415318"/>
           </a:xfrm>
           <a:prstGeom prst="leftArrow">
@@ -9374,761 +12083,7 @@
 </p:sld>
 </file>
 
-<file path=ppt/slides/slide6.xml><?xml version="1.0" encoding="utf-8"?>
-<p:sld xmlns:a="http://schemas.openxmlformats.org/drawingml/2006/main" xmlns:r="http://schemas.openxmlformats.org/officeDocument/2006/relationships" xmlns:p="http://schemas.openxmlformats.org/presentationml/2006/main">
-  <p:cSld>
-    <p:spTree>
-      <p:nvGrpSpPr>
-        <p:cNvPr id="1" name=""/>
-        <p:cNvGrpSpPr/>
-        <p:nvPr/>
-      </p:nvGrpSpPr>
-      <p:grpSpPr>
-        <a:xfrm>
-          <a:off x="0" y="0"/>
-          <a:ext cx="0" cy="0"/>
-          <a:chOff x="0" y="0"/>
-          <a:chExt cx="0" cy="0"/>
-        </a:xfrm>
-      </p:grpSpPr>
-      <p:sp>
-        <p:nvSpPr>
-          <p:cNvPr id="2" name="Titel 1"/>
-          <p:cNvSpPr>
-            <a:spLocks noGrp="1"/>
-          </p:cNvSpPr>
-          <p:nvPr>
-            <p:ph type="title"/>
-          </p:nvPr>
-        </p:nvSpPr>
-        <p:spPr/>
-        <p:txBody>
-          <a:bodyPr/>
-          <a:lstStyle/>
-          <a:p>
-            <a:r>
-              <a:rPr lang="de-DE" dirty="0" smtClean="0"/>
-              <a:t>Project Team</a:t>
-            </a:r>
-            <a:endParaRPr lang="en-GB" dirty="0"/>
-          </a:p>
-        </p:txBody>
-      </p:sp>
-      <p:sp>
-        <p:nvSpPr>
-          <p:cNvPr id="3" name="Inhaltsplatzhalter 2"/>
-          <p:cNvSpPr>
-            <a:spLocks noGrp="1"/>
-          </p:cNvSpPr>
-          <p:nvPr>
-            <p:ph idx="1"/>
-          </p:nvPr>
-        </p:nvSpPr>
-        <p:spPr/>
-        <p:txBody>
-          <a:bodyPr anchor="t">
-            <a:normAutofit/>
-          </a:bodyPr>
-          <a:lstStyle/>
-          <a:p>
-            <a:r>
-              <a:rPr lang="de-DE" b="1" dirty="0" smtClean="0"/>
-              <a:t>Felix Morsbach: </a:t>
-            </a:r>
-            <a:r>
-              <a:rPr lang="de-DE" i="1" dirty="0" smtClean="0"/>
-              <a:t>Project Manager, Test Manager, </a:t>
-            </a:r>
-            <a:r>
-              <a:rPr lang="de-DE" dirty="0" err="1" smtClean="0"/>
-              <a:t>Implementer</a:t>
-            </a:r>
-            <a:r>
-              <a:rPr lang="de-DE" dirty="0" smtClean="0"/>
-              <a:t>, </a:t>
-            </a:r>
-            <a:r>
-              <a:rPr lang="de-DE" dirty="0" err="1" smtClean="0"/>
-              <a:t>Desinger</a:t>
-            </a:r>
-            <a:endParaRPr lang="de-DE" dirty="0" smtClean="0"/>
-          </a:p>
-          <a:p>
-            <a:endParaRPr lang="de-DE" i="1" dirty="0" smtClean="0"/>
-          </a:p>
-          <a:p>
-            <a:r>
-              <a:rPr lang="de-DE" b="1" dirty="0" smtClean="0"/>
-              <a:t>André Helbig:</a:t>
-            </a:r>
-            <a:r>
-              <a:rPr lang="de-DE" dirty="0" smtClean="0"/>
-              <a:t> </a:t>
-            </a:r>
-            <a:r>
-              <a:rPr lang="de-DE" i="1" dirty="0" smtClean="0"/>
-              <a:t>Integrator</a:t>
-            </a:r>
-            <a:r>
-              <a:rPr lang="de-DE" dirty="0" smtClean="0"/>
-              <a:t>, Tester, Designer</a:t>
-            </a:r>
-          </a:p>
-          <a:p>
-            <a:endParaRPr lang="de-DE" dirty="0" smtClean="0"/>
-          </a:p>
-          <a:p>
-            <a:r>
-              <a:rPr lang="de-DE" b="1" dirty="0" smtClean="0"/>
-              <a:t>Niclas Petersohn: </a:t>
-            </a:r>
-            <a:r>
-              <a:rPr lang="de-DE" i="1" dirty="0" smtClean="0"/>
-              <a:t>Software </a:t>
-            </a:r>
-            <a:r>
-              <a:rPr lang="de-DE" i="1" dirty="0" err="1" smtClean="0"/>
-              <a:t>Architect</a:t>
-            </a:r>
-            <a:r>
-              <a:rPr lang="de-DE" i="1" dirty="0" smtClean="0"/>
-              <a:t>, </a:t>
-            </a:r>
-            <a:r>
-              <a:rPr lang="de-DE" dirty="0" err="1" smtClean="0"/>
-              <a:t>Implementer</a:t>
-            </a:r>
-            <a:r>
-              <a:rPr lang="de-DE" dirty="0" smtClean="0"/>
-              <a:t>, Tester</a:t>
-            </a:r>
-            <a:r>
-              <a:rPr lang="de-DE" i="1" dirty="0" smtClean="0"/>
-              <a:t> </a:t>
-            </a:r>
-            <a:endParaRPr lang="en-GB" b="1" dirty="0"/>
-          </a:p>
-        </p:txBody>
-      </p:sp>
-    </p:spTree>
-    <p:extLst>
-      <p:ext uri="{BB962C8B-B14F-4D97-AF65-F5344CB8AC3E}">
-        <p14:creationId xmlns:p14="http://schemas.microsoft.com/office/powerpoint/2010/main" val="1255023610"/>
-      </p:ext>
-    </p:extLst>
-  </p:cSld>
-  <p:clrMapOvr>
-    <a:masterClrMapping/>
-  </p:clrMapOvr>
-  <p:transition spd="slow">
-    <p:push dir="u"/>
-  </p:transition>
-  <p:timing>
-    <p:tnLst>
-      <p:par>
-        <p:cTn id="1" dur="indefinite" restart="never" nodeType="tmRoot">
-          <p:childTnLst>
-            <p:seq concurrent="1" nextAc="seek">
-              <p:cTn id="2" dur="indefinite" nodeType="mainSeq">
-                <p:childTnLst>
-                  <p:par>
-                    <p:cTn id="3" fill="hold">
-                      <p:stCondLst>
-                        <p:cond delay="indefinite"/>
-                      </p:stCondLst>
-                      <p:childTnLst>
-                        <p:par>
-                          <p:cTn id="4" fill="hold">
-                            <p:stCondLst>
-                              <p:cond delay="0"/>
-                            </p:stCondLst>
-                            <p:childTnLst>
-                              <p:par>
-                                <p:cTn id="5" presetID="10" presetClass="exit" presetSubtype="0" fill="hold" nodeType="clickEffect">
-                                  <p:stCondLst>
-                                    <p:cond delay="0"/>
-                                  </p:stCondLst>
-                                  <p:childTnLst>
-                                    <p:animEffect transition="out" filter="fade">
-                                      <p:cBhvr>
-                                        <p:cTn id="6" dur="500"/>
-                                        <p:tgtEl>
-                                          <p:spTgt spid="3">
-                                            <p:txEl>
-                                              <p:pRg st="4" end="4"/>
-                                            </p:txEl>
-                                          </p:spTgt>
-                                        </p:tgtEl>
-                                      </p:cBhvr>
-                                    </p:animEffect>
-                                    <p:set>
-                                      <p:cBhvr>
-                                        <p:cTn id="7" dur="1" fill="hold">
-                                          <p:stCondLst>
-                                            <p:cond delay="499"/>
-                                          </p:stCondLst>
-                                        </p:cTn>
-                                        <p:tgtEl>
-                                          <p:spTgt spid="3">
-                                            <p:txEl>
-                                              <p:pRg st="4" end="4"/>
-                                            </p:txEl>
-                                          </p:spTgt>
-                                        </p:tgtEl>
-                                        <p:attrNameLst>
-                                          <p:attrName>style.visibility</p:attrName>
-                                        </p:attrNameLst>
-                                      </p:cBhvr>
-                                      <p:to>
-                                        <p:strVal val="hidden"/>
-                                      </p:to>
-                                    </p:set>
-                                  </p:childTnLst>
-                                </p:cTn>
-                              </p:par>
-                            </p:childTnLst>
-                          </p:cTn>
-                        </p:par>
-                      </p:childTnLst>
-                    </p:cTn>
-                  </p:par>
-                </p:childTnLst>
-              </p:cTn>
-              <p:prevCondLst>
-                <p:cond evt="onPrev" delay="0">
-                  <p:tgtEl>
-                    <p:sldTgt/>
-                  </p:tgtEl>
-                </p:cond>
-              </p:prevCondLst>
-              <p:nextCondLst>
-                <p:cond evt="onNext" delay="0">
-                  <p:tgtEl>
-                    <p:sldTgt/>
-                  </p:tgtEl>
-                </p:cond>
-              </p:nextCondLst>
-            </p:seq>
-          </p:childTnLst>
-        </p:cTn>
-      </p:par>
-    </p:tnLst>
-  </p:timing>
-</p:sld>
-</file>
-
-<file path=ppt/slides/slide7.xml><?xml version="1.0" encoding="utf-8"?>
-<p:sld xmlns:a="http://schemas.openxmlformats.org/drawingml/2006/main" xmlns:r="http://schemas.openxmlformats.org/officeDocument/2006/relationships" xmlns:p="http://schemas.openxmlformats.org/presentationml/2006/main">
-  <p:cSld>
-    <p:spTree>
-      <p:nvGrpSpPr>
-        <p:cNvPr id="1" name=""/>
-        <p:cNvGrpSpPr/>
-        <p:nvPr/>
-      </p:nvGrpSpPr>
-      <p:grpSpPr>
-        <a:xfrm>
-          <a:off x="0" y="0"/>
-          <a:ext cx="0" cy="0"/>
-          <a:chOff x="0" y="0"/>
-          <a:chExt cx="0" cy="0"/>
-        </a:xfrm>
-      </p:grpSpPr>
-      <p:sp>
-        <p:nvSpPr>
-          <p:cNvPr id="2" name="Titel 1"/>
-          <p:cNvSpPr>
-            <a:spLocks noGrp="1"/>
-          </p:cNvSpPr>
-          <p:nvPr>
-            <p:ph type="title"/>
-          </p:nvPr>
-        </p:nvSpPr>
-        <p:spPr/>
-        <p:txBody>
-          <a:bodyPr/>
-          <a:lstStyle/>
-          <a:p>
-            <a:r>
-              <a:rPr lang="en-GB" dirty="0" smtClean="0"/>
-              <a:t>Project Management</a:t>
-            </a:r>
-            <a:endParaRPr lang="en-GB" dirty="0"/>
-          </a:p>
-        </p:txBody>
-      </p:sp>
-      <p:sp>
-        <p:nvSpPr>
-          <p:cNvPr id="3" name="Inhaltsplatzhalter 2"/>
-          <p:cNvSpPr>
-            <a:spLocks noGrp="1"/>
-          </p:cNvSpPr>
-          <p:nvPr>
-            <p:ph idx="1"/>
-          </p:nvPr>
-        </p:nvSpPr>
-        <p:spPr/>
-        <p:txBody>
-          <a:bodyPr anchor="t"/>
-          <a:lstStyle/>
-          <a:p>
-            <a:r>
-              <a:rPr lang="de-DE" dirty="0" err="1" smtClean="0"/>
-              <a:t>Jira</a:t>
-            </a:r>
-            <a:r>
-              <a:rPr lang="de-DE" dirty="0" smtClean="0"/>
-              <a:t> </a:t>
-            </a:r>
-            <a:r>
-              <a:rPr lang="de-DE" dirty="0" err="1" smtClean="0"/>
-              <a:t>as</a:t>
-            </a:r>
-            <a:r>
-              <a:rPr lang="de-DE" dirty="0" smtClean="0"/>
-              <a:t> </a:t>
-            </a:r>
-            <a:r>
-              <a:rPr lang="en-GB" dirty="0" smtClean="0"/>
-              <a:t>preferred</a:t>
-            </a:r>
-            <a:r>
-              <a:rPr lang="de-DE" dirty="0" smtClean="0"/>
-              <a:t> </a:t>
-            </a:r>
-            <a:r>
-              <a:rPr lang="de-DE" dirty="0" err="1" smtClean="0"/>
-              <a:t>platform</a:t>
-            </a:r>
-            <a:endParaRPr lang="de-DE" dirty="0" smtClean="0"/>
-          </a:p>
-          <a:p>
-            <a:pPr lvl="1"/>
-            <a:r>
-              <a:rPr lang="de-DE" dirty="0" smtClean="0"/>
-              <a:t>Optimal </a:t>
-            </a:r>
-            <a:r>
-              <a:rPr lang="de-DE" dirty="0" err="1" smtClean="0"/>
-              <a:t>for</a:t>
-            </a:r>
-            <a:r>
-              <a:rPr lang="de-DE" dirty="0" smtClean="0"/>
-              <a:t> Agile </a:t>
-            </a:r>
-            <a:r>
-              <a:rPr lang="de-DE" dirty="0" err="1" smtClean="0"/>
-              <a:t>Developement</a:t>
-            </a:r>
-            <a:endParaRPr lang="de-DE" dirty="0" smtClean="0"/>
-          </a:p>
-          <a:p>
-            <a:pPr lvl="1"/>
-            <a:r>
-              <a:rPr lang="de-DE" dirty="0" smtClean="0"/>
-              <a:t>Easy </a:t>
-            </a:r>
-            <a:r>
-              <a:rPr lang="de-DE" dirty="0" err="1" smtClean="0"/>
-              <a:t>to</a:t>
-            </a:r>
-            <a:r>
-              <a:rPr lang="de-DE" dirty="0"/>
-              <a:t> </a:t>
-            </a:r>
-            <a:r>
-              <a:rPr lang="de-DE" dirty="0" err="1" smtClean="0"/>
-              <a:t>Use</a:t>
-            </a:r>
-            <a:endParaRPr lang="de-DE" dirty="0" smtClean="0"/>
-          </a:p>
-          <a:p>
-            <a:pPr lvl="1"/>
-            <a:r>
-              <a:rPr lang="de-DE" dirty="0" err="1" smtClean="0"/>
-              <a:t>Burndown</a:t>
-            </a:r>
-            <a:r>
-              <a:rPr lang="de-DE" dirty="0" smtClean="0"/>
-              <a:t> </a:t>
-            </a:r>
-            <a:r>
-              <a:rPr lang="de-DE" dirty="0" smtClean="0"/>
-              <a:t>Chart</a:t>
-            </a:r>
-          </a:p>
-          <a:p>
-            <a:r>
-              <a:rPr lang="de-DE" dirty="0"/>
-              <a:t>Iterative </a:t>
-            </a:r>
-            <a:r>
-              <a:rPr lang="de-DE" dirty="0" err="1"/>
-              <a:t>Process</a:t>
-            </a:r>
-            <a:endParaRPr lang="de-DE" dirty="0"/>
-          </a:p>
-          <a:p>
-            <a:r>
-              <a:rPr lang="de-DE" dirty="0" err="1"/>
-              <a:t>Ready</a:t>
-            </a:r>
-            <a:r>
-              <a:rPr lang="de-DE" dirty="0"/>
-              <a:t> </a:t>
-            </a:r>
-            <a:r>
-              <a:rPr lang="de-DE" dirty="0" err="1"/>
-              <a:t>for</a:t>
-            </a:r>
-            <a:r>
-              <a:rPr lang="de-DE" dirty="0"/>
-              <a:t> </a:t>
-            </a:r>
-            <a:r>
-              <a:rPr lang="de-DE" dirty="0">
-                <a:solidFill>
-                  <a:srgbClr val="FF0000"/>
-                </a:solidFill>
-              </a:rPr>
-              <a:t>YOUR</a:t>
-            </a:r>
-            <a:r>
-              <a:rPr lang="de-DE" dirty="0"/>
-              <a:t> </a:t>
-            </a:r>
-            <a:r>
-              <a:rPr lang="de-DE" dirty="0" err="1"/>
-              <a:t>Wishes</a:t>
-            </a:r>
-            <a:r>
-              <a:rPr lang="de-DE" dirty="0"/>
-              <a:t>!</a:t>
-            </a:r>
-            <a:endParaRPr lang="en-GB" dirty="0"/>
-          </a:p>
-          <a:p>
-            <a:pPr lvl="1"/>
-            <a:endParaRPr lang="de-DE" dirty="0"/>
-          </a:p>
-        </p:txBody>
-      </p:sp>
-      <p:pic>
-        <p:nvPicPr>
-          <p:cNvPr id="4" name="Grafik 3"/>
-          <p:cNvPicPr>
-            <a:picLocks noChangeAspect="1"/>
-          </p:cNvPicPr>
-          <p:nvPr/>
-        </p:nvPicPr>
-        <p:blipFill>
-          <a:blip r:embed="rId3"/>
-          <a:stretch>
-            <a:fillRect/>
-          </a:stretch>
-        </p:blipFill>
-        <p:spPr>
-          <a:xfrm>
-            <a:off x="7892142" y="2666999"/>
-            <a:ext cx="1792061" cy="1792061"/>
-          </a:xfrm>
-          <a:prstGeom prst="rect">
-            <a:avLst/>
-          </a:prstGeom>
-        </p:spPr>
-      </p:pic>
-    </p:spTree>
-    <p:extLst>
-      <p:ext uri="{BB962C8B-B14F-4D97-AF65-F5344CB8AC3E}">
-        <p14:creationId xmlns:p14="http://schemas.microsoft.com/office/powerpoint/2010/main" val="136244323"/>
-      </p:ext>
-    </p:extLst>
-  </p:cSld>
-  <p:clrMapOvr>
-    <a:masterClrMapping/>
-  </p:clrMapOvr>
-  <p:transition spd="slow">
-    <p:push dir="u"/>
-  </p:transition>
-  <p:timing>
-    <p:tnLst>
-      <p:par>
-        <p:cTn id="1" dur="indefinite" restart="never" nodeType="tmRoot">
-          <p:childTnLst>
-            <p:seq concurrent="1" nextAc="seek">
-              <p:cTn id="2" dur="indefinite" nodeType="mainSeq">
-                <p:childTnLst>
-                  <p:par>
-                    <p:cTn id="3" fill="hold">
-                      <p:stCondLst>
-                        <p:cond delay="indefinite"/>
-                      </p:stCondLst>
-                      <p:childTnLst>
-                        <p:par>
-                          <p:cTn id="4" fill="hold">
-                            <p:stCondLst>
-                              <p:cond delay="0"/>
-                            </p:stCondLst>
-                            <p:childTnLst>
-                              <p:par>
-                                <p:cTn id="5" presetID="1" presetClass="entr" presetSubtype="0" fill="hold" nodeType="clickEffect">
-                                  <p:stCondLst>
-                                    <p:cond delay="0"/>
-                                  </p:stCondLst>
-                                  <p:childTnLst>
-                                    <p:set>
-                                      <p:cBhvr>
-                                        <p:cTn id="6" dur="1" fill="hold">
-                                          <p:stCondLst>
-                                            <p:cond delay="0"/>
-                                          </p:stCondLst>
-                                        </p:cTn>
-                                        <p:tgtEl>
-                                          <p:spTgt spid="3">
-                                            <p:txEl>
-                                              <p:pRg st="1" end="1"/>
-                                            </p:txEl>
-                                          </p:spTgt>
-                                        </p:tgtEl>
-                                        <p:attrNameLst>
-                                          <p:attrName>style.visibility</p:attrName>
-                                        </p:attrNameLst>
-                                      </p:cBhvr>
-                                      <p:to>
-                                        <p:strVal val="visible"/>
-                                      </p:to>
-                                    </p:set>
-                                  </p:childTnLst>
-                                </p:cTn>
-                              </p:par>
-                            </p:childTnLst>
-                          </p:cTn>
-                        </p:par>
-                      </p:childTnLst>
-                    </p:cTn>
-                  </p:par>
-                  <p:par>
-                    <p:cTn id="7" fill="hold">
-                      <p:stCondLst>
-                        <p:cond delay="indefinite"/>
-                      </p:stCondLst>
-                      <p:childTnLst>
-                        <p:par>
-                          <p:cTn id="8" fill="hold">
-                            <p:stCondLst>
-                              <p:cond delay="0"/>
-                            </p:stCondLst>
-                            <p:childTnLst>
-                              <p:par>
-                                <p:cTn id="9" presetID="1" presetClass="entr" presetSubtype="0" fill="hold" nodeType="clickEffect">
-                                  <p:stCondLst>
-                                    <p:cond delay="0"/>
-                                  </p:stCondLst>
-                                  <p:childTnLst>
-                                    <p:set>
-                                      <p:cBhvr>
-                                        <p:cTn id="10" dur="1" fill="hold">
-                                          <p:stCondLst>
-                                            <p:cond delay="0"/>
-                                          </p:stCondLst>
-                                        </p:cTn>
-                                        <p:tgtEl>
-                                          <p:spTgt spid="3">
-                                            <p:txEl>
-                                              <p:pRg st="2" end="2"/>
-                                            </p:txEl>
-                                          </p:spTgt>
-                                        </p:tgtEl>
-                                        <p:attrNameLst>
-                                          <p:attrName>style.visibility</p:attrName>
-                                        </p:attrNameLst>
-                                      </p:cBhvr>
-                                      <p:to>
-                                        <p:strVal val="visible"/>
-                                      </p:to>
-                                    </p:set>
-                                  </p:childTnLst>
-                                </p:cTn>
-                              </p:par>
-                            </p:childTnLst>
-                          </p:cTn>
-                        </p:par>
-                      </p:childTnLst>
-                    </p:cTn>
-                  </p:par>
-                  <p:par>
-                    <p:cTn id="11" fill="hold">
-                      <p:stCondLst>
-                        <p:cond delay="indefinite"/>
-                      </p:stCondLst>
-                      <p:childTnLst>
-                        <p:par>
-                          <p:cTn id="12" fill="hold">
-                            <p:stCondLst>
-                              <p:cond delay="0"/>
-                            </p:stCondLst>
-                            <p:childTnLst>
-                              <p:par>
-                                <p:cTn id="13" presetID="1" presetClass="entr" presetSubtype="0" fill="hold" nodeType="clickEffect">
-                                  <p:stCondLst>
-                                    <p:cond delay="0"/>
-                                  </p:stCondLst>
-                                  <p:childTnLst>
-                                    <p:set>
-                                      <p:cBhvr>
-                                        <p:cTn id="14" dur="1" fill="hold">
-                                          <p:stCondLst>
-                                            <p:cond delay="0"/>
-                                          </p:stCondLst>
-                                        </p:cTn>
-                                        <p:tgtEl>
-                                          <p:spTgt spid="3">
-                                            <p:txEl>
-                                              <p:pRg st="3" end="3"/>
-                                            </p:txEl>
-                                          </p:spTgt>
-                                        </p:tgtEl>
-                                        <p:attrNameLst>
-                                          <p:attrName>style.visibility</p:attrName>
-                                        </p:attrNameLst>
-                                      </p:cBhvr>
-                                      <p:to>
-                                        <p:strVal val="visible"/>
-                                      </p:to>
-                                    </p:set>
-                                  </p:childTnLst>
-                                </p:cTn>
-                              </p:par>
-                            </p:childTnLst>
-                          </p:cTn>
-                        </p:par>
-                      </p:childTnLst>
-                    </p:cTn>
-                  </p:par>
-                  <p:par>
-                    <p:cTn id="15" fill="hold">
-                      <p:stCondLst>
-                        <p:cond delay="indefinite"/>
-                      </p:stCondLst>
-                      <p:childTnLst>
-                        <p:par>
-                          <p:cTn id="16" fill="hold">
-                            <p:stCondLst>
-                              <p:cond delay="0"/>
-                            </p:stCondLst>
-                            <p:childTnLst>
-                              <p:par>
-                                <p:cTn id="17" presetID="1" presetClass="entr" presetSubtype="0" fill="hold" nodeType="clickEffect">
-                                  <p:stCondLst>
-                                    <p:cond delay="0"/>
-                                  </p:stCondLst>
-                                  <p:childTnLst>
-                                    <p:set>
-                                      <p:cBhvr>
-                                        <p:cTn id="18" dur="1" fill="hold">
-                                          <p:stCondLst>
-                                            <p:cond delay="0"/>
-                                          </p:stCondLst>
-                                        </p:cTn>
-                                        <p:tgtEl>
-                                          <p:spTgt spid="3">
-                                            <p:txEl>
-                                              <p:pRg st="4" end="4"/>
-                                            </p:txEl>
-                                          </p:spTgt>
-                                        </p:tgtEl>
-                                        <p:attrNameLst>
-                                          <p:attrName>style.visibility</p:attrName>
-                                        </p:attrNameLst>
-                                      </p:cBhvr>
-                                      <p:to>
-                                        <p:strVal val="visible"/>
-                                      </p:to>
-                                    </p:set>
-                                  </p:childTnLst>
-                                </p:cTn>
-                              </p:par>
-                            </p:childTnLst>
-                          </p:cTn>
-                        </p:par>
-                      </p:childTnLst>
-                    </p:cTn>
-                  </p:par>
-                  <p:par>
-                    <p:cTn id="19" fill="hold">
-                      <p:stCondLst>
-                        <p:cond delay="indefinite"/>
-                      </p:stCondLst>
-                      <p:childTnLst>
-                        <p:par>
-                          <p:cTn id="20" fill="hold">
-                            <p:stCondLst>
-                              <p:cond delay="0"/>
-                            </p:stCondLst>
-                            <p:childTnLst>
-                              <p:par>
-                                <p:cTn id="21" presetID="1" presetClass="entr" presetSubtype="0" fill="hold" nodeType="clickEffect">
-                                  <p:stCondLst>
-                                    <p:cond delay="0"/>
-                                  </p:stCondLst>
-                                  <p:childTnLst>
-                                    <p:set>
-                                      <p:cBhvr>
-                                        <p:cTn id="22" dur="1" fill="hold">
-                                          <p:stCondLst>
-                                            <p:cond delay="0"/>
-                                          </p:stCondLst>
-                                        </p:cTn>
-                                        <p:tgtEl>
-                                          <p:spTgt spid="3">
-                                            <p:txEl>
-                                              <p:pRg st="5" end="5"/>
-                                            </p:txEl>
-                                          </p:spTgt>
-                                        </p:tgtEl>
-                                        <p:attrNameLst>
-                                          <p:attrName>style.visibility</p:attrName>
-                                        </p:attrNameLst>
-                                      </p:cBhvr>
-                                      <p:to>
-                                        <p:strVal val="visible"/>
-                                      </p:to>
-                                    </p:set>
-                                  </p:childTnLst>
-                                </p:cTn>
-                              </p:par>
-                            </p:childTnLst>
-                          </p:cTn>
-                        </p:par>
-                      </p:childTnLst>
-                    </p:cTn>
-                  </p:par>
-                </p:childTnLst>
-              </p:cTn>
-              <p:prevCondLst>
-                <p:cond evt="onPrev" delay="0">
-                  <p:tgtEl>
-                    <p:sldTgt/>
-                  </p:tgtEl>
-                </p:cond>
-              </p:prevCondLst>
-              <p:nextCondLst>
-                <p:cond evt="onNext" delay="0">
-                  <p:tgtEl>
-                    <p:sldTgt/>
-                  </p:tgtEl>
-                </p:cond>
-              </p:nextCondLst>
-            </p:seq>
-          </p:childTnLst>
-        </p:cTn>
-      </p:par>
-    </p:tnLst>
-  </p:timing>
-</p:sld>
-</file>
-
-<file path=ppt/slides/slide8.xml><?xml version="1.0" encoding="utf-8"?>
+<file path=ppt/slides/slide5.xml><?xml version="1.0" encoding="utf-8"?>
 <p:sld xmlns:a="http://schemas.openxmlformats.org/drawingml/2006/main" xmlns:r="http://schemas.openxmlformats.org/officeDocument/2006/relationships" xmlns:p="http://schemas.openxmlformats.org/presentationml/2006/main">
   <p:cSld>
     <p:spTree>
@@ -10388,7 +12343,7 @@
         </p:nvSpPr>
         <p:spPr>
           <a:xfrm>
-            <a:off x="4914899" y="2438399"/>
+            <a:off x="4822432" y="2438399"/>
             <a:ext cx="2524991" cy="1748761"/>
           </a:xfrm>
           <a:prstGeom prst="ellipse">
@@ -10734,6 +12689,333 @@
 </p:sld>
 </file>
 
+<file path=ppt/slides/slide6.xml><?xml version="1.0" encoding="utf-8"?>
+<p:sld xmlns:a="http://schemas.openxmlformats.org/drawingml/2006/main" xmlns:r="http://schemas.openxmlformats.org/officeDocument/2006/relationships" xmlns:p="http://schemas.openxmlformats.org/presentationml/2006/main">
+  <p:cSld>
+    <p:spTree>
+      <p:nvGrpSpPr>
+        <p:cNvPr id="1" name=""/>
+        <p:cNvGrpSpPr/>
+        <p:nvPr/>
+      </p:nvGrpSpPr>
+      <p:grpSpPr>
+        <a:xfrm>
+          <a:off x="0" y="0"/>
+          <a:ext cx="0" cy="0"/>
+          <a:chOff x="0" y="0"/>
+          <a:chExt cx="0" cy="0"/>
+        </a:xfrm>
+      </p:grpSpPr>
+      <p:sp>
+        <p:nvSpPr>
+          <p:cNvPr id="2" name="Titel 1"/>
+          <p:cNvSpPr>
+            <a:spLocks noGrp="1"/>
+          </p:cNvSpPr>
+          <p:nvPr>
+            <p:ph type="title"/>
+          </p:nvPr>
+        </p:nvSpPr>
+        <p:spPr/>
+        <p:txBody>
+          <a:bodyPr/>
+          <a:lstStyle/>
+          <a:p>
+            <a:r>
+              <a:rPr lang="de-DE" dirty="0" smtClean="0"/>
+              <a:t>Database</a:t>
+            </a:r>
+            <a:endParaRPr lang="de-DE" dirty="0"/>
+          </a:p>
+        </p:txBody>
+      </p:sp>
+      <p:sp>
+        <p:nvSpPr>
+          <p:cNvPr id="3" name="Inhaltsplatzhalter 2"/>
+          <p:cNvSpPr>
+            <a:spLocks noGrp="1"/>
+          </p:cNvSpPr>
+          <p:nvPr>
+            <p:ph idx="1"/>
+          </p:nvPr>
+        </p:nvSpPr>
+        <p:spPr/>
+        <p:txBody>
+          <a:bodyPr anchor="t"/>
+          <a:lstStyle/>
+          <a:p>
+            <a:r>
+              <a:rPr lang="de-DE" dirty="0" smtClean="0"/>
+              <a:t>ERM Modell</a:t>
+            </a:r>
+          </a:p>
+          <a:p>
+            <a:r>
+              <a:rPr lang="de-DE" dirty="0" err="1" smtClean="0"/>
+              <a:t>Prepared</a:t>
+            </a:r>
+            <a:r>
+              <a:rPr lang="de-DE" dirty="0" smtClean="0"/>
+              <a:t> Statements</a:t>
+            </a:r>
+          </a:p>
+          <a:p>
+            <a:pPr lvl="1"/>
+            <a:r>
+              <a:rPr lang="de-DE" dirty="0" err="1" smtClean="0"/>
+              <a:t>Protection</a:t>
+            </a:r>
+            <a:r>
+              <a:rPr lang="de-DE" dirty="0" smtClean="0"/>
+              <a:t> </a:t>
+            </a:r>
+            <a:r>
+              <a:rPr lang="de-DE" dirty="0" err="1" smtClean="0"/>
+              <a:t>against</a:t>
+            </a:r>
+            <a:r>
+              <a:rPr lang="de-DE" dirty="0" smtClean="0"/>
+              <a:t> SQL-</a:t>
+            </a:r>
+            <a:r>
+              <a:rPr lang="de-DE" dirty="0" err="1" smtClean="0"/>
+              <a:t>Injections</a:t>
+            </a:r>
+            <a:endParaRPr lang="de-DE" dirty="0"/>
+          </a:p>
+        </p:txBody>
+      </p:sp>
+    </p:spTree>
+    <p:extLst>
+      <p:ext uri="{BB962C8B-B14F-4D97-AF65-F5344CB8AC3E}">
+        <p14:creationId xmlns:p14="http://schemas.microsoft.com/office/powerpoint/2010/main" val="54498271"/>
+      </p:ext>
+    </p:extLst>
+  </p:cSld>
+  <p:clrMapOvr>
+    <a:masterClrMapping/>
+  </p:clrMapOvr>
+  <p:timing>
+    <p:tnLst>
+      <p:par>
+        <p:cTn id="1" dur="indefinite" restart="never" nodeType="tmRoot"/>
+      </p:par>
+    </p:tnLst>
+  </p:timing>
+</p:sld>
+</file>
+
+<file path=ppt/slides/slide7.xml><?xml version="1.0" encoding="utf-8"?>
+<p:sld xmlns:a="http://schemas.openxmlformats.org/drawingml/2006/main" xmlns:r="http://schemas.openxmlformats.org/officeDocument/2006/relationships" xmlns:p="http://schemas.openxmlformats.org/presentationml/2006/main">
+  <p:cSld>
+    <p:spTree>
+      <p:nvGrpSpPr>
+        <p:cNvPr id="1" name=""/>
+        <p:cNvGrpSpPr/>
+        <p:nvPr/>
+      </p:nvGrpSpPr>
+      <p:grpSpPr>
+        <a:xfrm>
+          <a:off x="0" y="0"/>
+          <a:ext cx="0" cy="0"/>
+          <a:chOff x="0" y="0"/>
+          <a:chExt cx="0" cy="0"/>
+        </a:xfrm>
+      </p:grpSpPr>
+      <p:sp>
+        <p:nvSpPr>
+          <p:cNvPr id="2" name="Titel 1"/>
+          <p:cNvSpPr>
+            <a:spLocks noGrp="1"/>
+          </p:cNvSpPr>
+          <p:nvPr>
+            <p:ph type="title"/>
+          </p:nvPr>
+        </p:nvSpPr>
+        <p:spPr/>
+        <p:txBody>
+          <a:bodyPr/>
+          <a:lstStyle/>
+          <a:p>
+            <a:r>
+              <a:rPr lang="de-DE" dirty="0" smtClean="0"/>
+              <a:t>Entity </a:t>
+            </a:r>
+            <a:r>
+              <a:rPr lang="de-DE" dirty="0" err="1" smtClean="0"/>
+              <a:t>Relationship</a:t>
+            </a:r>
+            <a:r>
+              <a:rPr lang="de-DE" dirty="0" smtClean="0"/>
+              <a:t> Model</a:t>
+            </a:r>
+            <a:endParaRPr lang="en-GB" dirty="0"/>
+          </a:p>
+        </p:txBody>
+      </p:sp>
+      <p:pic>
+        <p:nvPicPr>
+          <p:cNvPr id="5" name="Inhaltsplatzhalter 4"/>
+          <p:cNvPicPr>
+            <a:picLocks noGrp="1" noChangeAspect="1"/>
+          </p:cNvPicPr>
+          <p:nvPr>
+            <p:ph idx="1"/>
+          </p:nvPr>
+        </p:nvPicPr>
+        <p:blipFill>
+          <a:blip r:embed="rId2">
+            <a:extLst>
+              <a:ext uri="{28A0092B-C50C-407E-A947-70E740481C1C}">
+                <a14:useLocalDpi xmlns:a14="http://schemas.microsoft.com/office/drawing/2010/main" val="0"/>
+              </a:ext>
+            </a:extLst>
+          </a:blip>
+          <a:stretch>
+            <a:fillRect/>
+          </a:stretch>
+        </p:blipFill>
+        <p:spPr>
+          <a:xfrm>
+            <a:off x="1" y="0"/>
+            <a:ext cx="12192000" cy="6877395"/>
+          </a:xfrm>
+        </p:spPr>
+      </p:pic>
+    </p:spTree>
+    <p:extLst>
+      <p:ext uri="{BB962C8B-B14F-4D97-AF65-F5344CB8AC3E}">
+        <p14:creationId xmlns:p14="http://schemas.microsoft.com/office/powerpoint/2010/main" val="1071914578"/>
+      </p:ext>
+    </p:extLst>
+  </p:cSld>
+  <p:clrMapOvr>
+    <a:masterClrMapping/>
+  </p:clrMapOvr>
+  <p:transition spd="slow">
+    <p:push dir="u"/>
+  </p:transition>
+  <p:timing>
+    <p:tnLst>
+      <p:par>
+        <p:cTn id="1" dur="indefinite" restart="never" nodeType="tmRoot"/>
+      </p:par>
+    </p:tnLst>
+  </p:timing>
+</p:sld>
+</file>
+
+<file path=ppt/slides/slide8.xml><?xml version="1.0" encoding="utf-8"?>
+<p:sld xmlns:a="http://schemas.openxmlformats.org/drawingml/2006/main" xmlns:r="http://schemas.openxmlformats.org/officeDocument/2006/relationships" xmlns:p="http://schemas.openxmlformats.org/presentationml/2006/main">
+  <p:cSld>
+    <p:spTree>
+      <p:nvGrpSpPr>
+        <p:cNvPr id="1" name=""/>
+        <p:cNvGrpSpPr/>
+        <p:nvPr/>
+      </p:nvGrpSpPr>
+      <p:grpSpPr>
+        <a:xfrm>
+          <a:off x="0" y="0"/>
+          <a:ext cx="0" cy="0"/>
+          <a:chOff x="0" y="0"/>
+          <a:chExt cx="0" cy="0"/>
+        </a:xfrm>
+      </p:grpSpPr>
+      <p:sp>
+        <p:nvSpPr>
+          <p:cNvPr id="2" name="Titel 1"/>
+          <p:cNvSpPr>
+            <a:spLocks noGrp="1"/>
+          </p:cNvSpPr>
+          <p:nvPr>
+            <p:ph type="title"/>
+          </p:nvPr>
+        </p:nvSpPr>
+        <p:spPr/>
+        <p:txBody>
+          <a:bodyPr/>
+          <a:lstStyle/>
+          <a:p>
+            <a:r>
+              <a:rPr lang="de-DE" dirty="0" smtClean="0"/>
+              <a:t>Demo</a:t>
+            </a:r>
+            <a:endParaRPr lang="de-DE" dirty="0"/>
+          </a:p>
+        </p:txBody>
+      </p:sp>
+      <p:sp>
+        <p:nvSpPr>
+          <p:cNvPr id="3" name="Inhaltsplatzhalter 2"/>
+          <p:cNvSpPr>
+            <a:spLocks noGrp="1"/>
+          </p:cNvSpPr>
+          <p:nvPr>
+            <p:ph idx="1"/>
+          </p:nvPr>
+        </p:nvSpPr>
+        <p:spPr/>
+        <p:txBody>
+          <a:bodyPr>
+            <a:normAutofit/>
+          </a:bodyPr>
+          <a:lstStyle/>
+          <a:p>
+            <a:pPr marL="0" indent="0" algn="ctr">
+              <a:buNone/>
+            </a:pPr>
+            <a:r>
+              <a:rPr lang="de-DE" sz="4000" dirty="0" err="1" smtClean="0">
+                <a:hlinkClick r:id="rId3"/>
+              </a:rPr>
+              <a:t>lets</a:t>
+            </a:r>
+            <a:r>
+              <a:rPr lang="de-DE" sz="4000" dirty="0" smtClean="0">
+                <a:hlinkClick r:id="rId3"/>
+              </a:rPr>
+              <a:t> </a:t>
+            </a:r>
+            <a:r>
+              <a:rPr lang="de-DE" sz="4000" dirty="0" err="1" smtClean="0">
+                <a:hlinkClick r:id="rId3"/>
+              </a:rPr>
+              <a:t>gooo</a:t>
+            </a:r>
+            <a:r>
+              <a:rPr lang="de-DE" sz="6000" dirty="0" smtClean="0">
+                <a:hlinkClick r:id="rId3"/>
+              </a:rPr>
+              <a:t>?</a:t>
+            </a:r>
+            <a:endParaRPr lang="de-DE" sz="6000" dirty="0"/>
+          </a:p>
+        </p:txBody>
+      </p:sp>
+    </p:spTree>
+    <p:extLst>
+      <p:ext uri="{BB962C8B-B14F-4D97-AF65-F5344CB8AC3E}">
+        <p14:creationId xmlns:p14="http://schemas.microsoft.com/office/powerpoint/2010/main" val="1494621090"/>
+      </p:ext>
+    </p:extLst>
+  </p:cSld>
+  <p:clrMapOvr>
+    <a:masterClrMapping/>
+  </p:clrMapOvr>
+  <p:transition spd="slow">
+    <p:push dir="u"/>
+  </p:transition>
+  <p:timing>
+    <p:tnLst>
+      <p:par>
+        <p:cTn id="1" dur="indefinite" restart="never" nodeType="tmRoot"/>
+      </p:par>
+    </p:tnLst>
+  </p:timing>
+</p:sld>
+</file>
+
 <file path=ppt/slides/slide9.xml><?xml version="1.0" encoding="utf-8"?>
 <p:sld xmlns:a="http://schemas.openxmlformats.org/drawingml/2006/main" xmlns:r="http://schemas.openxmlformats.org/officeDocument/2006/relationships" xmlns:p="http://schemas.openxmlformats.org/presentationml/2006/main">
   <p:cSld>
@@ -10768,9 +13050,9 @@
           <a:p>
             <a:r>
               <a:rPr lang="de-DE" dirty="0" smtClean="0"/>
-              <a:t>Database</a:t>
-            </a:r>
-            <a:endParaRPr lang="de-DE" dirty="0"/>
+              <a:t>Project Team</a:t>
+            </a:r>
+            <a:endParaRPr lang="en-GB" dirty="0"/>
           </a:p>
         </p:txBody>
       </p:sp>
@@ -10786,60 +13068,95 @@
         </p:nvSpPr>
         <p:spPr/>
         <p:txBody>
-          <a:bodyPr anchor="t"/>
+          <a:bodyPr anchor="t">
+            <a:normAutofit/>
+          </a:bodyPr>
           <a:lstStyle/>
           <a:p>
             <a:r>
+              <a:rPr lang="de-DE" b="1" dirty="0" smtClean="0"/>
+              <a:t>Felix Morsbach: </a:t>
+            </a:r>
+            <a:r>
+              <a:rPr lang="de-DE" i="1" dirty="0" smtClean="0"/>
+              <a:t>Project Manager, Test Manager, </a:t>
+            </a:r>
+            <a:r>
+              <a:rPr lang="de-DE" dirty="0" err="1" smtClean="0"/>
+              <a:t>Implementer</a:t>
+            </a:r>
+            <a:r>
               <a:rPr lang="de-DE" dirty="0" smtClean="0"/>
-              <a:t>ERM Modell</a:t>
-            </a:r>
-          </a:p>
-          <a:p>
+              <a:t>, </a:t>
+            </a:r>
             <a:r>
               <a:rPr lang="de-DE" dirty="0" err="1" smtClean="0"/>
-              <a:t>Prepared</a:t>
-            </a:r>
-            <a:r>
-              <a:rPr lang="de-DE" dirty="0" smtClean="0"/>
-              <a:t> Statements</a:t>
-            </a:r>
-          </a:p>
-          <a:p>
-            <a:pPr lvl="1"/>
-            <a:r>
-              <a:rPr lang="de-DE" dirty="0" err="1" smtClean="0"/>
-              <a:t>Protection</a:t>
+              <a:t>Desinger</a:t>
+            </a:r>
+            <a:endParaRPr lang="de-DE" dirty="0" smtClean="0"/>
+          </a:p>
+          <a:p>
+            <a:endParaRPr lang="de-DE" i="1" dirty="0" smtClean="0"/>
+          </a:p>
+          <a:p>
+            <a:r>
+              <a:rPr lang="de-DE" b="1" dirty="0" smtClean="0"/>
+              <a:t>André Helbig:</a:t>
             </a:r>
             <a:r>
               <a:rPr lang="de-DE" dirty="0" smtClean="0"/>
               <a:t> </a:t>
             </a:r>
             <a:r>
-              <a:rPr lang="de-DE" dirty="0" err="1" smtClean="0"/>
-              <a:t>against</a:t>
+              <a:rPr lang="de-DE" i="1" dirty="0" smtClean="0"/>
+              <a:t>Integrator</a:t>
             </a:r>
             <a:r>
               <a:rPr lang="de-DE" dirty="0" smtClean="0"/>
-              <a:t> SQL-</a:t>
-            </a:r>
-            <a:r>
-              <a:rPr lang="de-DE" dirty="0" err="1" smtClean="0"/>
-              <a:t>Injections</a:t>
-            </a:r>
-            <a:endParaRPr lang="de-DE" dirty="0"/>
+              <a:t>, </a:t>
+            </a:r>
+            <a:r>
+              <a:rPr lang="de-DE" i="1" dirty="0"/>
+              <a:t>Software </a:t>
+            </a:r>
+            <a:r>
+              <a:rPr lang="de-DE" i="1" dirty="0" err="1" smtClean="0"/>
+              <a:t>Architect</a:t>
+            </a:r>
+            <a:r>
+              <a:rPr lang="de-DE" i="1" dirty="0" smtClean="0"/>
+              <a:t>, </a:t>
+            </a:r>
+            <a:r>
+              <a:rPr lang="de-DE" dirty="0" smtClean="0"/>
+              <a:t>Tester</a:t>
+            </a:r>
+            <a:r>
+              <a:rPr lang="de-DE" dirty="0" smtClean="0"/>
+              <a:t>, Designer</a:t>
+            </a:r>
+          </a:p>
+          <a:p>
+            <a:pPr marL="0" indent="0">
+              <a:buNone/>
+            </a:pPr>
+            <a:endParaRPr lang="de-DE" dirty="0" smtClean="0"/>
           </a:p>
         </p:txBody>
       </p:sp>
     </p:spTree>
     <p:extLst>
       <p:ext uri="{BB962C8B-B14F-4D97-AF65-F5344CB8AC3E}">
-        <p14:creationId xmlns:p14="http://schemas.microsoft.com/office/powerpoint/2010/main" val="54498271"/>
+        <p14:creationId xmlns:p14="http://schemas.microsoft.com/office/powerpoint/2010/main" val="1255023610"/>
       </p:ext>
     </p:extLst>
   </p:cSld>
   <p:clrMapOvr>
     <a:masterClrMapping/>
   </p:clrMapOvr>
+  <p:transition spd="slow">
+    <p:push dir="u"/>
+  </p:transition>
   <p:timing>
     <p:tnLst>
       <p:par>
